--- a/doc/03.角色.pptx
+++ b/doc/03.角色.pptx
@@ -12,14 +12,10 @@
     <p:sldId id="288" r:id="rId6"/>
     <p:sldId id="290" r:id="rId7"/>
     <p:sldId id="291" r:id="rId8"/>
-    <p:sldId id="279" r:id="rId9"/>
-    <p:sldId id="280" r:id="rId10"/>
-    <p:sldId id="281" r:id="rId11"/>
-    <p:sldId id="282" r:id="rId12"/>
-    <p:sldId id="283" r:id="rId13"/>
-    <p:sldId id="284" r:id="rId14"/>
-    <p:sldId id="285" r:id="rId15"/>
-    <p:sldId id="286" r:id="rId16"/>
+    <p:sldId id="293" r:id="rId9"/>
+    <p:sldId id="265" r:id="rId10"/>
+    <p:sldId id="266" r:id="rId11"/>
+    <p:sldId id="267" r:id="rId12"/>
   </p:sldIdLst>
   <p:sldSz cx="12192000" cy="6858000"/>
   <p:notesSz cx="6858000" cy="9144000"/>
@@ -4071,6 +4067,710 @@
           <a:chExt cx="0" cy="0"/>
         </a:xfrm>
       </p:grpSpPr>
+      <p:sp>
+        <p:nvSpPr>
+          <p:cNvPr id="53" name="矩形: 圆角 52">
+            <a:extLst>
+              <a:ext uri="{FF2B5EF4-FFF2-40B4-BE49-F238E27FC236}">
+                <a16:creationId xmlns:a16="http://schemas.microsoft.com/office/drawing/2014/main" id="{40CB1BC0-9F2F-42B0-8691-F1896B1D2EE4}"/>
+              </a:ext>
+            </a:extLst>
+          </p:cNvPr>
+          <p:cNvSpPr/>
+          <p:nvPr/>
+        </p:nvSpPr>
+        <p:spPr>
+          <a:xfrm>
+            <a:off x="3227943" y="1254305"/>
+            <a:ext cx="2016000" cy="648000"/>
+          </a:xfrm>
+          <a:prstGeom prst="roundRect">
+            <a:avLst/>
+          </a:prstGeom>
+          <a:solidFill>
+            <a:srgbClr val="00B050"/>
+          </a:solidFill>
+          <a:ln>
+            <a:solidFill>
+              <a:schemeClr val="tx1"/>
+            </a:solidFill>
+          </a:ln>
+        </p:spPr>
+        <p:style>
+          <a:lnRef idx="2">
+            <a:schemeClr val="accent1">
+              <a:shade val="50000"/>
+            </a:schemeClr>
+          </a:lnRef>
+          <a:fillRef idx="1">
+            <a:schemeClr val="accent1"/>
+          </a:fillRef>
+          <a:effectRef idx="0">
+            <a:schemeClr val="accent1"/>
+          </a:effectRef>
+          <a:fontRef idx="minor">
+            <a:schemeClr val="lt1"/>
+          </a:fontRef>
+        </p:style>
+        <p:txBody>
+          <a:bodyPr wrap="none" lIns="36000" tIns="36000" rIns="36000" bIns="36000" rtlCol="0" anchor="ctr" anchorCtr="0"/>
+          <a:lstStyle/>
+          <a:p>
+            <a:pPr algn="ctr"/>
+            <a:r>
+              <a:rPr lang="zh-CN" altLang="en-US" sz="1600" b="1">
+                <a:solidFill>
+                  <a:schemeClr val="tx1"/>
+                </a:solidFill>
+                <a:latin typeface="微软雅黑" panose="020B0503020204020204" pitchFamily="34" charset="-122"/>
+                <a:ea typeface="微软雅黑" panose="020B0503020204020204" pitchFamily="34" charset="-122"/>
+              </a:rPr>
+              <a:t>申请</a:t>
+            </a:r>
+            <a:endParaRPr lang="en-US" altLang="zh-CN" sz="1600" b="1">
+              <a:solidFill>
+                <a:schemeClr val="tx1"/>
+              </a:solidFill>
+              <a:latin typeface="微软雅黑" panose="020B0503020204020204" pitchFamily="34" charset="-122"/>
+              <a:ea typeface="微软雅黑" panose="020B0503020204020204" pitchFamily="34" charset="-122"/>
+            </a:endParaRPr>
+          </a:p>
+          <a:p>
+            <a:pPr algn="ctr"/>
+            <a:r>
+              <a:rPr lang="en-US" altLang="zh-CN" sz="1600" b="1">
+                <a:solidFill>
+                  <a:schemeClr val="tx1"/>
+                </a:solidFill>
+                <a:latin typeface="微软雅黑" panose="020B0503020204020204" pitchFamily="34" charset="-122"/>
+                <a:ea typeface="微软雅黑" panose="020B0503020204020204" pitchFamily="34" charset="-122"/>
+              </a:rPr>
+              <a:t>apply_master</a:t>
+            </a:r>
+            <a:endParaRPr lang="zh-CN" altLang="en-US" sz="1600" b="1">
+              <a:solidFill>
+                <a:schemeClr val="tx1"/>
+              </a:solidFill>
+              <a:latin typeface="微软雅黑" panose="020B0503020204020204" pitchFamily="34" charset="-122"/>
+              <a:ea typeface="微软雅黑" panose="020B0503020204020204" pitchFamily="34" charset="-122"/>
+            </a:endParaRPr>
+          </a:p>
+        </p:txBody>
+      </p:sp>
+      <p:sp>
+        <p:nvSpPr>
+          <p:cNvPr id="48" name="矩形: 圆角 47">
+            <a:extLst>
+              <a:ext uri="{FF2B5EF4-FFF2-40B4-BE49-F238E27FC236}">
+                <a16:creationId xmlns:a16="http://schemas.microsoft.com/office/drawing/2014/main" id="{EBD4EA97-5025-4DE6-B38D-69D50269EB33}"/>
+              </a:ext>
+            </a:extLst>
+          </p:cNvPr>
+          <p:cNvSpPr/>
+          <p:nvPr/>
+        </p:nvSpPr>
+        <p:spPr>
+          <a:xfrm>
+            <a:off x="712379" y="1285639"/>
+            <a:ext cx="1080000" cy="576000"/>
+          </a:xfrm>
+          <a:prstGeom prst="roundRect">
+            <a:avLst/>
+          </a:prstGeom>
+          <a:solidFill>
+            <a:srgbClr val="00B0F0"/>
+          </a:solidFill>
+          <a:ln>
+            <a:solidFill>
+              <a:schemeClr val="tx1"/>
+            </a:solidFill>
+          </a:ln>
+        </p:spPr>
+        <p:style>
+          <a:lnRef idx="2">
+            <a:schemeClr val="accent1">
+              <a:shade val="50000"/>
+            </a:schemeClr>
+          </a:lnRef>
+          <a:fillRef idx="1">
+            <a:schemeClr val="accent1"/>
+          </a:fillRef>
+          <a:effectRef idx="0">
+            <a:schemeClr val="accent1"/>
+          </a:effectRef>
+          <a:fontRef idx="minor">
+            <a:schemeClr val="lt1"/>
+          </a:fontRef>
+        </p:style>
+        <p:txBody>
+          <a:bodyPr wrap="none" lIns="36000" tIns="36000" rIns="36000" bIns="36000" rtlCol="0" anchor="ctr" anchorCtr="0"/>
+          <a:lstStyle/>
+          <a:p>
+            <a:pPr algn="ctr"/>
+            <a:r>
+              <a:rPr lang="zh-CN" altLang="en-US" sz="1600" b="1">
+                <a:solidFill>
+                  <a:schemeClr val="tx1"/>
+                </a:solidFill>
+                <a:latin typeface="微软雅黑" panose="020B0503020204020204" pitchFamily="34" charset="-122"/>
+                <a:ea typeface="微软雅黑" panose="020B0503020204020204" pitchFamily="34" charset="-122"/>
+              </a:rPr>
+              <a:t>用户</a:t>
+            </a:r>
+          </a:p>
+        </p:txBody>
+      </p:sp>
+      <p:sp>
+        <p:nvSpPr>
+          <p:cNvPr id="61" name="矩形: 圆角 60">
+            <a:extLst>
+              <a:ext uri="{FF2B5EF4-FFF2-40B4-BE49-F238E27FC236}">
+                <a16:creationId xmlns:a16="http://schemas.microsoft.com/office/drawing/2014/main" id="{E3777F73-EAAB-43DE-8A90-6B6D895B1B1F}"/>
+              </a:ext>
+            </a:extLst>
+          </p:cNvPr>
+          <p:cNvSpPr/>
+          <p:nvPr/>
+        </p:nvSpPr>
+        <p:spPr>
+          <a:xfrm>
+            <a:off x="712379" y="2455638"/>
+            <a:ext cx="1080000" cy="576000"/>
+          </a:xfrm>
+          <a:prstGeom prst="roundRect">
+            <a:avLst/>
+          </a:prstGeom>
+          <a:solidFill>
+            <a:srgbClr val="00B0F0"/>
+          </a:solidFill>
+          <a:ln>
+            <a:solidFill>
+              <a:schemeClr val="tx1"/>
+            </a:solidFill>
+          </a:ln>
+        </p:spPr>
+        <p:style>
+          <a:lnRef idx="2">
+            <a:schemeClr val="accent1">
+              <a:shade val="50000"/>
+            </a:schemeClr>
+          </a:lnRef>
+          <a:fillRef idx="1">
+            <a:schemeClr val="accent1"/>
+          </a:fillRef>
+          <a:effectRef idx="0">
+            <a:schemeClr val="accent1"/>
+          </a:effectRef>
+          <a:fontRef idx="minor">
+            <a:schemeClr val="lt1"/>
+          </a:fontRef>
+        </p:style>
+        <p:txBody>
+          <a:bodyPr wrap="none" lIns="36000" tIns="36000" rIns="36000" bIns="36000" rtlCol="0" anchor="ctr" anchorCtr="0"/>
+          <a:lstStyle/>
+          <a:p>
+            <a:pPr algn="ctr"/>
+            <a:r>
+              <a:rPr lang="zh-CN" altLang="en-US" sz="1600" b="1">
+                <a:solidFill>
+                  <a:schemeClr val="tx1"/>
+                </a:solidFill>
+                <a:latin typeface="微软雅黑" panose="020B0503020204020204" pitchFamily="34" charset="-122"/>
+                <a:ea typeface="微软雅黑" panose="020B0503020204020204" pitchFamily="34" charset="-122"/>
+              </a:rPr>
+              <a:t>股东</a:t>
+            </a:r>
+          </a:p>
+        </p:txBody>
+      </p:sp>
+      <p:sp>
+        <p:nvSpPr>
+          <p:cNvPr id="101" name="矩形: 圆角 100">
+            <a:extLst>
+              <a:ext uri="{FF2B5EF4-FFF2-40B4-BE49-F238E27FC236}">
+                <a16:creationId xmlns:a16="http://schemas.microsoft.com/office/drawing/2014/main" id="{2FD8AFDB-B92D-4C27-ABEC-799C66831DBB}"/>
+              </a:ext>
+            </a:extLst>
+          </p:cNvPr>
+          <p:cNvSpPr/>
+          <p:nvPr/>
+        </p:nvSpPr>
+        <p:spPr>
+          <a:xfrm>
+            <a:off x="3227943" y="2419638"/>
+            <a:ext cx="2016000" cy="648000"/>
+          </a:xfrm>
+          <a:prstGeom prst="roundRect">
+            <a:avLst/>
+          </a:prstGeom>
+          <a:solidFill>
+            <a:srgbClr val="00B050"/>
+          </a:solidFill>
+          <a:ln>
+            <a:solidFill>
+              <a:schemeClr val="tx1"/>
+            </a:solidFill>
+          </a:ln>
+        </p:spPr>
+        <p:style>
+          <a:lnRef idx="2">
+            <a:schemeClr val="accent1">
+              <a:shade val="50000"/>
+            </a:schemeClr>
+          </a:lnRef>
+          <a:fillRef idx="1">
+            <a:schemeClr val="accent1"/>
+          </a:fillRef>
+          <a:effectRef idx="0">
+            <a:schemeClr val="accent1"/>
+          </a:effectRef>
+          <a:fontRef idx="minor">
+            <a:schemeClr val="lt1"/>
+          </a:fontRef>
+        </p:style>
+        <p:txBody>
+          <a:bodyPr wrap="none" lIns="36000" tIns="36000" rIns="36000" bIns="36000" rtlCol="0" anchor="ctr" anchorCtr="0"/>
+          <a:lstStyle/>
+          <a:p>
+            <a:pPr algn="ctr"/>
+            <a:r>
+              <a:rPr lang="zh-CN" altLang="en-US" sz="1600" b="1">
+                <a:solidFill>
+                  <a:schemeClr val="tx1"/>
+                </a:solidFill>
+                <a:latin typeface="微软雅黑" panose="020B0503020204020204" pitchFamily="34" charset="-122"/>
+                <a:ea typeface="微软雅黑" panose="020B0503020204020204" pitchFamily="34" charset="-122"/>
+              </a:rPr>
+              <a:t>查找申请者</a:t>
+            </a:r>
+            <a:endParaRPr lang="en-US" altLang="zh-CN" sz="1600" b="1">
+              <a:solidFill>
+                <a:schemeClr val="tx1"/>
+              </a:solidFill>
+              <a:latin typeface="微软雅黑" panose="020B0503020204020204" pitchFamily="34" charset="-122"/>
+              <a:ea typeface="微软雅黑" panose="020B0503020204020204" pitchFamily="34" charset="-122"/>
+            </a:endParaRPr>
+          </a:p>
+          <a:p>
+            <a:pPr algn="ctr"/>
+            <a:r>
+              <a:rPr lang="en-US" altLang="zh-CN" sz="1600" b="1">
+                <a:solidFill>
+                  <a:schemeClr val="tx1"/>
+                </a:solidFill>
+                <a:latin typeface="微软雅黑" panose="020B0503020204020204" pitchFamily="34" charset="-122"/>
+                <a:ea typeface="微软雅黑" panose="020B0503020204020204" pitchFamily="34" charset="-122"/>
+              </a:rPr>
+              <a:t>list_master</a:t>
+            </a:r>
+            <a:endParaRPr lang="zh-CN" altLang="en-US" sz="1600" b="1">
+              <a:solidFill>
+                <a:schemeClr val="tx1"/>
+              </a:solidFill>
+              <a:latin typeface="微软雅黑" panose="020B0503020204020204" pitchFamily="34" charset="-122"/>
+              <a:ea typeface="微软雅黑" panose="020B0503020204020204" pitchFamily="34" charset="-122"/>
+            </a:endParaRPr>
+          </a:p>
+        </p:txBody>
+      </p:sp>
+      <p:cxnSp>
+        <p:nvCxnSpPr>
+          <p:cNvPr id="111" name="直接箭头连接符 110">
+            <a:extLst>
+              <a:ext uri="{FF2B5EF4-FFF2-40B4-BE49-F238E27FC236}">
+                <a16:creationId xmlns:a16="http://schemas.microsoft.com/office/drawing/2014/main" id="{E503A773-633A-4D3C-8724-1D424425A2E9}"/>
+              </a:ext>
+            </a:extLst>
+          </p:cNvPr>
+          <p:cNvCxnSpPr>
+            <a:cxnSpLocks/>
+            <a:stCxn id="49" idx="3"/>
+            <a:endCxn id="30" idx="1"/>
+          </p:cNvCxnSpPr>
+          <p:nvPr/>
+        </p:nvCxnSpPr>
+        <p:spPr>
+          <a:xfrm>
+            <a:off x="5243943" y="3913712"/>
+            <a:ext cx="1454459" cy="73"/>
+          </a:xfrm>
+          <a:prstGeom prst="straightConnector1">
+            <a:avLst/>
+          </a:prstGeom>
+          <a:ln w="57150">
+            <a:solidFill>
+              <a:srgbClr val="FFC000"/>
+            </a:solidFill>
+            <a:tailEnd type="triangle"/>
+          </a:ln>
+        </p:spPr>
+        <p:style>
+          <a:lnRef idx="1">
+            <a:schemeClr val="accent1"/>
+          </a:lnRef>
+          <a:fillRef idx="0">
+            <a:schemeClr val="accent1"/>
+          </a:fillRef>
+          <a:effectRef idx="0">
+            <a:schemeClr val="accent1"/>
+          </a:effectRef>
+          <a:fontRef idx="minor">
+            <a:schemeClr val="tx1"/>
+          </a:fontRef>
+        </p:style>
+      </p:cxnSp>
+      <p:cxnSp>
+        <p:nvCxnSpPr>
+          <p:cNvPr id="113" name="直接箭头连接符 112">
+            <a:extLst>
+              <a:ext uri="{FF2B5EF4-FFF2-40B4-BE49-F238E27FC236}">
+                <a16:creationId xmlns:a16="http://schemas.microsoft.com/office/drawing/2014/main" id="{A6C2F5A5-BF99-4B50-8A20-06A63668171D}"/>
+              </a:ext>
+            </a:extLst>
+          </p:cNvPr>
+          <p:cNvCxnSpPr>
+            <a:cxnSpLocks/>
+            <a:stCxn id="53" idx="3"/>
+            <a:endCxn id="28" idx="1"/>
+          </p:cNvCxnSpPr>
+          <p:nvPr/>
+        </p:nvCxnSpPr>
+        <p:spPr>
+          <a:xfrm flipV="1">
+            <a:off x="5243943" y="1573197"/>
+            <a:ext cx="1435564" cy="5108"/>
+          </a:xfrm>
+          <a:prstGeom prst="straightConnector1">
+            <a:avLst/>
+          </a:prstGeom>
+          <a:ln w="57150">
+            <a:solidFill>
+              <a:srgbClr val="FFC000"/>
+            </a:solidFill>
+            <a:tailEnd type="triangle"/>
+          </a:ln>
+        </p:spPr>
+        <p:style>
+          <a:lnRef idx="1">
+            <a:schemeClr val="accent1"/>
+          </a:lnRef>
+          <a:fillRef idx="0">
+            <a:schemeClr val="accent1"/>
+          </a:fillRef>
+          <a:effectRef idx="0">
+            <a:schemeClr val="accent1"/>
+          </a:effectRef>
+          <a:fontRef idx="minor">
+            <a:schemeClr val="tx1"/>
+          </a:fontRef>
+        </p:style>
+      </p:cxnSp>
+      <p:sp>
+        <p:nvSpPr>
+          <p:cNvPr id="47" name="矩形: 圆角 46">
+            <a:extLst>
+              <a:ext uri="{FF2B5EF4-FFF2-40B4-BE49-F238E27FC236}">
+                <a16:creationId xmlns:a16="http://schemas.microsoft.com/office/drawing/2014/main" id="{A2832FAA-26D6-45C7-81D2-52D1B13FC30D}"/>
+              </a:ext>
+            </a:extLst>
+          </p:cNvPr>
+          <p:cNvSpPr/>
+          <p:nvPr/>
+        </p:nvSpPr>
+        <p:spPr>
+          <a:xfrm>
+            <a:off x="712379" y="3625637"/>
+            <a:ext cx="1080000" cy="576000"/>
+          </a:xfrm>
+          <a:prstGeom prst="roundRect">
+            <a:avLst/>
+          </a:prstGeom>
+          <a:solidFill>
+            <a:srgbClr val="00B0F0"/>
+          </a:solidFill>
+          <a:ln>
+            <a:solidFill>
+              <a:schemeClr val="tx1"/>
+            </a:solidFill>
+          </a:ln>
+        </p:spPr>
+        <p:style>
+          <a:lnRef idx="2">
+            <a:schemeClr val="accent1">
+              <a:shade val="50000"/>
+            </a:schemeClr>
+          </a:lnRef>
+          <a:fillRef idx="1">
+            <a:schemeClr val="accent1"/>
+          </a:fillRef>
+          <a:effectRef idx="0">
+            <a:schemeClr val="accent1"/>
+          </a:effectRef>
+          <a:fontRef idx="minor">
+            <a:schemeClr val="lt1"/>
+          </a:fontRef>
+        </p:style>
+        <p:txBody>
+          <a:bodyPr wrap="none" lIns="36000" tIns="36000" rIns="36000" bIns="36000" rtlCol="0" anchor="ctr" anchorCtr="0"/>
+          <a:lstStyle/>
+          <a:p>
+            <a:pPr algn="ctr"/>
+            <a:r>
+              <a:rPr lang="zh-CN" altLang="en-US" sz="1600" b="1">
+                <a:solidFill>
+                  <a:schemeClr val="tx1"/>
+                </a:solidFill>
+                <a:latin typeface="微软雅黑" panose="020B0503020204020204" pitchFamily="34" charset="-122"/>
+                <a:ea typeface="微软雅黑" panose="020B0503020204020204" pitchFamily="34" charset="-122"/>
+              </a:rPr>
+              <a:t>股东</a:t>
+            </a:r>
+          </a:p>
+        </p:txBody>
+      </p:sp>
+      <p:sp>
+        <p:nvSpPr>
+          <p:cNvPr id="49" name="矩形: 圆角 48">
+            <a:extLst>
+              <a:ext uri="{FF2B5EF4-FFF2-40B4-BE49-F238E27FC236}">
+                <a16:creationId xmlns:a16="http://schemas.microsoft.com/office/drawing/2014/main" id="{9318B74D-0975-4412-852D-C0122D209E75}"/>
+              </a:ext>
+            </a:extLst>
+          </p:cNvPr>
+          <p:cNvSpPr/>
+          <p:nvPr/>
+        </p:nvSpPr>
+        <p:spPr>
+          <a:xfrm>
+            <a:off x="3227943" y="3589712"/>
+            <a:ext cx="2016000" cy="648000"/>
+          </a:xfrm>
+          <a:prstGeom prst="roundRect">
+            <a:avLst/>
+          </a:prstGeom>
+          <a:solidFill>
+            <a:srgbClr val="00B050"/>
+          </a:solidFill>
+          <a:ln>
+            <a:solidFill>
+              <a:schemeClr val="tx1"/>
+            </a:solidFill>
+          </a:ln>
+        </p:spPr>
+        <p:style>
+          <a:lnRef idx="2">
+            <a:schemeClr val="accent1">
+              <a:shade val="50000"/>
+            </a:schemeClr>
+          </a:lnRef>
+          <a:fillRef idx="1">
+            <a:schemeClr val="accent1"/>
+          </a:fillRef>
+          <a:effectRef idx="0">
+            <a:schemeClr val="accent1"/>
+          </a:effectRef>
+          <a:fontRef idx="minor">
+            <a:schemeClr val="lt1"/>
+          </a:fontRef>
+        </p:style>
+        <p:txBody>
+          <a:bodyPr wrap="none" lIns="36000" tIns="36000" rIns="36000" bIns="36000" rtlCol="0" anchor="ctr" anchorCtr="0"/>
+          <a:lstStyle/>
+          <a:p>
+            <a:pPr algn="ctr"/>
+            <a:r>
+              <a:rPr lang="zh-CN" altLang="en-US" sz="1600" b="1">
+                <a:solidFill>
+                  <a:schemeClr val="tx1"/>
+                </a:solidFill>
+                <a:latin typeface="微软雅黑" panose="020B0503020204020204" pitchFamily="34" charset="-122"/>
+                <a:ea typeface="微软雅黑" panose="020B0503020204020204" pitchFamily="34" charset="-122"/>
+              </a:rPr>
+              <a:t>批准</a:t>
+            </a:r>
+            <a:endParaRPr lang="en-US" altLang="zh-CN" sz="1600" b="1">
+              <a:solidFill>
+                <a:schemeClr val="tx1"/>
+              </a:solidFill>
+              <a:latin typeface="微软雅黑" panose="020B0503020204020204" pitchFamily="34" charset="-122"/>
+              <a:ea typeface="微软雅黑" panose="020B0503020204020204" pitchFamily="34" charset="-122"/>
+            </a:endParaRPr>
+          </a:p>
+          <a:p>
+            <a:pPr algn="ctr"/>
+            <a:r>
+              <a:rPr lang="en-US" altLang="zh-CN" sz="1600" b="1">
+                <a:solidFill>
+                  <a:schemeClr val="tx1"/>
+                </a:solidFill>
+                <a:latin typeface="微软雅黑" panose="020B0503020204020204" pitchFamily="34" charset="-122"/>
+                <a:ea typeface="微软雅黑" panose="020B0503020204020204" pitchFamily="34" charset="-122"/>
+              </a:rPr>
+              <a:t>approve_master</a:t>
+            </a:r>
+            <a:endParaRPr lang="zh-CN" altLang="en-US" sz="1600" b="1">
+              <a:solidFill>
+                <a:schemeClr val="tx1"/>
+              </a:solidFill>
+              <a:latin typeface="微软雅黑" panose="020B0503020204020204" pitchFamily="34" charset="-122"/>
+              <a:ea typeface="微软雅黑" panose="020B0503020204020204" pitchFamily="34" charset="-122"/>
+            </a:endParaRPr>
+          </a:p>
+        </p:txBody>
+      </p:sp>
+      <p:sp>
+        <p:nvSpPr>
+          <p:cNvPr id="89" name="矩形: 圆角 88">
+            <a:extLst>
+              <a:ext uri="{FF2B5EF4-FFF2-40B4-BE49-F238E27FC236}">
+                <a16:creationId xmlns:a16="http://schemas.microsoft.com/office/drawing/2014/main" id="{BCB76878-D819-48AC-AEB8-9F028A450BD7}"/>
+              </a:ext>
+            </a:extLst>
+          </p:cNvPr>
+          <p:cNvSpPr/>
+          <p:nvPr/>
+        </p:nvSpPr>
+        <p:spPr>
+          <a:xfrm>
+            <a:off x="714124" y="4795636"/>
+            <a:ext cx="1080000" cy="576000"/>
+          </a:xfrm>
+          <a:prstGeom prst="roundRect">
+            <a:avLst/>
+          </a:prstGeom>
+          <a:solidFill>
+            <a:srgbClr val="00B0F0"/>
+          </a:solidFill>
+          <a:ln>
+            <a:solidFill>
+              <a:schemeClr val="tx1"/>
+            </a:solidFill>
+          </a:ln>
+        </p:spPr>
+        <p:style>
+          <a:lnRef idx="2">
+            <a:schemeClr val="accent1">
+              <a:shade val="50000"/>
+            </a:schemeClr>
+          </a:lnRef>
+          <a:fillRef idx="1">
+            <a:schemeClr val="accent1"/>
+          </a:fillRef>
+          <a:effectRef idx="0">
+            <a:schemeClr val="accent1"/>
+          </a:effectRef>
+          <a:fontRef idx="minor">
+            <a:schemeClr val="lt1"/>
+          </a:fontRef>
+        </p:style>
+        <p:txBody>
+          <a:bodyPr wrap="none" lIns="36000" tIns="36000" rIns="36000" bIns="36000" rtlCol="0" anchor="ctr" anchorCtr="0"/>
+          <a:lstStyle/>
+          <a:p>
+            <a:pPr algn="ctr"/>
+            <a:r>
+              <a:rPr lang="zh-CN" altLang="en-US" sz="1600" b="1">
+                <a:solidFill>
+                  <a:schemeClr val="tx1"/>
+                </a:solidFill>
+                <a:latin typeface="微软雅黑" panose="020B0503020204020204" pitchFamily="34" charset="-122"/>
+                <a:ea typeface="微软雅黑" panose="020B0503020204020204" pitchFamily="34" charset="-122"/>
+              </a:rPr>
+              <a:t>申请者</a:t>
+            </a:r>
+          </a:p>
+        </p:txBody>
+      </p:sp>
+      <p:sp>
+        <p:nvSpPr>
+          <p:cNvPr id="106" name="矩形: 圆角 105">
+            <a:extLst>
+              <a:ext uri="{FF2B5EF4-FFF2-40B4-BE49-F238E27FC236}">
+                <a16:creationId xmlns:a16="http://schemas.microsoft.com/office/drawing/2014/main" id="{23A35783-45F3-492D-B983-D833D276F213}"/>
+              </a:ext>
+            </a:extLst>
+          </p:cNvPr>
+          <p:cNvSpPr/>
+          <p:nvPr/>
+        </p:nvSpPr>
+        <p:spPr>
+          <a:xfrm>
+            <a:off x="3227943" y="4759786"/>
+            <a:ext cx="2016000" cy="648000"/>
+          </a:xfrm>
+          <a:prstGeom prst="roundRect">
+            <a:avLst/>
+          </a:prstGeom>
+          <a:solidFill>
+            <a:srgbClr val="00B050"/>
+          </a:solidFill>
+          <a:ln>
+            <a:solidFill>
+              <a:schemeClr val="tx1"/>
+            </a:solidFill>
+          </a:ln>
+        </p:spPr>
+        <p:style>
+          <a:lnRef idx="2">
+            <a:schemeClr val="accent1">
+              <a:shade val="50000"/>
+            </a:schemeClr>
+          </a:lnRef>
+          <a:fillRef idx="1">
+            <a:schemeClr val="accent1"/>
+          </a:fillRef>
+          <a:effectRef idx="0">
+            <a:schemeClr val="accent1"/>
+          </a:effectRef>
+          <a:fontRef idx="minor">
+            <a:schemeClr val="lt1"/>
+          </a:fontRef>
+        </p:style>
+        <p:txBody>
+          <a:bodyPr wrap="none" lIns="36000" tIns="36000" rIns="36000" bIns="36000" rtlCol="0" anchor="ctr" anchorCtr="0"/>
+          <a:lstStyle/>
+          <a:p>
+            <a:pPr algn="ctr"/>
+            <a:r>
+              <a:rPr lang="zh-CN" altLang="en-US" sz="1600" b="1">
+                <a:solidFill>
+                  <a:schemeClr val="tx1"/>
+                </a:solidFill>
+                <a:latin typeface="微软雅黑" panose="020B0503020204020204" pitchFamily="34" charset="-122"/>
+                <a:ea typeface="微软雅黑" panose="020B0503020204020204" pitchFamily="34" charset="-122"/>
+              </a:rPr>
+              <a:t>判断身份</a:t>
+            </a:r>
+            <a:endParaRPr lang="en-US" altLang="zh-CN" sz="1600" b="1">
+              <a:solidFill>
+                <a:schemeClr val="tx1"/>
+              </a:solidFill>
+              <a:latin typeface="微软雅黑" panose="020B0503020204020204" pitchFamily="34" charset="-122"/>
+              <a:ea typeface="微软雅黑" panose="020B0503020204020204" pitchFamily="34" charset="-122"/>
+            </a:endParaRPr>
+          </a:p>
+          <a:p>
+            <a:pPr algn="ctr"/>
+            <a:r>
+              <a:rPr lang="en-US" altLang="zh-CN" sz="1600" b="1">
+                <a:solidFill>
+                  <a:schemeClr val="tx1"/>
+                </a:solidFill>
+                <a:latin typeface="微软雅黑" panose="020B0503020204020204" pitchFamily="34" charset="-122"/>
+                <a:ea typeface="微软雅黑" panose="020B0503020204020204" pitchFamily="34" charset="-122"/>
+              </a:rPr>
+              <a:t>is_master</a:t>
+            </a:r>
+            <a:endParaRPr lang="zh-CN" altLang="en-US" sz="1600" b="1">
+              <a:solidFill>
+                <a:schemeClr val="tx1"/>
+              </a:solidFill>
+              <a:latin typeface="微软雅黑" panose="020B0503020204020204" pitchFamily="34" charset="-122"/>
+              <a:ea typeface="微软雅黑" panose="020B0503020204020204" pitchFamily="34" charset="-122"/>
+            </a:endParaRPr>
+          </a:p>
+        </p:txBody>
+      </p:sp>
       <p:cxnSp>
         <p:nvCxnSpPr>
           <p:cNvPr id="239" name="直接连接符 238">
@@ -4205,17 +4905,17 @@
                 <a:latin typeface="Consolas" panose="020B0609020204030204" pitchFamily="49" charset="0"/>
                 <a:ea typeface="微软雅黑" panose="020B0503020204020204" pitchFamily="34" charset="-122"/>
               </a:rPr>
-              <a:t>购买用户商品</a:t>
-            </a:r>
-          </a:p>
-        </p:txBody>
-      </p:sp>
-      <p:sp>
-        <p:nvSpPr>
-          <p:cNvPr id="14" name="矩形: 圆角 13">
-            <a:extLst>
-              <a:ext uri="{FF2B5EF4-FFF2-40B4-BE49-F238E27FC236}">
-                <a16:creationId xmlns:a16="http://schemas.microsoft.com/office/drawing/2014/main" id="{FF3ED206-3EB1-4CF1-941F-BCC627677CF7}"/>
+              <a:t>申请成为法师</a:t>
+            </a:r>
+          </a:p>
+        </p:txBody>
+      </p:sp>
+      <p:sp>
+        <p:nvSpPr>
+          <p:cNvPr id="28" name="矩形: 圆角 27">
+            <a:extLst>
+              <a:ext uri="{FF2B5EF4-FFF2-40B4-BE49-F238E27FC236}">
+                <a16:creationId xmlns:a16="http://schemas.microsoft.com/office/drawing/2014/main" id="{AB4DE673-24F1-43A2-BCAF-B68C77E8E497}"/>
               </a:ext>
             </a:extLst>
           </p:cNvPr>
@@ -4224,564 +4924,8 @@
         </p:nvSpPr>
         <p:spPr>
           <a:xfrm>
-            <a:off x="590551" y="1500197"/>
-            <a:ext cx="2340000" cy="1620000"/>
-          </a:xfrm>
-          <a:prstGeom prst="roundRect">
-            <a:avLst>
-              <a:gd name="adj" fmla="val 5494"/>
-            </a:avLst>
-          </a:prstGeom>
-          <a:noFill/>
-          <a:ln>
-            <a:solidFill>
-              <a:schemeClr val="tx2"/>
-            </a:solidFill>
-            <a:prstDash val="dash"/>
-          </a:ln>
-        </p:spPr>
-        <p:style>
-          <a:lnRef idx="2">
-            <a:schemeClr val="accent1">
-              <a:shade val="50000"/>
-            </a:schemeClr>
-          </a:lnRef>
-          <a:fillRef idx="1">
-            <a:schemeClr val="accent1"/>
-          </a:fillRef>
-          <a:effectRef idx="0">
-            <a:schemeClr val="accent1"/>
-          </a:effectRef>
-          <a:fontRef idx="minor">
-            <a:schemeClr val="lt1"/>
-          </a:fontRef>
-        </p:style>
-        <p:txBody>
-          <a:bodyPr rtlCol="0" anchor="ctr"/>
-          <a:lstStyle/>
-          <a:p>
-            <a:pPr algn="ctr"/>
-            <a:endParaRPr lang="zh-CN" altLang="en-US" sz="1600">
-              <a:latin typeface="微软雅黑" panose="020B0503020204020204" pitchFamily="34" charset="-122"/>
-              <a:ea typeface="微软雅黑" panose="020B0503020204020204" pitchFamily="34" charset="-122"/>
-            </a:endParaRPr>
-          </a:p>
-        </p:txBody>
-      </p:sp>
-      <p:grpSp>
-        <p:nvGrpSpPr>
-          <p:cNvPr id="16" name="组合 15">
-            <a:extLst>
-              <a:ext uri="{FF2B5EF4-FFF2-40B4-BE49-F238E27FC236}">
-                <a16:creationId xmlns:a16="http://schemas.microsoft.com/office/drawing/2014/main" id="{A1795C0A-BF60-4C70-A034-A78582707CE8}"/>
-              </a:ext>
-            </a:extLst>
-          </p:cNvPr>
-          <p:cNvGrpSpPr/>
-          <p:nvPr/>
-        </p:nvGrpSpPr>
-        <p:grpSpPr>
-          <a:xfrm>
-            <a:off x="689021" y="1635017"/>
-            <a:ext cx="2153706" cy="1356725"/>
-            <a:chOff x="3906523" y="2193174"/>
-            <a:chExt cx="2153706" cy="1356725"/>
-          </a:xfrm>
-        </p:grpSpPr>
-        <p:sp>
-          <p:nvSpPr>
-            <p:cNvPr id="17" name="矩形: 圆角 16">
-              <a:extLst>
-                <a:ext uri="{FF2B5EF4-FFF2-40B4-BE49-F238E27FC236}">
-                  <a16:creationId xmlns:a16="http://schemas.microsoft.com/office/drawing/2014/main" id="{0F567187-0C43-4575-8464-C3D2C859E137}"/>
-                </a:ext>
-              </a:extLst>
-            </p:cNvPr>
-            <p:cNvSpPr/>
-            <p:nvPr/>
-          </p:nvSpPr>
-          <p:spPr>
-            <a:xfrm>
-              <a:off x="4366053" y="2193174"/>
-              <a:ext cx="1224000" cy="540000"/>
-            </a:xfrm>
-            <a:prstGeom prst="roundRect">
-              <a:avLst/>
-            </a:prstGeom>
-            <a:solidFill>
-              <a:srgbClr val="00B0F0"/>
-            </a:solidFill>
-            <a:ln>
-              <a:solidFill>
-                <a:schemeClr val="tx1"/>
-              </a:solidFill>
-            </a:ln>
-          </p:spPr>
-          <p:style>
-            <a:lnRef idx="2">
-              <a:schemeClr val="accent1">
-                <a:shade val="50000"/>
-              </a:schemeClr>
-            </a:lnRef>
-            <a:fillRef idx="1">
-              <a:schemeClr val="accent1"/>
-            </a:fillRef>
-            <a:effectRef idx="0">
-              <a:schemeClr val="accent1"/>
-            </a:effectRef>
-            <a:fontRef idx="minor">
-              <a:schemeClr val="lt1"/>
-            </a:fontRef>
-          </p:style>
-          <p:txBody>
-            <a:bodyPr wrap="none" lIns="36000" tIns="36000" rIns="36000" bIns="36000" rtlCol="0" anchor="ctr" anchorCtr="0"/>
-            <a:lstStyle/>
-            <a:p>
-              <a:pPr algn="ctr"/>
-              <a:r>
-                <a:rPr lang="zh-CN" altLang="en-US" sz="1600" b="1">
-                  <a:solidFill>
-                    <a:schemeClr val="tx1"/>
-                  </a:solidFill>
-                  <a:latin typeface="微软雅黑" panose="020B0503020204020204" pitchFamily="34" charset="-122"/>
-                  <a:ea typeface="微软雅黑" panose="020B0503020204020204" pitchFamily="34" charset="-122"/>
-                </a:rPr>
-                <a:t>用户</a:t>
-              </a:r>
-            </a:p>
-          </p:txBody>
-        </p:sp>
-        <p:sp>
-          <p:nvSpPr>
-            <p:cNvPr id="18" name="矩形: 圆角 17">
-              <a:extLst>
-                <a:ext uri="{FF2B5EF4-FFF2-40B4-BE49-F238E27FC236}">
-                  <a16:creationId xmlns:a16="http://schemas.microsoft.com/office/drawing/2014/main" id="{332C2575-AD02-407D-A122-B9AB14435E0D}"/>
-                </a:ext>
-              </a:extLst>
-            </p:cNvPr>
-            <p:cNvSpPr/>
-            <p:nvPr/>
-          </p:nvSpPr>
-          <p:spPr>
-            <a:xfrm>
-              <a:off x="3906523" y="2901899"/>
-              <a:ext cx="2153706" cy="648000"/>
-            </a:xfrm>
-            <a:prstGeom prst="roundRect">
-              <a:avLst/>
-            </a:prstGeom>
-            <a:solidFill>
-              <a:srgbClr val="00B050"/>
-            </a:solidFill>
-            <a:ln>
-              <a:solidFill>
-                <a:schemeClr val="tx1"/>
-              </a:solidFill>
-            </a:ln>
-          </p:spPr>
-          <p:style>
-            <a:lnRef idx="2">
-              <a:schemeClr val="accent1">
-                <a:shade val="50000"/>
-              </a:schemeClr>
-            </a:lnRef>
-            <a:fillRef idx="1">
-              <a:schemeClr val="accent1"/>
-            </a:fillRef>
-            <a:effectRef idx="0">
-              <a:schemeClr val="accent1"/>
-            </a:effectRef>
-            <a:fontRef idx="minor">
-              <a:schemeClr val="lt1"/>
-            </a:fontRef>
-          </p:style>
-          <p:txBody>
-            <a:bodyPr wrap="none" lIns="36000" tIns="36000" rIns="36000" bIns="36000" rtlCol="0" anchor="ctr" anchorCtr="0"/>
-            <a:lstStyle/>
-            <a:p>
-              <a:pPr algn="ctr"/>
-              <a:r>
-                <a:rPr lang="zh-CN" altLang="en-US" sz="1600" b="1">
-                  <a:solidFill>
-                    <a:schemeClr val="tx1"/>
-                  </a:solidFill>
-                  <a:latin typeface="微软雅黑" panose="020B0503020204020204" pitchFamily="34" charset="-122"/>
-                  <a:ea typeface="微软雅黑" panose="020B0503020204020204" pitchFamily="34" charset="-122"/>
-                </a:rPr>
-                <a:t>查看出售者出售表</a:t>
-              </a:r>
-              <a:endParaRPr lang="en-US" altLang="zh-CN" sz="1600" b="1">
-                <a:solidFill>
-                  <a:schemeClr val="tx1"/>
-                </a:solidFill>
-                <a:latin typeface="微软雅黑" panose="020B0503020204020204" pitchFamily="34" charset="-122"/>
-                <a:ea typeface="微软雅黑" panose="020B0503020204020204" pitchFamily="34" charset="-122"/>
-              </a:endParaRPr>
-            </a:p>
-            <a:p>
-              <a:pPr algn="ctr"/>
-              <a:r>
-                <a:rPr lang="en-US" altLang="zh-CN" sz="1600" b="1">
-                  <a:solidFill>
-                    <a:schemeClr val="tx1"/>
-                  </a:solidFill>
-                  <a:latin typeface="微软雅黑" panose="020B0503020204020204" pitchFamily="34" charset="-122"/>
-                  <a:ea typeface="微软雅黑" panose="020B0503020204020204" pitchFamily="34" charset="-122"/>
-                </a:rPr>
-                <a:t>list_person_goods</a:t>
-              </a:r>
-              <a:endParaRPr lang="zh-CN" altLang="en-US" sz="1600" b="1">
-                <a:solidFill>
-                  <a:schemeClr val="tx1"/>
-                </a:solidFill>
-                <a:latin typeface="微软雅黑" panose="020B0503020204020204" pitchFamily="34" charset="-122"/>
-                <a:ea typeface="微软雅黑" panose="020B0503020204020204" pitchFamily="34" charset="-122"/>
-              </a:endParaRPr>
-            </a:p>
-          </p:txBody>
-        </p:sp>
-      </p:grpSp>
-      <p:cxnSp>
-        <p:nvCxnSpPr>
-          <p:cNvPr id="19" name="直接箭头连接符 18">
-            <a:extLst>
-              <a:ext uri="{FF2B5EF4-FFF2-40B4-BE49-F238E27FC236}">
-                <a16:creationId xmlns:a16="http://schemas.microsoft.com/office/drawing/2014/main" id="{8705F72D-E2A4-46C8-9922-6D9B9117A242}"/>
-              </a:ext>
-            </a:extLst>
-          </p:cNvPr>
-          <p:cNvCxnSpPr>
-            <a:cxnSpLocks/>
-            <a:stCxn id="14" idx="3"/>
-            <a:endCxn id="22" idx="1"/>
-          </p:cNvCxnSpPr>
-          <p:nvPr/>
-        </p:nvCxnSpPr>
-        <p:spPr>
-          <a:xfrm>
-            <a:off x="2930551" y="2310197"/>
-            <a:ext cx="901399" cy="0"/>
-          </a:xfrm>
-          <a:prstGeom prst="straightConnector1">
-            <a:avLst/>
-          </a:prstGeom>
-          <a:ln w="57150">
-            <a:solidFill>
-              <a:srgbClr val="FFC000"/>
-            </a:solidFill>
-            <a:tailEnd type="triangle"/>
-          </a:ln>
-        </p:spPr>
-        <p:style>
-          <a:lnRef idx="1">
-            <a:schemeClr val="accent1"/>
-          </a:lnRef>
-          <a:fillRef idx="0">
-            <a:schemeClr val="accent1"/>
-          </a:fillRef>
-          <a:effectRef idx="0">
-            <a:schemeClr val="accent1"/>
-          </a:effectRef>
-          <a:fontRef idx="minor">
-            <a:schemeClr val="tx1"/>
-          </a:fontRef>
-        </p:style>
-      </p:cxnSp>
-      <p:grpSp>
-        <p:nvGrpSpPr>
-          <p:cNvPr id="21" name="组合 20">
-            <a:extLst>
-              <a:ext uri="{FF2B5EF4-FFF2-40B4-BE49-F238E27FC236}">
-                <a16:creationId xmlns:a16="http://schemas.microsoft.com/office/drawing/2014/main" id="{C84A5A26-4CC7-4EDA-AEF4-33C95D453965}"/>
-              </a:ext>
-            </a:extLst>
-          </p:cNvPr>
-          <p:cNvGrpSpPr/>
-          <p:nvPr/>
-        </p:nvGrpSpPr>
-        <p:grpSpPr>
-          <a:xfrm>
-            <a:off x="3930951" y="1635017"/>
-            <a:ext cx="2219996" cy="1354994"/>
-            <a:chOff x="6453718" y="2194905"/>
-            <a:chExt cx="2219996" cy="1354994"/>
-          </a:xfrm>
-        </p:grpSpPr>
-        <p:sp>
-          <p:nvSpPr>
-            <p:cNvPr id="23" name="矩形: 圆角 22">
-              <a:extLst>
-                <a:ext uri="{FF2B5EF4-FFF2-40B4-BE49-F238E27FC236}">
-                  <a16:creationId xmlns:a16="http://schemas.microsoft.com/office/drawing/2014/main" id="{DE79CEAC-65D3-4CF0-B5C1-3C5CD4003A5E}"/>
-                </a:ext>
-              </a:extLst>
-            </p:cNvPr>
-            <p:cNvSpPr/>
-            <p:nvPr/>
-          </p:nvSpPr>
-          <p:spPr>
-            <a:xfrm>
-              <a:off x="6951716" y="2194905"/>
-              <a:ext cx="1224000" cy="540000"/>
-            </a:xfrm>
-            <a:prstGeom prst="roundRect">
-              <a:avLst/>
-            </a:prstGeom>
-            <a:solidFill>
-              <a:srgbClr val="00B0F0"/>
-            </a:solidFill>
-            <a:ln>
-              <a:solidFill>
-                <a:schemeClr val="tx1"/>
-              </a:solidFill>
-            </a:ln>
-          </p:spPr>
-          <p:style>
-            <a:lnRef idx="2">
-              <a:schemeClr val="accent1">
-                <a:shade val="50000"/>
-              </a:schemeClr>
-            </a:lnRef>
-            <a:fillRef idx="1">
-              <a:schemeClr val="accent1"/>
-            </a:fillRef>
-            <a:effectRef idx="0">
-              <a:schemeClr val="accent1"/>
-            </a:effectRef>
-            <a:fontRef idx="minor">
-              <a:schemeClr val="lt1"/>
-            </a:fontRef>
-          </p:style>
-          <p:txBody>
-            <a:bodyPr wrap="none" lIns="36000" tIns="36000" rIns="36000" bIns="36000" rtlCol="0" anchor="ctr" anchorCtr="0"/>
-            <a:lstStyle/>
-            <a:p>
-              <a:pPr algn="ctr"/>
-              <a:r>
-                <a:rPr lang="zh-CN" altLang="en-US" sz="1600" b="1">
-                  <a:solidFill>
-                    <a:schemeClr val="tx1"/>
-                  </a:solidFill>
-                  <a:latin typeface="微软雅黑" panose="020B0503020204020204" pitchFamily="34" charset="-122"/>
-                  <a:ea typeface="微软雅黑" panose="020B0503020204020204" pitchFamily="34" charset="-122"/>
-                </a:rPr>
-                <a:t>用户</a:t>
-              </a:r>
-            </a:p>
-          </p:txBody>
-        </p:sp>
-        <p:sp>
-          <p:nvSpPr>
-            <p:cNvPr id="24" name="矩形: 圆角 23">
-              <a:extLst>
-                <a:ext uri="{FF2B5EF4-FFF2-40B4-BE49-F238E27FC236}">
-                  <a16:creationId xmlns:a16="http://schemas.microsoft.com/office/drawing/2014/main" id="{A25478A8-4FB0-427C-BBD8-232A2989DAF4}"/>
-                </a:ext>
-              </a:extLst>
-            </p:cNvPr>
-            <p:cNvSpPr/>
-            <p:nvPr/>
-          </p:nvSpPr>
-          <p:spPr>
-            <a:xfrm>
-              <a:off x="6453718" y="2901899"/>
-              <a:ext cx="2219996" cy="648000"/>
-            </a:xfrm>
-            <a:prstGeom prst="roundRect">
-              <a:avLst/>
-            </a:prstGeom>
-            <a:solidFill>
-              <a:srgbClr val="00B050"/>
-            </a:solidFill>
-            <a:ln>
-              <a:solidFill>
-                <a:schemeClr val="tx1"/>
-              </a:solidFill>
-            </a:ln>
-          </p:spPr>
-          <p:style>
-            <a:lnRef idx="2">
-              <a:schemeClr val="accent1">
-                <a:shade val="50000"/>
-              </a:schemeClr>
-            </a:lnRef>
-            <a:fillRef idx="1">
-              <a:schemeClr val="accent1"/>
-            </a:fillRef>
-            <a:effectRef idx="0">
-              <a:schemeClr val="accent1"/>
-            </a:effectRef>
-            <a:fontRef idx="minor">
-              <a:schemeClr val="lt1"/>
-            </a:fontRef>
-          </p:style>
-          <p:txBody>
-            <a:bodyPr wrap="none" lIns="36000" tIns="36000" rIns="36000" bIns="36000" rtlCol="0" anchor="ctr" anchorCtr="0"/>
-            <a:lstStyle/>
-            <a:p>
-              <a:pPr algn="ctr"/>
-              <a:r>
-                <a:rPr lang="zh-CN" altLang="en-US" sz="1600" b="1">
-                  <a:solidFill>
-                    <a:schemeClr val="tx1"/>
-                  </a:solidFill>
-                  <a:latin typeface="微软雅黑" panose="020B0503020204020204" pitchFamily="34" charset="-122"/>
-                  <a:ea typeface="微软雅黑" panose="020B0503020204020204" pitchFamily="34" charset="-122"/>
-                </a:rPr>
-                <a:t>购买商品</a:t>
-              </a:r>
-              <a:endParaRPr lang="en-US" altLang="zh-CN" sz="1600" b="1">
-                <a:solidFill>
-                  <a:schemeClr val="tx1"/>
-                </a:solidFill>
-                <a:latin typeface="微软雅黑" panose="020B0503020204020204" pitchFamily="34" charset="-122"/>
-                <a:ea typeface="微软雅黑" panose="020B0503020204020204" pitchFamily="34" charset="-122"/>
-              </a:endParaRPr>
-            </a:p>
-            <a:p>
-              <a:pPr algn="ctr"/>
-              <a:r>
-                <a:rPr lang="en-US" altLang="zh-CN" sz="1600" b="1">
-                  <a:solidFill>
-                    <a:schemeClr val="tx1"/>
-                  </a:solidFill>
-                  <a:latin typeface="微软雅黑" panose="020B0503020204020204" pitchFamily="34" charset="-122"/>
-                  <a:ea typeface="微软雅黑" panose="020B0503020204020204" pitchFamily="34" charset="-122"/>
-                </a:rPr>
-                <a:t>buy_person_goods</a:t>
-              </a:r>
-              <a:endParaRPr lang="zh-CN" altLang="en-US" sz="1600" b="1">
-                <a:solidFill>
-                  <a:schemeClr val="tx1"/>
-                </a:solidFill>
-                <a:latin typeface="微软雅黑" panose="020B0503020204020204" pitchFamily="34" charset="-122"/>
-                <a:ea typeface="微软雅黑" panose="020B0503020204020204" pitchFamily="34" charset="-122"/>
-              </a:endParaRPr>
-            </a:p>
-          </p:txBody>
-        </p:sp>
-      </p:grpSp>
-      <p:sp>
-        <p:nvSpPr>
-          <p:cNvPr id="22" name="矩形: 圆角 21">
-            <a:extLst>
-              <a:ext uri="{FF2B5EF4-FFF2-40B4-BE49-F238E27FC236}">
-                <a16:creationId xmlns:a16="http://schemas.microsoft.com/office/drawing/2014/main" id="{8BFE3668-F479-4254-8692-0367AA9EE00A}"/>
-              </a:ext>
-            </a:extLst>
-          </p:cNvPr>
-          <p:cNvSpPr/>
-          <p:nvPr/>
-        </p:nvSpPr>
-        <p:spPr>
-          <a:xfrm>
-            <a:off x="3831950" y="1500197"/>
-            <a:ext cx="2421633" cy="1620000"/>
-          </a:xfrm>
-          <a:prstGeom prst="roundRect">
-            <a:avLst>
-              <a:gd name="adj" fmla="val 5494"/>
-            </a:avLst>
-          </a:prstGeom>
-          <a:noFill/>
-          <a:ln>
-            <a:solidFill>
-              <a:schemeClr val="tx2"/>
-            </a:solidFill>
-            <a:prstDash val="dash"/>
-          </a:ln>
-        </p:spPr>
-        <p:style>
-          <a:lnRef idx="2">
-            <a:schemeClr val="accent1">
-              <a:shade val="50000"/>
-            </a:schemeClr>
-          </a:lnRef>
-          <a:fillRef idx="1">
-            <a:schemeClr val="accent1"/>
-          </a:fillRef>
-          <a:effectRef idx="0">
-            <a:schemeClr val="accent1"/>
-          </a:effectRef>
-          <a:fontRef idx="minor">
-            <a:schemeClr val="lt1"/>
-          </a:fontRef>
-        </p:style>
-        <p:txBody>
-          <a:bodyPr rtlCol="0" anchor="ctr"/>
-          <a:lstStyle/>
-          <a:p>
-            <a:pPr algn="ctr"/>
-            <a:endParaRPr lang="zh-CN" altLang="en-US" sz="1600">
-              <a:latin typeface="微软雅黑" panose="020B0503020204020204" pitchFamily="34" charset="-122"/>
-              <a:ea typeface="微软雅黑" panose="020B0503020204020204" pitchFamily="34" charset="-122"/>
-            </a:endParaRPr>
-          </a:p>
-        </p:txBody>
-      </p:sp>
-      <p:cxnSp>
-        <p:nvCxnSpPr>
-          <p:cNvPr id="25" name="直接箭头连接符 24">
-            <a:extLst>
-              <a:ext uri="{FF2B5EF4-FFF2-40B4-BE49-F238E27FC236}">
-                <a16:creationId xmlns:a16="http://schemas.microsoft.com/office/drawing/2014/main" id="{EA27B01A-2CF1-4568-9DDF-C176DAE4F787}"/>
-              </a:ext>
-            </a:extLst>
-          </p:cNvPr>
-          <p:cNvCxnSpPr>
-            <a:cxnSpLocks/>
-            <a:stCxn id="22" idx="3"/>
-            <a:endCxn id="26" idx="1"/>
-          </p:cNvCxnSpPr>
-          <p:nvPr/>
-        </p:nvCxnSpPr>
-        <p:spPr>
-          <a:xfrm>
-            <a:off x="6253583" y="2310197"/>
-            <a:ext cx="1537904" cy="442876"/>
-          </a:xfrm>
-          <a:prstGeom prst="straightConnector1">
-            <a:avLst/>
-          </a:prstGeom>
-          <a:ln w="57150">
-            <a:solidFill>
-              <a:srgbClr val="FFC000"/>
-            </a:solidFill>
-            <a:tailEnd type="triangle"/>
-          </a:ln>
-        </p:spPr>
-        <p:style>
-          <a:lnRef idx="1">
-            <a:schemeClr val="accent1"/>
-          </a:lnRef>
-          <a:fillRef idx="0">
-            <a:schemeClr val="accent1"/>
-          </a:fillRef>
-          <a:effectRef idx="0">
-            <a:schemeClr val="accent1"/>
-          </a:effectRef>
-          <a:fontRef idx="minor">
-            <a:schemeClr val="tx1"/>
-          </a:fontRef>
-        </p:style>
-      </p:cxnSp>
-      <p:sp>
-        <p:nvSpPr>
-          <p:cNvPr id="26" name="矩形: 圆角 25">
-            <a:extLst>
-              <a:ext uri="{FF2B5EF4-FFF2-40B4-BE49-F238E27FC236}">
-                <a16:creationId xmlns:a16="http://schemas.microsoft.com/office/drawing/2014/main" id="{7BEDAD88-DAEB-4482-B899-6955EFC36603}"/>
-              </a:ext>
-            </a:extLst>
-          </p:cNvPr>
-          <p:cNvSpPr/>
-          <p:nvPr/>
-        </p:nvSpPr>
-        <p:spPr>
-          <a:xfrm>
-            <a:off x="7791487" y="2555073"/>
-            <a:ext cx="1728000" cy="396000"/>
+            <a:off x="6679507" y="1285049"/>
+            <a:ext cx="1728000" cy="576295"/>
           </a:xfrm>
           <a:prstGeom prst="roundRect">
             <a:avLst/>
@@ -4826,63 +4970,44 @@
                 <a:latin typeface="微软雅黑" panose="020B0503020204020204" pitchFamily="34" charset="-122"/>
                 <a:ea typeface="微软雅黑" panose="020B0503020204020204" pitchFamily="34" charset="-122"/>
               </a:rPr>
-              <a:t>出售者资产出售表</a:t>
-            </a:r>
-          </a:p>
-        </p:txBody>
-      </p:sp>
-      <p:cxnSp>
-        <p:nvCxnSpPr>
-          <p:cNvPr id="27" name="直接箭头连接符 26">
-            <a:extLst>
-              <a:ext uri="{FF2B5EF4-FFF2-40B4-BE49-F238E27FC236}">
-                <a16:creationId xmlns:a16="http://schemas.microsoft.com/office/drawing/2014/main" id="{9906FBDE-CD3A-4F24-AE21-6C92AD9E7ADA}"/>
-              </a:ext>
-            </a:extLst>
-          </p:cNvPr>
-          <p:cNvCxnSpPr>
-            <a:cxnSpLocks/>
-            <a:stCxn id="22" idx="3"/>
-            <a:endCxn id="28" idx="1"/>
-          </p:cNvCxnSpPr>
-          <p:nvPr/>
-        </p:nvCxnSpPr>
-        <p:spPr>
-          <a:xfrm flipV="1">
-            <a:off x="6253583" y="1968453"/>
-            <a:ext cx="1537904" cy="341744"/>
-          </a:xfrm>
-          <a:prstGeom prst="straightConnector1">
-            <a:avLst/>
-          </a:prstGeom>
-          <a:ln w="57150">
-            <a:solidFill>
-              <a:srgbClr val="FFC000"/>
-            </a:solidFill>
-            <a:tailEnd type="triangle"/>
-          </a:ln>
-        </p:spPr>
-        <p:style>
-          <a:lnRef idx="1">
-            <a:schemeClr val="accent1"/>
-          </a:lnRef>
-          <a:fillRef idx="0">
-            <a:schemeClr val="accent1"/>
-          </a:fillRef>
-          <a:effectRef idx="0">
-            <a:schemeClr val="accent1"/>
-          </a:effectRef>
-          <a:fontRef idx="minor">
-            <a:schemeClr val="tx1"/>
-          </a:fontRef>
-        </p:style>
-      </p:cxnSp>
-      <p:sp>
-        <p:nvSpPr>
-          <p:cNvPr id="28" name="矩形: 圆角 27">
-            <a:extLst>
-              <a:ext uri="{FF2B5EF4-FFF2-40B4-BE49-F238E27FC236}">
-                <a16:creationId xmlns:a16="http://schemas.microsoft.com/office/drawing/2014/main" id="{A94DE6C3-694C-4325-A74A-F92569960786}"/>
+              <a:t>法师表</a:t>
+            </a:r>
+            <a:endParaRPr lang="en-US" altLang="zh-CN" sz="1600" b="1">
+              <a:solidFill>
+                <a:schemeClr val="tx1"/>
+              </a:solidFill>
+              <a:latin typeface="微软雅黑" panose="020B0503020204020204" pitchFamily="34" charset="-122"/>
+              <a:ea typeface="微软雅黑" panose="020B0503020204020204" pitchFamily="34" charset="-122"/>
+            </a:endParaRPr>
+          </a:p>
+          <a:p>
+            <a:pPr algn="ctr"/>
+            <a:r>
+              <a:rPr lang="en-US" altLang="zh-CN" sz="1600" b="1">
+                <a:solidFill>
+                  <a:schemeClr val="tx1"/>
+                </a:solidFill>
+                <a:latin typeface="微软雅黑" panose="020B0503020204020204" pitchFamily="34" charset="-122"/>
+                <a:ea typeface="微软雅黑" panose="020B0503020204020204" pitchFamily="34" charset="-122"/>
+              </a:rPr>
+              <a:t>master</a:t>
+            </a:r>
+            <a:endParaRPr lang="zh-CN" altLang="en-US" sz="1600" b="1">
+              <a:solidFill>
+                <a:schemeClr val="tx1"/>
+              </a:solidFill>
+              <a:latin typeface="微软雅黑" panose="020B0503020204020204" pitchFamily="34" charset="-122"/>
+              <a:ea typeface="微软雅黑" panose="020B0503020204020204" pitchFamily="34" charset="-122"/>
+            </a:endParaRPr>
+          </a:p>
+        </p:txBody>
+      </p:sp>
+      <p:sp>
+        <p:nvSpPr>
+          <p:cNvPr id="29" name="矩形: 圆角 28">
+            <a:extLst>
+              <a:ext uri="{FF2B5EF4-FFF2-40B4-BE49-F238E27FC236}">
+                <a16:creationId xmlns:a16="http://schemas.microsoft.com/office/drawing/2014/main" id="{A4F902C6-6B93-41CF-919B-8FA5B2861830}"/>
               </a:ext>
             </a:extLst>
           </p:cNvPr>
@@ -4891,8 +5016,8 @@
         </p:nvSpPr>
         <p:spPr>
           <a:xfrm>
-            <a:off x="7791487" y="1770453"/>
-            <a:ext cx="1728000" cy="396000"/>
+            <a:off x="6698402" y="2455343"/>
+            <a:ext cx="1728000" cy="576295"/>
           </a:xfrm>
           <a:prstGeom prst="roundRect">
             <a:avLst/>
@@ -4937,17 +5062,44 @@
                 <a:latin typeface="微软雅黑" panose="020B0503020204020204" pitchFamily="34" charset="-122"/>
                 <a:ea typeface="微软雅黑" panose="020B0503020204020204" pitchFamily="34" charset="-122"/>
               </a:rPr>
-              <a:t>购买者当前资产表</a:t>
-            </a:r>
-          </a:p>
-        </p:txBody>
-      </p:sp>
-      <p:sp>
-        <p:nvSpPr>
-          <p:cNvPr id="20" name="矩形: 圆角 19">
-            <a:extLst>
-              <a:ext uri="{FF2B5EF4-FFF2-40B4-BE49-F238E27FC236}">
-                <a16:creationId xmlns:a16="http://schemas.microsoft.com/office/drawing/2014/main" id="{1C96FCF3-319E-41E0-9440-B3425E185258}"/>
+              <a:t>法师表</a:t>
+            </a:r>
+            <a:endParaRPr lang="en-US" altLang="zh-CN" sz="1600" b="1">
+              <a:solidFill>
+                <a:schemeClr val="tx1"/>
+              </a:solidFill>
+              <a:latin typeface="微软雅黑" panose="020B0503020204020204" pitchFamily="34" charset="-122"/>
+              <a:ea typeface="微软雅黑" panose="020B0503020204020204" pitchFamily="34" charset="-122"/>
+            </a:endParaRPr>
+          </a:p>
+          <a:p>
+            <a:pPr algn="ctr"/>
+            <a:r>
+              <a:rPr lang="en-US" altLang="zh-CN" sz="1600" b="1">
+                <a:solidFill>
+                  <a:schemeClr val="tx1"/>
+                </a:solidFill>
+                <a:latin typeface="微软雅黑" panose="020B0503020204020204" pitchFamily="34" charset="-122"/>
+                <a:ea typeface="微软雅黑" panose="020B0503020204020204" pitchFamily="34" charset="-122"/>
+              </a:rPr>
+              <a:t>master</a:t>
+            </a:r>
+            <a:endParaRPr lang="zh-CN" altLang="en-US" sz="1600" b="1">
+              <a:solidFill>
+                <a:schemeClr val="tx1"/>
+              </a:solidFill>
+              <a:latin typeface="微软雅黑" panose="020B0503020204020204" pitchFamily="34" charset="-122"/>
+              <a:ea typeface="微软雅黑" panose="020B0503020204020204" pitchFamily="34" charset="-122"/>
+            </a:endParaRPr>
+          </a:p>
+        </p:txBody>
+      </p:sp>
+      <p:sp>
+        <p:nvSpPr>
+          <p:cNvPr id="30" name="矩形: 圆角 29">
+            <a:extLst>
+              <a:ext uri="{FF2B5EF4-FFF2-40B4-BE49-F238E27FC236}">
+                <a16:creationId xmlns:a16="http://schemas.microsoft.com/office/drawing/2014/main" id="{AB802689-C340-4C27-BA03-1900C5FC70F2}"/>
               </a:ext>
             </a:extLst>
           </p:cNvPr>
@@ -4956,8 +5108,8 @@
         </p:nvSpPr>
         <p:spPr>
           <a:xfrm>
-            <a:off x="896551" y="3637287"/>
-            <a:ext cx="1728000" cy="396000"/>
+            <a:off x="6698402" y="3625637"/>
+            <a:ext cx="1728000" cy="576295"/>
           </a:xfrm>
           <a:prstGeom prst="roundRect">
             <a:avLst/>
@@ -5002,31 +5154,334 @@
                 <a:latin typeface="微软雅黑" panose="020B0503020204020204" pitchFamily="34" charset="-122"/>
                 <a:ea typeface="微软雅黑" panose="020B0503020204020204" pitchFamily="34" charset="-122"/>
               </a:rPr>
-              <a:t>出售者资产出售表</a:t>
-            </a:r>
+              <a:t>法师表</a:t>
+            </a:r>
+            <a:endParaRPr lang="en-US" altLang="zh-CN" sz="1600" b="1">
+              <a:solidFill>
+                <a:schemeClr val="tx1"/>
+              </a:solidFill>
+              <a:latin typeface="微软雅黑" panose="020B0503020204020204" pitchFamily="34" charset="-122"/>
+              <a:ea typeface="微软雅黑" panose="020B0503020204020204" pitchFamily="34" charset="-122"/>
+            </a:endParaRPr>
+          </a:p>
+          <a:p>
+            <a:pPr algn="ctr"/>
+            <a:r>
+              <a:rPr lang="en-US" altLang="zh-CN" sz="1600" b="1">
+                <a:solidFill>
+                  <a:schemeClr val="tx1"/>
+                </a:solidFill>
+                <a:latin typeface="微软雅黑" panose="020B0503020204020204" pitchFamily="34" charset="-122"/>
+                <a:ea typeface="微软雅黑" panose="020B0503020204020204" pitchFamily="34" charset="-122"/>
+              </a:rPr>
+              <a:t>master</a:t>
+            </a:r>
+            <a:endParaRPr lang="zh-CN" altLang="en-US" sz="1600" b="1">
+              <a:solidFill>
+                <a:schemeClr val="tx1"/>
+              </a:solidFill>
+              <a:latin typeface="微软雅黑" panose="020B0503020204020204" pitchFamily="34" charset="-122"/>
+              <a:ea typeface="微软雅黑" panose="020B0503020204020204" pitchFamily="34" charset="-122"/>
+            </a:endParaRPr>
+          </a:p>
+        </p:txBody>
+      </p:sp>
+      <p:sp>
+        <p:nvSpPr>
+          <p:cNvPr id="31" name="矩形: 圆角 30">
+            <a:extLst>
+              <a:ext uri="{FF2B5EF4-FFF2-40B4-BE49-F238E27FC236}">
+                <a16:creationId xmlns:a16="http://schemas.microsoft.com/office/drawing/2014/main" id="{E819C106-E82F-4142-8480-4231C86DEDC3}"/>
+              </a:ext>
+            </a:extLst>
+          </p:cNvPr>
+          <p:cNvSpPr/>
+          <p:nvPr/>
+        </p:nvSpPr>
+        <p:spPr>
+          <a:xfrm>
+            <a:off x="6698402" y="4795636"/>
+            <a:ext cx="1728000" cy="576295"/>
+          </a:xfrm>
+          <a:prstGeom prst="roundRect">
+            <a:avLst/>
+          </a:prstGeom>
+          <a:solidFill>
+            <a:schemeClr val="bg1">
+              <a:lumMod val="95000"/>
+            </a:schemeClr>
+          </a:solidFill>
+          <a:ln>
+            <a:solidFill>
+              <a:schemeClr val="tx1"/>
+            </a:solidFill>
+          </a:ln>
+        </p:spPr>
+        <p:style>
+          <a:lnRef idx="2">
+            <a:schemeClr val="accent1">
+              <a:shade val="50000"/>
+            </a:schemeClr>
+          </a:lnRef>
+          <a:fillRef idx="1">
+            <a:schemeClr val="accent1"/>
+          </a:fillRef>
+          <a:effectRef idx="0">
+            <a:schemeClr val="accent1"/>
+          </a:effectRef>
+          <a:fontRef idx="minor">
+            <a:schemeClr val="lt1"/>
+          </a:fontRef>
+        </p:style>
+        <p:txBody>
+          <a:bodyPr wrap="none" lIns="36000" tIns="36000" rIns="36000" bIns="36000" rtlCol="0" anchor="ctr" anchorCtr="0"/>
+          <a:lstStyle/>
+          <a:p>
+            <a:pPr algn="ctr"/>
+            <a:r>
+              <a:rPr lang="zh-CN" altLang="en-US" sz="1600" b="1">
+                <a:solidFill>
+                  <a:schemeClr val="tx1"/>
+                </a:solidFill>
+                <a:latin typeface="微软雅黑" panose="020B0503020204020204" pitchFamily="34" charset="-122"/>
+                <a:ea typeface="微软雅黑" panose="020B0503020204020204" pitchFamily="34" charset="-122"/>
+              </a:rPr>
+              <a:t>法师表</a:t>
+            </a:r>
+            <a:endParaRPr lang="en-US" altLang="zh-CN" sz="1600" b="1">
+              <a:solidFill>
+                <a:schemeClr val="tx1"/>
+              </a:solidFill>
+              <a:latin typeface="微软雅黑" panose="020B0503020204020204" pitchFamily="34" charset="-122"/>
+              <a:ea typeface="微软雅黑" panose="020B0503020204020204" pitchFamily="34" charset="-122"/>
+            </a:endParaRPr>
+          </a:p>
+          <a:p>
+            <a:pPr algn="ctr"/>
+            <a:r>
+              <a:rPr lang="en-US" altLang="zh-CN" sz="1600" b="1">
+                <a:solidFill>
+                  <a:schemeClr val="tx1"/>
+                </a:solidFill>
+                <a:latin typeface="微软雅黑" panose="020B0503020204020204" pitchFamily="34" charset="-122"/>
+                <a:ea typeface="微软雅黑" panose="020B0503020204020204" pitchFamily="34" charset="-122"/>
+              </a:rPr>
+              <a:t>master</a:t>
+            </a:r>
+            <a:endParaRPr lang="zh-CN" altLang="en-US" sz="1600" b="1">
+              <a:solidFill>
+                <a:schemeClr val="tx1"/>
+              </a:solidFill>
+              <a:latin typeface="微软雅黑" panose="020B0503020204020204" pitchFamily="34" charset="-122"/>
+              <a:ea typeface="微软雅黑" panose="020B0503020204020204" pitchFamily="34" charset="-122"/>
+            </a:endParaRPr>
           </a:p>
         </p:txBody>
       </p:sp>
       <p:cxnSp>
         <p:nvCxnSpPr>
-          <p:cNvPr id="29" name="直接箭头连接符 28">
-            <a:extLst>
-              <a:ext uri="{FF2B5EF4-FFF2-40B4-BE49-F238E27FC236}">
-                <a16:creationId xmlns:a16="http://schemas.microsoft.com/office/drawing/2014/main" id="{420B478C-7917-4430-A03D-CBC06DB3A6E2}"/>
+          <p:cNvPr id="36" name="直接箭头连接符 35">
+            <a:extLst>
+              <a:ext uri="{FF2B5EF4-FFF2-40B4-BE49-F238E27FC236}">
+                <a16:creationId xmlns:a16="http://schemas.microsoft.com/office/drawing/2014/main" id="{7FC5FF20-90B8-4813-8B3D-EA4D4A445065}"/>
               </a:ext>
             </a:extLst>
           </p:cNvPr>
           <p:cNvCxnSpPr>
             <a:cxnSpLocks/>
-            <a:stCxn id="20" idx="0"/>
-            <a:endCxn id="14" idx="2"/>
+            <a:stCxn id="48" idx="3"/>
+            <a:endCxn id="53" idx="1"/>
           </p:cNvCxnSpPr>
           <p:nvPr/>
         </p:nvCxnSpPr>
         <p:spPr>
-          <a:xfrm flipV="1">
-            <a:off x="1760551" y="3120197"/>
-            <a:ext cx="0" cy="517090"/>
+          <a:xfrm>
+            <a:off x="1792379" y="1573639"/>
+            <a:ext cx="1435564" cy="4666"/>
+          </a:xfrm>
+          <a:prstGeom prst="straightConnector1">
+            <a:avLst/>
+          </a:prstGeom>
+          <a:ln w="31750">
+            <a:solidFill>
+              <a:schemeClr val="tx1"/>
+            </a:solidFill>
+            <a:tailEnd type="triangle"/>
+          </a:ln>
+        </p:spPr>
+        <p:style>
+          <a:lnRef idx="1">
+            <a:schemeClr val="accent1"/>
+          </a:lnRef>
+          <a:fillRef idx="0">
+            <a:schemeClr val="accent1"/>
+          </a:fillRef>
+          <a:effectRef idx="0">
+            <a:schemeClr val="accent1"/>
+          </a:effectRef>
+          <a:fontRef idx="minor">
+            <a:schemeClr val="tx1"/>
+          </a:fontRef>
+        </p:style>
+      </p:cxnSp>
+      <p:cxnSp>
+        <p:nvCxnSpPr>
+          <p:cNvPr id="37" name="直接箭头连接符 36">
+            <a:extLst>
+              <a:ext uri="{FF2B5EF4-FFF2-40B4-BE49-F238E27FC236}">
+                <a16:creationId xmlns:a16="http://schemas.microsoft.com/office/drawing/2014/main" id="{FFC79E0D-D038-4874-A3C2-A37A7DB0BC4B}"/>
+              </a:ext>
+            </a:extLst>
+          </p:cNvPr>
+          <p:cNvCxnSpPr>
+            <a:cxnSpLocks/>
+            <a:stCxn id="61" idx="3"/>
+            <a:endCxn id="101" idx="1"/>
+          </p:cNvCxnSpPr>
+          <p:nvPr/>
+        </p:nvCxnSpPr>
+        <p:spPr>
+          <a:xfrm>
+            <a:off x="1792379" y="2743638"/>
+            <a:ext cx="1435564" cy="0"/>
+          </a:xfrm>
+          <a:prstGeom prst="straightConnector1">
+            <a:avLst/>
+          </a:prstGeom>
+          <a:ln w="31750">
+            <a:solidFill>
+              <a:schemeClr val="tx1"/>
+            </a:solidFill>
+            <a:tailEnd type="triangle"/>
+          </a:ln>
+        </p:spPr>
+        <p:style>
+          <a:lnRef idx="1">
+            <a:schemeClr val="accent1"/>
+          </a:lnRef>
+          <a:fillRef idx="0">
+            <a:schemeClr val="accent1"/>
+          </a:fillRef>
+          <a:effectRef idx="0">
+            <a:schemeClr val="accent1"/>
+          </a:effectRef>
+          <a:fontRef idx="minor">
+            <a:schemeClr val="tx1"/>
+          </a:fontRef>
+        </p:style>
+      </p:cxnSp>
+      <p:cxnSp>
+        <p:nvCxnSpPr>
+          <p:cNvPr id="38" name="直接箭头连接符 37">
+            <a:extLst>
+              <a:ext uri="{FF2B5EF4-FFF2-40B4-BE49-F238E27FC236}">
+                <a16:creationId xmlns:a16="http://schemas.microsoft.com/office/drawing/2014/main" id="{E8F92AF9-D69F-4D7B-B5D9-1D4A43E17114}"/>
+              </a:ext>
+            </a:extLst>
+          </p:cNvPr>
+          <p:cNvCxnSpPr>
+            <a:cxnSpLocks/>
+            <a:stCxn id="47" idx="3"/>
+            <a:endCxn id="49" idx="1"/>
+          </p:cNvCxnSpPr>
+          <p:nvPr/>
+        </p:nvCxnSpPr>
+        <p:spPr>
+          <a:xfrm>
+            <a:off x="1792379" y="3913637"/>
+            <a:ext cx="1435564" cy="75"/>
+          </a:xfrm>
+          <a:prstGeom prst="straightConnector1">
+            <a:avLst/>
+          </a:prstGeom>
+          <a:ln w="31750">
+            <a:solidFill>
+              <a:schemeClr val="tx1"/>
+            </a:solidFill>
+            <a:tailEnd type="triangle"/>
+          </a:ln>
+        </p:spPr>
+        <p:style>
+          <a:lnRef idx="1">
+            <a:schemeClr val="accent1"/>
+          </a:lnRef>
+          <a:fillRef idx="0">
+            <a:schemeClr val="accent1"/>
+          </a:fillRef>
+          <a:effectRef idx="0">
+            <a:schemeClr val="accent1"/>
+          </a:effectRef>
+          <a:fontRef idx="minor">
+            <a:schemeClr val="tx1"/>
+          </a:fontRef>
+        </p:style>
+      </p:cxnSp>
+      <p:cxnSp>
+        <p:nvCxnSpPr>
+          <p:cNvPr id="39" name="直接箭头连接符 38">
+            <a:extLst>
+              <a:ext uri="{FF2B5EF4-FFF2-40B4-BE49-F238E27FC236}">
+                <a16:creationId xmlns:a16="http://schemas.microsoft.com/office/drawing/2014/main" id="{1A0D88EE-5297-46FB-B2C2-398888577CDC}"/>
+              </a:ext>
+            </a:extLst>
+          </p:cNvPr>
+          <p:cNvCxnSpPr>
+            <a:cxnSpLocks/>
+            <a:stCxn id="89" idx="3"/>
+            <a:endCxn id="106" idx="1"/>
+          </p:cNvCxnSpPr>
+          <p:nvPr/>
+        </p:nvCxnSpPr>
+        <p:spPr>
+          <a:xfrm>
+            <a:off x="1794124" y="5083636"/>
+            <a:ext cx="1433819" cy="150"/>
+          </a:xfrm>
+          <a:prstGeom prst="straightConnector1">
+            <a:avLst/>
+          </a:prstGeom>
+          <a:ln w="31750">
+            <a:solidFill>
+              <a:schemeClr val="tx1"/>
+            </a:solidFill>
+            <a:tailEnd type="triangle"/>
+          </a:ln>
+        </p:spPr>
+        <p:style>
+          <a:lnRef idx="1">
+            <a:schemeClr val="accent1"/>
+          </a:lnRef>
+          <a:fillRef idx="0">
+            <a:schemeClr val="accent1"/>
+          </a:fillRef>
+          <a:effectRef idx="0">
+            <a:schemeClr val="accent1"/>
+          </a:effectRef>
+          <a:fontRef idx="minor">
+            <a:schemeClr val="tx1"/>
+          </a:fontRef>
+        </p:style>
+      </p:cxnSp>
+      <p:cxnSp>
+        <p:nvCxnSpPr>
+          <p:cNvPr id="50" name="直接箭头连接符 49">
+            <a:extLst>
+              <a:ext uri="{FF2B5EF4-FFF2-40B4-BE49-F238E27FC236}">
+                <a16:creationId xmlns:a16="http://schemas.microsoft.com/office/drawing/2014/main" id="{EDA11599-43E1-46C0-9B21-A13B65DE2D70}"/>
+              </a:ext>
+            </a:extLst>
+          </p:cNvPr>
+          <p:cNvCxnSpPr>
+            <a:cxnSpLocks/>
+            <a:stCxn id="29" idx="1"/>
+            <a:endCxn id="101" idx="3"/>
+          </p:cNvCxnSpPr>
+          <p:nvPr/>
+        </p:nvCxnSpPr>
+        <p:spPr>
+          <a:xfrm flipH="1">
+            <a:off x="5243943" y="2743491"/>
+            <a:ext cx="1454459" cy="147"/>
           </a:xfrm>
           <a:prstGeom prst="straightConnector1">
             <a:avLst/>
@@ -5053,10 +5508,56 @@
           </a:fontRef>
         </p:style>
       </p:cxnSp>
+      <p:cxnSp>
+        <p:nvCxnSpPr>
+          <p:cNvPr id="51" name="直接箭头连接符 50">
+            <a:extLst>
+              <a:ext uri="{FF2B5EF4-FFF2-40B4-BE49-F238E27FC236}">
+                <a16:creationId xmlns:a16="http://schemas.microsoft.com/office/drawing/2014/main" id="{BDFA6272-0009-4F0B-8BAA-96B8AB2F5157}"/>
+              </a:ext>
+            </a:extLst>
+          </p:cNvPr>
+          <p:cNvCxnSpPr>
+            <a:cxnSpLocks/>
+            <a:stCxn id="31" idx="1"/>
+            <a:endCxn id="106" idx="3"/>
+          </p:cNvCxnSpPr>
+          <p:nvPr/>
+        </p:nvCxnSpPr>
+        <p:spPr>
+          <a:xfrm flipH="1">
+            <a:off x="5243943" y="5083784"/>
+            <a:ext cx="1454459" cy="2"/>
+          </a:xfrm>
+          <a:prstGeom prst="straightConnector1">
+            <a:avLst/>
+          </a:prstGeom>
+          <a:ln w="57150">
+            <a:solidFill>
+              <a:srgbClr val="FF0000"/>
+            </a:solidFill>
+            <a:tailEnd type="triangle"/>
+          </a:ln>
+        </p:spPr>
+        <p:style>
+          <a:lnRef idx="1">
+            <a:schemeClr val="accent1"/>
+          </a:lnRef>
+          <a:fillRef idx="0">
+            <a:schemeClr val="accent1"/>
+          </a:fillRef>
+          <a:effectRef idx="0">
+            <a:schemeClr val="accent1"/>
+          </a:effectRef>
+          <a:fontRef idx="minor">
+            <a:schemeClr val="tx1"/>
+          </a:fontRef>
+        </p:style>
+      </p:cxnSp>
     </p:spTree>
     <p:extLst>
       <p:ext uri="{BB962C8B-B14F-4D97-AF65-F5344CB8AC3E}">
-        <p14:creationId xmlns:p14="http://schemas.microsoft.com/office/powerpoint/2010/main" val="2808624295"/>
+        <p14:creationId xmlns:p14="http://schemas.microsoft.com/office/powerpoint/2010/main" val="2609802873"/>
       </p:ext>
     </p:extLst>
   </p:cSld>
@@ -5085,10 +5586,10 @@
       </p:grpSpPr>
       <p:sp>
         <p:nvSpPr>
-          <p:cNvPr id="22" name="矩形: 圆角 21">
-            <a:extLst>
-              <a:ext uri="{FF2B5EF4-FFF2-40B4-BE49-F238E27FC236}">
-                <a16:creationId xmlns:a16="http://schemas.microsoft.com/office/drawing/2014/main" id="{44E9DDD3-78CB-4BBC-8CD8-3F3E184C49A0}"/>
+          <p:cNvPr id="53" name="矩形: 圆角 52">
+            <a:extLst>
+              <a:ext uri="{FF2B5EF4-FFF2-40B4-BE49-F238E27FC236}">
+                <a16:creationId xmlns:a16="http://schemas.microsoft.com/office/drawing/2014/main" id="{40CB1BC0-9F2F-42B0-8691-F1896B1D2EE4}"/>
               </a:ext>
             </a:extLst>
           </p:cNvPr>
@@ -5097,20 +5598,19 @@
         </p:nvSpPr>
         <p:spPr>
           <a:xfrm>
-            <a:off x="590551" y="1429840"/>
-            <a:ext cx="2592000" cy="1620000"/>
+            <a:off x="3188824" y="1427340"/>
+            <a:ext cx="2232000" cy="648000"/>
           </a:xfrm>
           <a:prstGeom prst="roundRect">
-            <a:avLst>
-              <a:gd name="adj" fmla="val 5494"/>
-            </a:avLst>
+            <a:avLst/>
           </a:prstGeom>
-          <a:noFill/>
+          <a:solidFill>
+            <a:srgbClr val="00B050"/>
+          </a:solidFill>
           <a:ln>
             <a:solidFill>
-              <a:schemeClr val="tx2"/>
+              <a:schemeClr val="tx1"/>
             </a:solidFill>
-            <a:prstDash val="dash"/>
           </a:ln>
         </p:spPr>
         <p:style>
@@ -5130,191 +5630,266 @@
           </a:fontRef>
         </p:style>
         <p:txBody>
-          <a:bodyPr rtlCol="0" anchor="ctr"/>
+          <a:bodyPr wrap="none" lIns="36000" tIns="36000" rIns="36000" bIns="36000" rtlCol="0" anchor="ctr" anchorCtr="0"/>
           <a:lstStyle/>
           <a:p>
             <a:pPr algn="ctr"/>
-            <a:endParaRPr lang="zh-CN" altLang="en-US" sz="1600">
+            <a:r>
+              <a:rPr lang="zh-CN" altLang="en-US" sz="1600" b="1">
+                <a:solidFill>
+                  <a:schemeClr val="tx1"/>
+                </a:solidFill>
+                <a:latin typeface="微软雅黑" panose="020B0503020204020204" pitchFamily="34" charset="-122"/>
+                <a:ea typeface="微软雅黑" panose="020B0503020204020204" pitchFamily="34" charset="-122"/>
+              </a:rPr>
+              <a:t>申请</a:t>
+            </a:r>
+            <a:endParaRPr lang="en-US" altLang="zh-CN" sz="1600" b="1">
+              <a:solidFill>
+                <a:schemeClr val="tx1"/>
+              </a:solidFill>
               <a:latin typeface="微软雅黑" panose="020B0503020204020204" pitchFamily="34" charset="-122"/>
               <a:ea typeface="微软雅黑" panose="020B0503020204020204" pitchFamily="34" charset="-122"/>
             </a:endParaRPr>
           </a:p>
-        </p:txBody>
-      </p:sp>
-      <p:grpSp>
-        <p:nvGrpSpPr>
-          <p:cNvPr id="5" name="组合 4">
-            <a:extLst>
-              <a:ext uri="{FF2B5EF4-FFF2-40B4-BE49-F238E27FC236}">
-                <a16:creationId xmlns:a16="http://schemas.microsoft.com/office/drawing/2014/main" id="{FE726350-4632-46AC-A43B-F61EC4E715EC}"/>
-              </a:ext>
-            </a:extLst>
-          </p:cNvPr>
-          <p:cNvGrpSpPr/>
-          <p:nvPr/>
-        </p:nvGrpSpPr>
-        <p:grpSpPr>
-          <a:xfrm>
-            <a:off x="705519" y="1579327"/>
-            <a:ext cx="2362064" cy="1337486"/>
-            <a:chOff x="530356" y="2212413"/>
-            <a:chExt cx="2362064" cy="1337486"/>
-          </a:xfrm>
-        </p:grpSpPr>
-        <p:sp>
-          <p:nvSpPr>
-            <p:cNvPr id="53" name="矩形: 圆角 52">
-              <a:extLst>
-                <a:ext uri="{FF2B5EF4-FFF2-40B4-BE49-F238E27FC236}">
-                  <a16:creationId xmlns:a16="http://schemas.microsoft.com/office/drawing/2014/main" id="{40CB1BC0-9F2F-42B0-8691-F1896B1D2EE4}"/>
-                </a:ext>
-              </a:extLst>
-            </p:cNvPr>
-            <p:cNvSpPr/>
-            <p:nvPr/>
-          </p:nvSpPr>
-          <p:spPr>
-            <a:xfrm>
-              <a:off x="530356" y="2901899"/>
-              <a:ext cx="2362064" cy="648000"/>
-            </a:xfrm>
-            <a:prstGeom prst="roundRect">
-              <a:avLst/>
-            </a:prstGeom>
-            <a:solidFill>
-              <a:srgbClr val="00B050"/>
-            </a:solidFill>
-            <a:ln>
+          <a:p>
+            <a:pPr algn="ctr"/>
+            <a:r>
+              <a:rPr lang="en-US" altLang="zh-CN" sz="1600" b="1">
+                <a:solidFill>
+                  <a:schemeClr val="tx1"/>
+                </a:solidFill>
+                <a:latin typeface="微软雅黑" panose="020B0503020204020204" pitchFamily="34" charset="-122"/>
+                <a:ea typeface="微软雅黑" panose="020B0503020204020204" pitchFamily="34" charset="-122"/>
+              </a:rPr>
+              <a:t>apply_join_temple</a:t>
+            </a:r>
+            <a:endParaRPr lang="zh-CN" altLang="en-US" sz="1600" b="1">
               <a:solidFill>
                 <a:schemeClr val="tx1"/>
               </a:solidFill>
-            </a:ln>
-          </p:spPr>
-          <p:style>
-            <a:lnRef idx="2">
-              <a:schemeClr val="accent1">
-                <a:shade val="50000"/>
-              </a:schemeClr>
-            </a:lnRef>
-            <a:fillRef idx="1">
-              <a:schemeClr val="accent1"/>
-            </a:fillRef>
-            <a:effectRef idx="0">
-              <a:schemeClr val="accent1"/>
-            </a:effectRef>
-            <a:fontRef idx="minor">
-              <a:schemeClr val="lt1"/>
-            </a:fontRef>
-          </p:style>
-          <p:txBody>
-            <a:bodyPr wrap="none" lIns="36000" tIns="36000" rIns="36000" bIns="36000" rtlCol="0" anchor="ctr" anchorCtr="0"/>
-            <a:lstStyle/>
-            <a:p>
-              <a:pPr algn="ctr"/>
-              <a:r>
-                <a:rPr lang="zh-CN" altLang="en-US" sz="1600" b="1">
-                  <a:solidFill>
-                    <a:schemeClr val="tx1"/>
-                  </a:solidFill>
-                  <a:latin typeface="微软雅黑" panose="020B0503020204020204" pitchFamily="34" charset="-122"/>
-                  <a:ea typeface="微软雅黑" panose="020B0503020204020204" pitchFamily="34" charset="-122"/>
-                </a:rPr>
-                <a:t>添加纪念馆</a:t>
-              </a:r>
-              <a:endParaRPr lang="en-US" altLang="zh-CN" sz="1600" b="1">
-                <a:solidFill>
-                  <a:schemeClr val="tx1"/>
-                </a:solidFill>
-                <a:latin typeface="微软雅黑" panose="020B0503020204020204" pitchFamily="34" charset="-122"/>
-                <a:ea typeface="微软雅黑" panose="020B0503020204020204" pitchFamily="34" charset="-122"/>
-              </a:endParaRPr>
-            </a:p>
-            <a:p>
-              <a:pPr algn="ctr"/>
-              <a:r>
-                <a:rPr lang="en-US" altLang="zh-CN" sz="1600" b="1">
-                  <a:solidFill>
-                    <a:schemeClr val="tx1"/>
-                  </a:solidFill>
-                  <a:latin typeface="微软雅黑" panose="020B0503020204020204" pitchFamily="34" charset="-122"/>
-                  <a:ea typeface="微软雅黑" panose="020B0503020204020204" pitchFamily="34" charset="-122"/>
-                </a:rPr>
-                <a:t>add_memorial_hall</a:t>
-              </a:r>
-              <a:endParaRPr lang="zh-CN" altLang="en-US" sz="1600" b="1">
-                <a:solidFill>
-                  <a:schemeClr val="tx1"/>
-                </a:solidFill>
-                <a:latin typeface="微软雅黑" panose="020B0503020204020204" pitchFamily="34" charset="-122"/>
-                <a:ea typeface="微软雅黑" panose="020B0503020204020204" pitchFamily="34" charset="-122"/>
-              </a:endParaRPr>
-            </a:p>
-          </p:txBody>
-        </p:sp>
-        <p:sp>
-          <p:nvSpPr>
-            <p:cNvPr id="48" name="矩形: 圆角 47">
-              <a:extLst>
-                <a:ext uri="{FF2B5EF4-FFF2-40B4-BE49-F238E27FC236}">
-                  <a16:creationId xmlns:a16="http://schemas.microsoft.com/office/drawing/2014/main" id="{EBD4EA97-5025-4DE6-B38D-69D50269EB33}"/>
-                </a:ext>
-              </a:extLst>
-            </p:cNvPr>
-            <p:cNvSpPr/>
-            <p:nvPr/>
-          </p:nvSpPr>
-          <p:spPr>
-            <a:xfrm>
-              <a:off x="1051151" y="2212413"/>
-              <a:ext cx="1320473" cy="540000"/>
-            </a:xfrm>
-            <a:prstGeom prst="roundRect">
-              <a:avLst/>
-            </a:prstGeom>
+              <a:latin typeface="微软雅黑" panose="020B0503020204020204" pitchFamily="34" charset="-122"/>
+              <a:ea typeface="微软雅黑" panose="020B0503020204020204" pitchFamily="34" charset="-122"/>
+            </a:endParaRPr>
+          </a:p>
+        </p:txBody>
+      </p:sp>
+      <p:sp>
+        <p:nvSpPr>
+          <p:cNvPr id="48" name="矩形: 圆角 47">
+            <a:extLst>
+              <a:ext uri="{FF2B5EF4-FFF2-40B4-BE49-F238E27FC236}">
+                <a16:creationId xmlns:a16="http://schemas.microsoft.com/office/drawing/2014/main" id="{EBD4EA97-5025-4DE6-B38D-69D50269EB33}"/>
+              </a:ext>
+            </a:extLst>
+          </p:cNvPr>
+          <p:cNvSpPr/>
+          <p:nvPr/>
+        </p:nvSpPr>
+        <p:spPr>
+          <a:xfrm>
+            <a:off x="712222" y="1459176"/>
+            <a:ext cx="1080000" cy="576000"/>
+          </a:xfrm>
+          <a:prstGeom prst="roundRect">
+            <a:avLst/>
+          </a:prstGeom>
+          <a:solidFill>
+            <a:srgbClr val="00B0F0"/>
+          </a:solidFill>
+          <a:ln>
             <a:solidFill>
-              <a:srgbClr val="00B0F0"/>
+              <a:schemeClr val="tx1"/>
             </a:solidFill>
-            <a:ln>
+          </a:ln>
+        </p:spPr>
+        <p:style>
+          <a:lnRef idx="2">
+            <a:schemeClr val="accent1">
+              <a:shade val="50000"/>
+            </a:schemeClr>
+          </a:lnRef>
+          <a:fillRef idx="1">
+            <a:schemeClr val="accent1"/>
+          </a:fillRef>
+          <a:effectRef idx="0">
+            <a:schemeClr val="accent1"/>
+          </a:effectRef>
+          <a:fontRef idx="minor">
+            <a:schemeClr val="lt1"/>
+          </a:fontRef>
+        </p:style>
+        <p:txBody>
+          <a:bodyPr wrap="none" lIns="36000" tIns="36000" rIns="36000" bIns="36000" rtlCol="0" anchor="ctr" anchorCtr="0"/>
+          <a:lstStyle/>
+          <a:p>
+            <a:pPr algn="ctr"/>
+            <a:r>
+              <a:rPr lang="zh-CN" altLang="en-US" sz="1600" b="1">
+                <a:solidFill>
+                  <a:schemeClr val="tx1"/>
+                </a:solidFill>
+                <a:latin typeface="微软雅黑" panose="020B0503020204020204" pitchFamily="34" charset="-122"/>
+                <a:ea typeface="微软雅黑" panose="020B0503020204020204" pitchFamily="34" charset="-122"/>
+              </a:rPr>
+              <a:t>法师</a:t>
+            </a:r>
+          </a:p>
+        </p:txBody>
+      </p:sp>
+      <p:sp>
+        <p:nvSpPr>
+          <p:cNvPr id="61" name="矩形: 圆角 60">
+            <a:extLst>
+              <a:ext uri="{FF2B5EF4-FFF2-40B4-BE49-F238E27FC236}">
+                <a16:creationId xmlns:a16="http://schemas.microsoft.com/office/drawing/2014/main" id="{E3777F73-EAAB-43DE-8A90-6B6D895B1B1F}"/>
+              </a:ext>
+            </a:extLst>
+          </p:cNvPr>
+          <p:cNvSpPr/>
+          <p:nvPr/>
+        </p:nvSpPr>
+        <p:spPr>
+          <a:xfrm>
+            <a:off x="712222" y="2591380"/>
+            <a:ext cx="1080000" cy="576000"/>
+          </a:xfrm>
+          <a:prstGeom prst="roundRect">
+            <a:avLst/>
+          </a:prstGeom>
+          <a:solidFill>
+            <a:srgbClr val="00B0F0"/>
+          </a:solidFill>
+          <a:ln>
+            <a:solidFill>
+              <a:schemeClr val="tx1"/>
+            </a:solidFill>
+          </a:ln>
+        </p:spPr>
+        <p:style>
+          <a:lnRef idx="2">
+            <a:schemeClr val="accent1">
+              <a:shade val="50000"/>
+            </a:schemeClr>
+          </a:lnRef>
+          <a:fillRef idx="1">
+            <a:schemeClr val="accent1"/>
+          </a:fillRef>
+          <a:effectRef idx="0">
+            <a:schemeClr val="accent1"/>
+          </a:effectRef>
+          <a:fontRef idx="minor">
+            <a:schemeClr val="lt1"/>
+          </a:fontRef>
+        </p:style>
+        <p:txBody>
+          <a:bodyPr wrap="none" lIns="36000" tIns="36000" rIns="36000" bIns="36000" rtlCol="0" anchor="ctr" anchorCtr="0"/>
+          <a:lstStyle/>
+          <a:p>
+            <a:pPr algn="ctr"/>
+            <a:r>
+              <a:rPr lang="zh-CN" altLang="en-US" sz="1600" b="1">
+                <a:solidFill>
+                  <a:schemeClr val="tx1"/>
+                </a:solidFill>
+                <a:latin typeface="微软雅黑" panose="020B0503020204020204" pitchFamily="34" charset="-122"/>
+                <a:ea typeface="微软雅黑" panose="020B0503020204020204" pitchFamily="34" charset="-122"/>
+              </a:rPr>
+              <a:t>寺院</a:t>
+            </a:r>
+          </a:p>
+        </p:txBody>
+      </p:sp>
+      <p:sp>
+        <p:nvSpPr>
+          <p:cNvPr id="101" name="矩形: 圆角 100">
+            <a:extLst>
+              <a:ext uri="{FF2B5EF4-FFF2-40B4-BE49-F238E27FC236}">
+                <a16:creationId xmlns:a16="http://schemas.microsoft.com/office/drawing/2014/main" id="{2FD8AFDB-B92D-4C27-ABEC-799C66831DBB}"/>
+              </a:ext>
+            </a:extLst>
+          </p:cNvPr>
+          <p:cNvSpPr/>
+          <p:nvPr/>
+        </p:nvSpPr>
+        <p:spPr>
+          <a:xfrm>
+            <a:off x="3188824" y="2555380"/>
+            <a:ext cx="2232000" cy="648000"/>
+          </a:xfrm>
+          <a:prstGeom prst="roundRect">
+            <a:avLst/>
+          </a:prstGeom>
+          <a:solidFill>
+            <a:srgbClr val="00B050"/>
+          </a:solidFill>
+          <a:ln>
+            <a:solidFill>
+              <a:schemeClr val="tx1"/>
+            </a:solidFill>
+          </a:ln>
+        </p:spPr>
+        <p:style>
+          <a:lnRef idx="2">
+            <a:schemeClr val="accent1">
+              <a:shade val="50000"/>
+            </a:schemeClr>
+          </a:lnRef>
+          <a:fillRef idx="1">
+            <a:schemeClr val="accent1"/>
+          </a:fillRef>
+          <a:effectRef idx="0">
+            <a:schemeClr val="accent1"/>
+          </a:effectRef>
+          <a:fontRef idx="minor">
+            <a:schemeClr val="lt1"/>
+          </a:fontRef>
+        </p:style>
+        <p:txBody>
+          <a:bodyPr wrap="none" lIns="36000" tIns="36000" rIns="36000" bIns="36000" rtlCol="0" anchor="ctr" anchorCtr="0"/>
+          <a:lstStyle/>
+          <a:p>
+            <a:pPr algn="ctr"/>
+            <a:r>
+              <a:rPr lang="zh-CN" altLang="en-US" sz="1600" b="1">
+                <a:solidFill>
+                  <a:schemeClr val="tx1"/>
+                </a:solidFill>
+                <a:latin typeface="微软雅黑" panose="020B0503020204020204" pitchFamily="34" charset="-122"/>
+                <a:ea typeface="微软雅黑" panose="020B0503020204020204" pitchFamily="34" charset="-122"/>
+              </a:rPr>
+              <a:t>查找申请</a:t>
+            </a:r>
+            <a:endParaRPr lang="en-US" altLang="zh-CN" sz="1600" b="1">
               <a:solidFill>
                 <a:schemeClr val="tx1"/>
               </a:solidFill>
-            </a:ln>
-          </p:spPr>
-          <p:style>
-            <a:lnRef idx="2">
-              <a:schemeClr val="accent1">
-                <a:shade val="50000"/>
-              </a:schemeClr>
-            </a:lnRef>
-            <a:fillRef idx="1">
-              <a:schemeClr val="accent1"/>
-            </a:fillRef>
-            <a:effectRef idx="0">
-              <a:schemeClr val="accent1"/>
-            </a:effectRef>
-            <a:fontRef idx="minor">
-              <a:schemeClr val="lt1"/>
-            </a:fontRef>
-          </p:style>
-          <p:txBody>
-            <a:bodyPr wrap="none" lIns="36000" tIns="36000" rIns="36000" bIns="36000" rtlCol="0" anchor="ctr" anchorCtr="0"/>
-            <a:lstStyle/>
-            <a:p>
-              <a:pPr algn="ctr"/>
-              <a:r>
-                <a:rPr lang="zh-CN" altLang="en-US" sz="1600" b="1">
-                  <a:solidFill>
-                    <a:schemeClr val="tx1"/>
-                  </a:solidFill>
-                  <a:latin typeface="微软雅黑" panose="020B0503020204020204" pitchFamily="34" charset="-122"/>
-                  <a:ea typeface="微软雅黑" panose="020B0503020204020204" pitchFamily="34" charset="-122"/>
-                </a:rPr>
-                <a:t>用户</a:t>
-              </a:r>
-            </a:p>
-          </p:txBody>
-        </p:sp>
-      </p:grpSp>
+              <a:latin typeface="微软雅黑" panose="020B0503020204020204" pitchFamily="34" charset="-122"/>
+              <a:ea typeface="微软雅黑" panose="020B0503020204020204" pitchFamily="34" charset="-122"/>
+            </a:endParaRPr>
+          </a:p>
+          <a:p>
+            <a:pPr algn="ctr"/>
+            <a:r>
+              <a:rPr lang="en-US" altLang="zh-CN" sz="1600" b="1">
+                <a:solidFill>
+                  <a:schemeClr val="tx1"/>
+                </a:solidFill>
+                <a:latin typeface="微软雅黑" panose="020B0503020204020204" pitchFamily="34" charset="-122"/>
+                <a:ea typeface="微软雅黑" panose="020B0503020204020204" pitchFamily="34" charset="-122"/>
+              </a:rPr>
+              <a:t>list_temple_master</a:t>
+            </a:r>
+            <a:endParaRPr lang="zh-CN" altLang="en-US" sz="1600" b="1">
+              <a:solidFill>
+                <a:schemeClr val="tx1"/>
+              </a:solidFill>
+              <a:latin typeface="微软雅黑" panose="020B0503020204020204" pitchFamily="34" charset="-122"/>
+              <a:ea typeface="微软雅黑" panose="020B0503020204020204" pitchFamily="34" charset="-122"/>
+            </a:endParaRPr>
+          </a:p>
+        </p:txBody>
+      </p:sp>
       <p:cxnSp>
         <p:nvCxnSpPr>
           <p:cNvPr id="111" name="直接箭头连接符 110">
@@ -5326,15 +5901,15 @@
           </p:cNvPr>
           <p:cNvCxnSpPr>
             <a:cxnSpLocks/>
-            <a:stCxn id="22" idx="3"/>
-            <a:endCxn id="31" idx="1"/>
+            <a:stCxn id="62" idx="3"/>
+            <a:endCxn id="36" idx="1"/>
           </p:cNvCxnSpPr>
           <p:nvPr/>
         </p:nvCxnSpPr>
         <p:spPr>
           <a:xfrm>
-            <a:off x="3182551" y="2239840"/>
-            <a:ext cx="2049112" cy="0"/>
+            <a:off x="5420824" y="4011584"/>
+            <a:ext cx="1392790" cy="148"/>
           </a:xfrm>
           <a:prstGeom prst="straightConnector1">
             <a:avLst/>
@@ -5361,6 +5936,205 @@
           </a:fontRef>
         </p:style>
       </p:cxnSp>
+      <p:cxnSp>
+        <p:nvCxnSpPr>
+          <p:cNvPr id="112" name="直接箭头连接符 111">
+            <a:extLst>
+              <a:ext uri="{FF2B5EF4-FFF2-40B4-BE49-F238E27FC236}">
+                <a16:creationId xmlns:a16="http://schemas.microsoft.com/office/drawing/2014/main" id="{769CDA3F-50AD-4BDB-9B81-EAEAFEAC2A92}"/>
+              </a:ext>
+            </a:extLst>
+          </p:cNvPr>
+          <p:cNvCxnSpPr>
+            <a:cxnSpLocks/>
+            <a:stCxn id="53" idx="3"/>
+            <a:endCxn id="34" idx="1"/>
+          </p:cNvCxnSpPr>
+          <p:nvPr/>
+        </p:nvCxnSpPr>
+        <p:spPr>
+          <a:xfrm flipV="1">
+            <a:off x="5420824" y="1747029"/>
+            <a:ext cx="1396602" cy="4311"/>
+          </a:xfrm>
+          <a:prstGeom prst="straightConnector1">
+            <a:avLst/>
+          </a:prstGeom>
+          <a:ln w="57150">
+            <a:solidFill>
+              <a:srgbClr val="FFC000"/>
+            </a:solidFill>
+            <a:tailEnd type="triangle"/>
+          </a:ln>
+        </p:spPr>
+        <p:style>
+          <a:lnRef idx="1">
+            <a:schemeClr val="accent1"/>
+          </a:lnRef>
+          <a:fillRef idx="0">
+            <a:schemeClr val="accent1"/>
+          </a:fillRef>
+          <a:effectRef idx="0">
+            <a:schemeClr val="accent1"/>
+          </a:effectRef>
+          <a:fontRef idx="minor">
+            <a:schemeClr val="tx1"/>
+          </a:fontRef>
+        </p:style>
+      </p:cxnSp>
+      <p:sp>
+        <p:nvSpPr>
+          <p:cNvPr id="89" name="矩形: 圆角 88">
+            <a:extLst>
+              <a:ext uri="{FF2B5EF4-FFF2-40B4-BE49-F238E27FC236}">
+                <a16:creationId xmlns:a16="http://schemas.microsoft.com/office/drawing/2014/main" id="{BCB76878-D819-48AC-AEB8-9F028A450BD7}"/>
+              </a:ext>
+            </a:extLst>
+          </p:cNvPr>
+          <p:cNvSpPr/>
+          <p:nvPr/>
+        </p:nvSpPr>
+        <p:spPr>
+          <a:xfrm>
+            <a:off x="712222" y="4859417"/>
+            <a:ext cx="1080000" cy="576000"/>
+          </a:xfrm>
+          <a:prstGeom prst="roundRect">
+            <a:avLst/>
+          </a:prstGeom>
+          <a:solidFill>
+            <a:srgbClr val="00B0F0"/>
+          </a:solidFill>
+          <a:ln>
+            <a:solidFill>
+              <a:schemeClr val="tx1"/>
+            </a:solidFill>
+          </a:ln>
+        </p:spPr>
+        <p:style>
+          <a:lnRef idx="2">
+            <a:schemeClr val="accent1">
+              <a:shade val="50000"/>
+            </a:schemeClr>
+          </a:lnRef>
+          <a:fillRef idx="1">
+            <a:schemeClr val="accent1"/>
+          </a:fillRef>
+          <a:effectRef idx="0">
+            <a:schemeClr val="accent1"/>
+          </a:effectRef>
+          <a:fontRef idx="minor">
+            <a:schemeClr val="lt1"/>
+          </a:fontRef>
+        </p:style>
+        <p:txBody>
+          <a:bodyPr wrap="none" lIns="36000" tIns="36000" rIns="36000" bIns="36000" rtlCol="0" anchor="ctr" anchorCtr="0"/>
+          <a:lstStyle/>
+          <a:p>
+            <a:pPr algn="ctr"/>
+            <a:r>
+              <a:rPr lang="zh-CN" altLang="en-US" sz="1600" b="1">
+                <a:solidFill>
+                  <a:schemeClr val="tx1"/>
+                </a:solidFill>
+                <a:latin typeface="微软雅黑" panose="020B0503020204020204" pitchFamily="34" charset="-122"/>
+                <a:ea typeface="微软雅黑" panose="020B0503020204020204" pitchFamily="34" charset="-122"/>
+              </a:rPr>
+              <a:t>申请者</a:t>
+            </a:r>
+          </a:p>
+        </p:txBody>
+      </p:sp>
+      <p:sp>
+        <p:nvSpPr>
+          <p:cNvPr id="106" name="矩形: 圆角 105">
+            <a:extLst>
+              <a:ext uri="{FF2B5EF4-FFF2-40B4-BE49-F238E27FC236}">
+                <a16:creationId xmlns:a16="http://schemas.microsoft.com/office/drawing/2014/main" id="{23A35783-45F3-492D-B983-D833D276F213}"/>
+              </a:ext>
+            </a:extLst>
+          </p:cNvPr>
+          <p:cNvSpPr/>
+          <p:nvPr/>
+        </p:nvSpPr>
+        <p:spPr>
+          <a:xfrm>
+            <a:off x="3188824" y="4823417"/>
+            <a:ext cx="2232000" cy="648000"/>
+          </a:xfrm>
+          <a:prstGeom prst="roundRect">
+            <a:avLst/>
+          </a:prstGeom>
+          <a:solidFill>
+            <a:srgbClr val="00B050"/>
+          </a:solidFill>
+          <a:ln>
+            <a:solidFill>
+              <a:schemeClr val="tx1"/>
+            </a:solidFill>
+          </a:ln>
+        </p:spPr>
+        <p:style>
+          <a:lnRef idx="2">
+            <a:schemeClr val="accent1">
+              <a:shade val="50000"/>
+            </a:schemeClr>
+          </a:lnRef>
+          <a:fillRef idx="1">
+            <a:schemeClr val="accent1"/>
+          </a:fillRef>
+          <a:effectRef idx="0">
+            <a:schemeClr val="accent1"/>
+          </a:effectRef>
+          <a:fontRef idx="minor">
+            <a:schemeClr val="lt1"/>
+          </a:fontRef>
+        </p:style>
+        <p:txBody>
+          <a:bodyPr wrap="none" lIns="36000" tIns="36000" rIns="36000" bIns="36000" rtlCol="0" anchor="ctr" anchorCtr="0"/>
+          <a:lstStyle/>
+          <a:p>
+            <a:pPr algn="ctr"/>
+            <a:r>
+              <a:rPr lang="zh-CN" altLang="en-US" sz="1600" b="1">
+                <a:solidFill>
+                  <a:schemeClr val="tx1"/>
+                </a:solidFill>
+                <a:latin typeface="微软雅黑" panose="020B0503020204020204" pitchFamily="34" charset="-122"/>
+                <a:ea typeface="微软雅黑" panose="020B0503020204020204" pitchFamily="34" charset="-122"/>
+              </a:rPr>
+              <a:t>判断身份</a:t>
+            </a:r>
+            <a:endParaRPr lang="en-US" altLang="zh-CN" sz="1600" b="1">
+              <a:solidFill>
+                <a:schemeClr val="tx1"/>
+              </a:solidFill>
+              <a:latin typeface="微软雅黑" panose="020B0503020204020204" pitchFamily="34" charset="-122"/>
+              <a:ea typeface="微软雅黑" panose="020B0503020204020204" pitchFamily="34" charset="-122"/>
+            </a:endParaRPr>
+          </a:p>
+          <a:p>
+            <a:pPr algn="ctr"/>
+            <a:r>
+              <a:rPr lang="en-US" altLang="zh-CN" sz="1600" b="1">
+                <a:solidFill>
+                  <a:schemeClr val="tx1"/>
+                </a:solidFill>
+                <a:latin typeface="微软雅黑" panose="020B0503020204020204" pitchFamily="34" charset="-122"/>
+                <a:ea typeface="微软雅黑" panose="020B0503020204020204" pitchFamily="34" charset="-122"/>
+              </a:rPr>
+              <a:t>is_in_temple</a:t>
+            </a:r>
+            <a:endParaRPr lang="zh-CN" altLang="en-US" sz="1600" b="1">
+              <a:solidFill>
+                <a:schemeClr val="tx1"/>
+              </a:solidFill>
+              <a:latin typeface="微软雅黑" panose="020B0503020204020204" pitchFamily="34" charset="-122"/>
+              <a:ea typeface="微软雅黑" panose="020B0503020204020204" pitchFamily="34" charset="-122"/>
+            </a:endParaRPr>
+          </a:p>
+        </p:txBody>
+      </p:sp>
       <p:cxnSp>
         <p:nvCxnSpPr>
           <p:cNvPr id="239" name="直接连接符 238">
@@ -5477,7 +6251,7 @@
         <p:spPr>
           <a:xfrm>
             <a:off x="712379" y="173975"/>
-            <a:ext cx="3057247" cy="584775"/>
+            <a:ext cx="2646878" cy="584775"/>
           </a:xfrm>
           <a:prstGeom prst="rect">
             <a:avLst/>
@@ -5495,17 +6269,17 @@
                 <a:latin typeface="Consolas" panose="020B0609020204030204" pitchFamily="49" charset="0"/>
                 <a:ea typeface="微软雅黑" panose="020B0503020204020204" pitchFamily="34" charset="-122"/>
               </a:rPr>
-              <a:t>添加纪念馆记录</a:t>
-            </a:r>
-          </a:p>
-        </p:txBody>
-      </p:sp>
-      <p:sp>
-        <p:nvSpPr>
-          <p:cNvPr id="31" name="矩形: 圆角 30">
-            <a:extLst>
-              <a:ext uri="{FF2B5EF4-FFF2-40B4-BE49-F238E27FC236}">
-                <a16:creationId xmlns:a16="http://schemas.microsoft.com/office/drawing/2014/main" id="{6B60FB41-DE08-4DD7-8455-98B356B7A0EF}"/>
+              <a:t>法师加入寺院</a:t>
+            </a:r>
+          </a:p>
+        </p:txBody>
+      </p:sp>
+      <p:sp>
+        <p:nvSpPr>
+          <p:cNvPr id="60" name="矩形: 圆角 59">
+            <a:extLst>
+              <a:ext uri="{FF2B5EF4-FFF2-40B4-BE49-F238E27FC236}">
+                <a16:creationId xmlns:a16="http://schemas.microsoft.com/office/drawing/2014/main" id="{80649730-F31C-4650-9EB6-FA2C04FAE2CD}"/>
               </a:ext>
             </a:extLst>
           </p:cNvPr>
@@ -5514,8 +6288,161 @@
         </p:nvSpPr>
         <p:spPr>
           <a:xfrm>
-            <a:off x="5231663" y="2041840"/>
-            <a:ext cx="1728000" cy="396000"/>
+            <a:off x="712222" y="3723584"/>
+            <a:ext cx="1080000" cy="576000"/>
+          </a:xfrm>
+          <a:prstGeom prst="roundRect">
+            <a:avLst/>
+          </a:prstGeom>
+          <a:solidFill>
+            <a:srgbClr val="00B0F0"/>
+          </a:solidFill>
+          <a:ln>
+            <a:solidFill>
+              <a:schemeClr val="tx1"/>
+            </a:solidFill>
+          </a:ln>
+        </p:spPr>
+        <p:style>
+          <a:lnRef idx="2">
+            <a:schemeClr val="accent1">
+              <a:shade val="50000"/>
+            </a:schemeClr>
+          </a:lnRef>
+          <a:fillRef idx="1">
+            <a:schemeClr val="accent1"/>
+          </a:fillRef>
+          <a:effectRef idx="0">
+            <a:schemeClr val="accent1"/>
+          </a:effectRef>
+          <a:fontRef idx="minor">
+            <a:schemeClr val="lt1"/>
+          </a:fontRef>
+        </p:style>
+        <p:txBody>
+          <a:bodyPr wrap="none" lIns="36000" tIns="36000" rIns="36000" bIns="36000" rtlCol="0" anchor="ctr" anchorCtr="0"/>
+          <a:lstStyle/>
+          <a:p>
+            <a:pPr algn="ctr"/>
+            <a:r>
+              <a:rPr lang="zh-CN" altLang="en-US" sz="1600" b="1">
+                <a:solidFill>
+                  <a:schemeClr val="tx1"/>
+                </a:solidFill>
+                <a:latin typeface="微软雅黑" panose="020B0503020204020204" pitchFamily="34" charset="-122"/>
+                <a:ea typeface="微软雅黑" panose="020B0503020204020204" pitchFamily="34" charset="-122"/>
+              </a:rPr>
+              <a:t>寺院</a:t>
+            </a:r>
+          </a:p>
+        </p:txBody>
+      </p:sp>
+      <p:sp>
+        <p:nvSpPr>
+          <p:cNvPr id="62" name="矩形: 圆角 61">
+            <a:extLst>
+              <a:ext uri="{FF2B5EF4-FFF2-40B4-BE49-F238E27FC236}">
+                <a16:creationId xmlns:a16="http://schemas.microsoft.com/office/drawing/2014/main" id="{63142F85-844B-455C-ADC6-DC9FB6E80EC5}"/>
+              </a:ext>
+            </a:extLst>
+          </p:cNvPr>
+          <p:cNvSpPr/>
+          <p:nvPr/>
+        </p:nvSpPr>
+        <p:spPr>
+          <a:xfrm>
+            <a:off x="3188824" y="3687584"/>
+            <a:ext cx="2232000" cy="648000"/>
+          </a:xfrm>
+          <a:prstGeom prst="roundRect">
+            <a:avLst/>
+          </a:prstGeom>
+          <a:solidFill>
+            <a:srgbClr val="00B050"/>
+          </a:solidFill>
+          <a:ln>
+            <a:solidFill>
+              <a:schemeClr val="tx1"/>
+            </a:solidFill>
+          </a:ln>
+        </p:spPr>
+        <p:style>
+          <a:lnRef idx="2">
+            <a:schemeClr val="accent1">
+              <a:shade val="50000"/>
+            </a:schemeClr>
+          </a:lnRef>
+          <a:fillRef idx="1">
+            <a:schemeClr val="accent1"/>
+          </a:fillRef>
+          <a:effectRef idx="0">
+            <a:schemeClr val="accent1"/>
+          </a:effectRef>
+          <a:fontRef idx="minor">
+            <a:schemeClr val="lt1"/>
+          </a:fontRef>
+        </p:style>
+        <p:txBody>
+          <a:bodyPr wrap="none" lIns="36000" tIns="36000" rIns="36000" bIns="36000" rtlCol="0" anchor="ctr" anchorCtr="0"/>
+          <a:lstStyle/>
+          <a:p>
+            <a:pPr algn="ctr"/>
+            <a:r>
+              <a:rPr lang="zh-CN" altLang="en-US" sz="1600" b="1">
+                <a:solidFill>
+                  <a:schemeClr val="tx1"/>
+                </a:solidFill>
+                <a:latin typeface="微软雅黑" panose="020B0503020204020204" pitchFamily="34" charset="-122"/>
+                <a:ea typeface="微软雅黑" panose="020B0503020204020204" pitchFamily="34" charset="-122"/>
+              </a:rPr>
+              <a:t>批准</a:t>
+            </a:r>
+            <a:endParaRPr lang="en-US" altLang="zh-CN" sz="1600" b="1">
+              <a:solidFill>
+                <a:schemeClr val="tx1"/>
+              </a:solidFill>
+              <a:latin typeface="微软雅黑" panose="020B0503020204020204" pitchFamily="34" charset="-122"/>
+              <a:ea typeface="微软雅黑" panose="020B0503020204020204" pitchFamily="34" charset="-122"/>
+            </a:endParaRPr>
+          </a:p>
+          <a:p>
+            <a:pPr algn="ctr"/>
+            <a:r>
+              <a:rPr lang="en-US" altLang="zh-CN" sz="1600" b="1">
+                <a:solidFill>
+                  <a:schemeClr val="tx1"/>
+                </a:solidFill>
+                <a:latin typeface="微软雅黑" panose="020B0503020204020204" pitchFamily="34" charset="-122"/>
+                <a:ea typeface="微软雅黑" panose="020B0503020204020204" pitchFamily="34" charset="-122"/>
+              </a:rPr>
+              <a:t>approve_join_temple</a:t>
+            </a:r>
+            <a:endParaRPr lang="zh-CN" altLang="en-US" sz="1600" b="1">
+              <a:solidFill>
+                <a:schemeClr val="tx1"/>
+              </a:solidFill>
+              <a:latin typeface="微软雅黑" panose="020B0503020204020204" pitchFamily="34" charset="-122"/>
+              <a:ea typeface="微软雅黑" panose="020B0503020204020204" pitchFamily="34" charset="-122"/>
+            </a:endParaRPr>
+          </a:p>
+        </p:txBody>
+      </p:sp>
+      <p:sp>
+        <p:nvSpPr>
+          <p:cNvPr id="34" name="矩形: 圆角 33">
+            <a:extLst>
+              <a:ext uri="{FF2B5EF4-FFF2-40B4-BE49-F238E27FC236}">
+                <a16:creationId xmlns:a16="http://schemas.microsoft.com/office/drawing/2014/main" id="{61414349-4A2C-4DF5-B7E6-B02890C28DD8}"/>
+              </a:ext>
+            </a:extLst>
+          </p:cNvPr>
+          <p:cNvSpPr/>
+          <p:nvPr/>
+        </p:nvSpPr>
+        <p:spPr>
+          <a:xfrm>
+            <a:off x="6817426" y="1458881"/>
+            <a:ext cx="1728000" cy="576295"/>
           </a:xfrm>
           <a:prstGeom prst="roundRect">
             <a:avLst/>
@@ -5560,17 +6487,44 @@
                 <a:latin typeface="微软雅黑" panose="020B0503020204020204" pitchFamily="34" charset="-122"/>
                 <a:ea typeface="微软雅黑" panose="020B0503020204020204" pitchFamily="34" charset="-122"/>
               </a:rPr>
-              <a:t>纪念馆表</a:t>
-            </a:r>
-          </a:p>
-        </p:txBody>
-      </p:sp>
-      <p:sp>
-        <p:nvSpPr>
-          <p:cNvPr id="13" name="矩形: 圆角 12">
-            <a:extLst>
-              <a:ext uri="{FF2B5EF4-FFF2-40B4-BE49-F238E27FC236}">
-                <a16:creationId xmlns:a16="http://schemas.microsoft.com/office/drawing/2014/main" id="{6468496A-4492-413D-AF6C-EBEC20B8DF31}"/>
+              <a:t>寺院法师表</a:t>
+            </a:r>
+            <a:endParaRPr lang="en-US" altLang="zh-CN" sz="1600" b="1">
+              <a:solidFill>
+                <a:schemeClr val="tx1"/>
+              </a:solidFill>
+              <a:latin typeface="微软雅黑" panose="020B0503020204020204" pitchFamily="34" charset="-122"/>
+              <a:ea typeface="微软雅黑" panose="020B0503020204020204" pitchFamily="34" charset="-122"/>
+            </a:endParaRPr>
+          </a:p>
+          <a:p>
+            <a:pPr algn="ctr"/>
+            <a:r>
+              <a:rPr lang="en-US" altLang="zh-CN" sz="1600" b="1">
+                <a:solidFill>
+                  <a:schemeClr val="tx1"/>
+                </a:solidFill>
+                <a:latin typeface="微软雅黑" panose="020B0503020204020204" pitchFamily="34" charset="-122"/>
+                <a:ea typeface="微软雅黑" panose="020B0503020204020204" pitchFamily="34" charset="-122"/>
+              </a:rPr>
+              <a:t>temple_master</a:t>
+            </a:r>
+            <a:endParaRPr lang="zh-CN" altLang="en-US" sz="1600" b="1">
+              <a:solidFill>
+                <a:schemeClr val="tx1"/>
+              </a:solidFill>
+              <a:latin typeface="微软雅黑" panose="020B0503020204020204" pitchFamily="34" charset="-122"/>
+              <a:ea typeface="微软雅黑" panose="020B0503020204020204" pitchFamily="34" charset="-122"/>
+            </a:endParaRPr>
+          </a:p>
+        </p:txBody>
+      </p:sp>
+      <p:sp>
+        <p:nvSpPr>
+          <p:cNvPr id="35" name="矩形: 圆角 34">
+            <a:extLst>
+              <a:ext uri="{FF2B5EF4-FFF2-40B4-BE49-F238E27FC236}">
+                <a16:creationId xmlns:a16="http://schemas.microsoft.com/office/drawing/2014/main" id="{00B9B42D-DD55-4D05-B27F-ED1B55B21E25}"/>
               </a:ext>
             </a:extLst>
           </p:cNvPr>
@@ -5579,8 +6533,8 @@
         </p:nvSpPr>
         <p:spPr>
           <a:xfrm>
-            <a:off x="5231663" y="1456840"/>
-            <a:ext cx="1728000" cy="360000"/>
+            <a:off x="6813614" y="2597648"/>
+            <a:ext cx="1728000" cy="576295"/>
           </a:xfrm>
           <a:prstGeom prst="roundRect">
             <a:avLst/>
@@ -5625,17 +6579,44 @@
                 <a:latin typeface="微软雅黑" panose="020B0503020204020204" pitchFamily="34" charset="-122"/>
                 <a:ea typeface="微软雅黑" panose="020B0503020204020204" pitchFamily="34" charset="-122"/>
               </a:rPr>
-              <a:t>逝者表</a:t>
-            </a:r>
-          </a:p>
-        </p:txBody>
-      </p:sp>
-      <p:sp>
-        <p:nvSpPr>
-          <p:cNvPr id="14" name="矩形: 圆角 13">
-            <a:extLst>
-              <a:ext uri="{FF2B5EF4-FFF2-40B4-BE49-F238E27FC236}">
-                <a16:creationId xmlns:a16="http://schemas.microsoft.com/office/drawing/2014/main" id="{9B0A6183-691F-4D80-96B8-6CC440ACB3B9}"/>
+              <a:t>寺院法师表</a:t>
+            </a:r>
+            <a:endParaRPr lang="en-US" altLang="zh-CN" sz="1600" b="1">
+              <a:solidFill>
+                <a:schemeClr val="tx1"/>
+              </a:solidFill>
+              <a:latin typeface="微软雅黑" panose="020B0503020204020204" pitchFamily="34" charset="-122"/>
+              <a:ea typeface="微软雅黑" panose="020B0503020204020204" pitchFamily="34" charset="-122"/>
+            </a:endParaRPr>
+          </a:p>
+          <a:p>
+            <a:pPr algn="ctr"/>
+            <a:r>
+              <a:rPr lang="en-US" altLang="zh-CN" sz="1600" b="1">
+                <a:solidFill>
+                  <a:schemeClr val="tx1"/>
+                </a:solidFill>
+                <a:latin typeface="微软雅黑" panose="020B0503020204020204" pitchFamily="34" charset="-122"/>
+                <a:ea typeface="微软雅黑" panose="020B0503020204020204" pitchFamily="34" charset="-122"/>
+              </a:rPr>
+              <a:t>temple_master</a:t>
+            </a:r>
+            <a:endParaRPr lang="zh-CN" altLang="en-US" sz="1600" b="1">
+              <a:solidFill>
+                <a:schemeClr val="tx1"/>
+              </a:solidFill>
+              <a:latin typeface="微软雅黑" panose="020B0503020204020204" pitchFamily="34" charset="-122"/>
+              <a:ea typeface="微软雅黑" panose="020B0503020204020204" pitchFamily="34" charset="-122"/>
+            </a:endParaRPr>
+          </a:p>
+        </p:txBody>
+      </p:sp>
+      <p:sp>
+        <p:nvSpPr>
+          <p:cNvPr id="36" name="矩形: 圆角 35">
+            <a:extLst>
+              <a:ext uri="{FF2B5EF4-FFF2-40B4-BE49-F238E27FC236}">
+                <a16:creationId xmlns:a16="http://schemas.microsoft.com/office/drawing/2014/main" id="{B20C13A2-1747-4E78-BBD1-54C7D969EDCF}"/>
               </a:ext>
             </a:extLst>
           </p:cNvPr>
@@ -5644,8 +6625,8 @@
         </p:nvSpPr>
         <p:spPr>
           <a:xfrm>
-            <a:off x="5231663" y="2662839"/>
-            <a:ext cx="1728000" cy="360000"/>
+            <a:off x="6813614" y="3723584"/>
+            <a:ext cx="1728000" cy="576295"/>
           </a:xfrm>
           <a:prstGeom prst="roundRect">
             <a:avLst/>
@@ -5690,109 +6671,44 @@
                 <a:latin typeface="微软雅黑" panose="020B0503020204020204" pitchFamily="34" charset="-122"/>
                 <a:ea typeface="微软雅黑" panose="020B0503020204020204" pitchFamily="34" charset="-122"/>
               </a:rPr>
-              <a:t>纪念馆亲友团表</a:t>
-            </a:r>
-          </a:p>
-        </p:txBody>
-      </p:sp>
-      <p:cxnSp>
-        <p:nvCxnSpPr>
-          <p:cNvPr id="15" name="直接箭头连接符 14">
-            <a:extLst>
-              <a:ext uri="{FF2B5EF4-FFF2-40B4-BE49-F238E27FC236}">
-                <a16:creationId xmlns:a16="http://schemas.microsoft.com/office/drawing/2014/main" id="{4577120B-EB16-45E8-8672-D0EC7F454EB9}"/>
-              </a:ext>
-            </a:extLst>
-          </p:cNvPr>
-          <p:cNvCxnSpPr>
-            <a:cxnSpLocks/>
-            <a:stCxn id="22" idx="3"/>
-            <a:endCxn id="14" idx="1"/>
-          </p:cNvCxnSpPr>
-          <p:nvPr/>
-        </p:nvCxnSpPr>
-        <p:spPr>
-          <a:xfrm>
-            <a:off x="3182551" y="2239840"/>
-            <a:ext cx="2049112" cy="602999"/>
-          </a:xfrm>
-          <a:prstGeom prst="straightConnector1">
-            <a:avLst/>
-          </a:prstGeom>
-          <a:ln w="57150">
-            <a:solidFill>
-              <a:srgbClr val="FFC000"/>
-            </a:solidFill>
-            <a:tailEnd type="triangle"/>
-          </a:ln>
-        </p:spPr>
-        <p:style>
-          <a:lnRef idx="1">
-            <a:schemeClr val="accent1"/>
-          </a:lnRef>
-          <a:fillRef idx="0">
-            <a:schemeClr val="accent1"/>
-          </a:fillRef>
-          <a:effectRef idx="0">
-            <a:schemeClr val="accent1"/>
-          </a:effectRef>
-          <a:fontRef idx="minor">
-            <a:schemeClr val="tx1"/>
-          </a:fontRef>
-        </p:style>
-      </p:cxnSp>
-      <p:cxnSp>
-        <p:nvCxnSpPr>
-          <p:cNvPr id="18" name="直接箭头连接符 17">
-            <a:extLst>
-              <a:ext uri="{FF2B5EF4-FFF2-40B4-BE49-F238E27FC236}">
-                <a16:creationId xmlns:a16="http://schemas.microsoft.com/office/drawing/2014/main" id="{1138E82E-B7D2-4918-A9C7-2EDD97133DA5}"/>
-              </a:ext>
-            </a:extLst>
-          </p:cNvPr>
-          <p:cNvCxnSpPr>
-            <a:cxnSpLocks/>
-            <a:stCxn id="22" idx="3"/>
-            <a:endCxn id="13" idx="1"/>
-          </p:cNvCxnSpPr>
-          <p:nvPr/>
-        </p:nvCxnSpPr>
-        <p:spPr>
-          <a:xfrm flipV="1">
-            <a:off x="3182551" y="1636840"/>
-            <a:ext cx="2049112" cy="603000"/>
-          </a:xfrm>
-          <a:prstGeom prst="straightConnector1">
-            <a:avLst/>
-          </a:prstGeom>
-          <a:ln w="57150">
-            <a:solidFill>
-              <a:srgbClr val="FFC000"/>
-            </a:solidFill>
-            <a:tailEnd type="triangle"/>
-          </a:ln>
-        </p:spPr>
-        <p:style>
-          <a:lnRef idx="1">
-            <a:schemeClr val="accent1"/>
-          </a:lnRef>
-          <a:fillRef idx="0">
-            <a:schemeClr val="accent1"/>
-          </a:fillRef>
-          <a:effectRef idx="0">
-            <a:schemeClr val="accent1"/>
-          </a:effectRef>
-          <a:fontRef idx="minor">
-            <a:schemeClr val="tx1"/>
-          </a:fontRef>
-        </p:style>
-      </p:cxnSp>
-      <p:sp>
-        <p:nvSpPr>
-          <p:cNvPr id="21" name="矩形: 圆角 20">
-            <a:extLst>
-              <a:ext uri="{FF2B5EF4-FFF2-40B4-BE49-F238E27FC236}">
-                <a16:creationId xmlns:a16="http://schemas.microsoft.com/office/drawing/2014/main" id="{63944903-F66E-4A47-B1E7-337F7945CE39}"/>
+              <a:t>寺院法师表</a:t>
+            </a:r>
+            <a:endParaRPr lang="en-US" altLang="zh-CN" sz="1600" b="1">
+              <a:solidFill>
+                <a:schemeClr val="tx1"/>
+              </a:solidFill>
+              <a:latin typeface="微软雅黑" panose="020B0503020204020204" pitchFamily="34" charset="-122"/>
+              <a:ea typeface="微软雅黑" panose="020B0503020204020204" pitchFamily="34" charset="-122"/>
+            </a:endParaRPr>
+          </a:p>
+          <a:p>
+            <a:pPr algn="ctr"/>
+            <a:r>
+              <a:rPr lang="en-US" altLang="zh-CN" sz="1600" b="1">
+                <a:solidFill>
+                  <a:schemeClr val="tx1"/>
+                </a:solidFill>
+                <a:latin typeface="微软雅黑" panose="020B0503020204020204" pitchFamily="34" charset="-122"/>
+                <a:ea typeface="微软雅黑" panose="020B0503020204020204" pitchFamily="34" charset="-122"/>
+              </a:rPr>
+              <a:t>temple_master</a:t>
+            </a:r>
+            <a:endParaRPr lang="zh-CN" altLang="en-US" sz="1600" b="1">
+              <a:solidFill>
+                <a:schemeClr val="tx1"/>
+              </a:solidFill>
+              <a:latin typeface="微软雅黑" panose="020B0503020204020204" pitchFamily="34" charset="-122"/>
+              <a:ea typeface="微软雅黑" panose="020B0503020204020204" pitchFamily="34" charset="-122"/>
+            </a:endParaRPr>
+          </a:p>
+        </p:txBody>
+      </p:sp>
+      <p:sp>
+        <p:nvSpPr>
+          <p:cNvPr id="37" name="矩形: 圆角 36">
+            <a:extLst>
+              <a:ext uri="{FF2B5EF4-FFF2-40B4-BE49-F238E27FC236}">
+                <a16:creationId xmlns:a16="http://schemas.microsoft.com/office/drawing/2014/main" id="{0A760762-05F3-4F6D-9E83-4C7C882AC2ED}"/>
               </a:ext>
             </a:extLst>
           </p:cNvPr>
@@ -5801,8 +6717,8 @@
         </p:nvSpPr>
         <p:spPr>
           <a:xfrm>
-            <a:off x="1022550" y="3607841"/>
-            <a:ext cx="1728000" cy="360000"/>
+            <a:off x="6817426" y="4859417"/>
+            <a:ext cx="1728000" cy="576295"/>
           </a:xfrm>
           <a:prstGeom prst="roundRect">
             <a:avLst/>
@@ -5847,31 +6763,240 @@
                 <a:latin typeface="微软雅黑" panose="020B0503020204020204" pitchFamily="34" charset="-122"/>
                 <a:ea typeface="微软雅黑" panose="020B0503020204020204" pitchFamily="34" charset="-122"/>
               </a:rPr>
-              <a:t>逝者表</a:t>
-            </a:r>
+              <a:t>寺院法师表</a:t>
+            </a:r>
+            <a:endParaRPr lang="en-US" altLang="zh-CN" sz="1600" b="1">
+              <a:solidFill>
+                <a:schemeClr val="tx1"/>
+              </a:solidFill>
+              <a:latin typeface="微软雅黑" panose="020B0503020204020204" pitchFamily="34" charset="-122"/>
+              <a:ea typeface="微软雅黑" panose="020B0503020204020204" pitchFamily="34" charset="-122"/>
+            </a:endParaRPr>
+          </a:p>
+          <a:p>
+            <a:pPr algn="ctr"/>
+            <a:r>
+              <a:rPr lang="en-US" altLang="zh-CN" sz="1600" b="1">
+                <a:solidFill>
+                  <a:schemeClr val="tx1"/>
+                </a:solidFill>
+                <a:latin typeface="微软雅黑" panose="020B0503020204020204" pitchFamily="34" charset="-122"/>
+                <a:ea typeface="微软雅黑" panose="020B0503020204020204" pitchFamily="34" charset="-122"/>
+              </a:rPr>
+              <a:t>temple_master</a:t>
+            </a:r>
+            <a:endParaRPr lang="zh-CN" altLang="en-US" sz="1600" b="1">
+              <a:solidFill>
+                <a:schemeClr val="tx1"/>
+              </a:solidFill>
+              <a:latin typeface="微软雅黑" panose="020B0503020204020204" pitchFamily="34" charset="-122"/>
+              <a:ea typeface="微软雅黑" panose="020B0503020204020204" pitchFamily="34" charset="-122"/>
+            </a:endParaRPr>
           </a:p>
         </p:txBody>
       </p:sp>
       <p:cxnSp>
         <p:nvCxnSpPr>
-          <p:cNvPr id="23" name="直接箭头连接符 22">
-            <a:extLst>
-              <a:ext uri="{FF2B5EF4-FFF2-40B4-BE49-F238E27FC236}">
-                <a16:creationId xmlns:a16="http://schemas.microsoft.com/office/drawing/2014/main" id="{DCDE8ECE-F6FE-4FE5-9015-BA1CD17B926B}"/>
+          <p:cNvPr id="42" name="直接箭头连接符 41">
+            <a:extLst>
+              <a:ext uri="{FF2B5EF4-FFF2-40B4-BE49-F238E27FC236}">
+                <a16:creationId xmlns:a16="http://schemas.microsoft.com/office/drawing/2014/main" id="{8B772CA5-09B7-4FBE-94F9-122EACCA31F2}"/>
               </a:ext>
             </a:extLst>
           </p:cNvPr>
           <p:cNvCxnSpPr>
             <a:cxnSpLocks/>
-            <a:stCxn id="21" idx="0"/>
-            <a:endCxn id="22" idx="2"/>
           </p:cNvCxnSpPr>
           <p:nvPr/>
         </p:nvCxnSpPr>
         <p:spPr>
-          <a:xfrm flipV="1">
-            <a:off x="1886550" y="3049840"/>
-            <a:ext cx="1" cy="558001"/>
+          <a:xfrm>
+            <a:off x="1792379" y="1573639"/>
+            <a:ext cx="1435564" cy="4666"/>
+          </a:xfrm>
+          <a:prstGeom prst="straightConnector1">
+            <a:avLst/>
+          </a:prstGeom>
+          <a:ln w="31750">
+            <a:solidFill>
+              <a:schemeClr val="tx1"/>
+            </a:solidFill>
+            <a:tailEnd type="triangle"/>
+          </a:ln>
+        </p:spPr>
+        <p:style>
+          <a:lnRef idx="1">
+            <a:schemeClr val="accent1"/>
+          </a:lnRef>
+          <a:fillRef idx="0">
+            <a:schemeClr val="accent1"/>
+          </a:fillRef>
+          <a:effectRef idx="0">
+            <a:schemeClr val="accent1"/>
+          </a:effectRef>
+          <a:fontRef idx="minor">
+            <a:schemeClr val="tx1"/>
+          </a:fontRef>
+        </p:style>
+      </p:cxnSp>
+      <p:cxnSp>
+        <p:nvCxnSpPr>
+          <p:cNvPr id="43" name="直接箭头连接符 42">
+            <a:extLst>
+              <a:ext uri="{FF2B5EF4-FFF2-40B4-BE49-F238E27FC236}">
+                <a16:creationId xmlns:a16="http://schemas.microsoft.com/office/drawing/2014/main" id="{AF09A195-5FB0-4214-AE8B-DFE163AD88B5}"/>
+              </a:ext>
+            </a:extLst>
+          </p:cNvPr>
+          <p:cNvCxnSpPr>
+            <a:cxnSpLocks/>
+            <a:stCxn id="61" idx="3"/>
+            <a:endCxn id="101" idx="1"/>
+          </p:cNvCxnSpPr>
+          <p:nvPr/>
+        </p:nvCxnSpPr>
+        <p:spPr>
+          <a:xfrm>
+            <a:off x="1792222" y="2879380"/>
+            <a:ext cx="1396602" cy="0"/>
+          </a:xfrm>
+          <a:prstGeom prst="straightConnector1">
+            <a:avLst/>
+          </a:prstGeom>
+          <a:ln w="31750">
+            <a:solidFill>
+              <a:schemeClr val="tx1"/>
+            </a:solidFill>
+            <a:tailEnd type="triangle"/>
+          </a:ln>
+        </p:spPr>
+        <p:style>
+          <a:lnRef idx="1">
+            <a:schemeClr val="accent1"/>
+          </a:lnRef>
+          <a:fillRef idx="0">
+            <a:schemeClr val="accent1"/>
+          </a:fillRef>
+          <a:effectRef idx="0">
+            <a:schemeClr val="accent1"/>
+          </a:effectRef>
+          <a:fontRef idx="minor">
+            <a:schemeClr val="tx1"/>
+          </a:fontRef>
+        </p:style>
+      </p:cxnSp>
+      <p:cxnSp>
+        <p:nvCxnSpPr>
+          <p:cNvPr id="44" name="直接箭头连接符 43">
+            <a:extLst>
+              <a:ext uri="{FF2B5EF4-FFF2-40B4-BE49-F238E27FC236}">
+                <a16:creationId xmlns:a16="http://schemas.microsoft.com/office/drawing/2014/main" id="{1DF33F20-7EAD-477D-BFB0-3785046D1A8C}"/>
+              </a:ext>
+            </a:extLst>
+          </p:cNvPr>
+          <p:cNvCxnSpPr>
+            <a:cxnSpLocks/>
+            <a:stCxn id="60" idx="3"/>
+            <a:endCxn id="62" idx="1"/>
+          </p:cNvCxnSpPr>
+          <p:nvPr/>
+        </p:nvCxnSpPr>
+        <p:spPr>
+          <a:xfrm>
+            <a:off x="1792222" y="4011584"/>
+            <a:ext cx="1396602" cy="0"/>
+          </a:xfrm>
+          <a:prstGeom prst="straightConnector1">
+            <a:avLst/>
+          </a:prstGeom>
+          <a:ln w="31750">
+            <a:solidFill>
+              <a:schemeClr val="tx1"/>
+            </a:solidFill>
+            <a:tailEnd type="triangle"/>
+          </a:ln>
+        </p:spPr>
+        <p:style>
+          <a:lnRef idx="1">
+            <a:schemeClr val="accent1"/>
+          </a:lnRef>
+          <a:fillRef idx="0">
+            <a:schemeClr val="accent1"/>
+          </a:fillRef>
+          <a:effectRef idx="0">
+            <a:schemeClr val="accent1"/>
+          </a:effectRef>
+          <a:fontRef idx="minor">
+            <a:schemeClr val="tx1"/>
+          </a:fontRef>
+        </p:style>
+      </p:cxnSp>
+      <p:cxnSp>
+        <p:nvCxnSpPr>
+          <p:cNvPr id="45" name="直接箭头连接符 44">
+            <a:extLst>
+              <a:ext uri="{FF2B5EF4-FFF2-40B4-BE49-F238E27FC236}">
+                <a16:creationId xmlns:a16="http://schemas.microsoft.com/office/drawing/2014/main" id="{454E1281-4C3B-40F3-B604-8058BEA3D040}"/>
+              </a:ext>
+            </a:extLst>
+          </p:cNvPr>
+          <p:cNvCxnSpPr>
+            <a:cxnSpLocks/>
+            <a:stCxn id="89" idx="3"/>
+            <a:endCxn id="106" idx="1"/>
+          </p:cNvCxnSpPr>
+          <p:nvPr/>
+        </p:nvCxnSpPr>
+        <p:spPr>
+          <a:xfrm>
+            <a:off x="1792222" y="5147417"/>
+            <a:ext cx="1396602" cy="0"/>
+          </a:xfrm>
+          <a:prstGeom prst="straightConnector1">
+            <a:avLst/>
+          </a:prstGeom>
+          <a:ln w="31750">
+            <a:solidFill>
+              <a:schemeClr val="tx1"/>
+            </a:solidFill>
+            <a:tailEnd type="triangle"/>
+          </a:ln>
+        </p:spPr>
+        <p:style>
+          <a:lnRef idx="1">
+            <a:schemeClr val="accent1"/>
+          </a:lnRef>
+          <a:fillRef idx="0">
+            <a:schemeClr val="accent1"/>
+          </a:fillRef>
+          <a:effectRef idx="0">
+            <a:schemeClr val="accent1"/>
+          </a:effectRef>
+          <a:fontRef idx="minor">
+            <a:schemeClr val="tx1"/>
+          </a:fontRef>
+        </p:style>
+      </p:cxnSp>
+      <p:cxnSp>
+        <p:nvCxnSpPr>
+          <p:cNvPr id="54" name="直接箭头连接符 53">
+            <a:extLst>
+              <a:ext uri="{FF2B5EF4-FFF2-40B4-BE49-F238E27FC236}">
+                <a16:creationId xmlns:a16="http://schemas.microsoft.com/office/drawing/2014/main" id="{3328B38A-3238-4C50-9210-1A1BC75EA739}"/>
+              </a:ext>
+            </a:extLst>
+          </p:cNvPr>
+          <p:cNvCxnSpPr>
+            <a:cxnSpLocks/>
+            <a:stCxn id="35" idx="1"/>
+            <a:endCxn id="101" idx="3"/>
+          </p:cNvCxnSpPr>
+          <p:nvPr/>
+        </p:nvCxnSpPr>
+        <p:spPr>
+          <a:xfrm flipH="1" flipV="1">
+            <a:off x="5420824" y="2879380"/>
+            <a:ext cx="1392790" cy="6416"/>
           </a:xfrm>
           <a:prstGeom prst="straightConnector1">
             <a:avLst/>
@@ -5898,1568 +7023,26 @@
           </a:fontRef>
         </p:style>
       </p:cxnSp>
-    </p:spTree>
-    <p:extLst>
-      <p:ext uri="{BB962C8B-B14F-4D97-AF65-F5344CB8AC3E}">
-        <p14:creationId xmlns:p14="http://schemas.microsoft.com/office/powerpoint/2010/main" val="16744982"/>
-      </p:ext>
-    </p:extLst>
-  </p:cSld>
-  <p:clrMapOvr>
-    <a:masterClrMapping/>
-  </p:clrMapOvr>
-</p:sld>
-</file>
-
-<file path=ppt/slides/slide12.xml><?xml version="1.0" encoding="utf-8"?>
-<p:sld xmlns:a="http://schemas.openxmlformats.org/drawingml/2006/main" xmlns:r="http://schemas.openxmlformats.org/officeDocument/2006/relationships" xmlns:p="http://schemas.openxmlformats.org/presentationml/2006/main">
-  <p:cSld>
-    <p:spTree>
-      <p:nvGrpSpPr>
-        <p:cNvPr id="1" name=""/>
-        <p:cNvGrpSpPr/>
-        <p:nvPr/>
-      </p:nvGrpSpPr>
-      <p:grpSpPr>
-        <a:xfrm>
-          <a:off x="0" y="0"/>
-          <a:ext cx="0" cy="0"/>
-          <a:chOff x="0" y="0"/>
-          <a:chExt cx="0" cy="0"/>
-        </a:xfrm>
-      </p:grpSpPr>
       <p:cxnSp>
         <p:nvCxnSpPr>
-          <p:cNvPr id="239" name="直接连接符 238">
-            <a:extLst>
-              <a:ext uri="{FF2B5EF4-FFF2-40B4-BE49-F238E27FC236}">
-                <a16:creationId xmlns:a16="http://schemas.microsoft.com/office/drawing/2014/main" id="{05CC9636-A076-48A7-9A94-4E0212BA0C59}"/>
+          <p:cNvPr id="55" name="直接箭头连接符 54">
+            <a:extLst>
+              <a:ext uri="{FF2B5EF4-FFF2-40B4-BE49-F238E27FC236}">
+                <a16:creationId xmlns:a16="http://schemas.microsoft.com/office/drawing/2014/main" id="{1DDDDBC0-A09D-4A77-9BA7-3A73F716BA85}"/>
               </a:ext>
             </a:extLst>
           </p:cNvPr>
           <p:cNvCxnSpPr>
             <a:cxnSpLocks/>
+            <a:stCxn id="37" idx="1"/>
+            <a:endCxn id="106" idx="3"/>
           </p:cNvCxnSpPr>
           <p:nvPr/>
         </p:nvCxnSpPr>
         <p:spPr>
-          <a:xfrm flipH="1">
-            <a:off x="433388" y="866051"/>
-            <a:ext cx="11325225" cy="1"/>
-          </a:xfrm>
-          <a:prstGeom prst="line">
-            <a:avLst/>
-          </a:prstGeom>
-          <a:ln w="19050">
-            <a:solidFill>
-              <a:srgbClr val="00576E"/>
-            </a:solidFill>
-          </a:ln>
-          <a:effectLst>
-            <a:outerShdw blurRad="50800" dist="12700" dir="5400000" algn="t" rotWithShape="0">
-              <a:prstClr val="black">
-                <a:alpha val="40000"/>
-              </a:prstClr>
-            </a:outerShdw>
-          </a:effectLst>
-        </p:spPr>
-        <p:style>
-          <a:lnRef idx="2">
-            <a:schemeClr val="accent1"/>
-          </a:lnRef>
-          <a:fillRef idx="0">
-            <a:schemeClr val="accent1"/>
-          </a:fillRef>
-          <a:effectRef idx="1">
-            <a:schemeClr val="accent1"/>
-          </a:effectRef>
-          <a:fontRef idx="minor">
-            <a:schemeClr val="tx1"/>
-          </a:fontRef>
-        </p:style>
-      </p:cxnSp>
-      <p:sp>
-        <p:nvSpPr>
-          <p:cNvPr id="240" name="矩形 239">
-            <a:extLst>
-              <a:ext uri="{FF2B5EF4-FFF2-40B4-BE49-F238E27FC236}">
-                <a16:creationId xmlns:a16="http://schemas.microsoft.com/office/drawing/2014/main" id="{CE6D800A-2E58-40A9-AF4D-2C92406102BA}"/>
-              </a:ext>
-            </a:extLst>
-          </p:cNvPr>
-          <p:cNvSpPr/>
-          <p:nvPr/>
-        </p:nvSpPr>
-        <p:spPr>
-          <a:xfrm>
-            <a:off x="471489" y="209549"/>
-            <a:ext cx="119062" cy="513626"/>
-          </a:xfrm>
-          <a:prstGeom prst="rect">
-            <a:avLst/>
-          </a:prstGeom>
-          <a:solidFill>
-            <a:srgbClr val="00576E"/>
-          </a:solidFill>
-        </p:spPr>
-        <p:style>
-          <a:lnRef idx="2">
-            <a:schemeClr val="accent1">
-              <a:shade val="50000"/>
-            </a:schemeClr>
-          </a:lnRef>
-          <a:fillRef idx="1">
-            <a:schemeClr val="accent1"/>
-          </a:fillRef>
-          <a:effectRef idx="0">
-            <a:schemeClr val="accent1"/>
-          </a:effectRef>
-          <a:fontRef idx="minor">
-            <a:schemeClr val="lt1"/>
-          </a:fontRef>
-        </p:style>
-        <p:txBody>
-          <a:bodyPr rtlCol="0" anchor="ctr"/>
-          <a:lstStyle/>
-          <a:p>
-            <a:pPr algn="ctr"/>
-            <a:endParaRPr lang="zh-CN" altLang="en-US">
-              <a:latin typeface="Consolas" panose="020B0609020204030204" pitchFamily="49" charset="0"/>
-            </a:endParaRPr>
-          </a:p>
-        </p:txBody>
-      </p:sp>
-      <p:sp>
-        <p:nvSpPr>
-          <p:cNvPr id="241" name="文本框 240">
-            <a:extLst>
-              <a:ext uri="{FF2B5EF4-FFF2-40B4-BE49-F238E27FC236}">
-                <a16:creationId xmlns:a16="http://schemas.microsoft.com/office/drawing/2014/main" id="{90ABBAE7-6707-4A6F-819E-32C1CFD4250B}"/>
-              </a:ext>
-            </a:extLst>
-          </p:cNvPr>
-          <p:cNvSpPr txBox="1"/>
-          <p:nvPr/>
-        </p:nvSpPr>
-        <p:spPr>
-          <a:xfrm>
-            <a:off x="712379" y="173975"/>
-            <a:ext cx="1005403" cy="584775"/>
-          </a:xfrm>
-          <a:prstGeom prst="rect">
-            <a:avLst/>
-          </a:prstGeom>
-          <a:noFill/>
-        </p:spPr>
-        <p:txBody>
-          <a:bodyPr wrap="none" rtlCol="0">
-            <a:spAutoFit/>
-          </a:bodyPr>
-          <a:lstStyle/>
-          <a:p>
-            <a:r>
-              <a:rPr lang="zh-CN" altLang="en-US" sz="3200" b="1">
-                <a:latin typeface="Consolas" panose="020B0609020204030204" pitchFamily="49" charset="0"/>
-                <a:ea typeface="微软雅黑" panose="020B0503020204020204" pitchFamily="34" charset="-122"/>
-              </a:rPr>
-              <a:t>祭奠</a:t>
-            </a:r>
-          </a:p>
-        </p:txBody>
-      </p:sp>
-      <p:sp>
-        <p:nvSpPr>
-          <p:cNvPr id="14" name="矩形: 圆角 13">
-            <a:extLst>
-              <a:ext uri="{FF2B5EF4-FFF2-40B4-BE49-F238E27FC236}">
-                <a16:creationId xmlns:a16="http://schemas.microsoft.com/office/drawing/2014/main" id="{FF3ED206-3EB1-4CF1-941F-BCC627677CF7}"/>
-              </a:ext>
-            </a:extLst>
-          </p:cNvPr>
-          <p:cNvSpPr/>
-          <p:nvPr/>
-        </p:nvSpPr>
-        <p:spPr>
-          <a:xfrm>
-            <a:off x="742951" y="2785125"/>
-            <a:ext cx="2340000" cy="1620000"/>
-          </a:xfrm>
-          <a:prstGeom prst="roundRect">
-            <a:avLst>
-              <a:gd name="adj" fmla="val 5494"/>
-            </a:avLst>
-          </a:prstGeom>
-          <a:noFill/>
-          <a:ln>
-            <a:solidFill>
-              <a:schemeClr val="tx2"/>
-            </a:solidFill>
-            <a:prstDash val="dash"/>
-          </a:ln>
-        </p:spPr>
-        <p:style>
-          <a:lnRef idx="2">
-            <a:schemeClr val="accent1">
-              <a:shade val="50000"/>
-            </a:schemeClr>
-          </a:lnRef>
-          <a:fillRef idx="1">
-            <a:schemeClr val="accent1"/>
-          </a:fillRef>
-          <a:effectRef idx="0">
-            <a:schemeClr val="accent1"/>
-          </a:effectRef>
-          <a:fontRef idx="minor">
-            <a:schemeClr val="lt1"/>
-          </a:fontRef>
-        </p:style>
-        <p:txBody>
-          <a:bodyPr rtlCol="0" anchor="ctr"/>
-          <a:lstStyle/>
-          <a:p>
-            <a:pPr algn="ctr"/>
-            <a:endParaRPr lang="zh-CN" altLang="en-US" sz="1600">
-              <a:latin typeface="微软雅黑" panose="020B0503020204020204" pitchFamily="34" charset="-122"/>
-              <a:ea typeface="微软雅黑" panose="020B0503020204020204" pitchFamily="34" charset="-122"/>
-            </a:endParaRPr>
-          </a:p>
-        </p:txBody>
-      </p:sp>
-      <p:grpSp>
-        <p:nvGrpSpPr>
-          <p:cNvPr id="16" name="组合 15">
-            <a:extLst>
-              <a:ext uri="{FF2B5EF4-FFF2-40B4-BE49-F238E27FC236}">
-                <a16:creationId xmlns:a16="http://schemas.microsoft.com/office/drawing/2014/main" id="{A1795C0A-BF60-4C70-A034-A78582707CE8}"/>
-              </a:ext>
-            </a:extLst>
-          </p:cNvPr>
-          <p:cNvGrpSpPr/>
-          <p:nvPr/>
-        </p:nvGrpSpPr>
-        <p:grpSpPr>
-          <a:xfrm>
-            <a:off x="841421" y="2919945"/>
-            <a:ext cx="2153706" cy="1356725"/>
-            <a:chOff x="3906523" y="2193174"/>
-            <a:chExt cx="2153706" cy="1356725"/>
-          </a:xfrm>
-        </p:grpSpPr>
-        <p:sp>
-          <p:nvSpPr>
-            <p:cNvPr id="17" name="矩形: 圆角 16">
-              <a:extLst>
-                <a:ext uri="{FF2B5EF4-FFF2-40B4-BE49-F238E27FC236}">
-                  <a16:creationId xmlns:a16="http://schemas.microsoft.com/office/drawing/2014/main" id="{0F567187-0C43-4575-8464-C3D2C859E137}"/>
-                </a:ext>
-              </a:extLst>
-            </p:cNvPr>
-            <p:cNvSpPr/>
-            <p:nvPr/>
-          </p:nvSpPr>
-          <p:spPr>
-            <a:xfrm>
-              <a:off x="4366053" y="2193174"/>
-              <a:ext cx="1224000" cy="540000"/>
-            </a:xfrm>
-            <a:prstGeom prst="roundRect">
-              <a:avLst/>
-            </a:prstGeom>
-            <a:solidFill>
-              <a:srgbClr val="00B0F0"/>
-            </a:solidFill>
-            <a:ln>
-              <a:solidFill>
-                <a:schemeClr val="tx1"/>
-              </a:solidFill>
-            </a:ln>
-          </p:spPr>
-          <p:style>
-            <a:lnRef idx="2">
-              <a:schemeClr val="accent1">
-                <a:shade val="50000"/>
-              </a:schemeClr>
-            </a:lnRef>
-            <a:fillRef idx="1">
-              <a:schemeClr val="accent1"/>
-            </a:fillRef>
-            <a:effectRef idx="0">
-              <a:schemeClr val="accent1"/>
-            </a:effectRef>
-            <a:fontRef idx="minor">
-              <a:schemeClr val="lt1"/>
-            </a:fontRef>
-          </p:style>
-          <p:txBody>
-            <a:bodyPr wrap="none" lIns="36000" tIns="36000" rIns="36000" bIns="36000" rtlCol="0" anchor="ctr" anchorCtr="0"/>
-            <a:lstStyle/>
-            <a:p>
-              <a:pPr algn="ctr"/>
-              <a:r>
-                <a:rPr lang="zh-CN" altLang="en-US" sz="1600" b="1">
-                  <a:solidFill>
-                    <a:schemeClr val="tx1"/>
-                  </a:solidFill>
-                  <a:latin typeface="微软雅黑" panose="020B0503020204020204" pitchFamily="34" charset="-122"/>
-                  <a:ea typeface="微软雅黑" panose="020B0503020204020204" pitchFamily="34" charset="-122"/>
-                </a:rPr>
-                <a:t>用户</a:t>
-              </a:r>
-            </a:p>
-          </p:txBody>
-        </p:sp>
-        <p:sp>
-          <p:nvSpPr>
-            <p:cNvPr id="18" name="矩形: 圆角 17">
-              <a:extLst>
-                <a:ext uri="{FF2B5EF4-FFF2-40B4-BE49-F238E27FC236}">
-                  <a16:creationId xmlns:a16="http://schemas.microsoft.com/office/drawing/2014/main" id="{332C2575-AD02-407D-A122-B9AB14435E0D}"/>
-                </a:ext>
-              </a:extLst>
-            </p:cNvPr>
-            <p:cNvSpPr/>
-            <p:nvPr/>
-          </p:nvSpPr>
-          <p:spPr>
-            <a:xfrm>
-              <a:off x="3906523" y="2901899"/>
-              <a:ext cx="2153706" cy="648000"/>
-            </a:xfrm>
-            <a:prstGeom prst="roundRect">
-              <a:avLst/>
-            </a:prstGeom>
-            <a:solidFill>
-              <a:srgbClr val="00B050"/>
-            </a:solidFill>
-            <a:ln>
-              <a:solidFill>
-                <a:schemeClr val="tx1"/>
-              </a:solidFill>
-            </a:ln>
-          </p:spPr>
-          <p:style>
-            <a:lnRef idx="2">
-              <a:schemeClr val="accent1">
-                <a:shade val="50000"/>
-              </a:schemeClr>
-            </a:lnRef>
-            <a:fillRef idx="1">
-              <a:schemeClr val="accent1"/>
-            </a:fillRef>
-            <a:effectRef idx="0">
-              <a:schemeClr val="accent1"/>
-            </a:effectRef>
-            <a:fontRef idx="minor">
-              <a:schemeClr val="lt1"/>
-            </a:fontRef>
-          </p:style>
-          <p:txBody>
-            <a:bodyPr wrap="none" lIns="36000" tIns="36000" rIns="36000" bIns="36000" rtlCol="0" anchor="ctr" anchorCtr="0"/>
-            <a:lstStyle/>
-            <a:p>
-              <a:pPr algn="ctr"/>
-              <a:r>
-                <a:rPr lang="zh-CN" altLang="en-US" sz="1600" b="1">
-                  <a:solidFill>
-                    <a:schemeClr val="tx1"/>
-                  </a:solidFill>
-                  <a:latin typeface="微软雅黑" panose="020B0503020204020204" pitchFamily="34" charset="-122"/>
-                  <a:ea typeface="微软雅黑" panose="020B0503020204020204" pitchFamily="34" charset="-122"/>
-                </a:rPr>
-                <a:t>查看纪念馆列表</a:t>
-              </a:r>
-              <a:endParaRPr lang="en-US" altLang="zh-CN" sz="1600" b="1">
-                <a:solidFill>
-                  <a:schemeClr val="tx1"/>
-                </a:solidFill>
-                <a:latin typeface="微软雅黑" panose="020B0503020204020204" pitchFamily="34" charset="-122"/>
-                <a:ea typeface="微软雅黑" panose="020B0503020204020204" pitchFamily="34" charset="-122"/>
-              </a:endParaRPr>
-            </a:p>
-            <a:p>
-              <a:pPr algn="ctr"/>
-              <a:r>
-                <a:rPr lang="en-US" altLang="zh-CN" sz="1600" b="1">
-                  <a:solidFill>
-                    <a:schemeClr val="tx1"/>
-                  </a:solidFill>
-                  <a:latin typeface="微软雅黑" panose="020B0503020204020204" pitchFamily="34" charset="-122"/>
-                  <a:ea typeface="微软雅黑" panose="020B0503020204020204" pitchFamily="34" charset="-122"/>
-                </a:rPr>
-                <a:t>list_memorial_hall</a:t>
-              </a:r>
-              <a:endParaRPr lang="zh-CN" altLang="en-US" sz="1600" b="1">
-                <a:solidFill>
-                  <a:schemeClr val="tx1"/>
-                </a:solidFill>
-                <a:latin typeface="微软雅黑" panose="020B0503020204020204" pitchFamily="34" charset="-122"/>
-                <a:ea typeface="微软雅黑" panose="020B0503020204020204" pitchFamily="34" charset="-122"/>
-              </a:endParaRPr>
-            </a:p>
-          </p:txBody>
-        </p:sp>
-      </p:grpSp>
-      <p:cxnSp>
-        <p:nvCxnSpPr>
-          <p:cNvPr id="19" name="直接箭头连接符 18">
-            <a:extLst>
-              <a:ext uri="{FF2B5EF4-FFF2-40B4-BE49-F238E27FC236}">
-                <a16:creationId xmlns:a16="http://schemas.microsoft.com/office/drawing/2014/main" id="{8705F72D-E2A4-46C8-9922-6D9B9117A242}"/>
-              </a:ext>
-            </a:extLst>
-          </p:cNvPr>
-          <p:cNvCxnSpPr>
-            <a:cxnSpLocks/>
-            <a:stCxn id="14" idx="3"/>
-            <a:endCxn id="22" idx="1"/>
-          </p:cNvCxnSpPr>
-          <p:nvPr/>
-        </p:nvCxnSpPr>
-        <p:spPr>
-          <a:xfrm>
-            <a:off x="3082951" y="3595125"/>
-            <a:ext cx="989522" cy="0"/>
-          </a:xfrm>
-          <a:prstGeom prst="straightConnector1">
-            <a:avLst/>
-          </a:prstGeom>
-          <a:ln w="57150">
-            <a:solidFill>
-              <a:srgbClr val="FFC000"/>
-            </a:solidFill>
-            <a:tailEnd type="triangle"/>
-          </a:ln>
-        </p:spPr>
-        <p:style>
-          <a:lnRef idx="1">
-            <a:schemeClr val="accent1"/>
-          </a:lnRef>
-          <a:fillRef idx="0">
-            <a:schemeClr val="accent1"/>
-          </a:fillRef>
-          <a:effectRef idx="0">
-            <a:schemeClr val="accent1"/>
-          </a:effectRef>
-          <a:fontRef idx="minor">
-            <a:schemeClr val="tx1"/>
-          </a:fontRef>
-        </p:style>
-      </p:cxnSp>
-      <p:grpSp>
-        <p:nvGrpSpPr>
-          <p:cNvPr id="10" name="组合 9">
-            <a:extLst>
-              <a:ext uri="{FF2B5EF4-FFF2-40B4-BE49-F238E27FC236}">
-                <a16:creationId xmlns:a16="http://schemas.microsoft.com/office/drawing/2014/main" id="{AE9824BB-B2EF-4DE4-9825-02F5BF4D537B}"/>
-              </a:ext>
-            </a:extLst>
-          </p:cNvPr>
-          <p:cNvGrpSpPr/>
-          <p:nvPr/>
-        </p:nvGrpSpPr>
-        <p:grpSpPr>
-          <a:xfrm>
-            <a:off x="4072473" y="2785125"/>
-            <a:ext cx="1728000" cy="1620000"/>
-            <a:chOff x="3577950" y="1581477"/>
-            <a:chExt cx="1432589" cy="1620000"/>
-          </a:xfrm>
-        </p:grpSpPr>
-        <p:grpSp>
-          <p:nvGrpSpPr>
-            <p:cNvPr id="21" name="组合 20">
-              <a:extLst>
-                <a:ext uri="{FF2B5EF4-FFF2-40B4-BE49-F238E27FC236}">
-                  <a16:creationId xmlns:a16="http://schemas.microsoft.com/office/drawing/2014/main" id="{C84A5A26-4CC7-4EDA-AEF4-33C95D453965}"/>
-                </a:ext>
-              </a:extLst>
-            </p:cNvPr>
-            <p:cNvGrpSpPr/>
-            <p:nvPr/>
-          </p:nvGrpSpPr>
-          <p:grpSpPr>
-            <a:xfrm>
-              <a:off x="3676951" y="1692062"/>
-              <a:ext cx="1224000" cy="1379229"/>
-              <a:chOff x="6453718" y="2170670"/>
-              <a:chExt cx="1224000" cy="1379229"/>
-            </a:xfrm>
-          </p:grpSpPr>
-          <p:sp>
-            <p:nvSpPr>
-              <p:cNvPr id="23" name="矩形: 圆角 22">
-                <a:extLst>
-                  <a:ext uri="{FF2B5EF4-FFF2-40B4-BE49-F238E27FC236}">
-                    <a16:creationId xmlns:a16="http://schemas.microsoft.com/office/drawing/2014/main" id="{DE79CEAC-65D3-4CF0-B5C1-3C5CD4003A5E}"/>
-                  </a:ext>
-                </a:extLst>
-              </p:cNvPr>
-              <p:cNvSpPr/>
-              <p:nvPr/>
-            </p:nvSpPr>
-            <p:spPr>
-              <a:xfrm>
-                <a:off x="6453718" y="2170670"/>
-                <a:ext cx="1224000" cy="540000"/>
-              </a:xfrm>
-              <a:prstGeom prst="roundRect">
-                <a:avLst/>
-              </a:prstGeom>
-              <a:solidFill>
-                <a:srgbClr val="00B0F0"/>
-              </a:solidFill>
-              <a:ln>
-                <a:solidFill>
-                  <a:schemeClr val="tx1"/>
-                </a:solidFill>
-              </a:ln>
-            </p:spPr>
-            <p:style>
-              <a:lnRef idx="2">
-                <a:schemeClr val="accent1">
-                  <a:shade val="50000"/>
-                </a:schemeClr>
-              </a:lnRef>
-              <a:fillRef idx="1">
-                <a:schemeClr val="accent1"/>
-              </a:fillRef>
-              <a:effectRef idx="0">
-                <a:schemeClr val="accent1"/>
-              </a:effectRef>
-              <a:fontRef idx="minor">
-                <a:schemeClr val="lt1"/>
-              </a:fontRef>
-            </p:style>
-            <p:txBody>
-              <a:bodyPr wrap="none" lIns="36000" tIns="36000" rIns="36000" bIns="36000" rtlCol="0" anchor="ctr" anchorCtr="0"/>
-              <a:lstStyle/>
-              <a:p>
-                <a:pPr algn="ctr"/>
-                <a:r>
-                  <a:rPr lang="zh-CN" altLang="en-US" sz="1600" b="1">
-                    <a:solidFill>
-                      <a:schemeClr val="tx1"/>
-                    </a:solidFill>
-                    <a:latin typeface="微软雅黑" panose="020B0503020204020204" pitchFamily="34" charset="-122"/>
-                    <a:ea typeface="微软雅黑" panose="020B0503020204020204" pitchFamily="34" charset="-122"/>
-                  </a:rPr>
-                  <a:t>用户</a:t>
-                </a:r>
-              </a:p>
-            </p:txBody>
-          </p:sp>
-          <p:sp>
-            <p:nvSpPr>
-              <p:cNvPr id="24" name="矩形: 圆角 23">
-                <a:extLst>
-                  <a:ext uri="{FF2B5EF4-FFF2-40B4-BE49-F238E27FC236}">
-                    <a16:creationId xmlns:a16="http://schemas.microsoft.com/office/drawing/2014/main" id="{A25478A8-4FB0-427C-BBD8-232A2989DAF4}"/>
-                  </a:ext>
-                </a:extLst>
-              </p:cNvPr>
-              <p:cNvSpPr/>
-              <p:nvPr/>
-            </p:nvSpPr>
-            <p:spPr>
-              <a:xfrm>
-                <a:off x="6453718" y="2901899"/>
-                <a:ext cx="1224000" cy="648000"/>
-              </a:xfrm>
-              <a:prstGeom prst="roundRect">
-                <a:avLst/>
-              </a:prstGeom>
-              <a:solidFill>
-                <a:srgbClr val="00B050"/>
-              </a:solidFill>
-              <a:ln>
-                <a:solidFill>
-                  <a:schemeClr val="tx1"/>
-                </a:solidFill>
-              </a:ln>
-            </p:spPr>
-            <p:style>
-              <a:lnRef idx="2">
-                <a:schemeClr val="accent1">
-                  <a:shade val="50000"/>
-                </a:schemeClr>
-              </a:lnRef>
-              <a:fillRef idx="1">
-                <a:schemeClr val="accent1"/>
-              </a:fillRef>
-              <a:effectRef idx="0">
-                <a:schemeClr val="accent1"/>
-              </a:effectRef>
-              <a:fontRef idx="minor">
-                <a:schemeClr val="lt1"/>
-              </a:fontRef>
-            </p:style>
-            <p:txBody>
-              <a:bodyPr wrap="none" lIns="36000" tIns="36000" rIns="36000" bIns="36000" rtlCol="0" anchor="ctr" anchorCtr="0"/>
-              <a:lstStyle/>
-              <a:p>
-                <a:pPr algn="ctr"/>
-                <a:r>
-                  <a:rPr lang="zh-CN" altLang="en-US" sz="1600" b="1">
-                    <a:solidFill>
-                      <a:schemeClr val="tx1"/>
-                    </a:solidFill>
-                    <a:latin typeface="微软雅黑" panose="020B0503020204020204" pitchFamily="34" charset="-122"/>
-                    <a:ea typeface="微软雅黑" panose="020B0503020204020204" pitchFamily="34" charset="-122"/>
-                  </a:rPr>
-                  <a:t>祭奠</a:t>
-                </a:r>
-                <a:endParaRPr lang="en-US" altLang="zh-CN" sz="1600" b="1">
-                  <a:solidFill>
-                    <a:schemeClr val="tx1"/>
-                  </a:solidFill>
-                  <a:latin typeface="微软雅黑" panose="020B0503020204020204" pitchFamily="34" charset="-122"/>
-                  <a:ea typeface="微软雅黑" panose="020B0503020204020204" pitchFamily="34" charset="-122"/>
-                </a:endParaRPr>
-              </a:p>
-              <a:p>
-                <a:pPr algn="ctr"/>
-                <a:r>
-                  <a:rPr lang="en-US" altLang="zh-CN" sz="1600" b="1">
-                    <a:solidFill>
-                      <a:schemeClr val="tx1"/>
-                    </a:solidFill>
-                    <a:latin typeface="微软雅黑" panose="020B0503020204020204" pitchFamily="34" charset="-122"/>
-                    <a:ea typeface="微软雅黑" panose="020B0503020204020204" pitchFamily="34" charset="-122"/>
-                  </a:rPr>
-                  <a:t>do_sacrifice</a:t>
-                </a:r>
-                <a:endParaRPr lang="zh-CN" altLang="en-US" sz="1600" b="1">
-                  <a:solidFill>
-                    <a:schemeClr val="tx1"/>
-                  </a:solidFill>
-                  <a:latin typeface="微软雅黑" panose="020B0503020204020204" pitchFamily="34" charset="-122"/>
-                  <a:ea typeface="微软雅黑" panose="020B0503020204020204" pitchFamily="34" charset="-122"/>
-                </a:endParaRPr>
-              </a:p>
-            </p:txBody>
-          </p:sp>
-        </p:grpSp>
-        <p:sp>
-          <p:nvSpPr>
-            <p:cNvPr id="22" name="矩形: 圆角 21">
-              <a:extLst>
-                <a:ext uri="{FF2B5EF4-FFF2-40B4-BE49-F238E27FC236}">
-                  <a16:creationId xmlns:a16="http://schemas.microsoft.com/office/drawing/2014/main" id="{8BFE3668-F479-4254-8692-0367AA9EE00A}"/>
-                </a:ext>
-              </a:extLst>
-            </p:cNvPr>
-            <p:cNvSpPr/>
-            <p:nvPr/>
-          </p:nvSpPr>
-          <p:spPr>
-            <a:xfrm>
-              <a:off x="3577950" y="1581477"/>
-              <a:ext cx="1432589" cy="1620000"/>
-            </a:xfrm>
-            <a:prstGeom prst="roundRect">
-              <a:avLst>
-                <a:gd name="adj" fmla="val 5494"/>
-              </a:avLst>
-            </a:prstGeom>
-            <a:noFill/>
-            <a:ln>
-              <a:solidFill>
-                <a:schemeClr val="tx2"/>
-              </a:solidFill>
-              <a:prstDash val="dash"/>
-            </a:ln>
-          </p:spPr>
-          <p:style>
-            <a:lnRef idx="2">
-              <a:schemeClr val="accent1">
-                <a:shade val="50000"/>
-              </a:schemeClr>
-            </a:lnRef>
-            <a:fillRef idx="1">
-              <a:schemeClr val="accent1"/>
-            </a:fillRef>
-            <a:effectRef idx="0">
-              <a:schemeClr val="accent1"/>
-            </a:effectRef>
-            <a:fontRef idx="minor">
-              <a:schemeClr val="lt1"/>
-            </a:fontRef>
-          </p:style>
-          <p:txBody>
-            <a:bodyPr rtlCol="0" anchor="ctr"/>
-            <a:lstStyle/>
-            <a:p>
-              <a:pPr algn="ctr"/>
-              <a:endParaRPr lang="zh-CN" altLang="en-US" sz="1600">
-                <a:latin typeface="微软雅黑" panose="020B0503020204020204" pitchFamily="34" charset="-122"/>
-                <a:ea typeface="微软雅黑" panose="020B0503020204020204" pitchFamily="34" charset="-122"/>
-              </a:endParaRPr>
-            </a:p>
-          </p:txBody>
-        </p:sp>
-      </p:grpSp>
-      <p:cxnSp>
-        <p:nvCxnSpPr>
-          <p:cNvPr id="25" name="直接箭头连接符 24">
-            <a:extLst>
-              <a:ext uri="{FF2B5EF4-FFF2-40B4-BE49-F238E27FC236}">
-                <a16:creationId xmlns:a16="http://schemas.microsoft.com/office/drawing/2014/main" id="{EA27B01A-2CF1-4568-9DDF-C176DAE4F787}"/>
-              </a:ext>
-            </a:extLst>
-          </p:cNvPr>
-          <p:cNvCxnSpPr>
-            <a:cxnSpLocks/>
-            <a:stCxn id="22" idx="3"/>
-            <a:endCxn id="26" idx="1"/>
-          </p:cNvCxnSpPr>
-          <p:nvPr/>
-        </p:nvCxnSpPr>
-        <p:spPr>
-          <a:xfrm>
-            <a:off x="5800473" y="3595125"/>
-            <a:ext cx="1737014" cy="956202"/>
-          </a:xfrm>
-          <a:prstGeom prst="straightConnector1">
-            <a:avLst/>
-          </a:prstGeom>
-          <a:ln w="57150">
-            <a:solidFill>
-              <a:srgbClr val="FFC000"/>
-            </a:solidFill>
-            <a:tailEnd type="triangle"/>
-          </a:ln>
-        </p:spPr>
-        <p:style>
-          <a:lnRef idx="1">
-            <a:schemeClr val="accent1"/>
-          </a:lnRef>
-          <a:fillRef idx="0">
-            <a:schemeClr val="accent1"/>
-          </a:fillRef>
-          <a:effectRef idx="0">
-            <a:schemeClr val="accent1"/>
-          </a:effectRef>
-          <a:fontRef idx="minor">
-            <a:schemeClr val="tx1"/>
-          </a:fontRef>
-        </p:style>
-      </p:cxnSp>
-      <p:sp>
-        <p:nvSpPr>
-          <p:cNvPr id="26" name="矩形: 圆角 25">
-            <a:extLst>
-              <a:ext uri="{FF2B5EF4-FFF2-40B4-BE49-F238E27FC236}">
-                <a16:creationId xmlns:a16="http://schemas.microsoft.com/office/drawing/2014/main" id="{7BEDAD88-DAEB-4482-B899-6955EFC36603}"/>
-              </a:ext>
-            </a:extLst>
-          </p:cNvPr>
-          <p:cNvSpPr/>
-          <p:nvPr/>
-        </p:nvSpPr>
-        <p:spPr>
-          <a:xfrm>
-            <a:off x="7537487" y="4353327"/>
-            <a:ext cx="1728000" cy="396000"/>
-          </a:xfrm>
-          <a:prstGeom prst="roundRect">
-            <a:avLst/>
-          </a:prstGeom>
-          <a:solidFill>
-            <a:schemeClr val="bg1">
-              <a:lumMod val="95000"/>
-            </a:schemeClr>
-          </a:solidFill>
-          <a:ln>
-            <a:solidFill>
-              <a:schemeClr val="tx1"/>
-            </a:solidFill>
-          </a:ln>
-        </p:spPr>
-        <p:style>
-          <a:lnRef idx="2">
-            <a:schemeClr val="accent1">
-              <a:shade val="50000"/>
-            </a:schemeClr>
-          </a:lnRef>
-          <a:fillRef idx="1">
-            <a:schemeClr val="accent1"/>
-          </a:fillRef>
-          <a:effectRef idx="0">
-            <a:schemeClr val="accent1"/>
-          </a:effectRef>
-          <a:fontRef idx="minor">
-            <a:schemeClr val="lt1"/>
-          </a:fontRef>
-        </p:style>
-        <p:txBody>
-          <a:bodyPr wrap="none" lIns="36000" tIns="36000" rIns="36000" bIns="36000" rtlCol="0" anchor="ctr" anchorCtr="0"/>
-          <a:lstStyle/>
-          <a:p>
-            <a:pPr algn="ctr"/>
-            <a:r>
-              <a:rPr lang="zh-CN" altLang="en-US" sz="1600" b="1">
-                <a:solidFill>
-                  <a:schemeClr val="tx1"/>
-                </a:solidFill>
-                <a:latin typeface="微软雅黑" panose="020B0503020204020204" pitchFamily="34" charset="-122"/>
-                <a:ea typeface="微软雅黑" panose="020B0503020204020204" pitchFamily="34" charset="-122"/>
-              </a:rPr>
-              <a:t>用户当前资产表</a:t>
-            </a:r>
-          </a:p>
-        </p:txBody>
-      </p:sp>
-      <p:cxnSp>
-        <p:nvCxnSpPr>
-          <p:cNvPr id="27" name="直接箭头连接符 26">
-            <a:extLst>
-              <a:ext uri="{FF2B5EF4-FFF2-40B4-BE49-F238E27FC236}">
-                <a16:creationId xmlns:a16="http://schemas.microsoft.com/office/drawing/2014/main" id="{9906FBDE-CD3A-4F24-AE21-6C92AD9E7ADA}"/>
-              </a:ext>
-            </a:extLst>
-          </p:cNvPr>
-          <p:cNvCxnSpPr>
-            <a:cxnSpLocks/>
-            <a:stCxn id="22" idx="3"/>
-            <a:endCxn id="28" idx="1"/>
-          </p:cNvCxnSpPr>
-          <p:nvPr/>
-        </p:nvCxnSpPr>
-        <p:spPr>
-          <a:xfrm flipV="1">
-            <a:off x="5800473" y="2680535"/>
-            <a:ext cx="1737014" cy="914590"/>
-          </a:xfrm>
-          <a:prstGeom prst="straightConnector1">
-            <a:avLst/>
-          </a:prstGeom>
-          <a:ln w="57150">
-            <a:solidFill>
-              <a:srgbClr val="FFC000"/>
-            </a:solidFill>
-            <a:tailEnd type="triangle"/>
-          </a:ln>
-        </p:spPr>
-        <p:style>
-          <a:lnRef idx="1">
-            <a:schemeClr val="accent1"/>
-          </a:lnRef>
-          <a:fillRef idx="0">
-            <a:schemeClr val="accent1"/>
-          </a:fillRef>
-          <a:effectRef idx="0">
-            <a:schemeClr val="accent1"/>
-          </a:effectRef>
-          <a:fontRef idx="minor">
-            <a:schemeClr val="tx1"/>
-          </a:fontRef>
-        </p:style>
-      </p:cxnSp>
-      <p:sp>
-        <p:nvSpPr>
-          <p:cNvPr id="28" name="矩形: 圆角 27">
-            <a:extLst>
-              <a:ext uri="{FF2B5EF4-FFF2-40B4-BE49-F238E27FC236}">
-                <a16:creationId xmlns:a16="http://schemas.microsoft.com/office/drawing/2014/main" id="{A94DE6C3-694C-4325-A74A-F92569960786}"/>
-              </a:ext>
-            </a:extLst>
-          </p:cNvPr>
-          <p:cNvSpPr/>
-          <p:nvPr/>
-        </p:nvSpPr>
-        <p:spPr>
-          <a:xfrm>
-            <a:off x="7537487" y="2482535"/>
-            <a:ext cx="1728000" cy="396000"/>
-          </a:xfrm>
-          <a:prstGeom prst="roundRect">
-            <a:avLst/>
-          </a:prstGeom>
-          <a:solidFill>
-            <a:schemeClr val="bg1">
-              <a:lumMod val="95000"/>
-            </a:schemeClr>
-          </a:solidFill>
-          <a:ln>
-            <a:solidFill>
-              <a:schemeClr val="tx1"/>
-            </a:solidFill>
-          </a:ln>
-        </p:spPr>
-        <p:style>
-          <a:lnRef idx="2">
-            <a:schemeClr val="accent1">
-              <a:shade val="50000"/>
-            </a:schemeClr>
-          </a:lnRef>
-          <a:fillRef idx="1">
-            <a:schemeClr val="accent1"/>
-          </a:fillRef>
-          <a:effectRef idx="0">
-            <a:schemeClr val="accent1"/>
-          </a:effectRef>
-          <a:fontRef idx="minor">
-            <a:schemeClr val="lt1"/>
-          </a:fontRef>
-        </p:style>
-        <p:txBody>
-          <a:bodyPr wrap="none" lIns="36000" tIns="36000" rIns="36000" bIns="36000" rtlCol="0" anchor="ctr" anchorCtr="0"/>
-          <a:lstStyle/>
-          <a:p>
-            <a:pPr algn="ctr"/>
-            <a:r>
-              <a:rPr lang="zh-CN" altLang="en-US" sz="1600" b="1">
-                <a:solidFill>
-                  <a:schemeClr val="tx1"/>
-                </a:solidFill>
-                <a:latin typeface="微软雅黑" panose="020B0503020204020204" pitchFamily="34" charset="-122"/>
-                <a:ea typeface="微软雅黑" panose="020B0503020204020204" pitchFamily="34" charset="-122"/>
-              </a:rPr>
-              <a:t>纪念馆表</a:t>
-            </a:r>
-          </a:p>
-        </p:txBody>
-      </p:sp>
-      <p:sp>
-        <p:nvSpPr>
-          <p:cNvPr id="29" name="矩形: 圆角 28">
-            <a:extLst>
-              <a:ext uri="{FF2B5EF4-FFF2-40B4-BE49-F238E27FC236}">
-                <a16:creationId xmlns:a16="http://schemas.microsoft.com/office/drawing/2014/main" id="{3B24206D-E2B8-4EC3-8A16-926DEB72A18B}"/>
-              </a:ext>
-            </a:extLst>
-          </p:cNvPr>
-          <p:cNvSpPr/>
-          <p:nvPr/>
-        </p:nvSpPr>
-        <p:spPr>
-          <a:xfrm>
-            <a:off x="7537487" y="2983253"/>
-            <a:ext cx="1728000" cy="396000"/>
-          </a:xfrm>
-          <a:prstGeom prst="roundRect">
-            <a:avLst/>
-          </a:prstGeom>
-          <a:solidFill>
-            <a:schemeClr val="bg1">
-              <a:lumMod val="95000"/>
-            </a:schemeClr>
-          </a:solidFill>
-          <a:ln>
-            <a:solidFill>
-              <a:schemeClr val="tx1"/>
-            </a:solidFill>
-          </a:ln>
-        </p:spPr>
-        <p:style>
-          <a:lnRef idx="2">
-            <a:schemeClr val="accent1">
-              <a:shade val="50000"/>
-            </a:schemeClr>
-          </a:lnRef>
-          <a:fillRef idx="1">
-            <a:schemeClr val="accent1"/>
-          </a:fillRef>
-          <a:effectRef idx="0">
-            <a:schemeClr val="accent1"/>
-          </a:effectRef>
-          <a:fontRef idx="minor">
-            <a:schemeClr val="lt1"/>
-          </a:fontRef>
-        </p:style>
-        <p:txBody>
-          <a:bodyPr wrap="none" lIns="36000" tIns="36000" rIns="36000" bIns="36000" rtlCol="0" anchor="ctr" anchorCtr="0"/>
-          <a:lstStyle/>
-          <a:p>
-            <a:pPr algn="ctr"/>
-            <a:r>
-              <a:rPr lang="zh-CN" altLang="en-US" sz="1600" b="1">
-                <a:solidFill>
-                  <a:schemeClr val="tx1"/>
-                </a:solidFill>
-                <a:latin typeface="微软雅黑" panose="020B0503020204020204" pitchFamily="34" charset="-122"/>
-                <a:ea typeface="微软雅黑" panose="020B0503020204020204" pitchFamily="34" charset="-122"/>
-              </a:rPr>
-              <a:t>纪念馆亲友团表</a:t>
-            </a:r>
-          </a:p>
-        </p:txBody>
-      </p:sp>
-      <p:cxnSp>
-        <p:nvCxnSpPr>
-          <p:cNvPr id="30" name="直接箭头连接符 29">
-            <a:extLst>
-              <a:ext uri="{FF2B5EF4-FFF2-40B4-BE49-F238E27FC236}">
-                <a16:creationId xmlns:a16="http://schemas.microsoft.com/office/drawing/2014/main" id="{ED9120F0-73EA-4E77-8210-D0BE1E5C8D02}"/>
-              </a:ext>
-            </a:extLst>
-          </p:cNvPr>
-          <p:cNvCxnSpPr>
-            <a:cxnSpLocks/>
-            <a:stCxn id="22" idx="3"/>
-            <a:endCxn id="29" idx="1"/>
-          </p:cNvCxnSpPr>
-          <p:nvPr/>
-        </p:nvCxnSpPr>
-        <p:spPr>
-          <a:xfrm flipV="1">
-            <a:off x="5800473" y="3181253"/>
-            <a:ext cx="1737014" cy="413872"/>
-          </a:xfrm>
-          <a:prstGeom prst="straightConnector1">
-            <a:avLst/>
-          </a:prstGeom>
-          <a:ln w="57150">
-            <a:solidFill>
-              <a:srgbClr val="FFC000"/>
-            </a:solidFill>
-            <a:tailEnd type="triangle"/>
-          </a:ln>
-        </p:spPr>
-        <p:style>
-          <a:lnRef idx="1">
-            <a:schemeClr val="accent1"/>
-          </a:lnRef>
-          <a:fillRef idx="0">
-            <a:schemeClr val="accent1"/>
-          </a:fillRef>
-          <a:effectRef idx="0">
-            <a:schemeClr val="accent1"/>
-          </a:effectRef>
-          <a:fontRef idx="minor">
-            <a:schemeClr val="tx1"/>
-          </a:fontRef>
-        </p:style>
-      </p:cxnSp>
-      <p:sp>
-        <p:nvSpPr>
-          <p:cNvPr id="31" name="矩形: 圆角 30">
-            <a:extLst>
-              <a:ext uri="{FF2B5EF4-FFF2-40B4-BE49-F238E27FC236}">
-                <a16:creationId xmlns:a16="http://schemas.microsoft.com/office/drawing/2014/main" id="{084D6881-0A6D-4ACA-A1AF-5073C16577F2}"/>
-              </a:ext>
-            </a:extLst>
-          </p:cNvPr>
-          <p:cNvSpPr/>
-          <p:nvPr/>
-        </p:nvSpPr>
-        <p:spPr>
-          <a:xfrm>
-            <a:off x="7537487" y="3483971"/>
-            <a:ext cx="1728000" cy="396000"/>
-          </a:xfrm>
-          <a:prstGeom prst="roundRect">
-            <a:avLst/>
-          </a:prstGeom>
-          <a:solidFill>
-            <a:schemeClr val="bg1">
-              <a:lumMod val="95000"/>
-            </a:schemeClr>
-          </a:solidFill>
-          <a:ln>
-            <a:solidFill>
-              <a:schemeClr val="tx1"/>
-            </a:solidFill>
-          </a:ln>
-        </p:spPr>
-        <p:style>
-          <a:lnRef idx="2">
-            <a:schemeClr val="accent1">
-              <a:shade val="50000"/>
-            </a:schemeClr>
-          </a:lnRef>
-          <a:fillRef idx="1">
-            <a:schemeClr val="accent1"/>
-          </a:fillRef>
-          <a:effectRef idx="0">
-            <a:schemeClr val="accent1"/>
-          </a:effectRef>
-          <a:fontRef idx="minor">
-            <a:schemeClr val="lt1"/>
-          </a:fontRef>
-        </p:style>
-        <p:txBody>
-          <a:bodyPr wrap="none" lIns="36000" tIns="36000" rIns="36000" bIns="36000" rtlCol="0" anchor="ctr" anchorCtr="0"/>
-          <a:lstStyle/>
-          <a:p>
-            <a:pPr algn="ctr"/>
-            <a:r>
-              <a:rPr lang="zh-CN" altLang="en-US" sz="1600" b="1">
-                <a:solidFill>
-                  <a:schemeClr val="tx1"/>
-                </a:solidFill>
-                <a:latin typeface="微软雅黑" panose="020B0503020204020204" pitchFamily="34" charset="-122"/>
-                <a:ea typeface="微软雅黑" panose="020B0503020204020204" pitchFamily="34" charset="-122"/>
-              </a:rPr>
-              <a:t>纪念馆排名表</a:t>
-            </a:r>
-          </a:p>
-        </p:txBody>
-      </p:sp>
-      <p:cxnSp>
-        <p:nvCxnSpPr>
-          <p:cNvPr id="32" name="直接箭头连接符 31">
-            <a:extLst>
-              <a:ext uri="{FF2B5EF4-FFF2-40B4-BE49-F238E27FC236}">
-                <a16:creationId xmlns:a16="http://schemas.microsoft.com/office/drawing/2014/main" id="{34E36B3C-C16A-4F0C-B35F-BE9E1FAF6E8E}"/>
-              </a:ext>
-            </a:extLst>
-          </p:cNvPr>
-          <p:cNvCxnSpPr>
-            <a:cxnSpLocks/>
-            <a:stCxn id="22" idx="3"/>
-            <a:endCxn id="31" idx="1"/>
-          </p:cNvCxnSpPr>
-          <p:nvPr/>
-        </p:nvCxnSpPr>
-        <p:spPr>
-          <a:xfrm>
-            <a:off x="5800473" y="3595125"/>
-            <a:ext cx="1737014" cy="86846"/>
-          </a:xfrm>
-          <a:prstGeom prst="straightConnector1">
-            <a:avLst/>
-          </a:prstGeom>
-          <a:ln w="57150">
-            <a:solidFill>
-              <a:srgbClr val="FFC000"/>
-            </a:solidFill>
-            <a:tailEnd type="triangle"/>
-          </a:ln>
-        </p:spPr>
-        <p:style>
-          <a:lnRef idx="1">
-            <a:schemeClr val="accent1"/>
-          </a:lnRef>
-          <a:fillRef idx="0">
-            <a:schemeClr val="accent1"/>
-          </a:fillRef>
-          <a:effectRef idx="0">
-            <a:schemeClr val="accent1"/>
-          </a:effectRef>
-          <a:fontRef idx="minor">
-            <a:schemeClr val="tx1"/>
-          </a:fontRef>
-        </p:style>
-      </p:cxnSp>
-      <p:sp>
-        <p:nvSpPr>
-          <p:cNvPr id="34" name="矩形: 圆角 33">
-            <a:extLst>
-              <a:ext uri="{FF2B5EF4-FFF2-40B4-BE49-F238E27FC236}">
-                <a16:creationId xmlns:a16="http://schemas.microsoft.com/office/drawing/2014/main" id="{05FCFCE4-9AA2-4DDF-9808-B43AE74FFC92}"/>
-              </a:ext>
-            </a:extLst>
-          </p:cNvPr>
-          <p:cNvSpPr/>
-          <p:nvPr/>
-        </p:nvSpPr>
-        <p:spPr>
-          <a:xfrm>
-            <a:off x="7537487" y="1505649"/>
-            <a:ext cx="1728000" cy="396000"/>
-          </a:xfrm>
-          <a:prstGeom prst="roundRect">
-            <a:avLst/>
-          </a:prstGeom>
-          <a:solidFill>
-            <a:schemeClr val="bg1">
-              <a:lumMod val="95000"/>
-            </a:schemeClr>
-          </a:solidFill>
-          <a:ln>
-            <a:solidFill>
-              <a:schemeClr val="tx1"/>
-            </a:solidFill>
-          </a:ln>
-        </p:spPr>
-        <p:style>
-          <a:lnRef idx="2">
-            <a:schemeClr val="accent1">
-              <a:shade val="50000"/>
-            </a:schemeClr>
-          </a:lnRef>
-          <a:fillRef idx="1">
-            <a:schemeClr val="accent1"/>
-          </a:fillRef>
-          <a:effectRef idx="0">
-            <a:schemeClr val="accent1"/>
-          </a:effectRef>
-          <a:fontRef idx="minor">
-            <a:schemeClr val="lt1"/>
-          </a:fontRef>
-        </p:style>
-        <p:txBody>
-          <a:bodyPr wrap="none" lIns="36000" tIns="36000" rIns="36000" bIns="36000" rtlCol="0" anchor="ctr" anchorCtr="0"/>
-          <a:lstStyle/>
-          <a:p>
-            <a:pPr algn="ctr"/>
-            <a:r>
-              <a:rPr lang="zh-CN" altLang="en-US" sz="1600" b="1">
-                <a:solidFill>
-                  <a:schemeClr val="tx1"/>
-                </a:solidFill>
-                <a:latin typeface="微软雅黑" panose="020B0503020204020204" pitchFamily="34" charset="-122"/>
-                <a:ea typeface="微软雅黑" panose="020B0503020204020204" pitchFamily="34" charset="-122"/>
-              </a:rPr>
-              <a:t>祭奠表</a:t>
-            </a:r>
-          </a:p>
-        </p:txBody>
-      </p:sp>
-      <p:cxnSp>
-        <p:nvCxnSpPr>
-          <p:cNvPr id="35" name="直接箭头连接符 34">
-            <a:extLst>
-              <a:ext uri="{FF2B5EF4-FFF2-40B4-BE49-F238E27FC236}">
-                <a16:creationId xmlns:a16="http://schemas.microsoft.com/office/drawing/2014/main" id="{F7DECFDB-1D0A-4CD9-8293-8DF3248D40F7}"/>
-              </a:ext>
-            </a:extLst>
-          </p:cNvPr>
-          <p:cNvCxnSpPr>
-            <a:cxnSpLocks/>
-            <a:stCxn id="22" idx="3"/>
-            <a:endCxn id="34" idx="1"/>
-          </p:cNvCxnSpPr>
-          <p:nvPr/>
-        </p:nvCxnSpPr>
-        <p:spPr>
-          <a:xfrm flipV="1">
-            <a:off x="5800473" y="1703649"/>
-            <a:ext cx="1737014" cy="1891476"/>
-          </a:xfrm>
-          <a:prstGeom prst="straightConnector1">
-            <a:avLst/>
-          </a:prstGeom>
-          <a:ln w="57150">
-            <a:solidFill>
-              <a:srgbClr val="FFC000"/>
-            </a:solidFill>
-            <a:tailEnd type="triangle"/>
-          </a:ln>
-        </p:spPr>
-        <p:style>
-          <a:lnRef idx="1">
-            <a:schemeClr val="accent1"/>
-          </a:lnRef>
-          <a:fillRef idx="0">
-            <a:schemeClr val="accent1"/>
-          </a:fillRef>
-          <a:effectRef idx="0">
-            <a:schemeClr val="accent1"/>
-          </a:effectRef>
-          <a:fontRef idx="minor">
-            <a:schemeClr val="tx1"/>
-          </a:fontRef>
-        </p:style>
-      </p:cxnSp>
-      <p:sp>
-        <p:nvSpPr>
-          <p:cNvPr id="42" name="矩形: 圆角 41">
-            <a:extLst>
-              <a:ext uri="{FF2B5EF4-FFF2-40B4-BE49-F238E27FC236}">
-                <a16:creationId xmlns:a16="http://schemas.microsoft.com/office/drawing/2014/main" id="{1F3A5D59-9089-4A11-91A8-AD4316F0B249}"/>
-              </a:ext>
-            </a:extLst>
-          </p:cNvPr>
-          <p:cNvSpPr/>
-          <p:nvPr/>
-        </p:nvSpPr>
-        <p:spPr>
-          <a:xfrm>
-            <a:off x="7537487" y="4865096"/>
-            <a:ext cx="1728000" cy="396000"/>
-          </a:xfrm>
-          <a:prstGeom prst="roundRect">
-            <a:avLst/>
-          </a:prstGeom>
-          <a:solidFill>
-            <a:schemeClr val="bg1">
-              <a:lumMod val="95000"/>
-            </a:schemeClr>
-          </a:solidFill>
-          <a:ln>
-            <a:solidFill>
-              <a:schemeClr val="tx1"/>
-            </a:solidFill>
-          </a:ln>
-        </p:spPr>
-        <p:style>
-          <a:lnRef idx="2">
-            <a:schemeClr val="accent1">
-              <a:shade val="50000"/>
-            </a:schemeClr>
-          </a:lnRef>
-          <a:fillRef idx="1">
-            <a:schemeClr val="accent1"/>
-          </a:fillRef>
-          <a:effectRef idx="0">
-            <a:schemeClr val="accent1"/>
-          </a:effectRef>
-          <a:fontRef idx="minor">
-            <a:schemeClr val="lt1"/>
-          </a:fontRef>
-        </p:style>
-        <p:txBody>
-          <a:bodyPr wrap="none" lIns="36000" tIns="36000" rIns="36000" bIns="36000" rtlCol="0" anchor="ctr" anchorCtr="0"/>
-          <a:lstStyle/>
-          <a:p>
-            <a:pPr algn="ctr"/>
-            <a:r>
-              <a:rPr lang="zh-CN" altLang="en-US" sz="1600" b="1">
-                <a:solidFill>
-                  <a:schemeClr val="tx1"/>
-                </a:solidFill>
-                <a:latin typeface="微软雅黑" panose="020B0503020204020204" pitchFamily="34" charset="-122"/>
-                <a:ea typeface="微软雅黑" panose="020B0503020204020204" pitchFamily="34" charset="-122"/>
-              </a:rPr>
-              <a:t>用户信息表</a:t>
-            </a:r>
-          </a:p>
-        </p:txBody>
-      </p:sp>
-      <p:sp>
-        <p:nvSpPr>
-          <p:cNvPr id="43" name="矩形: 圆角 42">
-            <a:extLst>
-              <a:ext uri="{FF2B5EF4-FFF2-40B4-BE49-F238E27FC236}">
-                <a16:creationId xmlns:a16="http://schemas.microsoft.com/office/drawing/2014/main" id="{0D4D6176-5926-4D06-9765-F71313E53980}"/>
-              </a:ext>
-            </a:extLst>
-          </p:cNvPr>
-          <p:cNvSpPr/>
-          <p:nvPr/>
-        </p:nvSpPr>
-        <p:spPr>
-          <a:xfrm>
-            <a:off x="7537487" y="5376865"/>
-            <a:ext cx="1728000" cy="396000"/>
-          </a:xfrm>
-          <a:prstGeom prst="roundRect">
-            <a:avLst/>
-          </a:prstGeom>
-          <a:solidFill>
-            <a:schemeClr val="bg1">
-              <a:lumMod val="95000"/>
-            </a:schemeClr>
-          </a:solidFill>
-          <a:ln>
-            <a:solidFill>
-              <a:schemeClr val="tx1"/>
-            </a:solidFill>
-          </a:ln>
-        </p:spPr>
-        <p:style>
-          <a:lnRef idx="2">
-            <a:schemeClr val="accent1">
-              <a:shade val="50000"/>
-            </a:schemeClr>
-          </a:lnRef>
-          <a:fillRef idx="1">
-            <a:schemeClr val="accent1"/>
-          </a:fillRef>
-          <a:effectRef idx="0">
-            <a:schemeClr val="accent1"/>
-          </a:effectRef>
-          <a:fontRef idx="minor">
-            <a:schemeClr val="lt1"/>
-          </a:fontRef>
-        </p:style>
-        <p:txBody>
-          <a:bodyPr wrap="none" lIns="36000" tIns="36000" rIns="36000" bIns="36000" rtlCol="0" anchor="ctr" anchorCtr="0"/>
-          <a:lstStyle/>
-          <a:p>
-            <a:pPr algn="ctr"/>
-            <a:r>
-              <a:rPr lang="zh-CN" altLang="en-US" sz="1600" b="1">
-                <a:solidFill>
-                  <a:schemeClr val="tx1"/>
-                </a:solidFill>
-                <a:latin typeface="微软雅黑" panose="020B0503020204020204" pitchFamily="34" charset="-122"/>
-                <a:ea typeface="微软雅黑" panose="020B0503020204020204" pitchFamily="34" charset="-122"/>
-              </a:rPr>
-              <a:t>用户祭奠排名表</a:t>
-            </a:r>
-          </a:p>
-        </p:txBody>
-      </p:sp>
-      <p:cxnSp>
-        <p:nvCxnSpPr>
-          <p:cNvPr id="44" name="直接箭头连接符 43">
-            <a:extLst>
-              <a:ext uri="{FF2B5EF4-FFF2-40B4-BE49-F238E27FC236}">
-                <a16:creationId xmlns:a16="http://schemas.microsoft.com/office/drawing/2014/main" id="{B13DDDFB-F18F-47AA-AC8B-49A1B28F8164}"/>
-              </a:ext>
-            </a:extLst>
-          </p:cNvPr>
-          <p:cNvCxnSpPr>
-            <a:cxnSpLocks/>
-            <a:stCxn id="22" idx="3"/>
-            <a:endCxn id="42" idx="1"/>
-          </p:cNvCxnSpPr>
-          <p:nvPr/>
-        </p:nvCxnSpPr>
-        <p:spPr>
-          <a:xfrm>
-            <a:off x="5800473" y="3595125"/>
-            <a:ext cx="1737014" cy="1467971"/>
-          </a:xfrm>
-          <a:prstGeom prst="straightConnector1">
-            <a:avLst/>
-          </a:prstGeom>
-          <a:ln w="57150">
-            <a:solidFill>
-              <a:srgbClr val="FFC000"/>
-            </a:solidFill>
-            <a:tailEnd type="triangle"/>
-          </a:ln>
-        </p:spPr>
-        <p:style>
-          <a:lnRef idx="1">
-            <a:schemeClr val="accent1"/>
-          </a:lnRef>
-          <a:fillRef idx="0">
-            <a:schemeClr val="accent1"/>
-          </a:fillRef>
-          <a:effectRef idx="0">
-            <a:schemeClr val="accent1"/>
-          </a:effectRef>
-          <a:fontRef idx="minor">
-            <a:schemeClr val="tx1"/>
-          </a:fontRef>
-        </p:style>
-      </p:cxnSp>
-      <p:cxnSp>
-        <p:nvCxnSpPr>
-          <p:cNvPr id="47" name="直接箭头连接符 46">
-            <a:extLst>
-              <a:ext uri="{FF2B5EF4-FFF2-40B4-BE49-F238E27FC236}">
-                <a16:creationId xmlns:a16="http://schemas.microsoft.com/office/drawing/2014/main" id="{F5DD47D0-1995-4CED-BCB6-6B520FE7B718}"/>
-              </a:ext>
-            </a:extLst>
-          </p:cNvPr>
-          <p:cNvCxnSpPr>
-            <a:cxnSpLocks/>
-            <a:stCxn id="22" idx="3"/>
-            <a:endCxn id="43" idx="1"/>
-          </p:cNvCxnSpPr>
-          <p:nvPr/>
-        </p:nvCxnSpPr>
-        <p:spPr>
-          <a:xfrm>
-            <a:off x="5800473" y="3595125"/>
-            <a:ext cx="1737014" cy="1979740"/>
-          </a:xfrm>
-          <a:prstGeom prst="straightConnector1">
-            <a:avLst/>
-          </a:prstGeom>
-          <a:ln w="57150">
-            <a:solidFill>
-              <a:srgbClr val="FFC000"/>
-            </a:solidFill>
-            <a:tailEnd type="triangle"/>
-          </a:ln>
-        </p:spPr>
-        <p:style>
-          <a:lnRef idx="1">
-            <a:schemeClr val="accent1"/>
-          </a:lnRef>
-          <a:fillRef idx="0">
-            <a:schemeClr val="accent1"/>
-          </a:fillRef>
-          <a:effectRef idx="0">
-            <a:schemeClr val="accent1"/>
-          </a:effectRef>
-          <a:fontRef idx="minor">
-            <a:schemeClr val="tx1"/>
-          </a:fontRef>
-        </p:style>
-      </p:cxnSp>
-      <p:sp>
-        <p:nvSpPr>
-          <p:cNvPr id="33" name="矩形: 圆角 32">
-            <a:extLst>
-              <a:ext uri="{FF2B5EF4-FFF2-40B4-BE49-F238E27FC236}">
-                <a16:creationId xmlns:a16="http://schemas.microsoft.com/office/drawing/2014/main" id="{9A5B4259-703D-405E-ACA8-CE3F46CC90CA}"/>
-              </a:ext>
-            </a:extLst>
-          </p:cNvPr>
-          <p:cNvSpPr/>
-          <p:nvPr/>
-        </p:nvSpPr>
-        <p:spPr>
-          <a:xfrm>
-            <a:off x="1048951" y="4934785"/>
-            <a:ext cx="1728000" cy="396000"/>
-          </a:xfrm>
-          <a:prstGeom prst="roundRect">
-            <a:avLst/>
-          </a:prstGeom>
-          <a:solidFill>
-            <a:schemeClr val="bg1">
-              <a:lumMod val="95000"/>
-            </a:schemeClr>
-          </a:solidFill>
-          <a:ln>
-            <a:solidFill>
-              <a:schemeClr val="tx1"/>
-            </a:solidFill>
-          </a:ln>
-        </p:spPr>
-        <p:style>
-          <a:lnRef idx="2">
-            <a:schemeClr val="accent1">
-              <a:shade val="50000"/>
-            </a:schemeClr>
-          </a:lnRef>
-          <a:fillRef idx="1">
-            <a:schemeClr val="accent1"/>
-          </a:fillRef>
-          <a:effectRef idx="0">
-            <a:schemeClr val="accent1"/>
-          </a:effectRef>
-          <a:fontRef idx="minor">
-            <a:schemeClr val="lt1"/>
-          </a:fontRef>
-        </p:style>
-        <p:txBody>
-          <a:bodyPr wrap="none" lIns="36000" tIns="36000" rIns="36000" bIns="36000" rtlCol="0" anchor="ctr" anchorCtr="0"/>
-          <a:lstStyle/>
-          <a:p>
-            <a:pPr algn="ctr"/>
-            <a:r>
-              <a:rPr lang="zh-CN" altLang="en-US" sz="1600" b="1">
-                <a:solidFill>
-                  <a:schemeClr val="tx1"/>
-                </a:solidFill>
-                <a:latin typeface="微软雅黑" panose="020B0503020204020204" pitchFamily="34" charset="-122"/>
-                <a:ea typeface="微软雅黑" panose="020B0503020204020204" pitchFamily="34" charset="-122"/>
-              </a:rPr>
-              <a:t>纪念馆表</a:t>
-            </a:r>
-          </a:p>
-        </p:txBody>
-      </p:sp>
-      <p:cxnSp>
-        <p:nvCxnSpPr>
-          <p:cNvPr id="36" name="直接箭头连接符 35">
-            <a:extLst>
-              <a:ext uri="{FF2B5EF4-FFF2-40B4-BE49-F238E27FC236}">
-                <a16:creationId xmlns:a16="http://schemas.microsoft.com/office/drawing/2014/main" id="{2E7356BD-1484-4511-9825-9B316AA79165}"/>
-              </a:ext>
-            </a:extLst>
-          </p:cNvPr>
-          <p:cNvCxnSpPr>
-            <a:cxnSpLocks/>
-            <a:stCxn id="33" idx="0"/>
-            <a:endCxn id="14" idx="2"/>
-          </p:cNvCxnSpPr>
-          <p:nvPr/>
-        </p:nvCxnSpPr>
-        <p:spPr>
-          <a:xfrm flipV="1">
-            <a:off x="1912951" y="4405125"/>
-            <a:ext cx="0" cy="529660"/>
+          <a:xfrm flipH="1" flipV="1">
+            <a:off x="5420824" y="5147417"/>
+            <a:ext cx="1396602" cy="148"/>
           </a:xfrm>
           <a:prstGeom prst="straightConnector1">
             <a:avLst/>
@@ -7489,1543 +7072,7 @@
     </p:spTree>
     <p:extLst>
       <p:ext uri="{BB962C8B-B14F-4D97-AF65-F5344CB8AC3E}">
-        <p14:creationId xmlns:p14="http://schemas.microsoft.com/office/powerpoint/2010/main" val="1439815563"/>
-      </p:ext>
-    </p:extLst>
-  </p:cSld>
-  <p:clrMapOvr>
-    <a:masterClrMapping/>
-  </p:clrMapOvr>
-</p:sld>
-</file>
-
-<file path=ppt/slides/slide13.xml><?xml version="1.0" encoding="utf-8"?>
-<p:sld xmlns:a="http://schemas.openxmlformats.org/drawingml/2006/main" xmlns:r="http://schemas.openxmlformats.org/officeDocument/2006/relationships" xmlns:p="http://schemas.openxmlformats.org/presentationml/2006/main">
-  <p:cSld>
-    <p:spTree>
-      <p:nvGrpSpPr>
-        <p:cNvPr id="1" name=""/>
-        <p:cNvGrpSpPr/>
-        <p:nvPr/>
-      </p:nvGrpSpPr>
-      <p:grpSpPr>
-        <a:xfrm>
-          <a:off x="0" y="0"/>
-          <a:ext cx="0" cy="0"/>
-          <a:chOff x="0" y="0"/>
-          <a:chExt cx="0" cy="0"/>
-        </a:xfrm>
-      </p:grpSpPr>
-      <p:cxnSp>
-        <p:nvCxnSpPr>
-          <p:cNvPr id="239" name="直接连接符 238">
-            <a:extLst>
-              <a:ext uri="{FF2B5EF4-FFF2-40B4-BE49-F238E27FC236}">
-                <a16:creationId xmlns:a16="http://schemas.microsoft.com/office/drawing/2014/main" id="{05CC9636-A076-48A7-9A94-4E0212BA0C59}"/>
-              </a:ext>
-            </a:extLst>
-          </p:cNvPr>
-          <p:cNvCxnSpPr>
-            <a:cxnSpLocks/>
-          </p:cNvCxnSpPr>
-          <p:nvPr/>
-        </p:nvCxnSpPr>
-        <p:spPr>
-          <a:xfrm flipH="1">
-            <a:off x="433388" y="866051"/>
-            <a:ext cx="11325225" cy="1"/>
-          </a:xfrm>
-          <a:prstGeom prst="line">
-            <a:avLst/>
-          </a:prstGeom>
-          <a:ln w="19050">
-            <a:solidFill>
-              <a:srgbClr val="00576E"/>
-            </a:solidFill>
-          </a:ln>
-          <a:effectLst>
-            <a:outerShdw blurRad="50800" dist="12700" dir="5400000" algn="t" rotWithShape="0">
-              <a:prstClr val="black">
-                <a:alpha val="40000"/>
-              </a:prstClr>
-            </a:outerShdw>
-          </a:effectLst>
-        </p:spPr>
-        <p:style>
-          <a:lnRef idx="2">
-            <a:schemeClr val="accent1"/>
-          </a:lnRef>
-          <a:fillRef idx="0">
-            <a:schemeClr val="accent1"/>
-          </a:fillRef>
-          <a:effectRef idx="1">
-            <a:schemeClr val="accent1"/>
-          </a:effectRef>
-          <a:fontRef idx="minor">
-            <a:schemeClr val="tx1"/>
-          </a:fontRef>
-        </p:style>
-      </p:cxnSp>
-      <p:sp>
-        <p:nvSpPr>
-          <p:cNvPr id="240" name="矩形 239">
-            <a:extLst>
-              <a:ext uri="{FF2B5EF4-FFF2-40B4-BE49-F238E27FC236}">
-                <a16:creationId xmlns:a16="http://schemas.microsoft.com/office/drawing/2014/main" id="{CE6D800A-2E58-40A9-AF4D-2C92406102BA}"/>
-              </a:ext>
-            </a:extLst>
-          </p:cNvPr>
-          <p:cNvSpPr/>
-          <p:nvPr/>
-        </p:nvSpPr>
-        <p:spPr>
-          <a:xfrm>
-            <a:off x="471489" y="209549"/>
-            <a:ext cx="119062" cy="513626"/>
-          </a:xfrm>
-          <a:prstGeom prst="rect">
-            <a:avLst/>
-          </a:prstGeom>
-          <a:solidFill>
-            <a:srgbClr val="00576E"/>
-          </a:solidFill>
-        </p:spPr>
-        <p:style>
-          <a:lnRef idx="2">
-            <a:schemeClr val="accent1">
-              <a:shade val="50000"/>
-            </a:schemeClr>
-          </a:lnRef>
-          <a:fillRef idx="1">
-            <a:schemeClr val="accent1"/>
-          </a:fillRef>
-          <a:effectRef idx="0">
-            <a:schemeClr val="accent1"/>
-          </a:effectRef>
-          <a:fontRef idx="minor">
-            <a:schemeClr val="lt1"/>
-          </a:fontRef>
-        </p:style>
-        <p:txBody>
-          <a:bodyPr rtlCol="0" anchor="ctr"/>
-          <a:lstStyle/>
-          <a:p>
-            <a:pPr algn="ctr"/>
-            <a:endParaRPr lang="zh-CN" altLang="en-US">
-              <a:latin typeface="Consolas" panose="020B0609020204030204" pitchFamily="49" charset="0"/>
-            </a:endParaRPr>
-          </a:p>
-        </p:txBody>
-      </p:sp>
-      <p:sp>
-        <p:nvSpPr>
-          <p:cNvPr id="241" name="文本框 240">
-            <a:extLst>
-              <a:ext uri="{FF2B5EF4-FFF2-40B4-BE49-F238E27FC236}">
-                <a16:creationId xmlns:a16="http://schemas.microsoft.com/office/drawing/2014/main" id="{90ABBAE7-6707-4A6F-819E-32C1CFD4250B}"/>
-              </a:ext>
-            </a:extLst>
-          </p:cNvPr>
-          <p:cNvSpPr txBox="1"/>
-          <p:nvPr/>
-        </p:nvSpPr>
-        <p:spPr>
-          <a:xfrm>
-            <a:off x="712379" y="173975"/>
-            <a:ext cx="3057247" cy="584775"/>
-          </a:xfrm>
-          <a:prstGeom prst="rect">
-            <a:avLst/>
-          </a:prstGeom>
-          <a:noFill/>
-        </p:spPr>
-        <p:txBody>
-          <a:bodyPr wrap="none" rtlCol="0">
-            <a:spAutoFit/>
-          </a:bodyPr>
-          <a:lstStyle/>
-          <a:p>
-            <a:r>
-              <a:rPr lang="zh-CN" altLang="en-US" sz="3200" b="1">
-                <a:latin typeface="Consolas" panose="020B0609020204030204" pitchFamily="49" charset="0"/>
-                <a:ea typeface="微软雅黑" panose="020B0503020204020204" pitchFamily="34" charset="-122"/>
-              </a:rPr>
-              <a:t>查看纪念馆排名</a:t>
-            </a:r>
-          </a:p>
-        </p:txBody>
-      </p:sp>
-      <p:sp>
-        <p:nvSpPr>
-          <p:cNvPr id="14" name="矩形: 圆角 13">
-            <a:extLst>
-              <a:ext uri="{FF2B5EF4-FFF2-40B4-BE49-F238E27FC236}">
-                <a16:creationId xmlns:a16="http://schemas.microsoft.com/office/drawing/2014/main" id="{FF3ED206-3EB1-4CF1-941F-BCC627677CF7}"/>
-              </a:ext>
-            </a:extLst>
-          </p:cNvPr>
-          <p:cNvSpPr/>
-          <p:nvPr/>
-        </p:nvSpPr>
-        <p:spPr>
-          <a:xfrm>
-            <a:off x="742951" y="1581477"/>
-            <a:ext cx="2340000" cy="1620000"/>
-          </a:xfrm>
-          <a:prstGeom prst="roundRect">
-            <a:avLst>
-              <a:gd name="adj" fmla="val 5494"/>
-            </a:avLst>
-          </a:prstGeom>
-          <a:noFill/>
-          <a:ln>
-            <a:solidFill>
-              <a:schemeClr val="tx2"/>
-            </a:solidFill>
-            <a:prstDash val="dash"/>
-          </a:ln>
-        </p:spPr>
-        <p:style>
-          <a:lnRef idx="2">
-            <a:schemeClr val="accent1">
-              <a:shade val="50000"/>
-            </a:schemeClr>
-          </a:lnRef>
-          <a:fillRef idx="1">
-            <a:schemeClr val="accent1"/>
-          </a:fillRef>
-          <a:effectRef idx="0">
-            <a:schemeClr val="accent1"/>
-          </a:effectRef>
-          <a:fontRef idx="minor">
-            <a:schemeClr val="lt1"/>
-          </a:fontRef>
-        </p:style>
-        <p:txBody>
-          <a:bodyPr rtlCol="0" anchor="ctr"/>
-          <a:lstStyle/>
-          <a:p>
-            <a:pPr algn="ctr"/>
-            <a:endParaRPr lang="zh-CN" altLang="en-US" sz="1600">
-              <a:latin typeface="微软雅黑" panose="020B0503020204020204" pitchFamily="34" charset="-122"/>
-              <a:ea typeface="微软雅黑" panose="020B0503020204020204" pitchFamily="34" charset="-122"/>
-            </a:endParaRPr>
-          </a:p>
-        </p:txBody>
-      </p:sp>
-      <p:grpSp>
-        <p:nvGrpSpPr>
-          <p:cNvPr id="16" name="组合 15">
-            <a:extLst>
-              <a:ext uri="{FF2B5EF4-FFF2-40B4-BE49-F238E27FC236}">
-                <a16:creationId xmlns:a16="http://schemas.microsoft.com/office/drawing/2014/main" id="{A1795C0A-BF60-4C70-A034-A78582707CE8}"/>
-              </a:ext>
-            </a:extLst>
-          </p:cNvPr>
-          <p:cNvGrpSpPr/>
-          <p:nvPr/>
-        </p:nvGrpSpPr>
-        <p:grpSpPr>
-          <a:xfrm>
-            <a:off x="841421" y="1716297"/>
-            <a:ext cx="2153706" cy="1356725"/>
-            <a:chOff x="3906523" y="2193174"/>
-            <a:chExt cx="2153706" cy="1356725"/>
-          </a:xfrm>
-        </p:grpSpPr>
-        <p:sp>
-          <p:nvSpPr>
-            <p:cNvPr id="17" name="矩形: 圆角 16">
-              <a:extLst>
-                <a:ext uri="{FF2B5EF4-FFF2-40B4-BE49-F238E27FC236}">
-                  <a16:creationId xmlns:a16="http://schemas.microsoft.com/office/drawing/2014/main" id="{0F567187-0C43-4575-8464-C3D2C859E137}"/>
-                </a:ext>
-              </a:extLst>
-            </p:cNvPr>
-            <p:cNvSpPr/>
-            <p:nvPr/>
-          </p:nvSpPr>
-          <p:spPr>
-            <a:xfrm>
-              <a:off x="4366053" y="2193174"/>
-              <a:ext cx="1224000" cy="540000"/>
-            </a:xfrm>
-            <a:prstGeom prst="roundRect">
-              <a:avLst/>
-            </a:prstGeom>
-            <a:solidFill>
-              <a:srgbClr val="00B0F0"/>
-            </a:solidFill>
-            <a:ln>
-              <a:solidFill>
-                <a:schemeClr val="tx1"/>
-              </a:solidFill>
-            </a:ln>
-          </p:spPr>
-          <p:style>
-            <a:lnRef idx="2">
-              <a:schemeClr val="accent1">
-                <a:shade val="50000"/>
-              </a:schemeClr>
-            </a:lnRef>
-            <a:fillRef idx="1">
-              <a:schemeClr val="accent1"/>
-            </a:fillRef>
-            <a:effectRef idx="0">
-              <a:schemeClr val="accent1"/>
-            </a:effectRef>
-            <a:fontRef idx="minor">
-              <a:schemeClr val="lt1"/>
-            </a:fontRef>
-          </p:style>
-          <p:txBody>
-            <a:bodyPr wrap="none" lIns="36000" tIns="36000" rIns="36000" bIns="36000" rtlCol="0" anchor="ctr" anchorCtr="0"/>
-            <a:lstStyle/>
-            <a:p>
-              <a:pPr algn="ctr"/>
-              <a:r>
-                <a:rPr lang="zh-CN" altLang="en-US" sz="1600" b="1">
-                  <a:solidFill>
-                    <a:schemeClr val="tx1"/>
-                  </a:solidFill>
-                  <a:latin typeface="微软雅黑" panose="020B0503020204020204" pitchFamily="34" charset="-122"/>
-                  <a:ea typeface="微软雅黑" panose="020B0503020204020204" pitchFamily="34" charset="-122"/>
-                </a:rPr>
-                <a:t>用户</a:t>
-              </a:r>
-            </a:p>
-          </p:txBody>
-        </p:sp>
-        <p:sp>
-          <p:nvSpPr>
-            <p:cNvPr id="18" name="矩形: 圆角 17">
-              <a:extLst>
-                <a:ext uri="{FF2B5EF4-FFF2-40B4-BE49-F238E27FC236}">
-                  <a16:creationId xmlns:a16="http://schemas.microsoft.com/office/drawing/2014/main" id="{332C2575-AD02-407D-A122-B9AB14435E0D}"/>
-                </a:ext>
-              </a:extLst>
-            </p:cNvPr>
-            <p:cNvSpPr/>
-            <p:nvPr/>
-          </p:nvSpPr>
-          <p:spPr>
-            <a:xfrm>
-              <a:off x="3906523" y="2901899"/>
-              <a:ext cx="2153706" cy="648000"/>
-            </a:xfrm>
-            <a:prstGeom prst="roundRect">
-              <a:avLst/>
-            </a:prstGeom>
-            <a:solidFill>
-              <a:srgbClr val="00B050"/>
-            </a:solidFill>
-            <a:ln>
-              <a:solidFill>
-                <a:schemeClr val="tx1"/>
-              </a:solidFill>
-            </a:ln>
-          </p:spPr>
-          <p:style>
-            <a:lnRef idx="2">
-              <a:schemeClr val="accent1">
-                <a:shade val="50000"/>
-              </a:schemeClr>
-            </a:lnRef>
-            <a:fillRef idx="1">
-              <a:schemeClr val="accent1"/>
-            </a:fillRef>
-            <a:effectRef idx="0">
-              <a:schemeClr val="accent1"/>
-            </a:effectRef>
-            <a:fontRef idx="minor">
-              <a:schemeClr val="lt1"/>
-            </a:fontRef>
-          </p:style>
-          <p:txBody>
-            <a:bodyPr wrap="none" lIns="36000" tIns="36000" rIns="36000" bIns="36000" rtlCol="0" anchor="ctr" anchorCtr="0"/>
-            <a:lstStyle/>
-            <a:p>
-              <a:pPr algn="ctr"/>
-              <a:r>
-                <a:rPr lang="zh-CN" altLang="en-US" sz="1600" b="1">
-                  <a:solidFill>
-                    <a:schemeClr val="tx1"/>
-                  </a:solidFill>
-                  <a:latin typeface="微软雅黑" panose="020B0503020204020204" pitchFamily="34" charset="-122"/>
-                  <a:ea typeface="微软雅黑" panose="020B0503020204020204" pitchFamily="34" charset="-122"/>
-                </a:rPr>
-                <a:t>查看纪念馆列表</a:t>
-              </a:r>
-              <a:endParaRPr lang="en-US" altLang="zh-CN" sz="1600" b="1">
-                <a:solidFill>
-                  <a:schemeClr val="tx1"/>
-                </a:solidFill>
-                <a:latin typeface="微软雅黑" panose="020B0503020204020204" pitchFamily="34" charset="-122"/>
-                <a:ea typeface="微软雅黑" panose="020B0503020204020204" pitchFamily="34" charset="-122"/>
-              </a:endParaRPr>
-            </a:p>
-            <a:p>
-              <a:pPr algn="ctr"/>
-              <a:r>
-                <a:rPr lang="en-US" altLang="zh-CN" sz="1600" b="1">
-                  <a:solidFill>
-                    <a:schemeClr val="tx1"/>
-                  </a:solidFill>
-                  <a:latin typeface="微软雅黑" panose="020B0503020204020204" pitchFamily="34" charset="-122"/>
-                  <a:ea typeface="微软雅黑" panose="020B0503020204020204" pitchFamily="34" charset="-122"/>
-                </a:rPr>
-                <a:t>list_memorial_hall</a:t>
-              </a:r>
-              <a:endParaRPr lang="zh-CN" altLang="en-US" sz="1600" b="1">
-                <a:solidFill>
-                  <a:schemeClr val="tx1"/>
-                </a:solidFill>
-                <a:latin typeface="微软雅黑" panose="020B0503020204020204" pitchFamily="34" charset="-122"/>
-                <a:ea typeface="微软雅黑" panose="020B0503020204020204" pitchFamily="34" charset="-122"/>
-              </a:endParaRPr>
-            </a:p>
-          </p:txBody>
-        </p:sp>
-      </p:grpSp>
-      <p:cxnSp>
-        <p:nvCxnSpPr>
-          <p:cNvPr id="27" name="直接箭头连接符 26">
-            <a:extLst>
-              <a:ext uri="{FF2B5EF4-FFF2-40B4-BE49-F238E27FC236}">
-                <a16:creationId xmlns:a16="http://schemas.microsoft.com/office/drawing/2014/main" id="{9906FBDE-CD3A-4F24-AE21-6C92AD9E7ADA}"/>
-              </a:ext>
-            </a:extLst>
-          </p:cNvPr>
-          <p:cNvCxnSpPr>
-            <a:cxnSpLocks/>
-            <a:stCxn id="28" idx="0"/>
-            <a:endCxn id="14" idx="2"/>
-          </p:cNvCxnSpPr>
-          <p:nvPr/>
-        </p:nvCxnSpPr>
-        <p:spPr>
-          <a:xfrm flipV="1">
-            <a:off x="1912951" y="3201477"/>
-            <a:ext cx="0" cy="645545"/>
-          </a:xfrm>
-          <a:prstGeom prst="straightConnector1">
-            <a:avLst/>
-          </a:prstGeom>
-          <a:ln w="57150">
-            <a:solidFill>
-              <a:srgbClr val="FF0000"/>
-            </a:solidFill>
-            <a:tailEnd type="triangle"/>
-          </a:ln>
-        </p:spPr>
-        <p:style>
-          <a:lnRef idx="1">
-            <a:schemeClr val="accent1"/>
-          </a:lnRef>
-          <a:fillRef idx="0">
-            <a:schemeClr val="accent1"/>
-          </a:fillRef>
-          <a:effectRef idx="0">
-            <a:schemeClr val="accent1"/>
-          </a:effectRef>
-          <a:fontRef idx="minor">
-            <a:schemeClr val="tx1"/>
-          </a:fontRef>
-        </p:style>
-      </p:cxnSp>
-      <p:sp>
-        <p:nvSpPr>
-          <p:cNvPr id="28" name="矩形: 圆角 27">
-            <a:extLst>
-              <a:ext uri="{FF2B5EF4-FFF2-40B4-BE49-F238E27FC236}">
-                <a16:creationId xmlns:a16="http://schemas.microsoft.com/office/drawing/2014/main" id="{A94DE6C3-694C-4325-A74A-F92569960786}"/>
-              </a:ext>
-            </a:extLst>
-          </p:cNvPr>
-          <p:cNvSpPr/>
-          <p:nvPr/>
-        </p:nvSpPr>
-        <p:spPr>
-          <a:xfrm>
-            <a:off x="1048951" y="3847022"/>
-            <a:ext cx="1728000" cy="396000"/>
-          </a:xfrm>
-          <a:prstGeom prst="roundRect">
-            <a:avLst/>
-          </a:prstGeom>
-          <a:solidFill>
-            <a:schemeClr val="bg1">
-              <a:lumMod val="95000"/>
-            </a:schemeClr>
-          </a:solidFill>
-          <a:ln>
-            <a:solidFill>
-              <a:schemeClr val="tx1"/>
-            </a:solidFill>
-          </a:ln>
-        </p:spPr>
-        <p:style>
-          <a:lnRef idx="2">
-            <a:schemeClr val="accent1">
-              <a:shade val="50000"/>
-            </a:schemeClr>
-          </a:lnRef>
-          <a:fillRef idx="1">
-            <a:schemeClr val="accent1"/>
-          </a:fillRef>
-          <a:effectRef idx="0">
-            <a:schemeClr val="accent1"/>
-          </a:effectRef>
-          <a:fontRef idx="minor">
-            <a:schemeClr val="lt1"/>
-          </a:fontRef>
-        </p:style>
-        <p:txBody>
-          <a:bodyPr wrap="none" lIns="36000" tIns="36000" rIns="36000" bIns="36000" rtlCol="0" anchor="ctr" anchorCtr="0"/>
-          <a:lstStyle/>
-          <a:p>
-            <a:pPr algn="ctr"/>
-            <a:r>
-              <a:rPr lang="zh-CN" altLang="en-US" sz="1600" b="1">
-                <a:solidFill>
-                  <a:schemeClr val="tx1"/>
-                </a:solidFill>
-                <a:latin typeface="微软雅黑" panose="020B0503020204020204" pitchFamily="34" charset="-122"/>
-                <a:ea typeface="微软雅黑" panose="020B0503020204020204" pitchFamily="34" charset="-122"/>
-              </a:rPr>
-              <a:t>纪念馆表</a:t>
-            </a:r>
-          </a:p>
-        </p:txBody>
-      </p:sp>
-    </p:spTree>
-    <p:extLst>
-      <p:ext uri="{BB962C8B-B14F-4D97-AF65-F5344CB8AC3E}">
-        <p14:creationId xmlns:p14="http://schemas.microsoft.com/office/powerpoint/2010/main" val="1382855891"/>
-      </p:ext>
-    </p:extLst>
-  </p:cSld>
-  <p:clrMapOvr>
-    <a:masterClrMapping/>
-  </p:clrMapOvr>
-</p:sld>
-</file>
-
-<file path=ppt/slides/slide14.xml><?xml version="1.0" encoding="utf-8"?>
-<p:sld xmlns:a="http://schemas.openxmlformats.org/drawingml/2006/main" xmlns:r="http://schemas.openxmlformats.org/officeDocument/2006/relationships" xmlns:p="http://schemas.openxmlformats.org/presentationml/2006/main">
-  <p:cSld>
-    <p:spTree>
-      <p:nvGrpSpPr>
-        <p:cNvPr id="1" name=""/>
-        <p:cNvGrpSpPr/>
-        <p:nvPr/>
-      </p:nvGrpSpPr>
-      <p:grpSpPr>
-        <a:xfrm>
-          <a:off x="0" y="0"/>
-          <a:ext cx="0" cy="0"/>
-          <a:chOff x="0" y="0"/>
-          <a:chExt cx="0" cy="0"/>
-        </a:xfrm>
-      </p:grpSpPr>
-      <p:cxnSp>
-        <p:nvCxnSpPr>
-          <p:cNvPr id="239" name="直接连接符 238">
-            <a:extLst>
-              <a:ext uri="{FF2B5EF4-FFF2-40B4-BE49-F238E27FC236}">
-                <a16:creationId xmlns:a16="http://schemas.microsoft.com/office/drawing/2014/main" id="{05CC9636-A076-48A7-9A94-4E0212BA0C59}"/>
-              </a:ext>
-            </a:extLst>
-          </p:cNvPr>
-          <p:cNvCxnSpPr>
-            <a:cxnSpLocks/>
-          </p:cNvCxnSpPr>
-          <p:nvPr/>
-        </p:nvCxnSpPr>
-        <p:spPr>
-          <a:xfrm flipH="1">
-            <a:off x="433388" y="866051"/>
-            <a:ext cx="11325225" cy="1"/>
-          </a:xfrm>
-          <a:prstGeom prst="line">
-            <a:avLst/>
-          </a:prstGeom>
-          <a:ln w="19050">
-            <a:solidFill>
-              <a:srgbClr val="00576E"/>
-            </a:solidFill>
-          </a:ln>
-          <a:effectLst>
-            <a:outerShdw blurRad="50800" dist="12700" dir="5400000" algn="t" rotWithShape="0">
-              <a:prstClr val="black">
-                <a:alpha val="40000"/>
-              </a:prstClr>
-            </a:outerShdw>
-          </a:effectLst>
-        </p:spPr>
-        <p:style>
-          <a:lnRef idx="2">
-            <a:schemeClr val="accent1"/>
-          </a:lnRef>
-          <a:fillRef idx="0">
-            <a:schemeClr val="accent1"/>
-          </a:fillRef>
-          <a:effectRef idx="1">
-            <a:schemeClr val="accent1"/>
-          </a:effectRef>
-          <a:fontRef idx="minor">
-            <a:schemeClr val="tx1"/>
-          </a:fontRef>
-        </p:style>
-      </p:cxnSp>
-      <p:sp>
-        <p:nvSpPr>
-          <p:cNvPr id="240" name="矩形 239">
-            <a:extLst>
-              <a:ext uri="{FF2B5EF4-FFF2-40B4-BE49-F238E27FC236}">
-                <a16:creationId xmlns:a16="http://schemas.microsoft.com/office/drawing/2014/main" id="{CE6D800A-2E58-40A9-AF4D-2C92406102BA}"/>
-              </a:ext>
-            </a:extLst>
-          </p:cNvPr>
-          <p:cNvSpPr/>
-          <p:nvPr/>
-        </p:nvSpPr>
-        <p:spPr>
-          <a:xfrm>
-            <a:off x="471489" y="209549"/>
-            <a:ext cx="119062" cy="513626"/>
-          </a:xfrm>
-          <a:prstGeom prst="rect">
-            <a:avLst/>
-          </a:prstGeom>
-          <a:solidFill>
-            <a:srgbClr val="00576E"/>
-          </a:solidFill>
-        </p:spPr>
-        <p:style>
-          <a:lnRef idx="2">
-            <a:schemeClr val="accent1">
-              <a:shade val="50000"/>
-            </a:schemeClr>
-          </a:lnRef>
-          <a:fillRef idx="1">
-            <a:schemeClr val="accent1"/>
-          </a:fillRef>
-          <a:effectRef idx="0">
-            <a:schemeClr val="accent1"/>
-          </a:effectRef>
-          <a:fontRef idx="minor">
-            <a:schemeClr val="lt1"/>
-          </a:fontRef>
-        </p:style>
-        <p:txBody>
-          <a:bodyPr rtlCol="0" anchor="ctr"/>
-          <a:lstStyle/>
-          <a:p>
-            <a:pPr algn="ctr"/>
-            <a:endParaRPr lang="zh-CN" altLang="en-US">
-              <a:latin typeface="Consolas" panose="020B0609020204030204" pitchFamily="49" charset="0"/>
-            </a:endParaRPr>
-          </a:p>
-        </p:txBody>
-      </p:sp>
-      <p:sp>
-        <p:nvSpPr>
-          <p:cNvPr id="241" name="文本框 240">
-            <a:extLst>
-              <a:ext uri="{FF2B5EF4-FFF2-40B4-BE49-F238E27FC236}">
-                <a16:creationId xmlns:a16="http://schemas.microsoft.com/office/drawing/2014/main" id="{90ABBAE7-6707-4A6F-819E-32C1CFD4250B}"/>
-              </a:ext>
-            </a:extLst>
-          </p:cNvPr>
-          <p:cNvSpPr txBox="1"/>
-          <p:nvPr/>
-        </p:nvSpPr>
-        <p:spPr>
-          <a:xfrm>
-            <a:off x="712379" y="173975"/>
-            <a:ext cx="3057247" cy="584775"/>
-          </a:xfrm>
-          <a:prstGeom prst="rect">
-            <a:avLst/>
-          </a:prstGeom>
-          <a:noFill/>
-        </p:spPr>
-        <p:txBody>
-          <a:bodyPr wrap="none" rtlCol="0">
-            <a:spAutoFit/>
-          </a:bodyPr>
-          <a:lstStyle/>
-          <a:p>
-            <a:r>
-              <a:rPr lang="zh-CN" altLang="en-US" sz="3200" b="1">
-                <a:latin typeface="Consolas" panose="020B0609020204030204" pitchFamily="49" charset="0"/>
-                <a:ea typeface="微软雅黑" panose="020B0503020204020204" pitchFamily="34" charset="-122"/>
-              </a:rPr>
-              <a:t>查看亲友团排名</a:t>
-            </a:r>
-          </a:p>
-        </p:txBody>
-      </p:sp>
-      <p:sp>
-        <p:nvSpPr>
-          <p:cNvPr id="14" name="矩形: 圆角 13">
-            <a:extLst>
-              <a:ext uri="{FF2B5EF4-FFF2-40B4-BE49-F238E27FC236}">
-                <a16:creationId xmlns:a16="http://schemas.microsoft.com/office/drawing/2014/main" id="{FF3ED206-3EB1-4CF1-941F-BCC627677CF7}"/>
-              </a:ext>
-            </a:extLst>
-          </p:cNvPr>
-          <p:cNvSpPr/>
-          <p:nvPr/>
-        </p:nvSpPr>
-        <p:spPr>
-          <a:xfrm>
-            <a:off x="742951" y="1581477"/>
-            <a:ext cx="2340000" cy="1620000"/>
-          </a:xfrm>
-          <a:prstGeom prst="roundRect">
-            <a:avLst>
-              <a:gd name="adj" fmla="val 5494"/>
-            </a:avLst>
-          </a:prstGeom>
-          <a:noFill/>
-          <a:ln>
-            <a:solidFill>
-              <a:schemeClr val="tx2"/>
-            </a:solidFill>
-            <a:prstDash val="dash"/>
-          </a:ln>
-        </p:spPr>
-        <p:style>
-          <a:lnRef idx="2">
-            <a:schemeClr val="accent1">
-              <a:shade val="50000"/>
-            </a:schemeClr>
-          </a:lnRef>
-          <a:fillRef idx="1">
-            <a:schemeClr val="accent1"/>
-          </a:fillRef>
-          <a:effectRef idx="0">
-            <a:schemeClr val="accent1"/>
-          </a:effectRef>
-          <a:fontRef idx="minor">
-            <a:schemeClr val="lt1"/>
-          </a:fontRef>
-        </p:style>
-        <p:txBody>
-          <a:bodyPr rtlCol="0" anchor="ctr"/>
-          <a:lstStyle/>
-          <a:p>
-            <a:pPr algn="ctr"/>
-            <a:endParaRPr lang="zh-CN" altLang="en-US" sz="1600">
-              <a:latin typeface="微软雅黑" panose="020B0503020204020204" pitchFamily="34" charset="-122"/>
-              <a:ea typeface="微软雅黑" panose="020B0503020204020204" pitchFamily="34" charset="-122"/>
-            </a:endParaRPr>
-          </a:p>
-        </p:txBody>
-      </p:sp>
-      <p:grpSp>
-        <p:nvGrpSpPr>
-          <p:cNvPr id="16" name="组合 15">
-            <a:extLst>
-              <a:ext uri="{FF2B5EF4-FFF2-40B4-BE49-F238E27FC236}">
-                <a16:creationId xmlns:a16="http://schemas.microsoft.com/office/drawing/2014/main" id="{A1795C0A-BF60-4C70-A034-A78582707CE8}"/>
-              </a:ext>
-            </a:extLst>
-          </p:cNvPr>
-          <p:cNvGrpSpPr/>
-          <p:nvPr/>
-        </p:nvGrpSpPr>
-        <p:grpSpPr>
-          <a:xfrm>
-            <a:off x="841421" y="1716297"/>
-            <a:ext cx="2153706" cy="1356725"/>
-            <a:chOff x="3906523" y="2193174"/>
-            <a:chExt cx="2153706" cy="1356725"/>
-          </a:xfrm>
-        </p:grpSpPr>
-        <p:sp>
-          <p:nvSpPr>
-            <p:cNvPr id="17" name="矩形: 圆角 16">
-              <a:extLst>
-                <a:ext uri="{FF2B5EF4-FFF2-40B4-BE49-F238E27FC236}">
-                  <a16:creationId xmlns:a16="http://schemas.microsoft.com/office/drawing/2014/main" id="{0F567187-0C43-4575-8464-C3D2C859E137}"/>
-                </a:ext>
-              </a:extLst>
-            </p:cNvPr>
-            <p:cNvSpPr/>
-            <p:nvPr/>
-          </p:nvSpPr>
-          <p:spPr>
-            <a:xfrm>
-              <a:off x="4366053" y="2193174"/>
-              <a:ext cx="1224000" cy="540000"/>
-            </a:xfrm>
-            <a:prstGeom prst="roundRect">
-              <a:avLst/>
-            </a:prstGeom>
-            <a:solidFill>
-              <a:srgbClr val="00B0F0"/>
-            </a:solidFill>
-            <a:ln>
-              <a:solidFill>
-                <a:schemeClr val="tx1"/>
-              </a:solidFill>
-            </a:ln>
-          </p:spPr>
-          <p:style>
-            <a:lnRef idx="2">
-              <a:schemeClr val="accent1">
-                <a:shade val="50000"/>
-              </a:schemeClr>
-            </a:lnRef>
-            <a:fillRef idx="1">
-              <a:schemeClr val="accent1"/>
-            </a:fillRef>
-            <a:effectRef idx="0">
-              <a:schemeClr val="accent1"/>
-            </a:effectRef>
-            <a:fontRef idx="minor">
-              <a:schemeClr val="lt1"/>
-            </a:fontRef>
-          </p:style>
-          <p:txBody>
-            <a:bodyPr wrap="none" lIns="36000" tIns="36000" rIns="36000" bIns="36000" rtlCol="0" anchor="ctr" anchorCtr="0"/>
-            <a:lstStyle/>
-            <a:p>
-              <a:pPr algn="ctr"/>
-              <a:r>
-                <a:rPr lang="zh-CN" altLang="en-US" sz="1600" b="1">
-                  <a:solidFill>
-                    <a:schemeClr val="tx1"/>
-                  </a:solidFill>
-                  <a:latin typeface="微软雅黑" panose="020B0503020204020204" pitchFamily="34" charset="-122"/>
-                  <a:ea typeface="微软雅黑" panose="020B0503020204020204" pitchFamily="34" charset="-122"/>
-                </a:rPr>
-                <a:t>用户</a:t>
-              </a:r>
-            </a:p>
-          </p:txBody>
-        </p:sp>
-        <p:sp>
-          <p:nvSpPr>
-            <p:cNvPr id="18" name="矩形: 圆角 17">
-              <a:extLst>
-                <a:ext uri="{FF2B5EF4-FFF2-40B4-BE49-F238E27FC236}">
-                  <a16:creationId xmlns:a16="http://schemas.microsoft.com/office/drawing/2014/main" id="{332C2575-AD02-407D-A122-B9AB14435E0D}"/>
-                </a:ext>
-              </a:extLst>
-            </p:cNvPr>
-            <p:cNvSpPr/>
-            <p:nvPr/>
-          </p:nvSpPr>
-          <p:spPr>
-            <a:xfrm>
-              <a:off x="3906523" y="2901899"/>
-              <a:ext cx="2153706" cy="648000"/>
-            </a:xfrm>
-            <a:prstGeom prst="roundRect">
-              <a:avLst/>
-            </a:prstGeom>
-            <a:solidFill>
-              <a:srgbClr val="00B050"/>
-            </a:solidFill>
-            <a:ln>
-              <a:solidFill>
-                <a:schemeClr val="tx1"/>
-              </a:solidFill>
-            </a:ln>
-          </p:spPr>
-          <p:style>
-            <a:lnRef idx="2">
-              <a:schemeClr val="accent1">
-                <a:shade val="50000"/>
-              </a:schemeClr>
-            </a:lnRef>
-            <a:fillRef idx="1">
-              <a:schemeClr val="accent1"/>
-            </a:fillRef>
-            <a:effectRef idx="0">
-              <a:schemeClr val="accent1"/>
-            </a:effectRef>
-            <a:fontRef idx="minor">
-              <a:schemeClr val="lt1"/>
-            </a:fontRef>
-          </p:style>
-          <p:txBody>
-            <a:bodyPr wrap="none" lIns="36000" tIns="36000" rIns="36000" bIns="36000" rtlCol="0" anchor="ctr" anchorCtr="0"/>
-            <a:lstStyle/>
-            <a:p>
-              <a:pPr algn="ctr"/>
-              <a:r>
-                <a:rPr lang="zh-CN" altLang="en-US" sz="1600" b="1">
-                  <a:solidFill>
-                    <a:schemeClr val="tx1"/>
-                  </a:solidFill>
-                  <a:latin typeface="微软雅黑" panose="020B0503020204020204" pitchFamily="34" charset="-122"/>
-                  <a:ea typeface="微软雅黑" panose="020B0503020204020204" pitchFamily="34" charset="-122"/>
-                </a:rPr>
-                <a:t>查看纪念馆亲友团排名</a:t>
-              </a:r>
-              <a:endParaRPr lang="en-US" altLang="zh-CN" sz="1600" b="1">
-                <a:solidFill>
-                  <a:schemeClr val="tx1"/>
-                </a:solidFill>
-                <a:latin typeface="微软雅黑" panose="020B0503020204020204" pitchFamily="34" charset="-122"/>
-                <a:ea typeface="微软雅黑" panose="020B0503020204020204" pitchFamily="34" charset="-122"/>
-              </a:endParaRPr>
-            </a:p>
-            <a:p>
-              <a:pPr algn="ctr"/>
-              <a:r>
-                <a:rPr lang="en-US" altLang="zh-CN" sz="1600" b="1">
-                  <a:solidFill>
-                    <a:schemeClr val="tx1"/>
-                  </a:solidFill>
-                  <a:latin typeface="微软雅黑" panose="020B0503020204020204" pitchFamily="34" charset="-122"/>
-                  <a:ea typeface="微软雅黑" panose="020B0503020204020204" pitchFamily="34" charset="-122"/>
-                </a:rPr>
-                <a:t>list_relative</a:t>
-              </a:r>
-              <a:endParaRPr lang="zh-CN" altLang="en-US" sz="1600" b="1">
-                <a:solidFill>
-                  <a:schemeClr val="tx1"/>
-                </a:solidFill>
-                <a:latin typeface="微软雅黑" panose="020B0503020204020204" pitchFamily="34" charset="-122"/>
-                <a:ea typeface="微软雅黑" panose="020B0503020204020204" pitchFamily="34" charset="-122"/>
-              </a:endParaRPr>
-            </a:p>
-          </p:txBody>
-        </p:sp>
-      </p:grpSp>
-      <p:cxnSp>
-        <p:nvCxnSpPr>
-          <p:cNvPr id="27" name="直接箭头连接符 26">
-            <a:extLst>
-              <a:ext uri="{FF2B5EF4-FFF2-40B4-BE49-F238E27FC236}">
-                <a16:creationId xmlns:a16="http://schemas.microsoft.com/office/drawing/2014/main" id="{9906FBDE-CD3A-4F24-AE21-6C92AD9E7ADA}"/>
-              </a:ext>
-            </a:extLst>
-          </p:cNvPr>
-          <p:cNvCxnSpPr>
-            <a:cxnSpLocks/>
-            <a:stCxn id="28" idx="0"/>
-            <a:endCxn id="14" idx="2"/>
-          </p:cNvCxnSpPr>
-          <p:nvPr/>
-        </p:nvCxnSpPr>
-        <p:spPr>
-          <a:xfrm flipV="1">
-            <a:off x="1912951" y="3201477"/>
-            <a:ext cx="0" cy="517090"/>
-          </a:xfrm>
-          <a:prstGeom prst="straightConnector1">
-            <a:avLst/>
-          </a:prstGeom>
-          <a:ln w="57150">
-            <a:solidFill>
-              <a:srgbClr val="FF0000"/>
-            </a:solidFill>
-            <a:tailEnd type="triangle"/>
-          </a:ln>
-        </p:spPr>
-        <p:style>
-          <a:lnRef idx="1">
-            <a:schemeClr val="accent1"/>
-          </a:lnRef>
-          <a:fillRef idx="0">
-            <a:schemeClr val="accent1"/>
-          </a:fillRef>
-          <a:effectRef idx="0">
-            <a:schemeClr val="accent1"/>
-          </a:effectRef>
-          <a:fontRef idx="minor">
-            <a:schemeClr val="tx1"/>
-          </a:fontRef>
-        </p:style>
-      </p:cxnSp>
-      <p:sp>
-        <p:nvSpPr>
-          <p:cNvPr id="28" name="矩形: 圆角 27">
-            <a:extLst>
-              <a:ext uri="{FF2B5EF4-FFF2-40B4-BE49-F238E27FC236}">
-                <a16:creationId xmlns:a16="http://schemas.microsoft.com/office/drawing/2014/main" id="{A94DE6C3-694C-4325-A74A-F92569960786}"/>
-              </a:ext>
-            </a:extLst>
-          </p:cNvPr>
-          <p:cNvSpPr/>
-          <p:nvPr/>
-        </p:nvSpPr>
-        <p:spPr>
-          <a:xfrm>
-            <a:off x="1048951" y="3718567"/>
-            <a:ext cx="1728000" cy="396000"/>
-          </a:xfrm>
-          <a:prstGeom prst="roundRect">
-            <a:avLst/>
-          </a:prstGeom>
-          <a:solidFill>
-            <a:schemeClr val="bg1">
-              <a:lumMod val="95000"/>
-            </a:schemeClr>
-          </a:solidFill>
-          <a:ln>
-            <a:solidFill>
-              <a:schemeClr val="tx1"/>
-            </a:solidFill>
-          </a:ln>
-        </p:spPr>
-        <p:style>
-          <a:lnRef idx="2">
-            <a:schemeClr val="accent1">
-              <a:shade val="50000"/>
-            </a:schemeClr>
-          </a:lnRef>
-          <a:fillRef idx="1">
-            <a:schemeClr val="accent1"/>
-          </a:fillRef>
-          <a:effectRef idx="0">
-            <a:schemeClr val="accent1"/>
-          </a:effectRef>
-          <a:fontRef idx="minor">
-            <a:schemeClr val="lt1"/>
-          </a:fontRef>
-        </p:style>
-        <p:txBody>
-          <a:bodyPr wrap="none" lIns="36000" tIns="36000" rIns="36000" bIns="36000" rtlCol="0" anchor="ctr" anchorCtr="0"/>
-          <a:lstStyle/>
-          <a:p>
-            <a:pPr algn="ctr"/>
-            <a:r>
-              <a:rPr lang="zh-CN" altLang="en-US" sz="1600" b="1">
-                <a:solidFill>
-                  <a:schemeClr val="tx1"/>
-                </a:solidFill>
-                <a:latin typeface="微软雅黑" panose="020B0503020204020204" pitchFamily="34" charset="-122"/>
-                <a:ea typeface="微软雅黑" panose="020B0503020204020204" pitchFamily="34" charset="-122"/>
-              </a:rPr>
-              <a:t>纪念馆亲友团表</a:t>
-            </a:r>
-          </a:p>
-        </p:txBody>
-      </p:sp>
-    </p:spTree>
-    <p:extLst>
-      <p:ext uri="{BB962C8B-B14F-4D97-AF65-F5344CB8AC3E}">
-        <p14:creationId xmlns:p14="http://schemas.microsoft.com/office/powerpoint/2010/main" val="3976411884"/>
-      </p:ext>
-    </p:extLst>
-  </p:cSld>
-  <p:clrMapOvr>
-    <a:masterClrMapping/>
-  </p:clrMapOvr>
-</p:sld>
-</file>
-
-<file path=ppt/slides/slide15.xml><?xml version="1.0" encoding="utf-8"?>
-<p:sld xmlns:a="http://schemas.openxmlformats.org/drawingml/2006/main" xmlns:r="http://schemas.openxmlformats.org/officeDocument/2006/relationships" xmlns:p="http://schemas.openxmlformats.org/presentationml/2006/main">
-  <p:cSld>
-    <p:spTree>
-      <p:nvGrpSpPr>
-        <p:cNvPr id="1" name=""/>
-        <p:cNvGrpSpPr/>
-        <p:nvPr/>
-      </p:nvGrpSpPr>
-      <p:grpSpPr>
-        <a:xfrm>
-          <a:off x="0" y="0"/>
-          <a:ext cx="0" cy="0"/>
-          <a:chOff x="0" y="0"/>
-          <a:chExt cx="0" cy="0"/>
-        </a:xfrm>
-      </p:grpSpPr>
-      <p:cxnSp>
-        <p:nvCxnSpPr>
-          <p:cNvPr id="239" name="直接连接符 238">
-            <a:extLst>
-              <a:ext uri="{FF2B5EF4-FFF2-40B4-BE49-F238E27FC236}">
-                <a16:creationId xmlns:a16="http://schemas.microsoft.com/office/drawing/2014/main" id="{05CC9636-A076-48A7-9A94-4E0212BA0C59}"/>
-              </a:ext>
-            </a:extLst>
-          </p:cNvPr>
-          <p:cNvCxnSpPr>
-            <a:cxnSpLocks/>
-          </p:cNvCxnSpPr>
-          <p:nvPr/>
-        </p:nvCxnSpPr>
-        <p:spPr>
-          <a:xfrm flipH="1">
-            <a:off x="433388" y="866051"/>
-            <a:ext cx="11325225" cy="1"/>
-          </a:xfrm>
-          <a:prstGeom prst="line">
-            <a:avLst/>
-          </a:prstGeom>
-          <a:ln w="19050">
-            <a:solidFill>
-              <a:srgbClr val="00576E"/>
-            </a:solidFill>
-          </a:ln>
-          <a:effectLst>
-            <a:outerShdw blurRad="50800" dist="12700" dir="5400000" algn="t" rotWithShape="0">
-              <a:prstClr val="black">
-                <a:alpha val="40000"/>
-              </a:prstClr>
-            </a:outerShdw>
-          </a:effectLst>
-        </p:spPr>
-        <p:style>
-          <a:lnRef idx="2">
-            <a:schemeClr val="accent1"/>
-          </a:lnRef>
-          <a:fillRef idx="0">
-            <a:schemeClr val="accent1"/>
-          </a:fillRef>
-          <a:effectRef idx="1">
-            <a:schemeClr val="accent1"/>
-          </a:effectRef>
-          <a:fontRef idx="minor">
-            <a:schemeClr val="tx1"/>
-          </a:fontRef>
-        </p:style>
-      </p:cxnSp>
-      <p:sp>
-        <p:nvSpPr>
-          <p:cNvPr id="240" name="矩形 239">
-            <a:extLst>
-              <a:ext uri="{FF2B5EF4-FFF2-40B4-BE49-F238E27FC236}">
-                <a16:creationId xmlns:a16="http://schemas.microsoft.com/office/drawing/2014/main" id="{CE6D800A-2E58-40A9-AF4D-2C92406102BA}"/>
-              </a:ext>
-            </a:extLst>
-          </p:cNvPr>
-          <p:cNvSpPr/>
-          <p:nvPr/>
-        </p:nvSpPr>
-        <p:spPr>
-          <a:xfrm>
-            <a:off x="471489" y="209549"/>
-            <a:ext cx="119062" cy="513626"/>
-          </a:xfrm>
-          <a:prstGeom prst="rect">
-            <a:avLst/>
-          </a:prstGeom>
-          <a:solidFill>
-            <a:srgbClr val="00576E"/>
-          </a:solidFill>
-        </p:spPr>
-        <p:style>
-          <a:lnRef idx="2">
-            <a:schemeClr val="accent1">
-              <a:shade val="50000"/>
-            </a:schemeClr>
-          </a:lnRef>
-          <a:fillRef idx="1">
-            <a:schemeClr val="accent1"/>
-          </a:fillRef>
-          <a:effectRef idx="0">
-            <a:schemeClr val="accent1"/>
-          </a:effectRef>
-          <a:fontRef idx="minor">
-            <a:schemeClr val="lt1"/>
-          </a:fontRef>
-        </p:style>
-        <p:txBody>
-          <a:bodyPr rtlCol="0" anchor="ctr"/>
-          <a:lstStyle/>
-          <a:p>
-            <a:pPr algn="ctr"/>
-            <a:endParaRPr lang="zh-CN" altLang="en-US">
-              <a:latin typeface="Consolas" panose="020B0609020204030204" pitchFamily="49" charset="0"/>
-            </a:endParaRPr>
-          </a:p>
-        </p:txBody>
-      </p:sp>
-      <p:sp>
-        <p:nvSpPr>
-          <p:cNvPr id="241" name="文本框 240">
-            <a:extLst>
-              <a:ext uri="{FF2B5EF4-FFF2-40B4-BE49-F238E27FC236}">
-                <a16:creationId xmlns:a16="http://schemas.microsoft.com/office/drawing/2014/main" id="{90ABBAE7-6707-4A6F-819E-32C1CFD4250B}"/>
-              </a:ext>
-            </a:extLst>
-          </p:cNvPr>
-          <p:cNvSpPr txBox="1"/>
-          <p:nvPr/>
-        </p:nvSpPr>
-        <p:spPr>
-          <a:xfrm>
-            <a:off x="712379" y="173975"/>
-            <a:ext cx="3057247" cy="584775"/>
-          </a:xfrm>
-          <a:prstGeom prst="rect">
-            <a:avLst/>
-          </a:prstGeom>
-          <a:noFill/>
-        </p:spPr>
-        <p:txBody>
-          <a:bodyPr wrap="none" rtlCol="0">
-            <a:spAutoFit/>
-          </a:bodyPr>
-          <a:lstStyle/>
-          <a:p>
-            <a:r>
-              <a:rPr lang="zh-CN" altLang="en-US" sz="3200" b="1">
-                <a:latin typeface="Consolas" panose="020B0609020204030204" pitchFamily="49" charset="0"/>
-                <a:ea typeface="微软雅黑" panose="020B0503020204020204" pitchFamily="34" charset="-122"/>
-              </a:rPr>
-              <a:t>查看用户总排名</a:t>
-            </a:r>
-          </a:p>
-        </p:txBody>
-      </p:sp>
-      <p:sp>
-        <p:nvSpPr>
-          <p:cNvPr id="14" name="矩形: 圆角 13">
-            <a:extLst>
-              <a:ext uri="{FF2B5EF4-FFF2-40B4-BE49-F238E27FC236}">
-                <a16:creationId xmlns:a16="http://schemas.microsoft.com/office/drawing/2014/main" id="{FF3ED206-3EB1-4CF1-941F-BCC627677CF7}"/>
-              </a:ext>
-            </a:extLst>
-          </p:cNvPr>
-          <p:cNvSpPr/>
-          <p:nvPr/>
-        </p:nvSpPr>
-        <p:spPr>
-          <a:xfrm>
-            <a:off x="742951" y="1581477"/>
-            <a:ext cx="2340000" cy="1620000"/>
-          </a:xfrm>
-          <a:prstGeom prst="roundRect">
-            <a:avLst>
-              <a:gd name="adj" fmla="val 5494"/>
-            </a:avLst>
-          </a:prstGeom>
-          <a:noFill/>
-          <a:ln>
-            <a:solidFill>
-              <a:schemeClr val="tx2"/>
-            </a:solidFill>
-            <a:prstDash val="dash"/>
-          </a:ln>
-        </p:spPr>
-        <p:style>
-          <a:lnRef idx="2">
-            <a:schemeClr val="accent1">
-              <a:shade val="50000"/>
-            </a:schemeClr>
-          </a:lnRef>
-          <a:fillRef idx="1">
-            <a:schemeClr val="accent1"/>
-          </a:fillRef>
-          <a:effectRef idx="0">
-            <a:schemeClr val="accent1"/>
-          </a:effectRef>
-          <a:fontRef idx="minor">
-            <a:schemeClr val="lt1"/>
-          </a:fontRef>
-        </p:style>
-        <p:txBody>
-          <a:bodyPr rtlCol="0" anchor="ctr"/>
-          <a:lstStyle/>
-          <a:p>
-            <a:pPr algn="ctr"/>
-            <a:endParaRPr lang="zh-CN" altLang="en-US" sz="1600">
-              <a:latin typeface="微软雅黑" panose="020B0503020204020204" pitchFamily="34" charset="-122"/>
-              <a:ea typeface="微软雅黑" panose="020B0503020204020204" pitchFamily="34" charset="-122"/>
-            </a:endParaRPr>
-          </a:p>
-        </p:txBody>
-      </p:sp>
-      <p:grpSp>
-        <p:nvGrpSpPr>
-          <p:cNvPr id="16" name="组合 15">
-            <a:extLst>
-              <a:ext uri="{FF2B5EF4-FFF2-40B4-BE49-F238E27FC236}">
-                <a16:creationId xmlns:a16="http://schemas.microsoft.com/office/drawing/2014/main" id="{A1795C0A-BF60-4C70-A034-A78582707CE8}"/>
-              </a:ext>
-            </a:extLst>
-          </p:cNvPr>
-          <p:cNvGrpSpPr/>
-          <p:nvPr/>
-        </p:nvGrpSpPr>
-        <p:grpSpPr>
-          <a:xfrm>
-            <a:off x="841421" y="1716297"/>
-            <a:ext cx="2153706" cy="1356725"/>
-            <a:chOff x="3906523" y="2193174"/>
-            <a:chExt cx="2153706" cy="1356725"/>
-          </a:xfrm>
-        </p:grpSpPr>
-        <p:sp>
-          <p:nvSpPr>
-            <p:cNvPr id="17" name="矩形: 圆角 16">
-              <a:extLst>
-                <a:ext uri="{FF2B5EF4-FFF2-40B4-BE49-F238E27FC236}">
-                  <a16:creationId xmlns:a16="http://schemas.microsoft.com/office/drawing/2014/main" id="{0F567187-0C43-4575-8464-C3D2C859E137}"/>
-                </a:ext>
-              </a:extLst>
-            </p:cNvPr>
-            <p:cNvSpPr/>
-            <p:nvPr/>
-          </p:nvSpPr>
-          <p:spPr>
-            <a:xfrm>
-              <a:off x="4366053" y="2193174"/>
-              <a:ext cx="1224000" cy="540000"/>
-            </a:xfrm>
-            <a:prstGeom prst="roundRect">
-              <a:avLst/>
-            </a:prstGeom>
-            <a:solidFill>
-              <a:srgbClr val="00B0F0"/>
-            </a:solidFill>
-            <a:ln>
-              <a:solidFill>
-                <a:schemeClr val="tx1"/>
-              </a:solidFill>
-            </a:ln>
-          </p:spPr>
-          <p:style>
-            <a:lnRef idx="2">
-              <a:schemeClr val="accent1">
-                <a:shade val="50000"/>
-              </a:schemeClr>
-            </a:lnRef>
-            <a:fillRef idx="1">
-              <a:schemeClr val="accent1"/>
-            </a:fillRef>
-            <a:effectRef idx="0">
-              <a:schemeClr val="accent1"/>
-            </a:effectRef>
-            <a:fontRef idx="minor">
-              <a:schemeClr val="lt1"/>
-            </a:fontRef>
-          </p:style>
-          <p:txBody>
-            <a:bodyPr wrap="none" lIns="36000" tIns="36000" rIns="36000" bIns="36000" rtlCol="0" anchor="ctr" anchorCtr="0"/>
-            <a:lstStyle/>
-            <a:p>
-              <a:pPr algn="ctr"/>
-              <a:r>
-                <a:rPr lang="zh-CN" altLang="en-US" sz="1600" b="1">
-                  <a:solidFill>
-                    <a:schemeClr val="tx1"/>
-                  </a:solidFill>
-                  <a:latin typeface="微软雅黑" panose="020B0503020204020204" pitchFamily="34" charset="-122"/>
-                  <a:ea typeface="微软雅黑" panose="020B0503020204020204" pitchFamily="34" charset="-122"/>
-                </a:rPr>
-                <a:t>用户</a:t>
-              </a:r>
-            </a:p>
-          </p:txBody>
-        </p:sp>
-        <p:sp>
-          <p:nvSpPr>
-            <p:cNvPr id="18" name="矩形: 圆角 17">
-              <a:extLst>
-                <a:ext uri="{FF2B5EF4-FFF2-40B4-BE49-F238E27FC236}">
-                  <a16:creationId xmlns:a16="http://schemas.microsoft.com/office/drawing/2014/main" id="{332C2575-AD02-407D-A122-B9AB14435E0D}"/>
-                </a:ext>
-              </a:extLst>
-            </p:cNvPr>
-            <p:cNvSpPr/>
-            <p:nvPr/>
-          </p:nvSpPr>
-          <p:spPr>
-            <a:xfrm>
-              <a:off x="3906523" y="2901899"/>
-              <a:ext cx="2153706" cy="648000"/>
-            </a:xfrm>
-            <a:prstGeom prst="roundRect">
-              <a:avLst/>
-            </a:prstGeom>
-            <a:solidFill>
-              <a:srgbClr val="00B050"/>
-            </a:solidFill>
-            <a:ln>
-              <a:solidFill>
-                <a:schemeClr val="tx1"/>
-              </a:solidFill>
-            </a:ln>
-          </p:spPr>
-          <p:style>
-            <a:lnRef idx="2">
-              <a:schemeClr val="accent1">
-                <a:shade val="50000"/>
-              </a:schemeClr>
-            </a:lnRef>
-            <a:fillRef idx="1">
-              <a:schemeClr val="accent1"/>
-            </a:fillRef>
-            <a:effectRef idx="0">
-              <a:schemeClr val="accent1"/>
-            </a:effectRef>
-            <a:fontRef idx="minor">
-              <a:schemeClr val="lt1"/>
-            </a:fontRef>
-          </p:style>
-          <p:txBody>
-            <a:bodyPr wrap="none" lIns="36000" tIns="36000" rIns="36000" bIns="36000" rtlCol="0" anchor="ctr" anchorCtr="0"/>
-            <a:lstStyle/>
-            <a:p>
-              <a:pPr algn="ctr"/>
-              <a:r>
-                <a:rPr lang="zh-CN" altLang="en-US" sz="1600" b="1">
-                  <a:solidFill>
-                    <a:schemeClr val="tx1"/>
-                  </a:solidFill>
-                  <a:latin typeface="微软雅黑" panose="020B0503020204020204" pitchFamily="34" charset="-122"/>
-                  <a:ea typeface="微软雅黑" panose="020B0503020204020204" pitchFamily="34" charset="-122"/>
-                </a:rPr>
-                <a:t>查看用户排名</a:t>
-              </a:r>
-              <a:endParaRPr lang="en-US" altLang="zh-CN" sz="1600" b="1">
-                <a:solidFill>
-                  <a:schemeClr val="tx1"/>
-                </a:solidFill>
-                <a:latin typeface="微软雅黑" panose="020B0503020204020204" pitchFamily="34" charset="-122"/>
-                <a:ea typeface="微软雅黑" panose="020B0503020204020204" pitchFamily="34" charset="-122"/>
-              </a:endParaRPr>
-            </a:p>
-            <a:p>
-              <a:pPr algn="ctr"/>
-              <a:r>
-                <a:rPr lang="en-US" altLang="zh-CN" sz="1600" b="1">
-                  <a:solidFill>
-                    <a:schemeClr val="tx1"/>
-                  </a:solidFill>
-                  <a:latin typeface="微软雅黑" panose="020B0503020204020204" pitchFamily="34" charset="-122"/>
-                  <a:ea typeface="微软雅黑" panose="020B0503020204020204" pitchFamily="34" charset="-122"/>
-                </a:rPr>
-                <a:t>list_person</a:t>
-              </a:r>
-              <a:endParaRPr lang="zh-CN" altLang="en-US" sz="1600" b="1">
-                <a:solidFill>
-                  <a:schemeClr val="tx1"/>
-                </a:solidFill>
-                <a:latin typeface="微软雅黑" panose="020B0503020204020204" pitchFamily="34" charset="-122"/>
-                <a:ea typeface="微软雅黑" panose="020B0503020204020204" pitchFamily="34" charset="-122"/>
-              </a:endParaRPr>
-            </a:p>
-          </p:txBody>
-        </p:sp>
-      </p:grpSp>
-      <p:cxnSp>
-        <p:nvCxnSpPr>
-          <p:cNvPr id="27" name="直接箭头连接符 26">
-            <a:extLst>
-              <a:ext uri="{FF2B5EF4-FFF2-40B4-BE49-F238E27FC236}">
-                <a16:creationId xmlns:a16="http://schemas.microsoft.com/office/drawing/2014/main" id="{9906FBDE-CD3A-4F24-AE21-6C92AD9E7ADA}"/>
-              </a:ext>
-            </a:extLst>
-          </p:cNvPr>
-          <p:cNvCxnSpPr>
-            <a:cxnSpLocks/>
-            <a:stCxn id="28" idx="0"/>
-            <a:endCxn id="14" idx="2"/>
-          </p:cNvCxnSpPr>
-          <p:nvPr/>
-        </p:nvCxnSpPr>
-        <p:spPr>
-          <a:xfrm flipV="1">
-            <a:off x="1912951" y="3201477"/>
-            <a:ext cx="0" cy="715090"/>
-          </a:xfrm>
-          <a:prstGeom prst="straightConnector1">
-            <a:avLst/>
-          </a:prstGeom>
-          <a:ln w="57150">
-            <a:solidFill>
-              <a:srgbClr val="FF0000"/>
-            </a:solidFill>
-            <a:tailEnd type="triangle"/>
-          </a:ln>
-        </p:spPr>
-        <p:style>
-          <a:lnRef idx="1">
-            <a:schemeClr val="accent1"/>
-          </a:lnRef>
-          <a:fillRef idx="0">
-            <a:schemeClr val="accent1"/>
-          </a:fillRef>
-          <a:effectRef idx="0">
-            <a:schemeClr val="accent1"/>
-          </a:effectRef>
-          <a:fontRef idx="minor">
-            <a:schemeClr val="tx1"/>
-          </a:fontRef>
-        </p:style>
-      </p:cxnSp>
-      <p:sp>
-        <p:nvSpPr>
-          <p:cNvPr id="28" name="矩形: 圆角 27">
-            <a:extLst>
-              <a:ext uri="{FF2B5EF4-FFF2-40B4-BE49-F238E27FC236}">
-                <a16:creationId xmlns:a16="http://schemas.microsoft.com/office/drawing/2014/main" id="{A94DE6C3-694C-4325-A74A-F92569960786}"/>
-              </a:ext>
-            </a:extLst>
-          </p:cNvPr>
-          <p:cNvSpPr/>
-          <p:nvPr/>
-        </p:nvSpPr>
-        <p:spPr>
-          <a:xfrm>
-            <a:off x="1048951" y="3916567"/>
-            <a:ext cx="1728000" cy="396000"/>
-          </a:xfrm>
-          <a:prstGeom prst="roundRect">
-            <a:avLst/>
-          </a:prstGeom>
-          <a:solidFill>
-            <a:schemeClr val="bg1">
-              <a:lumMod val="95000"/>
-            </a:schemeClr>
-          </a:solidFill>
-          <a:ln>
-            <a:solidFill>
-              <a:schemeClr val="tx1"/>
-            </a:solidFill>
-          </a:ln>
-        </p:spPr>
-        <p:style>
-          <a:lnRef idx="2">
-            <a:schemeClr val="accent1">
-              <a:shade val="50000"/>
-            </a:schemeClr>
-          </a:lnRef>
-          <a:fillRef idx="1">
-            <a:schemeClr val="accent1"/>
-          </a:fillRef>
-          <a:effectRef idx="0">
-            <a:schemeClr val="accent1"/>
-          </a:effectRef>
-          <a:fontRef idx="minor">
-            <a:schemeClr val="lt1"/>
-          </a:fontRef>
-        </p:style>
-        <p:txBody>
-          <a:bodyPr wrap="none" lIns="36000" tIns="36000" rIns="36000" bIns="36000" rtlCol="0" anchor="ctr" anchorCtr="0"/>
-          <a:lstStyle/>
-          <a:p>
-            <a:pPr algn="ctr"/>
-            <a:r>
-              <a:rPr lang="zh-CN" altLang="en-US" sz="1600" b="1">
-                <a:solidFill>
-                  <a:schemeClr val="tx1"/>
-                </a:solidFill>
-                <a:latin typeface="微软雅黑" panose="020B0503020204020204" pitchFamily="34" charset="-122"/>
-                <a:ea typeface="微软雅黑" panose="020B0503020204020204" pitchFamily="34" charset="-122"/>
-              </a:rPr>
-              <a:t>用户祭奠排名表</a:t>
-            </a:r>
-          </a:p>
-        </p:txBody>
-      </p:sp>
-    </p:spTree>
-    <p:extLst>
-      <p:ext uri="{BB962C8B-B14F-4D97-AF65-F5344CB8AC3E}">
-        <p14:creationId xmlns:p14="http://schemas.microsoft.com/office/powerpoint/2010/main" val="220910784"/>
+        <p14:creationId xmlns:p14="http://schemas.microsoft.com/office/powerpoint/2010/main" val="945851635"/>
       </p:ext>
     </p:extLst>
   </p:cSld>
@@ -9168,7 +7215,7 @@
         <p:spPr>
           <a:xfrm>
             <a:off x="712379" y="173975"/>
-            <a:ext cx="3057247" cy="584775"/>
+            <a:ext cx="2236510" cy="584775"/>
           </a:xfrm>
           <a:prstGeom prst="rect">
             <a:avLst/>
@@ -9186,17 +7233,17 @@
                 <a:latin typeface="Consolas" panose="020B0609020204030204" pitchFamily="49" charset="0"/>
                 <a:ea typeface="微软雅黑" panose="020B0503020204020204" pitchFamily="34" charset="-122"/>
               </a:rPr>
-              <a:t>关系信息表结构</a:t>
-            </a:r>
-          </a:p>
-        </p:txBody>
-      </p:sp>
-      <p:sp>
-        <p:nvSpPr>
-          <p:cNvPr id="31" name="矩形: 圆角 30">
-            <a:extLst>
-              <a:ext uri="{FF2B5EF4-FFF2-40B4-BE49-F238E27FC236}">
-                <a16:creationId xmlns:a16="http://schemas.microsoft.com/office/drawing/2014/main" id="{06D2E732-3077-4D74-9410-AFC75644A2F6}"/>
+              <a:t>角色表结构</a:t>
+            </a:r>
+          </a:p>
+        </p:txBody>
+      </p:sp>
+      <p:sp>
+        <p:nvSpPr>
+          <p:cNvPr id="11" name="矩形: 圆角 10">
+            <a:extLst>
+              <a:ext uri="{FF2B5EF4-FFF2-40B4-BE49-F238E27FC236}">
+                <a16:creationId xmlns:a16="http://schemas.microsoft.com/office/drawing/2014/main" id="{1877FF4B-C4D2-43A6-8CF1-54F59D63A2DB}"/>
               </a:ext>
             </a:extLst>
           </p:cNvPr>
@@ -9205,7 +7252,7 @@
         </p:nvSpPr>
         <p:spPr>
           <a:xfrm>
-            <a:off x="712378" y="2780554"/>
+            <a:off x="712380" y="1540136"/>
             <a:ext cx="1728000" cy="576000"/>
           </a:xfrm>
           <a:prstGeom prst="roundRect">
@@ -9251,7 +7298,7 @@
                 <a:latin typeface="微软雅黑" panose="020B0503020204020204" pitchFamily="34" charset="-122"/>
                 <a:ea typeface="微软雅黑" panose="020B0503020204020204" pitchFamily="34" charset="-122"/>
               </a:rPr>
-              <a:t>关系表</a:t>
+              <a:t>角色表</a:t>
             </a:r>
             <a:endParaRPr lang="en-US" altLang="zh-CN" sz="1600" b="1">
               <a:solidFill>
@@ -9271,7 +7318,7 @@
                 <a:latin typeface="微软雅黑" panose="020B0503020204020204" pitchFamily="34" charset="-122"/>
                 <a:ea typeface="微软雅黑" panose="020B0503020204020204" pitchFamily="34" charset="-122"/>
               </a:rPr>
-              <a:t>relation</a:t>
+              <a:t>role</a:t>
             </a:r>
             <a:endParaRPr lang="zh-CN" altLang="en-US" sz="1600" b="1">
               <a:solidFill>
@@ -9285,10 +7332,10 @@
       </p:sp>
       <p:sp>
         <p:nvSpPr>
-          <p:cNvPr id="32" name="矩形: 圆角 31">
-            <a:extLst>
-              <a:ext uri="{FF2B5EF4-FFF2-40B4-BE49-F238E27FC236}">
-                <a16:creationId xmlns:a16="http://schemas.microsoft.com/office/drawing/2014/main" id="{91B35E25-2285-4E30-95D1-5DE5AA9E036E}"/>
+          <p:cNvPr id="12" name="矩形: 圆角 11">
+            <a:extLst>
+              <a:ext uri="{FF2B5EF4-FFF2-40B4-BE49-F238E27FC236}">
+                <a16:creationId xmlns:a16="http://schemas.microsoft.com/office/drawing/2014/main" id="{82B960E9-1ADE-4BE7-98C4-027567DD6A10}"/>
               </a:ext>
             </a:extLst>
           </p:cNvPr>
@@ -9297,310 +7344,7 @@
         </p:nvSpPr>
         <p:spPr>
           <a:xfrm>
-            <a:off x="712378" y="3350760"/>
-            <a:ext cx="4176863" cy="694262"/>
-          </a:xfrm>
-          <a:prstGeom prst="roundRect">
-            <a:avLst>
-              <a:gd name="adj" fmla="val 5494"/>
-            </a:avLst>
-          </a:prstGeom>
-          <a:noFill/>
-          <a:ln>
-            <a:solidFill>
-              <a:schemeClr val="tx2"/>
-            </a:solidFill>
-            <a:prstDash val="dash"/>
-          </a:ln>
-        </p:spPr>
-        <p:style>
-          <a:lnRef idx="2">
-            <a:schemeClr val="accent1">
-              <a:shade val="50000"/>
-            </a:schemeClr>
-          </a:lnRef>
-          <a:fillRef idx="1">
-            <a:schemeClr val="accent1"/>
-          </a:fillRef>
-          <a:effectRef idx="0">
-            <a:schemeClr val="accent1"/>
-          </a:effectRef>
-          <a:fontRef idx="minor">
-            <a:schemeClr val="lt1"/>
-          </a:fontRef>
-        </p:style>
-        <p:txBody>
-          <a:bodyPr rtlCol="0" anchor="b" anchorCtr="0"/>
-          <a:lstStyle/>
-          <a:p>
-            <a:r>
-              <a:rPr lang="zh-CN" altLang="en-US" sz="1200" b="1">
-                <a:solidFill>
-                  <a:schemeClr val="tx1"/>
-                </a:solidFill>
-                <a:latin typeface="微软雅黑" panose="020B0503020204020204" pitchFamily="34" charset="-122"/>
-                <a:ea typeface="微软雅黑" panose="020B0503020204020204" pitchFamily="34" charset="-122"/>
-              </a:rPr>
-              <a:t>关系</a:t>
-            </a:r>
-            <a:r>
-              <a:rPr lang="en-US" altLang="zh-CN" sz="1200" b="1">
-                <a:solidFill>
-                  <a:schemeClr val="tx1"/>
-                </a:solidFill>
-                <a:latin typeface="微软雅黑" panose="020B0503020204020204" pitchFamily="34" charset="-122"/>
-                <a:ea typeface="微软雅黑" panose="020B0503020204020204" pitchFamily="34" charset="-122"/>
-              </a:rPr>
-              <a:t>id</a:t>
-            </a:r>
-          </a:p>
-          <a:p>
-            <a:r>
-              <a:rPr lang="zh-CN" altLang="en-US" sz="1200" b="1">
-                <a:solidFill>
-                  <a:schemeClr val="tx1"/>
-                </a:solidFill>
-                <a:latin typeface="微软雅黑" panose="020B0503020204020204" pitchFamily="34" charset="-122"/>
-                <a:ea typeface="微软雅黑" panose="020B0503020204020204" pitchFamily="34" charset="-122"/>
-              </a:rPr>
-              <a:t>关系类型</a:t>
-            </a:r>
-            <a:r>
-              <a:rPr lang="en-US" altLang="zh-CN" sz="1200" b="1">
-                <a:solidFill>
-                  <a:schemeClr val="tx1"/>
-                </a:solidFill>
-                <a:latin typeface="微软雅黑" panose="020B0503020204020204" pitchFamily="34" charset="-122"/>
-                <a:ea typeface="微软雅黑" panose="020B0503020204020204" pitchFamily="34" charset="-122"/>
-              </a:rPr>
-              <a:t> [1,2,3,4,5] [</a:t>
-            </a:r>
-            <a:r>
-              <a:rPr lang="zh-CN" altLang="en-US" sz="1200" b="1">
-                <a:solidFill>
-                  <a:schemeClr val="tx1"/>
-                </a:solidFill>
-                <a:latin typeface="微软雅黑" panose="020B0503020204020204" pitchFamily="34" charset="-122"/>
-                <a:ea typeface="微软雅黑" panose="020B0503020204020204" pitchFamily="34" charset="-122"/>
-              </a:rPr>
-              <a:t>儿孙辈</a:t>
-            </a:r>
-            <a:r>
-              <a:rPr lang="en-US" altLang="zh-CN" sz="1200" b="1">
-                <a:solidFill>
-                  <a:schemeClr val="tx1"/>
-                </a:solidFill>
-                <a:latin typeface="微软雅黑" panose="020B0503020204020204" pitchFamily="34" charset="-122"/>
-                <a:ea typeface="微软雅黑" panose="020B0503020204020204" pitchFamily="34" charset="-122"/>
-              </a:rPr>
-              <a:t>,</a:t>
-            </a:r>
-            <a:r>
-              <a:rPr lang="zh-CN" altLang="en-US" sz="1200" b="1">
-                <a:solidFill>
-                  <a:schemeClr val="tx1"/>
-                </a:solidFill>
-                <a:latin typeface="微软雅黑" panose="020B0503020204020204" pitchFamily="34" charset="-122"/>
-                <a:ea typeface="微软雅黑" panose="020B0503020204020204" pitchFamily="34" charset="-122"/>
-              </a:rPr>
-              <a:t>同辈</a:t>
-            </a:r>
-            <a:r>
-              <a:rPr lang="en-US" altLang="zh-CN" sz="1200" b="1">
-                <a:solidFill>
-                  <a:schemeClr val="tx1"/>
-                </a:solidFill>
-                <a:latin typeface="微软雅黑" panose="020B0503020204020204" pitchFamily="34" charset="-122"/>
-                <a:ea typeface="微软雅黑" panose="020B0503020204020204" pitchFamily="34" charset="-122"/>
-              </a:rPr>
-              <a:t>,</a:t>
-            </a:r>
-            <a:r>
-              <a:rPr lang="zh-CN" altLang="en-US" sz="1200" b="1">
-                <a:solidFill>
-                  <a:schemeClr val="tx1"/>
-                </a:solidFill>
-                <a:latin typeface="微软雅黑" panose="020B0503020204020204" pitchFamily="34" charset="-122"/>
-                <a:ea typeface="微软雅黑" panose="020B0503020204020204" pitchFamily="34" charset="-122"/>
-              </a:rPr>
-              <a:t>父辈</a:t>
-            </a:r>
-            <a:r>
-              <a:rPr lang="en-US" altLang="zh-CN" sz="1200" b="1">
-                <a:solidFill>
-                  <a:schemeClr val="tx1"/>
-                </a:solidFill>
-                <a:latin typeface="微软雅黑" panose="020B0503020204020204" pitchFamily="34" charset="-122"/>
-                <a:ea typeface="微软雅黑" panose="020B0503020204020204" pitchFamily="34" charset="-122"/>
-              </a:rPr>
-              <a:t>,</a:t>
-            </a:r>
-            <a:r>
-              <a:rPr lang="zh-CN" altLang="en-US" sz="1200" b="1">
-                <a:solidFill>
-                  <a:schemeClr val="tx1"/>
-                </a:solidFill>
-                <a:latin typeface="微软雅黑" panose="020B0503020204020204" pitchFamily="34" charset="-122"/>
-                <a:ea typeface="微软雅黑" panose="020B0503020204020204" pitchFamily="34" charset="-122"/>
-              </a:rPr>
-              <a:t>亲朋好友</a:t>
-            </a:r>
-            <a:r>
-              <a:rPr lang="en-US" altLang="zh-CN" sz="1200" b="1">
-                <a:solidFill>
-                  <a:schemeClr val="tx1"/>
-                </a:solidFill>
-                <a:latin typeface="微软雅黑" panose="020B0503020204020204" pitchFamily="34" charset="-122"/>
-                <a:ea typeface="微软雅黑" panose="020B0503020204020204" pitchFamily="34" charset="-122"/>
-              </a:rPr>
-              <a:t>,</a:t>
-            </a:r>
-            <a:r>
-              <a:rPr lang="zh-CN" altLang="en-US" sz="1200" b="1">
-                <a:solidFill>
-                  <a:schemeClr val="tx1"/>
-                </a:solidFill>
-                <a:latin typeface="微软雅黑" panose="020B0503020204020204" pitchFamily="34" charset="-122"/>
-                <a:ea typeface="微软雅黑" panose="020B0503020204020204" pitchFamily="34" charset="-122"/>
-              </a:rPr>
-              <a:t>祖辈</a:t>
-            </a:r>
-            <a:r>
-              <a:rPr lang="en-US" altLang="zh-CN" sz="1200" b="1">
-                <a:solidFill>
-                  <a:schemeClr val="tx1"/>
-                </a:solidFill>
-                <a:latin typeface="微软雅黑" panose="020B0503020204020204" pitchFamily="34" charset="-122"/>
-                <a:ea typeface="微软雅黑" panose="020B0503020204020204" pitchFamily="34" charset="-122"/>
-              </a:rPr>
-              <a:t>]</a:t>
-            </a:r>
-          </a:p>
-          <a:p>
-            <a:r>
-              <a:rPr lang="zh-CN" altLang="en-US" sz="1200" b="1">
-                <a:solidFill>
-                  <a:schemeClr val="tx1"/>
-                </a:solidFill>
-                <a:latin typeface="微软雅黑" panose="020B0503020204020204" pitchFamily="34" charset="-122"/>
-                <a:ea typeface="微软雅黑" panose="020B0503020204020204" pitchFamily="34" charset="-122"/>
-              </a:rPr>
-              <a:t>关系名称</a:t>
-            </a:r>
-            <a:endParaRPr lang="zh-CN" altLang="en-US" sz="1200">
-              <a:latin typeface="微软雅黑" panose="020B0503020204020204" pitchFamily="34" charset="-122"/>
-              <a:ea typeface="微软雅黑" panose="020B0503020204020204" pitchFamily="34" charset="-122"/>
-            </a:endParaRPr>
-          </a:p>
-        </p:txBody>
-      </p:sp>
-      <p:sp>
-        <p:nvSpPr>
-          <p:cNvPr id="11" name="矩形: 圆角 10">
-            <a:extLst>
-              <a:ext uri="{FF2B5EF4-FFF2-40B4-BE49-F238E27FC236}">
-                <a16:creationId xmlns:a16="http://schemas.microsoft.com/office/drawing/2014/main" id="{1877FF4B-C4D2-43A6-8CF1-54F59D63A2DB}"/>
-              </a:ext>
-            </a:extLst>
-          </p:cNvPr>
-          <p:cNvSpPr/>
-          <p:nvPr/>
-        </p:nvSpPr>
-        <p:spPr>
-          <a:xfrm>
-            <a:off x="712379" y="1138920"/>
-            <a:ext cx="1728000" cy="576000"/>
-          </a:xfrm>
-          <a:prstGeom prst="roundRect">
-            <a:avLst/>
-          </a:prstGeom>
-          <a:solidFill>
-            <a:schemeClr val="bg1">
-              <a:lumMod val="95000"/>
-            </a:schemeClr>
-          </a:solidFill>
-          <a:ln>
-            <a:solidFill>
-              <a:schemeClr val="tx1"/>
-            </a:solidFill>
-          </a:ln>
-        </p:spPr>
-        <p:style>
-          <a:lnRef idx="2">
-            <a:schemeClr val="accent1">
-              <a:shade val="50000"/>
-            </a:schemeClr>
-          </a:lnRef>
-          <a:fillRef idx="1">
-            <a:schemeClr val="accent1"/>
-          </a:fillRef>
-          <a:effectRef idx="0">
-            <a:schemeClr val="accent1"/>
-          </a:effectRef>
-          <a:fontRef idx="minor">
-            <a:schemeClr val="lt1"/>
-          </a:fontRef>
-        </p:style>
-        <p:txBody>
-          <a:bodyPr wrap="none" lIns="36000" tIns="36000" rIns="36000" bIns="36000" rtlCol="0" anchor="ctr" anchorCtr="0"/>
-          <a:lstStyle/>
-          <a:p>
-            <a:pPr algn="ctr"/>
-            <a:r>
-              <a:rPr lang="zh-CN" altLang="en-US" sz="1600" b="1">
-                <a:solidFill>
-                  <a:schemeClr val="tx1"/>
-                </a:solidFill>
-                <a:latin typeface="微软雅黑" panose="020B0503020204020204" pitchFamily="34" charset="-122"/>
-                <a:ea typeface="微软雅黑" panose="020B0503020204020204" pitchFamily="34" charset="-122"/>
-              </a:rPr>
-              <a:t>角色表</a:t>
-            </a:r>
-            <a:endParaRPr lang="en-US" altLang="zh-CN" sz="1600" b="1">
-              <a:solidFill>
-                <a:schemeClr val="tx1"/>
-              </a:solidFill>
-              <a:latin typeface="微软雅黑" panose="020B0503020204020204" pitchFamily="34" charset="-122"/>
-              <a:ea typeface="微软雅黑" panose="020B0503020204020204" pitchFamily="34" charset="-122"/>
-            </a:endParaRPr>
-          </a:p>
-          <a:p>
-            <a:pPr algn="ctr"/>
-            <a:r>
-              <a:rPr lang="en-US" altLang="zh-CN" sz="1600" b="1">
-                <a:solidFill>
-                  <a:schemeClr val="tx1"/>
-                </a:solidFill>
-                <a:latin typeface="微软雅黑" panose="020B0503020204020204" pitchFamily="34" charset="-122"/>
-                <a:ea typeface="微软雅黑" panose="020B0503020204020204" pitchFamily="34" charset="-122"/>
-              </a:rPr>
-              <a:t>role</a:t>
-            </a:r>
-            <a:endParaRPr lang="zh-CN" altLang="en-US" sz="1600" b="1">
-              <a:solidFill>
-                <a:schemeClr val="tx1"/>
-              </a:solidFill>
-              <a:latin typeface="微软雅黑" panose="020B0503020204020204" pitchFamily="34" charset="-122"/>
-              <a:ea typeface="微软雅黑" panose="020B0503020204020204" pitchFamily="34" charset="-122"/>
-            </a:endParaRPr>
-          </a:p>
-        </p:txBody>
-      </p:sp>
-      <p:sp>
-        <p:nvSpPr>
-          <p:cNvPr id="12" name="矩形: 圆角 11">
-            <a:extLst>
-              <a:ext uri="{FF2B5EF4-FFF2-40B4-BE49-F238E27FC236}">
-                <a16:creationId xmlns:a16="http://schemas.microsoft.com/office/drawing/2014/main" id="{82B960E9-1ADE-4BE7-98C4-027567DD6A10}"/>
-              </a:ext>
-            </a:extLst>
-          </p:cNvPr>
-          <p:cNvSpPr/>
-          <p:nvPr/>
-        </p:nvSpPr>
-        <p:spPr>
-          <a:xfrm>
-            <a:off x="712378" y="1709126"/>
+            <a:off x="712379" y="2110342"/>
             <a:ext cx="5052733" cy="501222"/>
           </a:xfrm>
           <a:prstGeom prst="roundRect">
@@ -9985,7 +7729,7 @@
         </p:nvSpPr>
         <p:spPr>
           <a:xfrm>
-            <a:off x="557652" y="1183344"/>
+            <a:off x="712379" y="1603221"/>
             <a:ext cx="1728000" cy="576295"/>
           </a:xfrm>
           <a:prstGeom prst="roundRect">
@@ -10077,7 +7821,7 @@
         </p:nvSpPr>
         <p:spPr>
           <a:xfrm>
-            <a:off x="557652" y="1759640"/>
+            <a:off x="712379" y="2179517"/>
             <a:ext cx="1728000" cy="646210"/>
           </a:xfrm>
           <a:prstGeom prst="roundRect">
@@ -11383,7 +9127,7 @@
         </p:nvSpPr>
         <p:spPr>
           <a:xfrm>
-            <a:off x="557652" y="1425218"/>
+            <a:off x="712379" y="1425218"/>
             <a:ext cx="1728000" cy="576295"/>
           </a:xfrm>
           <a:prstGeom prst="roundRect">
@@ -11475,8 +9219,8 @@
         </p:nvSpPr>
         <p:spPr>
           <a:xfrm>
-            <a:off x="557652" y="2001512"/>
-            <a:ext cx="1728000" cy="1061728"/>
+            <a:off x="712379" y="2001511"/>
+            <a:ext cx="1728000" cy="1338847"/>
           </a:xfrm>
           <a:prstGeom prst="roundRect">
             <a:avLst>
@@ -11610,6 +9354,25 @@
               </a:rPr>
               <a:t>hash</a:t>
             </a:r>
+          </a:p>
+          <a:p>
+            <a:r>
+              <a:rPr lang="zh-CN" altLang="en-US" sz="1200" b="1">
+                <a:solidFill>
+                  <a:schemeClr val="tx1"/>
+                </a:solidFill>
+                <a:latin typeface="微软雅黑" panose="020B0503020204020204" pitchFamily="34" charset="-122"/>
+                <a:ea typeface="微软雅黑" panose="020B0503020204020204" pitchFamily="34" charset="-122"/>
+              </a:rPr>
+              <a:t>批准标记</a:t>
+            </a:r>
+            <a:endParaRPr lang="en-US" altLang="zh-CN" sz="1200" b="1">
+              <a:solidFill>
+                <a:schemeClr val="tx1"/>
+              </a:solidFill>
+              <a:latin typeface="微软雅黑" panose="020B0503020204020204" pitchFamily="34" charset="-122"/>
+              <a:ea typeface="微软雅黑" panose="020B0503020204020204" pitchFamily="34" charset="-122"/>
+            </a:endParaRPr>
           </a:p>
         </p:txBody>
       </p:sp>
@@ -11796,7 +9559,7 @@
         </p:nvSpPr>
         <p:spPr>
           <a:xfrm>
-            <a:off x="557652" y="1425218"/>
+            <a:off x="712379" y="1565177"/>
             <a:ext cx="1728000" cy="576295"/>
           </a:xfrm>
           <a:prstGeom prst="roundRect">
@@ -11888,7 +9651,7 @@
         </p:nvSpPr>
         <p:spPr>
           <a:xfrm>
-            <a:off x="557652" y="2001512"/>
+            <a:off x="712379" y="2141471"/>
             <a:ext cx="1728000" cy="840748"/>
           </a:xfrm>
           <a:prstGeom prst="roundRect">
@@ -11988,16 +9751,6 @@
           </a:p>
           <a:p>
             <a:r>
-              <a:rPr lang="en-US" altLang="zh-CN" sz="1200" b="1">
-                <a:solidFill>
-                  <a:schemeClr val="tx1"/>
-                </a:solidFill>
-                <a:latin typeface="微软雅黑" panose="020B0503020204020204" pitchFamily="34" charset="-122"/>
-                <a:ea typeface="微软雅黑" panose="020B0503020204020204" pitchFamily="34" charset="-122"/>
-              </a:rPr>
-              <a:t>…</a:t>
-            </a:r>
-            <a:r>
               <a:rPr lang="zh-CN" altLang="en-US" sz="1200" b="1">
                 <a:solidFill>
                   <a:schemeClr val="tx1"/>
@@ -12005,18 +9758,15 @@
                 <a:latin typeface="微软雅黑" panose="020B0503020204020204" pitchFamily="34" charset="-122"/>
                 <a:ea typeface="微软雅黑" panose="020B0503020204020204" pitchFamily="34" charset="-122"/>
               </a:rPr>
-              <a:t> </a:t>
-            </a:r>
-            <a:r>
-              <a:rPr lang="en-US" altLang="zh-CN" sz="1200" b="1">
-                <a:solidFill>
-                  <a:schemeClr val="tx1"/>
-                </a:solidFill>
-                <a:latin typeface="微软雅黑" panose="020B0503020204020204" pitchFamily="34" charset="-122"/>
-                <a:ea typeface="微软雅黑" panose="020B0503020204020204" pitchFamily="34" charset="-122"/>
-              </a:rPr>
-              <a:t>…</a:t>
-            </a:r>
+              <a:t>批准标记</a:t>
+            </a:r>
+            <a:endParaRPr lang="en-US" altLang="zh-CN" sz="1200" b="1">
+              <a:solidFill>
+                <a:schemeClr val="tx1"/>
+              </a:solidFill>
+              <a:latin typeface="微软雅黑" panose="020B0503020204020204" pitchFamily="34" charset="-122"/>
+              <a:ea typeface="微软雅黑" panose="020B0503020204020204" pitchFamily="34" charset="-122"/>
+            </a:endParaRPr>
           </a:p>
         </p:txBody>
       </p:sp>
@@ -12050,284 +9800,6 @@
           <a:chExt cx="0" cy="0"/>
         </a:xfrm>
       </p:grpSpPr>
-      <p:sp>
-        <p:nvSpPr>
-          <p:cNvPr id="108" name="矩形: 圆角 107">
-            <a:extLst>
-              <a:ext uri="{FF2B5EF4-FFF2-40B4-BE49-F238E27FC236}">
-                <a16:creationId xmlns:a16="http://schemas.microsoft.com/office/drawing/2014/main" id="{06D3BDB6-8CD9-4D0D-86D3-F419524EEC47}"/>
-              </a:ext>
-            </a:extLst>
-          </p:cNvPr>
-          <p:cNvSpPr/>
-          <p:nvPr/>
-        </p:nvSpPr>
-        <p:spPr>
-          <a:xfrm>
-            <a:off x="590550" y="1388848"/>
-            <a:ext cx="2528570" cy="1620000"/>
-          </a:xfrm>
-          <a:prstGeom prst="roundRect">
-            <a:avLst>
-              <a:gd name="adj" fmla="val 5494"/>
-            </a:avLst>
-          </a:prstGeom>
-          <a:noFill/>
-          <a:ln>
-            <a:solidFill>
-              <a:schemeClr val="tx2"/>
-            </a:solidFill>
-            <a:prstDash val="dash"/>
-          </a:ln>
-        </p:spPr>
-        <p:style>
-          <a:lnRef idx="2">
-            <a:schemeClr val="accent1">
-              <a:shade val="50000"/>
-            </a:schemeClr>
-          </a:lnRef>
-          <a:fillRef idx="1">
-            <a:schemeClr val="accent1"/>
-          </a:fillRef>
-          <a:effectRef idx="0">
-            <a:schemeClr val="accent1"/>
-          </a:effectRef>
-          <a:fontRef idx="minor">
-            <a:schemeClr val="lt1"/>
-          </a:fontRef>
-        </p:style>
-        <p:txBody>
-          <a:bodyPr rtlCol="0" anchor="ctr"/>
-          <a:lstStyle/>
-          <a:p>
-            <a:pPr algn="ctr"/>
-            <a:endParaRPr lang="zh-CN" altLang="en-US" sz="1600">
-              <a:latin typeface="微软雅黑" panose="020B0503020204020204" pitchFamily="34" charset="-122"/>
-              <a:ea typeface="微软雅黑" panose="020B0503020204020204" pitchFamily="34" charset="-122"/>
-            </a:endParaRPr>
-          </a:p>
-        </p:txBody>
-      </p:sp>
-      <p:grpSp>
-        <p:nvGrpSpPr>
-          <p:cNvPr id="7" name="组合 6">
-            <a:extLst>
-              <a:ext uri="{FF2B5EF4-FFF2-40B4-BE49-F238E27FC236}">
-                <a16:creationId xmlns:a16="http://schemas.microsoft.com/office/drawing/2014/main" id="{349E3B73-73BE-4D56-A0AD-4BB8E60670E7}"/>
-              </a:ext>
-            </a:extLst>
-          </p:cNvPr>
-          <p:cNvGrpSpPr/>
-          <p:nvPr/>
-        </p:nvGrpSpPr>
-        <p:grpSpPr>
-          <a:xfrm>
-            <a:off x="689021" y="1540621"/>
-            <a:ext cx="2297156" cy="1339772"/>
-            <a:chOff x="3906523" y="2210127"/>
-            <a:chExt cx="2071764" cy="1339772"/>
-          </a:xfrm>
-        </p:grpSpPr>
-        <p:sp>
-          <p:nvSpPr>
-            <p:cNvPr id="61" name="矩形: 圆角 60">
-              <a:extLst>
-                <a:ext uri="{FF2B5EF4-FFF2-40B4-BE49-F238E27FC236}">
-                  <a16:creationId xmlns:a16="http://schemas.microsoft.com/office/drawing/2014/main" id="{E3777F73-EAAB-43DE-8A90-6B6D895B1B1F}"/>
-                </a:ext>
-              </a:extLst>
-            </p:cNvPr>
-            <p:cNvSpPr/>
-            <p:nvPr/>
-          </p:nvSpPr>
-          <p:spPr>
-            <a:xfrm>
-              <a:off x="4330405" y="2210127"/>
-              <a:ext cx="1224000" cy="540000"/>
-            </a:xfrm>
-            <a:prstGeom prst="roundRect">
-              <a:avLst/>
-            </a:prstGeom>
-            <a:solidFill>
-              <a:srgbClr val="00B0F0"/>
-            </a:solidFill>
-            <a:ln>
-              <a:solidFill>
-                <a:schemeClr val="tx1"/>
-              </a:solidFill>
-            </a:ln>
-          </p:spPr>
-          <p:style>
-            <a:lnRef idx="2">
-              <a:schemeClr val="accent1">
-                <a:shade val="50000"/>
-              </a:schemeClr>
-            </a:lnRef>
-            <a:fillRef idx="1">
-              <a:schemeClr val="accent1"/>
-            </a:fillRef>
-            <a:effectRef idx="0">
-              <a:schemeClr val="accent1"/>
-            </a:effectRef>
-            <a:fontRef idx="minor">
-              <a:schemeClr val="lt1"/>
-            </a:fontRef>
-          </p:style>
-          <p:txBody>
-            <a:bodyPr wrap="none" lIns="36000" tIns="36000" rIns="36000" bIns="36000" rtlCol="0" anchor="ctr" anchorCtr="0"/>
-            <a:lstStyle/>
-            <a:p>
-              <a:pPr algn="ctr"/>
-              <a:r>
-                <a:rPr lang="zh-CN" altLang="en-US" sz="1600" b="1">
-                  <a:solidFill>
-                    <a:schemeClr val="tx1"/>
-                  </a:solidFill>
-                  <a:latin typeface="微软雅黑" panose="020B0503020204020204" pitchFamily="34" charset="-122"/>
-                  <a:ea typeface="微软雅黑" panose="020B0503020204020204" pitchFamily="34" charset="-122"/>
-                </a:rPr>
-                <a:t>用户</a:t>
-              </a:r>
-            </a:p>
-          </p:txBody>
-        </p:sp>
-        <p:sp>
-          <p:nvSpPr>
-            <p:cNvPr id="101" name="矩形: 圆角 100">
-              <a:extLst>
-                <a:ext uri="{FF2B5EF4-FFF2-40B4-BE49-F238E27FC236}">
-                  <a16:creationId xmlns:a16="http://schemas.microsoft.com/office/drawing/2014/main" id="{2FD8AFDB-B92D-4C27-ABEC-799C66831DBB}"/>
-                </a:ext>
-              </a:extLst>
-            </p:cNvPr>
-            <p:cNvSpPr/>
-            <p:nvPr/>
-          </p:nvSpPr>
-          <p:spPr>
-            <a:xfrm>
-              <a:off x="3906523" y="2901899"/>
-              <a:ext cx="2071764" cy="648000"/>
-            </a:xfrm>
-            <a:prstGeom prst="roundRect">
-              <a:avLst/>
-            </a:prstGeom>
-            <a:solidFill>
-              <a:srgbClr val="00B050"/>
-            </a:solidFill>
-            <a:ln>
-              <a:solidFill>
-                <a:schemeClr val="tx1"/>
-              </a:solidFill>
-            </a:ln>
-          </p:spPr>
-          <p:style>
-            <a:lnRef idx="2">
-              <a:schemeClr val="accent1">
-                <a:shade val="50000"/>
-              </a:schemeClr>
-            </a:lnRef>
-            <a:fillRef idx="1">
-              <a:schemeClr val="accent1"/>
-            </a:fillRef>
-            <a:effectRef idx="0">
-              <a:schemeClr val="accent1"/>
-            </a:effectRef>
-            <a:fontRef idx="minor">
-              <a:schemeClr val="lt1"/>
-            </a:fontRef>
-          </p:style>
-          <p:txBody>
-            <a:bodyPr wrap="none" lIns="36000" tIns="36000" rIns="36000" bIns="36000" rtlCol="0" anchor="ctr" anchorCtr="0"/>
-            <a:lstStyle/>
-            <a:p>
-              <a:pPr algn="ctr"/>
-              <a:r>
-                <a:rPr lang="zh-CN" altLang="en-US" sz="1600" b="1">
-                  <a:solidFill>
-                    <a:schemeClr val="tx1"/>
-                  </a:solidFill>
-                  <a:latin typeface="微软雅黑" panose="020B0503020204020204" pitchFamily="34" charset="-122"/>
-                  <a:ea typeface="微软雅黑" panose="020B0503020204020204" pitchFamily="34" charset="-122"/>
-                </a:rPr>
-                <a:t>查看商品列表</a:t>
-              </a:r>
-              <a:endParaRPr lang="en-US" altLang="zh-CN" sz="1600" b="1">
-                <a:solidFill>
-                  <a:schemeClr val="tx1"/>
-                </a:solidFill>
-                <a:latin typeface="微软雅黑" panose="020B0503020204020204" pitchFamily="34" charset="-122"/>
-                <a:ea typeface="微软雅黑" panose="020B0503020204020204" pitchFamily="34" charset="-122"/>
-              </a:endParaRPr>
-            </a:p>
-            <a:p>
-              <a:pPr algn="ctr"/>
-              <a:r>
-                <a:rPr lang="en-US" altLang="zh-CN" sz="1600" b="1">
-                  <a:solidFill>
-                    <a:schemeClr val="tx1"/>
-                  </a:solidFill>
-                  <a:latin typeface="微软雅黑" panose="020B0503020204020204" pitchFamily="34" charset="-122"/>
-                  <a:ea typeface="微软雅黑" panose="020B0503020204020204" pitchFamily="34" charset="-122"/>
-                </a:rPr>
-                <a:t>list_platform_goods</a:t>
-              </a:r>
-              <a:endParaRPr lang="zh-CN" altLang="en-US" sz="1600" b="1">
-                <a:solidFill>
-                  <a:schemeClr val="tx1"/>
-                </a:solidFill>
-                <a:latin typeface="微软雅黑" panose="020B0503020204020204" pitchFamily="34" charset="-122"/>
-                <a:ea typeface="微软雅黑" panose="020B0503020204020204" pitchFamily="34" charset="-122"/>
-              </a:endParaRPr>
-            </a:p>
-          </p:txBody>
-        </p:sp>
-      </p:grpSp>
-      <p:cxnSp>
-        <p:nvCxnSpPr>
-          <p:cNvPr id="112" name="直接箭头连接符 111">
-            <a:extLst>
-              <a:ext uri="{FF2B5EF4-FFF2-40B4-BE49-F238E27FC236}">
-                <a16:creationId xmlns:a16="http://schemas.microsoft.com/office/drawing/2014/main" id="{769CDA3F-50AD-4BDB-9B81-EAEAFEAC2A92}"/>
-              </a:ext>
-            </a:extLst>
-          </p:cNvPr>
-          <p:cNvCxnSpPr>
-            <a:cxnSpLocks/>
-            <a:stCxn id="108" idx="3"/>
-            <a:endCxn id="41" idx="1"/>
-          </p:cNvCxnSpPr>
-          <p:nvPr/>
-        </p:nvCxnSpPr>
-        <p:spPr>
-          <a:xfrm>
-            <a:off x="3119120" y="2198848"/>
-            <a:ext cx="1180190" cy="0"/>
-          </a:xfrm>
-          <a:prstGeom prst="straightConnector1">
-            <a:avLst/>
-          </a:prstGeom>
-          <a:ln w="57150">
-            <a:solidFill>
-              <a:srgbClr val="FFC000"/>
-            </a:solidFill>
-            <a:tailEnd type="triangle"/>
-          </a:ln>
-        </p:spPr>
-        <p:style>
-          <a:lnRef idx="1">
-            <a:schemeClr val="accent1"/>
-          </a:lnRef>
-          <a:fillRef idx="0">
-            <a:schemeClr val="accent1"/>
-          </a:fillRef>
-          <a:effectRef idx="0">
-            <a:schemeClr val="accent1"/>
-          </a:effectRef>
-          <a:fontRef idx="minor">
-            <a:schemeClr val="tx1"/>
-          </a:fontRef>
-        </p:style>
-      </p:cxnSp>
       <p:cxnSp>
         <p:nvCxnSpPr>
           <p:cNvPr id="239" name="直接连接符 238">
@@ -12344,7 +9816,7 @@
         </p:nvCxnSpPr>
         <p:spPr>
           <a:xfrm flipH="1">
-            <a:off x="433388" y="866051"/>
+            <a:off x="433388" y="1006728"/>
             <a:ext cx="11325225" cy="1"/>
           </a:xfrm>
           <a:prstGeom prst="line">
@@ -12444,7 +9916,7 @@
         <p:spPr>
           <a:xfrm>
             <a:off x="712379" y="173975"/>
-            <a:ext cx="3467616" cy="584775"/>
+            <a:ext cx="3057247" cy="584775"/>
           </a:xfrm>
           <a:prstGeom prst="rect">
             <a:avLst/>
@@ -12462,316 +9934,17 @@
                 <a:latin typeface="Consolas" panose="020B0609020204030204" pitchFamily="49" charset="0"/>
                 <a:ea typeface="微软雅黑" panose="020B0503020204020204" pitchFamily="34" charset="-122"/>
               </a:rPr>
-              <a:t>用户购买平台商品</a:t>
-            </a:r>
-          </a:p>
-        </p:txBody>
-      </p:sp>
-      <p:grpSp>
-        <p:nvGrpSpPr>
-          <p:cNvPr id="39" name="组合 38">
-            <a:extLst>
-              <a:ext uri="{FF2B5EF4-FFF2-40B4-BE49-F238E27FC236}">
-                <a16:creationId xmlns:a16="http://schemas.microsoft.com/office/drawing/2014/main" id="{9AB26556-475F-4211-BE3F-1C3D107794D2}"/>
-              </a:ext>
-            </a:extLst>
-          </p:cNvPr>
-          <p:cNvGrpSpPr/>
-          <p:nvPr/>
-        </p:nvGrpSpPr>
-        <p:grpSpPr>
-          <a:xfrm>
-            <a:off x="4299310" y="1388848"/>
-            <a:ext cx="2619649" cy="1620000"/>
-            <a:chOff x="6354718" y="2036282"/>
-            <a:chExt cx="2214000" cy="1620000"/>
-          </a:xfrm>
-        </p:grpSpPr>
-        <p:grpSp>
-          <p:nvGrpSpPr>
-            <p:cNvPr id="40" name="组合 39">
-              <a:extLst>
-                <a:ext uri="{FF2B5EF4-FFF2-40B4-BE49-F238E27FC236}">
-                  <a16:creationId xmlns:a16="http://schemas.microsoft.com/office/drawing/2014/main" id="{C2822772-3F3E-496B-A2BE-84B52ECDCDFE}"/>
-                </a:ext>
-              </a:extLst>
-            </p:cNvPr>
-            <p:cNvGrpSpPr/>
-            <p:nvPr/>
-          </p:nvGrpSpPr>
-          <p:grpSpPr>
-            <a:xfrm>
-              <a:off x="6453718" y="2166468"/>
-              <a:ext cx="2016000" cy="1359628"/>
-              <a:chOff x="6453718" y="2190271"/>
-              <a:chExt cx="2016000" cy="1359628"/>
-            </a:xfrm>
-          </p:grpSpPr>
-          <p:sp>
-            <p:nvSpPr>
-              <p:cNvPr id="42" name="矩形: 圆角 41">
-                <a:extLst>
-                  <a:ext uri="{FF2B5EF4-FFF2-40B4-BE49-F238E27FC236}">
-                    <a16:creationId xmlns:a16="http://schemas.microsoft.com/office/drawing/2014/main" id="{72E3ADA6-A1D7-4020-A2AA-532AFDCEC56C}"/>
-                  </a:ext>
-                </a:extLst>
-              </p:cNvPr>
-              <p:cNvSpPr/>
-              <p:nvPr/>
-            </p:nvSpPr>
-            <p:spPr>
-              <a:xfrm>
-                <a:off x="6849718" y="2190271"/>
-                <a:ext cx="1224000" cy="540000"/>
-              </a:xfrm>
-              <a:prstGeom prst="roundRect">
-                <a:avLst/>
-              </a:prstGeom>
-              <a:solidFill>
-                <a:srgbClr val="00B0F0"/>
-              </a:solidFill>
-              <a:ln>
-                <a:solidFill>
-                  <a:schemeClr val="tx1"/>
-                </a:solidFill>
-              </a:ln>
-            </p:spPr>
-            <p:style>
-              <a:lnRef idx="2">
-                <a:schemeClr val="accent1">
-                  <a:shade val="50000"/>
-                </a:schemeClr>
-              </a:lnRef>
-              <a:fillRef idx="1">
-                <a:schemeClr val="accent1"/>
-              </a:fillRef>
-              <a:effectRef idx="0">
-                <a:schemeClr val="accent1"/>
-              </a:effectRef>
-              <a:fontRef idx="minor">
-                <a:schemeClr val="lt1"/>
-              </a:fontRef>
-            </p:style>
-            <p:txBody>
-              <a:bodyPr wrap="none" lIns="36000" tIns="36000" rIns="36000" bIns="36000" rtlCol="0" anchor="ctr" anchorCtr="0"/>
-              <a:lstStyle/>
-              <a:p>
-                <a:pPr algn="ctr"/>
-                <a:r>
-                  <a:rPr lang="zh-CN" altLang="en-US" sz="1600" b="1">
-                    <a:solidFill>
-                      <a:schemeClr val="tx1"/>
-                    </a:solidFill>
-                    <a:latin typeface="微软雅黑" panose="020B0503020204020204" pitchFamily="34" charset="-122"/>
-                    <a:ea typeface="微软雅黑" panose="020B0503020204020204" pitchFamily="34" charset="-122"/>
-                  </a:rPr>
-                  <a:t>用户</a:t>
-                </a:r>
-              </a:p>
-            </p:txBody>
-          </p:sp>
-          <p:sp>
-            <p:nvSpPr>
-              <p:cNvPr id="43" name="矩形: 圆角 42">
-                <a:extLst>
-                  <a:ext uri="{FF2B5EF4-FFF2-40B4-BE49-F238E27FC236}">
-                    <a16:creationId xmlns:a16="http://schemas.microsoft.com/office/drawing/2014/main" id="{AF78721D-EB12-43C3-8382-22A430D952EC}"/>
-                  </a:ext>
-                </a:extLst>
-              </p:cNvPr>
-              <p:cNvSpPr/>
-              <p:nvPr/>
-            </p:nvSpPr>
-            <p:spPr>
-              <a:xfrm>
-                <a:off x="6453718" y="2901899"/>
-                <a:ext cx="2016000" cy="648000"/>
-              </a:xfrm>
-              <a:prstGeom prst="roundRect">
-                <a:avLst/>
-              </a:prstGeom>
-              <a:solidFill>
-                <a:srgbClr val="00B050"/>
-              </a:solidFill>
-              <a:ln>
-                <a:solidFill>
-                  <a:schemeClr val="tx1"/>
-                </a:solidFill>
-              </a:ln>
-            </p:spPr>
-            <p:style>
-              <a:lnRef idx="2">
-                <a:schemeClr val="accent1">
-                  <a:shade val="50000"/>
-                </a:schemeClr>
-              </a:lnRef>
-              <a:fillRef idx="1">
-                <a:schemeClr val="accent1"/>
-              </a:fillRef>
-              <a:effectRef idx="0">
-                <a:schemeClr val="accent1"/>
-              </a:effectRef>
-              <a:fontRef idx="minor">
-                <a:schemeClr val="lt1"/>
-              </a:fontRef>
-            </p:style>
-            <p:txBody>
-              <a:bodyPr wrap="none" lIns="36000" tIns="36000" rIns="36000" bIns="36000" rtlCol="0" anchor="ctr" anchorCtr="0"/>
-              <a:lstStyle/>
-              <a:p>
-                <a:pPr algn="ctr"/>
-                <a:r>
-                  <a:rPr lang="zh-CN" altLang="en-US" sz="1600" b="1">
-                    <a:solidFill>
-                      <a:schemeClr val="tx1"/>
-                    </a:solidFill>
-                    <a:latin typeface="微软雅黑" panose="020B0503020204020204" pitchFamily="34" charset="-122"/>
-                    <a:ea typeface="微软雅黑" panose="020B0503020204020204" pitchFamily="34" charset="-122"/>
-                  </a:rPr>
-                  <a:t>购买商品</a:t>
-                </a:r>
-                <a:endParaRPr lang="en-US" altLang="zh-CN" sz="1600" b="1">
-                  <a:solidFill>
-                    <a:schemeClr val="tx1"/>
-                  </a:solidFill>
-                  <a:latin typeface="微软雅黑" panose="020B0503020204020204" pitchFamily="34" charset="-122"/>
-                  <a:ea typeface="微软雅黑" panose="020B0503020204020204" pitchFamily="34" charset="-122"/>
-                </a:endParaRPr>
-              </a:p>
-              <a:p>
-                <a:pPr algn="ctr"/>
-                <a:r>
-                  <a:rPr lang="en-US" altLang="zh-CN" sz="1600" b="1">
-                    <a:solidFill>
-                      <a:schemeClr val="tx1"/>
-                    </a:solidFill>
-                    <a:latin typeface="微软雅黑" panose="020B0503020204020204" pitchFamily="34" charset="-122"/>
-                    <a:ea typeface="微软雅黑" panose="020B0503020204020204" pitchFamily="34" charset="-122"/>
-                  </a:rPr>
-                  <a:t>buy_platform_goods</a:t>
-                </a:r>
-                <a:endParaRPr lang="zh-CN" altLang="en-US" sz="1600" b="1">
-                  <a:solidFill>
-                    <a:schemeClr val="tx1"/>
-                  </a:solidFill>
-                  <a:latin typeface="微软雅黑" panose="020B0503020204020204" pitchFamily="34" charset="-122"/>
-                  <a:ea typeface="微软雅黑" panose="020B0503020204020204" pitchFamily="34" charset="-122"/>
-                </a:endParaRPr>
-              </a:p>
-            </p:txBody>
-          </p:sp>
-        </p:grpSp>
-        <p:sp>
-          <p:nvSpPr>
-            <p:cNvPr id="41" name="矩形: 圆角 40">
-              <a:extLst>
-                <a:ext uri="{FF2B5EF4-FFF2-40B4-BE49-F238E27FC236}">
-                  <a16:creationId xmlns:a16="http://schemas.microsoft.com/office/drawing/2014/main" id="{D24487D4-553C-4441-B83E-398D4190BCF1}"/>
-                </a:ext>
-              </a:extLst>
-            </p:cNvPr>
-            <p:cNvSpPr/>
-            <p:nvPr/>
-          </p:nvSpPr>
-          <p:spPr>
-            <a:xfrm>
-              <a:off x="6354718" y="2036282"/>
-              <a:ext cx="2214000" cy="1620000"/>
-            </a:xfrm>
-            <a:prstGeom prst="roundRect">
-              <a:avLst>
-                <a:gd name="adj" fmla="val 5494"/>
-              </a:avLst>
-            </a:prstGeom>
-            <a:noFill/>
-            <a:ln>
-              <a:solidFill>
-                <a:schemeClr val="tx2"/>
-              </a:solidFill>
-              <a:prstDash val="dash"/>
-            </a:ln>
-          </p:spPr>
-          <p:style>
-            <a:lnRef idx="2">
-              <a:schemeClr val="accent1">
-                <a:shade val="50000"/>
-              </a:schemeClr>
-            </a:lnRef>
-            <a:fillRef idx="1">
-              <a:schemeClr val="accent1"/>
-            </a:fillRef>
-            <a:effectRef idx="0">
-              <a:schemeClr val="accent1"/>
-            </a:effectRef>
-            <a:fontRef idx="minor">
-              <a:schemeClr val="lt1"/>
-            </a:fontRef>
-          </p:style>
-          <p:txBody>
-            <a:bodyPr rtlCol="0" anchor="ctr"/>
-            <a:lstStyle/>
-            <a:p>
-              <a:pPr algn="ctr"/>
-              <a:endParaRPr lang="zh-CN" altLang="en-US" sz="1600">
-                <a:latin typeface="微软雅黑" panose="020B0503020204020204" pitchFamily="34" charset="-122"/>
-                <a:ea typeface="微软雅黑" panose="020B0503020204020204" pitchFamily="34" charset="-122"/>
-              </a:endParaRPr>
-            </a:p>
-          </p:txBody>
-        </p:sp>
-      </p:grpSp>
-      <p:cxnSp>
-        <p:nvCxnSpPr>
-          <p:cNvPr id="34" name="直接箭头连接符 33">
-            <a:extLst>
-              <a:ext uri="{FF2B5EF4-FFF2-40B4-BE49-F238E27FC236}">
-                <a16:creationId xmlns:a16="http://schemas.microsoft.com/office/drawing/2014/main" id="{04A35C32-DA37-4EB7-A556-6952BCC806F0}"/>
-              </a:ext>
-            </a:extLst>
-          </p:cNvPr>
-          <p:cNvCxnSpPr>
-            <a:cxnSpLocks/>
-            <a:stCxn id="41" idx="3"/>
-            <a:endCxn id="35" idx="1"/>
-          </p:cNvCxnSpPr>
-          <p:nvPr/>
-        </p:nvCxnSpPr>
-        <p:spPr>
-          <a:xfrm>
-            <a:off x="6918959" y="2198848"/>
-            <a:ext cx="1654848" cy="374661"/>
-          </a:xfrm>
-          <a:prstGeom prst="straightConnector1">
-            <a:avLst/>
-          </a:prstGeom>
-          <a:ln w="57150">
-            <a:solidFill>
-              <a:srgbClr val="FFC000"/>
-            </a:solidFill>
-            <a:tailEnd type="triangle"/>
-          </a:ln>
-        </p:spPr>
-        <p:style>
-          <a:lnRef idx="1">
-            <a:schemeClr val="accent1"/>
-          </a:lnRef>
-          <a:fillRef idx="0">
-            <a:schemeClr val="accent1"/>
-          </a:fillRef>
-          <a:effectRef idx="0">
-            <a:schemeClr val="accent1"/>
-          </a:effectRef>
-          <a:fontRef idx="minor">
-            <a:schemeClr val="tx1"/>
-          </a:fontRef>
-        </p:style>
-      </p:cxnSp>
-      <p:sp>
-        <p:nvSpPr>
-          <p:cNvPr id="35" name="矩形: 圆角 34">
-            <a:extLst>
-              <a:ext uri="{FF2B5EF4-FFF2-40B4-BE49-F238E27FC236}">
-                <a16:creationId xmlns:a16="http://schemas.microsoft.com/office/drawing/2014/main" id="{4F499228-7684-41C5-9D8A-AF8960D92B69}"/>
+              <a:t>寺院法师表结构</a:t>
+            </a:r>
+          </a:p>
+        </p:txBody>
+      </p:sp>
+      <p:sp>
+        <p:nvSpPr>
+          <p:cNvPr id="7" name="矩形: 圆角 6">
+            <a:extLst>
+              <a:ext uri="{FF2B5EF4-FFF2-40B4-BE49-F238E27FC236}">
+                <a16:creationId xmlns:a16="http://schemas.microsoft.com/office/drawing/2014/main" id="{1FBF0CD9-7547-4C5D-94A3-CC6A7C0EF46C}"/>
               </a:ext>
             </a:extLst>
           </p:cNvPr>
@@ -12780,8 +9953,8 @@
         </p:nvSpPr>
         <p:spPr>
           <a:xfrm>
-            <a:off x="8573807" y="2375509"/>
-            <a:ext cx="1728000" cy="396000"/>
+            <a:off x="712379" y="1565177"/>
+            <a:ext cx="1728000" cy="576295"/>
           </a:xfrm>
           <a:prstGeom prst="roundRect">
             <a:avLst/>
@@ -12826,63 +9999,44 @@
                 <a:latin typeface="微软雅黑" panose="020B0503020204020204" pitchFamily="34" charset="-122"/>
                 <a:ea typeface="微软雅黑" panose="020B0503020204020204" pitchFamily="34" charset="-122"/>
               </a:rPr>
-              <a:t>用户当前资产表</a:t>
-            </a:r>
-          </a:p>
-        </p:txBody>
-      </p:sp>
-      <p:cxnSp>
-        <p:nvCxnSpPr>
-          <p:cNvPr id="37" name="直接箭头连接符 36">
-            <a:extLst>
-              <a:ext uri="{FF2B5EF4-FFF2-40B4-BE49-F238E27FC236}">
-                <a16:creationId xmlns:a16="http://schemas.microsoft.com/office/drawing/2014/main" id="{09768FC4-939C-4617-9AC3-78B6BFF6246A}"/>
-              </a:ext>
-            </a:extLst>
-          </p:cNvPr>
-          <p:cNvCxnSpPr>
-            <a:cxnSpLocks/>
-            <a:stCxn id="41" idx="3"/>
-            <a:endCxn id="38" idx="1"/>
-          </p:cNvCxnSpPr>
-          <p:nvPr/>
-        </p:nvCxnSpPr>
-        <p:spPr>
-          <a:xfrm flipV="1">
-            <a:off x="6918959" y="1951448"/>
-            <a:ext cx="1654848" cy="247400"/>
-          </a:xfrm>
-          <a:prstGeom prst="straightConnector1">
-            <a:avLst/>
-          </a:prstGeom>
-          <a:ln w="57150">
-            <a:solidFill>
-              <a:srgbClr val="FFC000"/>
-            </a:solidFill>
-            <a:tailEnd type="triangle"/>
-          </a:ln>
-        </p:spPr>
-        <p:style>
-          <a:lnRef idx="1">
-            <a:schemeClr val="accent1"/>
-          </a:lnRef>
-          <a:fillRef idx="0">
-            <a:schemeClr val="accent1"/>
-          </a:fillRef>
-          <a:effectRef idx="0">
-            <a:schemeClr val="accent1"/>
-          </a:effectRef>
-          <a:fontRef idx="minor">
-            <a:schemeClr val="tx1"/>
-          </a:fontRef>
-        </p:style>
-      </p:cxnSp>
-      <p:sp>
-        <p:nvSpPr>
-          <p:cNvPr id="38" name="矩形: 圆角 37">
-            <a:extLst>
-              <a:ext uri="{FF2B5EF4-FFF2-40B4-BE49-F238E27FC236}">
-                <a16:creationId xmlns:a16="http://schemas.microsoft.com/office/drawing/2014/main" id="{49CB9022-016E-4FCA-8096-9D0AE8DC4761}"/>
+              <a:t>寺院法师表</a:t>
+            </a:r>
+            <a:endParaRPr lang="en-US" altLang="zh-CN" sz="1600" b="1">
+              <a:solidFill>
+                <a:schemeClr val="tx1"/>
+              </a:solidFill>
+              <a:latin typeface="微软雅黑" panose="020B0503020204020204" pitchFamily="34" charset="-122"/>
+              <a:ea typeface="微软雅黑" panose="020B0503020204020204" pitchFamily="34" charset="-122"/>
+            </a:endParaRPr>
+          </a:p>
+          <a:p>
+            <a:pPr algn="ctr"/>
+            <a:r>
+              <a:rPr lang="en-US" altLang="zh-CN" sz="1600" b="1">
+                <a:solidFill>
+                  <a:schemeClr val="tx1"/>
+                </a:solidFill>
+                <a:latin typeface="微软雅黑" panose="020B0503020204020204" pitchFamily="34" charset="-122"/>
+                <a:ea typeface="微软雅黑" panose="020B0503020204020204" pitchFamily="34" charset="-122"/>
+              </a:rPr>
+              <a:t>temple_master</a:t>
+            </a:r>
+            <a:endParaRPr lang="zh-CN" altLang="en-US" sz="1600" b="1">
+              <a:solidFill>
+                <a:schemeClr val="tx1"/>
+              </a:solidFill>
+              <a:latin typeface="微软雅黑" panose="020B0503020204020204" pitchFamily="34" charset="-122"/>
+              <a:ea typeface="微软雅黑" panose="020B0503020204020204" pitchFamily="34" charset="-122"/>
+            </a:endParaRPr>
+          </a:p>
+        </p:txBody>
+      </p:sp>
+      <p:sp>
+        <p:nvSpPr>
+          <p:cNvPr id="8" name="矩形: 圆角 7">
+            <a:extLst>
+              <a:ext uri="{FF2B5EF4-FFF2-40B4-BE49-F238E27FC236}">
+                <a16:creationId xmlns:a16="http://schemas.microsoft.com/office/drawing/2014/main" id="{7BEF8CFD-7E83-4C02-85CB-8B573ED5C860}"/>
               </a:ext>
             </a:extLst>
           </p:cNvPr>
@@ -12891,21 +10045,20 @@
         </p:nvSpPr>
         <p:spPr>
           <a:xfrm>
-            <a:off x="8573807" y="1753448"/>
-            <a:ext cx="1728000" cy="396000"/>
+            <a:off x="712379" y="2141471"/>
+            <a:ext cx="1728000" cy="685705"/>
           </a:xfrm>
           <a:prstGeom prst="roundRect">
-            <a:avLst/>
+            <a:avLst>
+              <a:gd name="adj" fmla="val 5494"/>
+            </a:avLst>
           </a:prstGeom>
-          <a:solidFill>
-            <a:schemeClr val="bg1">
-              <a:lumMod val="95000"/>
-            </a:schemeClr>
-          </a:solidFill>
+          <a:noFill/>
           <a:ln>
             <a:solidFill>
-              <a:schemeClr val="tx1"/>
+              <a:schemeClr val="tx2"/>
             </a:solidFill>
+            <a:prstDash val="dash"/>
           </a:ln>
         </p:spPr>
         <p:style>
@@ -12925,138 +10078,77 @@
           </a:fontRef>
         </p:style>
         <p:txBody>
-          <a:bodyPr wrap="none" lIns="36000" tIns="36000" rIns="36000" bIns="36000" rtlCol="0" anchor="ctr" anchorCtr="0"/>
+          <a:bodyPr rtlCol="0" anchor="b" anchorCtr="0"/>
           <a:lstStyle/>
           <a:p>
-            <a:pPr algn="ctr"/>
-            <a:r>
-              <a:rPr lang="zh-CN" altLang="en-US" sz="1600" b="1">
-                <a:solidFill>
-                  <a:schemeClr val="tx1"/>
-                </a:solidFill>
-                <a:latin typeface="微软雅黑" panose="020B0503020204020204" pitchFamily="34" charset="-122"/>
-                <a:ea typeface="微软雅黑" panose="020B0503020204020204" pitchFamily="34" charset="-122"/>
-              </a:rPr>
-              <a:t>平台产品表</a:t>
-            </a:r>
-          </a:p>
-        </p:txBody>
-      </p:sp>
-      <p:sp>
-        <p:nvSpPr>
-          <p:cNvPr id="22" name="矩形: 圆角 21">
-            <a:extLst>
-              <a:ext uri="{FF2B5EF4-FFF2-40B4-BE49-F238E27FC236}">
-                <a16:creationId xmlns:a16="http://schemas.microsoft.com/office/drawing/2014/main" id="{5F24D3AC-21B0-4B18-8F14-8830524BC267}"/>
-              </a:ext>
-            </a:extLst>
-          </p:cNvPr>
-          <p:cNvSpPr/>
-          <p:nvPr/>
-        </p:nvSpPr>
-        <p:spPr>
-          <a:xfrm>
-            <a:off x="990835" y="3574372"/>
-            <a:ext cx="1728000" cy="396000"/>
-          </a:xfrm>
-          <a:prstGeom prst="roundRect">
-            <a:avLst/>
-          </a:prstGeom>
-          <a:solidFill>
-            <a:schemeClr val="bg1">
-              <a:lumMod val="95000"/>
-            </a:schemeClr>
-          </a:solidFill>
-          <a:ln>
-            <a:solidFill>
-              <a:schemeClr val="tx1"/>
-            </a:solidFill>
-          </a:ln>
-        </p:spPr>
-        <p:style>
-          <a:lnRef idx="2">
-            <a:schemeClr val="accent1">
-              <a:shade val="50000"/>
-            </a:schemeClr>
-          </a:lnRef>
-          <a:fillRef idx="1">
-            <a:schemeClr val="accent1"/>
-          </a:fillRef>
-          <a:effectRef idx="0">
-            <a:schemeClr val="accent1"/>
-          </a:effectRef>
-          <a:fontRef idx="minor">
-            <a:schemeClr val="lt1"/>
-          </a:fontRef>
-        </p:style>
-        <p:txBody>
-          <a:bodyPr wrap="none" lIns="36000" tIns="36000" rIns="36000" bIns="36000" rtlCol="0" anchor="ctr" anchorCtr="0"/>
-          <a:lstStyle/>
-          <a:p>
-            <a:pPr algn="ctr"/>
-            <a:r>
-              <a:rPr lang="zh-CN" altLang="en-US" sz="1600" b="1">
-                <a:solidFill>
-                  <a:schemeClr val="tx1"/>
-                </a:solidFill>
-                <a:latin typeface="微软雅黑" panose="020B0503020204020204" pitchFamily="34" charset="-122"/>
-                <a:ea typeface="微软雅黑" panose="020B0503020204020204" pitchFamily="34" charset="-122"/>
-              </a:rPr>
-              <a:t>平台产品表</a:t>
-            </a:r>
-          </a:p>
-        </p:txBody>
-      </p:sp>
-      <p:cxnSp>
-        <p:nvCxnSpPr>
-          <p:cNvPr id="23" name="直接箭头连接符 22">
-            <a:extLst>
-              <a:ext uri="{FF2B5EF4-FFF2-40B4-BE49-F238E27FC236}">
-                <a16:creationId xmlns:a16="http://schemas.microsoft.com/office/drawing/2014/main" id="{EBCB4EAE-C253-482B-A279-5E6370E88DCC}"/>
-              </a:ext>
-            </a:extLst>
-          </p:cNvPr>
-          <p:cNvCxnSpPr>
-            <a:cxnSpLocks/>
-            <a:stCxn id="22" idx="0"/>
-            <a:endCxn id="108" idx="2"/>
-          </p:cNvCxnSpPr>
-          <p:nvPr/>
-        </p:nvCxnSpPr>
-        <p:spPr>
-          <a:xfrm flipV="1">
-            <a:off x="1854835" y="3008848"/>
-            <a:ext cx="0" cy="565524"/>
-          </a:xfrm>
-          <a:prstGeom prst="straightConnector1">
-            <a:avLst/>
-          </a:prstGeom>
-          <a:ln w="57150">
-            <a:solidFill>
-              <a:srgbClr val="FF0000"/>
-            </a:solidFill>
-            <a:tailEnd type="triangle"/>
-          </a:ln>
-        </p:spPr>
-        <p:style>
-          <a:lnRef idx="1">
-            <a:schemeClr val="accent1"/>
-          </a:lnRef>
-          <a:fillRef idx="0">
-            <a:schemeClr val="accent1"/>
-          </a:fillRef>
-          <a:effectRef idx="0">
-            <a:schemeClr val="accent1"/>
-          </a:effectRef>
-          <a:fontRef idx="minor">
-            <a:schemeClr val="tx1"/>
-          </a:fontRef>
-        </p:style>
-      </p:cxnSp>
+            <a:r>
+              <a:rPr lang="zh-CN" altLang="en-US" sz="1200" b="1">
+                <a:solidFill>
+                  <a:schemeClr val="tx1"/>
+                </a:solidFill>
+                <a:latin typeface="微软雅黑" panose="020B0503020204020204" pitchFamily="34" charset="-122"/>
+                <a:ea typeface="微软雅黑" panose="020B0503020204020204" pitchFamily="34" charset="-122"/>
+              </a:rPr>
+              <a:t>寺院</a:t>
+            </a:r>
+            <a:r>
+              <a:rPr lang="en-US" altLang="zh-CN" sz="1200" b="1">
+                <a:solidFill>
+                  <a:schemeClr val="tx1"/>
+                </a:solidFill>
+                <a:latin typeface="微软雅黑" panose="020B0503020204020204" pitchFamily="34" charset="-122"/>
+                <a:ea typeface="微软雅黑" panose="020B0503020204020204" pitchFamily="34" charset="-122"/>
+              </a:rPr>
+              <a:t>id</a:t>
+            </a:r>
+          </a:p>
+          <a:p>
+            <a:r>
+              <a:rPr lang="zh-CN" altLang="en-US" sz="1200" b="1">
+                <a:solidFill>
+                  <a:schemeClr val="tx1"/>
+                </a:solidFill>
+                <a:latin typeface="微软雅黑" panose="020B0503020204020204" pitchFamily="34" charset="-122"/>
+                <a:ea typeface="微软雅黑" panose="020B0503020204020204" pitchFamily="34" charset="-122"/>
+              </a:rPr>
+              <a:t>法师</a:t>
+            </a:r>
+            <a:r>
+              <a:rPr lang="en-US" altLang="zh-CN" sz="1200" b="1">
+                <a:solidFill>
+                  <a:schemeClr val="tx1"/>
+                </a:solidFill>
+                <a:latin typeface="微软雅黑" panose="020B0503020204020204" pitchFamily="34" charset="-122"/>
+                <a:ea typeface="微软雅黑" panose="020B0503020204020204" pitchFamily="34" charset="-122"/>
+              </a:rPr>
+              <a:t>id</a:t>
+            </a:r>
+          </a:p>
+          <a:p>
+            <a:r>
+              <a:rPr lang="zh-CN" altLang="en-US" sz="1200" b="1">
+                <a:solidFill>
+                  <a:schemeClr val="tx1"/>
+                </a:solidFill>
+                <a:latin typeface="微软雅黑" panose="020B0503020204020204" pitchFamily="34" charset="-122"/>
+                <a:ea typeface="微软雅黑" panose="020B0503020204020204" pitchFamily="34" charset="-122"/>
+              </a:rPr>
+              <a:t>批准标记</a:t>
+            </a:r>
+            <a:endParaRPr lang="en-US" altLang="zh-CN" sz="1200" b="1">
+              <a:solidFill>
+                <a:schemeClr val="tx1"/>
+              </a:solidFill>
+              <a:latin typeface="微软雅黑" panose="020B0503020204020204" pitchFamily="34" charset="-122"/>
+              <a:ea typeface="微软雅黑" panose="020B0503020204020204" pitchFamily="34" charset="-122"/>
+            </a:endParaRPr>
+          </a:p>
+        </p:txBody>
+      </p:sp>
     </p:spTree>
     <p:extLst>
       <p:ext uri="{BB962C8B-B14F-4D97-AF65-F5344CB8AC3E}">
-        <p14:creationId xmlns:p14="http://schemas.microsoft.com/office/powerpoint/2010/main" val="4071845704"/>
+        <p14:creationId xmlns:p14="http://schemas.microsoft.com/office/powerpoint/2010/main" val="1757985072"/>
       </p:ext>
     </p:extLst>
   </p:cSld>
@@ -13085,10 +10177,10 @@
       </p:grpSpPr>
       <p:sp>
         <p:nvSpPr>
-          <p:cNvPr id="108" name="矩形: 圆角 107">
-            <a:extLst>
-              <a:ext uri="{FF2B5EF4-FFF2-40B4-BE49-F238E27FC236}">
-                <a16:creationId xmlns:a16="http://schemas.microsoft.com/office/drawing/2014/main" id="{06D3BDB6-8CD9-4D0D-86D3-F419524EEC47}"/>
+          <p:cNvPr id="53" name="矩形: 圆角 52">
+            <a:extLst>
+              <a:ext uri="{FF2B5EF4-FFF2-40B4-BE49-F238E27FC236}">
+                <a16:creationId xmlns:a16="http://schemas.microsoft.com/office/drawing/2014/main" id="{40CB1BC0-9F2F-42B0-8691-F1896B1D2EE4}"/>
               </a:ext>
             </a:extLst>
           </p:cNvPr>
@@ -13097,20 +10189,19 @@
         </p:nvSpPr>
         <p:spPr>
           <a:xfrm>
-            <a:off x="590550" y="1434875"/>
-            <a:ext cx="2703156" cy="1620000"/>
+            <a:off x="3549980" y="1827254"/>
+            <a:ext cx="2016000" cy="648000"/>
           </a:xfrm>
           <a:prstGeom prst="roundRect">
-            <a:avLst>
-              <a:gd name="adj" fmla="val 5494"/>
-            </a:avLst>
+            <a:avLst/>
           </a:prstGeom>
-          <a:noFill/>
+          <a:solidFill>
+            <a:srgbClr val="00B050"/>
+          </a:solidFill>
           <a:ln>
             <a:solidFill>
-              <a:schemeClr val="tx2"/>
+              <a:schemeClr val="tx1"/>
             </a:solidFill>
-            <a:prstDash val="dash"/>
           </a:ln>
         </p:spPr>
         <p:style>
@@ -13130,191 +10221,727 @@
           </a:fontRef>
         </p:style>
         <p:txBody>
-          <a:bodyPr rtlCol="0" anchor="ctr"/>
+          <a:bodyPr wrap="none" lIns="36000" tIns="36000" rIns="36000" bIns="36000" rtlCol="0" anchor="ctr" anchorCtr="0"/>
           <a:lstStyle/>
           <a:p>
             <a:pPr algn="ctr"/>
-            <a:endParaRPr lang="zh-CN" altLang="en-US" sz="1600">
+            <a:r>
+              <a:rPr lang="zh-CN" altLang="en-US" sz="1600" b="1">
+                <a:solidFill>
+                  <a:schemeClr val="tx1"/>
+                </a:solidFill>
+                <a:latin typeface="微软雅黑" panose="020B0503020204020204" pitchFamily="34" charset="-122"/>
+                <a:ea typeface="微软雅黑" panose="020B0503020204020204" pitchFamily="34" charset="-122"/>
+              </a:rPr>
+              <a:t>申请</a:t>
+            </a:r>
+            <a:endParaRPr lang="en-US" altLang="zh-CN" sz="1600" b="1">
+              <a:solidFill>
+                <a:schemeClr val="tx1"/>
+              </a:solidFill>
               <a:latin typeface="微软雅黑" panose="020B0503020204020204" pitchFamily="34" charset="-122"/>
               <a:ea typeface="微软雅黑" panose="020B0503020204020204" pitchFamily="34" charset="-122"/>
             </a:endParaRPr>
           </a:p>
-        </p:txBody>
-      </p:sp>
-      <p:grpSp>
-        <p:nvGrpSpPr>
-          <p:cNvPr id="7" name="组合 6">
-            <a:extLst>
-              <a:ext uri="{FF2B5EF4-FFF2-40B4-BE49-F238E27FC236}">
-                <a16:creationId xmlns:a16="http://schemas.microsoft.com/office/drawing/2014/main" id="{349E3B73-73BE-4D56-A0AD-4BB8E60670E7}"/>
-              </a:ext>
-            </a:extLst>
-          </p:cNvPr>
-          <p:cNvGrpSpPr/>
-          <p:nvPr/>
-        </p:nvGrpSpPr>
-        <p:grpSpPr>
-          <a:xfrm>
-            <a:off x="689021" y="1569875"/>
-            <a:ext cx="2511377" cy="1356545"/>
-            <a:chOff x="3906523" y="2193354"/>
-            <a:chExt cx="2511377" cy="1356545"/>
-          </a:xfrm>
-        </p:grpSpPr>
-        <p:sp>
-          <p:nvSpPr>
-            <p:cNvPr id="61" name="矩形: 圆角 60">
-              <a:extLst>
-                <a:ext uri="{FF2B5EF4-FFF2-40B4-BE49-F238E27FC236}">
-                  <a16:creationId xmlns:a16="http://schemas.microsoft.com/office/drawing/2014/main" id="{E3777F73-EAAB-43DE-8A90-6B6D895B1B1F}"/>
-                </a:ext>
-              </a:extLst>
-            </p:cNvPr>
-            <p:cNvSpPr/>
-            <p:nvPr/>
-          </p:nvSpPr>
-          <p:spPr>
-            <a:xfrm>
-              <a:off x="4547630" y="2193354"/>
-              <a:ext cx="1224000" cy="540000"/>
-            </a:xfrm>
-            <a:prstGeom prst="roundRect">
-              <a:avLst/>
-            </a:prstGeom>
-            <a:solidFill>
-              <a:srgbClr val="00B0F0"/>
-            </a:solidFill>
-            <a:ln>
+          <a:p>
+            <a:pPr algn="ctr"/>
+            <a:r>
+              <a:rPr lang="en-US" altLang="zh-CN" sz="1600" b="1">
+                <a:solidFill>
+                  <a:schemeClr val="tx1"/>
+                </a:solidFill>
+                <a:latin typeface="微软雅黑" panose="020B0503020204020204" pitchFamily="34" charset="-122"/>
+                <a:ea typeface="微软雅黑" panose="020B0503020204020204" pitchFamily="34" charset="-122"/>
+              </a:rPr>
+              <a:t>apply_temple</a:t>
+            </a:r>
+            <a:endParaRPr lang="zh-CN" altLang="en-US" sz="1600" b="1">
               <a:solidFill>
                 <a:schemeClr val="tx1"/>
               </a:solidFill>
-            </a:ln>
-          </p:spPr>
-          <p:style>
-            <a:lnRef idx="2">
-              <a:schemeClr val="accent1">
-                <a:shade val="50000"/>
-              </a:schemeClr>
-            </a:lnRef>
-            <a:fillRef idx="1">
-              <a:schemeClr val="accent1"/>
-            </a:fillRef>
-            <a:effectRef idx="0">
-              <a:schemeClr val="accent1"/>
-            </a:effectRef>
-            <a:fontRef idx="minor">
-              <a:schemeClr val="lt1"/>
-            </a:fontRef>
-          </p:style>
-          <p:txBody>
-            <a:bodyPr wrap="none" lIns="36000" tIns="36000" rIns="36000" bIns="36000" rtlCol="0" anchor="ctr" anchorCtr="0"/>
-            <a:lstStyle/>
-            <a:p>
-              <a:pPr algn="ctr"/>
-              <a:r>
-                <a:rPr lang="zh-CN" altLang="en-US" sz="1600" b="1">
-                  <a:solidFill>
-                    <a:schemeClr val="tx1"/>
-                  </a:solidFill>
-                  <a:latin typeface="微软雅黑" panose="020B0503020204020204" pitchFamily="34" charset="-122"/>
-                  <a:ea typeface="微软雅黑" panose="020B0503020204020204" pitchFamily="34" charset="-122"/>
-                </a:rPr>
-                <a:t>用户</a:t>
-              </a:r>
-            </a:p>
-          </p:txBody>
-        </p:sp>
-        <p:sp>
-          <p:nvSpPr>
-            <p:cNvPr id="101" name="矩形: 圆角 100">
-              <a:extLst>
-                <a:ext uri="{FF2B5EF4-FFF2-40B4-BE49-F238E27FC236}">
-                  <a16:creationId xmlns:a16="http://schemas.microsoft.com/office/drawing/2014/main" id="{2FD8AFDB-B92D-4C27-ABEC-799C66831DBB}"/>
-                </a:ext>
-              </a:extLst>
-            </p:cNvPr>
-            <p:cNvSpPr/>
-            <p:nvPr/>
-          </p:nvSpPr>
-          <p:spPr>
-            <a:xfrm>
-              <a:off x="3906523" y="2901899"/>
-              <a:ext cx="2511377" cy="648000"/>
-            </a:xfrm>
-            <a:prstGeom prst="roundRect">
-              <a:avLst/>
-            </a:prstGeom>
+              <a:latin typeface="微软雅黑" panose="020B0503020204020204" pitchFamily="34" charset="-122"/>
+              <a:ea typeface="微软雅黑" panose="020B0503020204020204" pitchFamily="34" charset="-122"/>
+            </a:endParaRPr>
+          </a:p>
+        </p:txBody>
+      </p:sp>
+      <p:sp>
+        <p:nvSpPr>
+          <p:cNvPr id="48" name="矩形: 圆角 47">
+            <a:extLst>
+              <a:ext uri="{FF2B5EF4-FFF2-40B4-BE49-F238E27FC236}">
+                <a16:creationId xmlns:a16="http://schemas.microsoft.com/office/drawing/2014/main" id="{EBD4EA97-5025-4DE6-B38D-69D50269EB33}"/>
+              </a:ext>
+            </a:extLst>
+          </p:cNvPr>
+          <p:cNvSpPr/>
+          <p:nvPr/>
+        </p:nvSpPr>
+        <p:spPr>
+          <a:xfrm>
+            <a:off x="712379" y="1492344"/>
+            <a:ext cx="1080000" cy="576000"/>
+          </a:xfrm>
+          <a:prstGeom prst="roundRect">
+            <a:avLst/>
+          </a:prstGeom>
+          <a:solidFill>
+            <a:srgbClr val="00B0F0"/>
+          </a:solidFill>
+          <a:ln>
             <a:solidFill>
-              <a:srgbClr val="00B050"/>
+              <a:schemeClr val="tx1"/>
             </a:solidFill>
-            <a:ln>
+          </a:ln>
+        </p:spPr>
+        <p:style>
+          <a:lnRef idx="2">
+            <a:schemeClr val="accent1">
+              <a:shade val="50000"/>
+            </a:schemeClr>
+          </a:lnRef>
+          <a:fillRef idx="1">
+            <a:schemeClr val="accent1"/>
+          </a:fillRef>
+          <a:effectRef idx="0">
+            <a:schemeClr val="accent1"/>
+          </a:effectRef>
+          <a:fontRef idx="minor">
+            <a:schemeClr val="lt1"/>
+          </a:fontRef>
+        </p:style>
+        <p:txBody>
+          <a:bodyPr wrap="none" lIns="36000" tIns="36000" rIns="36000" bIns="36000" rtlCol="0" anchor="ctr" anchorCtr="0"/>
+          <a:lstStyle/>
+          <a:p>
+            <a:pPr algn="ctr"/>
+            <a:r>
+              <a:rPr lang="zh-CN" altLang="en-US" sz="1600" b="1">
+                <a:solidFill>
+                  <a:schemeClr val="tx1"/>
+                </a:solidFill>
+                <a:latin typeface="微软雅黑" panose="020B0503020204020204" pitchFamily="34" charset="-122"/>
+                <a:ea typeface="微软雅黑" panose="020B0503020204020204" pitchFamily="34" charset="-122"/>
+              </a:rPr>
+              <a:t>单签用户</a:t>
+            </a:r>
+          </a:p>
+        </p:txBody>
+      </p:sp>
+      <p:sp>
+        <p:nvSpPr>
+          <p:cNvPr id="51" name="矩形: 圆角 50">
+            <a:extLst>
+              <a:ext uri="{FF2B5EF4-FFF2-40B4-BE49-F238E27FC236}">
+                <a16:creationId xmlns:a16="http://schemas.microsoft.com/office/drawing/2014/main" id="{3362D236-1F3E-4777-B34E-3E36721FFCFC}"/>
+              </a:ext>
+            </a:extLst>
+          </p:cNvPr>
+          <p:cNvSpPr/>
+          <p:nvPr/>
+        </p:nvSpPr>
+        <p:spPr>
+          <a:xfrm>
+            <a:off x="710743" y="2192218"/>
+            <a:ext cx="1080000" cy="576000"/>
+          </a:xfrm>
+          <a:prstGeom prst="roundRect">
+            <a:avLst/>
+          </a:prstGeom>
+          <a:solidFill>
+            <a:srgbClr val="00B0F0"/>
+          </a:solidFill>
+          <a:ln>
+            <a:solidFill>
+              <a:schemeClr val="tx1"/>
+            </a:solidFill>
+          </a:ln>
+        </p:spPr>
+        <p:style>
+          <a:lnRef idx="2">
+            <a:schemeClr val="accent1">
+              <a:shade val="50000"/>
+            </a:schemeClr>
+          </a:lnRef>
+          <a:fillRef idx="1">
+            <a:schemeClr val="accent1"/>
+          </a:fillRef>
+          <a:effectRef idx="0">
+            <a:schemeClr val="accent1"/>
+          </a:effectRef>
+          <a:fontRef idx="minor">
+            <a:schemeClr val="lt1"/>
+          </a:fontRef>
+        </p:style>
+        <p:txBody>
+          <a:bodyPr wrap="none" lIns="36000" tIns="36000" rIns="36000" bIns="36000" rtlCol="0" anchor="ctr" anchorCtr="0"/>
+          <a:lstStyle/>
+          <a:p>
+            <a:pPr algn="ctr"/>
+            <a:r>
+              <a:rPr lang="zh-CN" altLang="en-US" sz="1600" b="1">
+                <a:solidFill>
+                  <a:schemeClr val="tx1"/>
+                </a:solidFill>
+                <a:latin typeface="微软雅黑" panose="020B0503020204020204" pitchFamily="34" charset="-122"/>
+                <a:ea typeface="微软雅黑" panose="020B0503020204020204" pitchFamily="34" charset="-122"/>
+              </a:rPr>
+              <a:t>多签用户</a:t>
+            </a:r>
+          </a:p>
+        </p:txBody>
+      </p:sp>
+      <p:sp>
+        <p:nvSpPr>
+          <p:cNvPr id="61" name="矩形: 圆角 60">
+            <a:extLst>
+              <a:ext uri="{FF2B5EF4-FFF2-40B4-BE49-F238E27FC236}">
+                <a16:creationId xmlns:a16="http://schemas.microsoft.com/office/drawing/2014/main" id="{E3777F73-EAAB-43DE-8A90-6B6D895B1B1F}"/>
+              </a:ext>
+            </a:extLst>
+          </p:cNvPr>
+          <p:cNvSpPr/>
+          <p:nvPr/>
+        </p:nvSpPr>
+        <p:spPr>
+          <a:xfrm>
+            <a:off x="710743" y="3394510"/>
+            <a:ext cx="1080000" cy="576000"/>
+          </a:xfrm>
+          <a:prstGeom prst="roundRect">
+            <a:avLst/>
+          </a:prstGeom>
+          <a:solidFill>
+            <a:srgbClr val="00B0F0"/>
+          </a:solidFill>
+          <a:ln>
+            <a:solidFill>
+              <a:schemeClr val="tx1"/>
+            </a:solidFill>
+          </a:ln>
+        </p:spPr>
+        <p:style>
+          <a:lnRef idx="2">
+            <a:schemeClr val="accent1">
+              <a:shade val="50000"/>
+            </a:schemeClr>
+          </a:lnRef>
+          <a:fillRef idx="1">
+            <a:schemeClr val="accent1"/>
+          </a:fillRef>
+          <a:effectRef idx="0">
+            <a:schemeClr val="accent1"/>
+          </a:effectRef>
+          <a:fontRef idx="minor">
+            <a:schemeClr val="lt1"/>
+          </a:fontRef>
+        </p:style>
+        <p:txBody>
+          <a:bodyPr wrap="none" lIns="36000" tIns="36000" rIns="36000" bIns="36000" rtlCol="0" anchor="ctr" anchorCtr="0"/>
+          <a:lstStyle/>
+          <a:p>
+            <a:pPr algn="ctr"/>
+            <a:r>
+              <a:rPr lang="zh-CN" altLang="en-US" sz="1600" b="1">
+                <a:solidFill>
+                  <a:schemeClr val="tx1"/>
+                </a:solidFill>
+                <a:latin typeface="微软雅黑" panose="020B0503020204020204" pitchFamily="34" charset="-122"/>
+                <a:ea typeface="微软雅黑" panose="020B0503020204020204" pitchFamily="34" charset="-122"/>
+              </a:rPr>
+              <a:t>股东</a:t>
+            </a:r>
+          </a:p>
+        </p:txBody>
+      </p:sp>
+      <p:sp>
+        <p:nvSpPr>
+          <p:cNvPr id="101" name="矩形: 圆角 100">
+            <a:extLst>
+              <a:ext uri="{FF2B5EF4-FFF2-40B4-BE49-F238E27FC236}">
+                <a16:creationId xmlns:a16="http://schemas.microsoft.com/office/drawing/2014/main" id="{2FD8AFDB-B92D-4C27-ABEC-799C66831DBB}"/>
+              </a:ext>
+            </a:extLst>
+          </p:cNvPr>
+          <p:cNvSpPr/>
+          <p:nvPr/>
+        </p:nvSpPr>
+        <p:spPr>
+          <a:xfrm>
+            <a:off x="3549980" y="3358510"/>
+            <a:ext cx="2016000" cy="648000"/>
+          </a:xfrm>
+          <a:prstGeom prst="roundRect">
+            <a:avLst/>
+          </a:prstGeom>
+          <a:solidFill>
+            <a:srgbClr val="00B050"/>
+          </a:solidFill>
+          <a:ln>
+            <a:solidFill>
+              <a:schemeClr val="tx1"/>
+            </a:solidFill>
+          </a:ln>
+        </p:spPr>
+        <p:style>
+          <a:lnRef idx="2">
+            <a:schemeClr val="accent1">
+              <a:shade val="50000"/>
+            </a:schemeClr>
+          </a:lnRef>
+          <a:fillRef idx="1">
+            <a:schemeClr val="accent1"/>
+          </a:fillRef>
+          <a:effectRef idx="0">
+            <a:schemeClr val="accent1"/>
+          </a:effectRef>
+          <a:fontRef idx="minor">
+            <a:schemeClr val="lt1"/>
+          </a:fontRef>
+        </p:style>
+        <p:txBody>
+          <a:bodyPr wrap="none" lIns="36000" tIns="36000" rIns="36000" bIns="36000" rtlCol="0" anchor="ctr" anchorCtr="0"/>
+          <a:lstStyle/>
+          <a:p>
+            <a:pPr algn="ctr"/>
+            <a:r>
+              <a:rPr lang="zh-CN" altLang="en-US" sz="1600" b="1">
+                <a:solidFill>
+                  <a:schemeClr val="tx1"/>
+                </a:solidFill>
+                <a:latin typeface="微软雅黑" panose="020B0503020204020204" pitchFamily="34" charset="-122"/>
+                <a:ea typeface="微软雅黑" panose="020B0503020204020204" pitchFamily="34" charset="-122"/>
+              </a:rPr>
+              <a:t>查找申请者</a:t>
+            </a:r>
+            <a:endParaRPr lang="en-US" altLang="zh-CN" sz="1600" b="1">
               <a:solidFill>
                 <a:schemeClr val="tx1"/>
               </a:solidFill>
-            </a:ln>
-          </p:spPr>
-          <p:style>
-            <a:lnRef idx="2">
-              <a:schemeClr val="accent1">
-                <a:shade val="50000"/>
-              </a:schemeClr>
-            </a:lnRef>
-            <a:fillRef idx="1">
-              <a:schemeClr val="accent1"/>
-            </a:fillRef>
-            <a:effectRef idx="0">
-              <a:schemeClr val="accent1"/>
-            </a:effectRef>
-            <a:fontRef idx="minor">
-              <a:schemeClr val="lt1"/>
-            </a:fontRef>
-          </p:style>
-          <p:txBody>
-            <a:bodyPr wrap="none" lIns="36000" tIns="36000" rIns="36000" bIns="36000" rtlCol="0" anchor="ctr" anchorCtr="0"/>
-            <a:lstStyle/>
-            <a:p>
-              <a:pPr algn="ctr"/>
-              <a:r>
-                <a:rPr lang="zh-CN" altLang="en-US" sz="1600" b="1">
-                  <a:solidFill>
-                    <a:schemeClr val="tx1"/>
-                  </a:solidFill>
-                  <a:latin typeface="微软雅黑" panose="020B0503020204020204" pitchFamily="34" charset="-122"/>
-                  <a:ea typeface="微软雅黑" panose="020B0503020204020204" pitchFamily="34" charset="-122"/>
-                </a:rPr>
-                <a:t>发布出售商品</a:t>
-              </a:r>
-              <a:endParaRPr lang="en-US" altLang="zh-CN" sz="1600" b="1">
-                <a:solidFill>
-                  <a:schemeClr val="tx1"/>
-                </a:solidFill>
-                <a:latin typeface="微软雅黑" panose="020B0503020204020204" pitchFamily="34" charset="-122"/>
-                <a:ea typeface="微软雅黑" panose="020B0503020204020204" pitchFamily="34" charset="-122"/>
-              </a:endParaRPr>
-            </a:p>
-            <a:p>
-              <a:pPr algn="ctr"/>
-              <a:r>
-                <a:rPr lang="en-US" altLang="zh-CN" sz="1600" b="1">
-                  <a:solidFill>
-                    <a:schemeClr val="tx1"/>
-                  </a:solidFill>
-                  <a:latin typeface="微软雅黑" panose="020B0503020204020204" pitchFamily="34" charset="-122"/>
-                  <a:ea typeface="微软雅黑" panose="020B0503020204020204" pitchFamily="34" charset="-122"/>
-                </a:rPr>
-                <a:t>publish_person_goods</a:t>
-              </a:r>
-              <a:endParaRPr lang="zh-CN" altLang="en-US" sz="1600" b="1">
-                <a:solidFill>
-                  <a:schemeClr val="tx1"/>
-                </a:solidFill>
-                <a:latin typeface="微软雅黑" panose="020B0503020204020204" pitchFamily="34" charset="-122"/>
-                <a:ea typeface="微软雅黑" panose="020B0503020204020204" pitchFamily="34" charset="-122"/>
-              </a:endParaRPr>
-            </a:p>
-          </p:txBody>
-        </p:sp>
-      </p:grpSp>
+              <a:latin typeface="微软雅黑" panose="020B0503020204020204" pitchFamily="34" charset="-122"/>
+              <a:ea typeface="微软雅黑" panose="020B0503020204020204" pitchFamily="34" charset="-122"/>
+            </a:endParaRPr>
+          </a:p>
+          <a:p>
+            <a:pPr algn="ctr"/>
+            <a:r>
+              <a:rPr lang="en-US" altLang="zh-CN" sz="1600" b="1">
+                <a:solidFill>
+                  <a:schemeClr val="tx1"/>
+                </a:solidFill>
+                <a:latin typeface="微软雅黑" panose="020B0503020204020204" pitchFamily="34" charset="-122"/>
+                <a:ea typeface="微软雅黑" panose="020B0503020204020204" pitchFamily="34" charset="-122"/>
+              </a:rPr>
+              <a:t>list_temple</a:t>
+            </a:r>
+            <a:endParaRPr lang="zh-CN" altLang="en-US" sz="1600" b="1">
+              <a:solidFill>
+                <a:schemeClr val="tx1"/>
+              </a:solidFill>
+              <a:latin typeface="微软雅黑" panose="020B0503020204020204" pitchFamily="34" charset="-122"/>
+              <a:ea typeface="微软雅黑" panose="020B0503020204020204" pitchFamily="34" charset="-122"/>
+            </a:endParaRPr>
+          </a:p>
+        </p:txBody>
+      </p:sp>
+      <p:cxnSp>
+        <p:nvCxnSpPr>
+          <p:cNvPr id="111" name="直接箭头连接符 110">
+            <a:extLst>
+              <a:ext uri="{FF2B5EF4-FFF2-40B4-BE49-F238E27FC236}">
+                <a16:creationId xmlns:a16="http://schemas.microsoft.com/office/drawing/2014/main" id="{E503A773-633A-4D3C-8724-1D424425A2E9}"/>
+              </a:ext>
+            </a:extLst>
+          </p:cNvPr>
+          <p:cNvCxnSpPr>
+            <a:cxnSpLocks/>
+            <a:stCxn id="53" idx="3"/>
+            <a:endCxn id="36" idx="1"/>
+          </p:cNvCxnSpPr>
+          <p:nvPr/>
+        </p:nvCxnSpPr>
+        <p:spPr>
+          <a:xfrm>
+            <a:off x="5565980" y="2151254"/>
+            <a:ext cx="1888230" cy="6205"/>
+          </a:xfrm>
+          <a:prstGeom prst="straightConnector1">
+            <a:avLst/>
+          </a:prstGeom>
+          <a:ln w="57150">
+            <a:solidFill>
+              <a:srgbClr val="FFC000"/>
+            </a:solidFill>
+            <a:tailEnd type="triangle"/>
+          </a:ln>
+        </p:spPr>
+        <p:style>
+          <a:lnRef idx="1">
+            <a:schemeClr val="accent1"/>
+          </a:lnRef>
+          <a:fillRef idx="0">
+            <a:schemeClr val="accent1"/>
+          </a:fillRef>
+          <a:effectRef idx="0">
+            <a:schemeClr val="accent1"/>
+          </a:effectRef>
+          <a:fontRef idx="minor">
+            <a:schemeClr val="tx1"/>
+          </a:fontRef>
+        </p:style>
+      </p:cxnSp>
+      <p:cxnSp>
+        <p:nvCxnSpPr>
+          <p:cNvPr id="112" name="直接箭头连接符 111">
+            <a:extLst>
+              <a:ext uri="{FF2B5EF4-FFF2-40B4-BE49-F238E27FC236}">
+                <a16:creationId xmlns:a16="http://schemas.microsoft.com/office/drawing/2014/main" id="{769CDA3F-50AD-4BDB-9B81-EAEAFEAC2A92}"/>
+              </a:ext>
+            </a:extLst>
+          </p:cNvPr>
+          <p:cNvCxnSpPr>
+            <a:cxnSpLocks/>
+            <a:stCxn id="49" idx="3"/>
+            <a:endCxn id="52" idx="1"/>
+          </p:cNvCxnSpPr>
+          <p:nvPr/>
+        </p:nvCxnSpPr>
+        <p:spPr>
+          <a:xfrm>
+            <a:off x="5565980" y="4853241"/>
+            <a:ext cx="1888230" cy="3791"/>
+          </a:xfrm>
+          <a:prstGeom prst="straightConnector1">
+            <a:avLst/>
+          </a:prstGeom>
+          <a:ln w="57150">
+            <a:solidFill>
+              <a:srgbClr val="FFC000"/>
+            </a:solidFill>
+            <a:tailEnd type="triangle"/>
+          </a:ln>
+        </p:spPr>
+        <p:style>
+          <a:lnRef idx="1">
+            <a:schemeClr val="accent1"/>
+          </a:lnRef>
+          <a:fillRef idx="0">
+            <a:schemeClr val="accent1"/>
+          </a:fillRef>
+          <a:effectRef idx="0">
+            <a:schemeClr val="accent1"/>
+          </a:effectRef>
+          <a:fontRef idx="minor">
+            <a:schemeClr val="tx1"/>
+          </a:fontRef>
+        </p:style>
+      </p:cxnSp>
+      <p:sp>
+        <p:nvSpPr>
+          <p:cNvPr id="47" name="矩形: 圆角 46">
+            <a:extLst>
+              <a:ext uri="{FF2B5EF4-FFF2-40B4-BE49-F238E27FC236}">
+                <a16:creationId xmlns:a16="http://schemas.microsoft.com/office/drawing/2014/main" id="{A2832FAA-26D6-45C7-81D2-52D1B13FC30D}"/>
+              </a:ext>
+            </a:extLst>
+          </p:cNvPr>
+          <p:cNvSpPr/>
+          <p:nvPr/>
+        </p:nvSpPr>
+        <p:spPr>
+          <a:xfrm>
+            <a:off x="710743" y="4565241"/>
+            <a:ext cx="1080000" cy="576000"/>
+          </a:xfrm>
+          <a:prstGeom prst="roundRect">
+            <a:avLst/>
+          </a:prstGeom>
+          <a:solidFill>
+            <a:srgbClr val="00B0F0"/>
+          </a:solidFill>
+          <a:ln>
+            <a:solidFill>
+              <a:schemeClr val="tx1"/>
+            </a:solidFill>
+          </a:ln>
+        </p:spPr>
+        <p:style>
+          <a:lnRef idx="2">
+            <a:schemeClr val="accent1">
+              <a:shade val="50000"/>
+            </a:schemeClr>
+          </a:lnRef>
+          <a:fillRef idx="1">
+            <a:schemeClr val="accent1"/>
+          </a:fillRef>
+          <a:effectRef idx="0">
+            <a:schemeClr val="accent1"/>
+          </a:effectRef>
+          <a:fontRef idx="minor">
+            <a:schemeClr val="lt1"/>
+          </a:fontRef>
+        </p:style>
+        <p:txBody>
+          <a:bodyPr wrap="none" lIns="36000" tIns="36000" rIns="36000" bIns="36000" rtlCol="0" anchor="ctr" anchorCtr="0"/>
+          <a:lstStyle/>
+          <a:p>
+            <a:pPr algn="ctr"/>
+            <a:r>
+              <a:rPr lang="zh-CN" altLang="en-US" sz="1600" b="1">
+                <a:solidFill>
+                  <a:schemeClr val="tx1"/>
+                </a:solidFill>
+                <a:latin typeface="微软雅黑" panose="020B0503020204020204" pitchFamily="34" charset="-122"/>
+                <a:ea typeface="微软雅黑" panose="020B0503020204020204" pitchFamily="34" charset="-122"/>
+              </a:rPr>
+              <a:t>股东</a:t>
+            </a:r>
+          </a:p>
+        </p:txBody>
+      </p:sp>
+      <p:sp>
+        <p:nvSpPr>
+          <p:cNvPr id="49" name="矩形: 圆角 48">
+            <a:extLst>
+              <a:ext uri="{FF2B5EF4-FFF2-40B4-BE49-F238E27FC236}">
+                <a16:creationId xmlns:a16="http://schemas.microsoft.com/office/drawing/2014/main" id="{9318B74D-0975-4412-852D-C0122D209E75}"/>
+              </a:ext>
+            </a:extLst>
+          </p:cNvPr>
+          <p:cNvSpPr/>
+          <p:nvPr/>
+        </p:nvSpPr>
+        <p:spPr>
+          <a:xfrm>
+            <a:off x="3549980" y="4529241"/>
+            <a:ext cx="2016000" cy="648000"/>
+          </a:xfrm>
+          <a:prstGeom prst="roundRect">
+            <a:avLst/>
+          </a:prstGeom>
+          <a:solidFill>
+            <a:srgbClr val="00B050"/>
+          </a:solidFill>
+          <a:ln>
+            <a:solidFill>
+              <a:schemeClr val="tx1"/>
+            </a:solidFill>
+          </a:ln>
+        </p:spPr>
+        <p:style>
+          <a:lnRef idx="2">
+            <a:schemeClr val="accent1">
+              <a:shade val="50000"/>
+            </a:schemeClr>
+          </a:lnRef>
+          <a:fillRef idx="1">
+            <a:schemeClr val="accent1"/>
+          </a:fillRef>
+          <a:effectRef idx="0">
+            <a:schemeClr val="accent1"/>
+          </a:effectRef>
+          <a:fontRef idx="minor">
+            <a:schemeClr val="lt1"/>
+          </a:fontRef>
+        </p:style>
+        <p:txBody>
+          <a:bodyPr wrap="none" lIns="36000" tIns="36000" rIns="36000" bIns="36000" rtlCol="0" anchor="ctr" anchorCtr="0"/>
+          <a:lstStyle/>
+          <a:p>
+            <a:pPr algn="ctr"/>
+            <a:r>
+              <a:rPr lang="zh-CN" altLang="en-US" sz="1600" b="1">
+                <a:solidFill>
+                  <a:schemeClr val="tx1"/>
+                </a:solidFill>
+                <a:latin typeface="微软雅黑" panose="020B0503020204020204" pitchFamily="34" charset="-122"/>
+                <a:ea typeface="微软雅黑" panose="020B0503020204020204" pitchFamily="34" charset="-122"/>
+              </a:rPr>
+              <a:t>批准</a:t>
+            </a:r>
+            <a:endParaRPr lang="en-US" altLang="zh-CN" sz="1600" b="1">
+              <a:solidFill>
+                <a:schemeClr val="tx1"/>
+              </a:solidFill>
+              <a:latin typeface="微软雅黑" panose="020B0503020204020204" pitchFamily="34" charset="-122"/>
+              <a:ea typeface="微软雅黑" panose="020B0503020204020204" pitchFamily="34" charset="-122"/>
+            </a:endParaRPr>
+          </a:p>
+          <a:p>
+            <a:pPr algn="ctr"/>
+            <a:r>
+              <a:rPr lang="en-US" altLang="zh-CN" sz="1600" b="1">
+                <a:solidFill>
+                  <a:schemeClr val="tx1"/>
+                </a:solidFill>
+                <a:latin typeface="微软雅黑" panose="020B0503020204020204" pitchFamily="34" charset="-122"/>
+                <a:ea typeface="微软雅黑" panose="020B0503020204020204" pitchFamily="34" charset="-122"/>
+              </a:rPr>
+              <a:t>approve_temple</a:t>
+            </a:r>
+            <a:endParaRPr lang="zh-CN" altLang="en-US" sz="1600" b="1">
+              <a:solidFill>
+                <a:schemeClr val="tx1"/>
+              </a:solidFill>
+              <a:latin typeface="微软雅黑" panose="020B0503020204020204" pitchFamily="34" charset="-122"/>
+              <a:ea typeface="微软雅黑" panose="020B0503020204020204" pitchFamily="34" charset="-122"/>
+            </a:endParaRPr>
+          </a:p>
+        </p:txBody>
+      </p:sp>
+      <p:sp>
+        <p:nvSpPr>
+          <p:cNvPr id="89" name="矩形: 圆角 88">
+            <a:extLst>
+              <a:ext uri="{FF2B5EF4-FFF2-40B4-BE49-F238E27FC236}">
+                <a16:creationId xmlns:a16="http://schemas.microsoft.com/office/drawing/2014/main" id="{BCB76878-D819-48AC-AEB8-9F028A450BD7}"/>
+              </a:ext>
+            </a:extLst>
+          </p:cNvPr>
+          <p:cNvSpPr/>
+          <p:nvPr/>
+        </p:nvSpPr>
+        <p:spPr>
+          <a:xfrm>
+            <a:off x="710743" y="5942355"/>
+            <a:ext cx="1080000" cy="576000"/>
+          </a:xfrm>
+          <a:prstGeom prst="roundRect">
+            <a:avLst/>
+          </a:prstGeom>
+          <a:solidFill>
+            <a:srgbClr val="00B0F0"/>
+          </a:solidFill>
+          <a:ln>
+            <a:solidFill>
+              <a:schemeClr val="tx1"/>
+            </a:solidFill>
+          </a:ln>
+        </p:spPr>
+        <p:style>
+          <a:lnRef idx="2">
+            <a:schemeClr val="accent1">
+              <a:shade val="50000"/>
+            </a:schemeClr>
+          </a:lnRef>
+          <a:fillRef idx="1">
+            <a:schemeClr val="accent1"/>
+          </a:fillRef>
+          <a:effectRef idx="0">
+            <a:schemeClr val="accent1"/>
+          </a:effectRef>
+          <a:fontRef idx="minor">
+            <a:schemeClr val="lt1"/>
+          </a:fontRef>
+        </p:style>
+        <p:txBody>
+          <a:bodyPr wrap="none" lIns="36000" tIns="36000" rIns="36000" bIns="36000" rtlCol="0" anchor="ctr" anchorCtr="0"/>
+          <a:lstStyle/>
+          <a:p>
+            <a:pPr algn="ctr"/>
+            <a:r>
+              <a:rPr lang="zh-CN" altLang="en-US" sz="1600" b="1">
+                <a:solidFill>
+                  <a:schemeClr val="tx1"/>
+                </a:solidFill>
+                <a:latin typeface="微软雅黑" panose="020B0503020204020204" pitchFamily="34" charset="-122"/>
+                <a:ea typeface="微软雅黑" panose="020B0503020204020204" pitchFamily="34" charset="-122"/>
+              </a:rPr>
+              <a:t>申请者</a:t>
+            </a:r>
+          </a:p>
+        </p:txBody>
+      </p:sp>
+      <p:sp>
+        <p:nvSpPr>
+          <p:cNvPr id="106" name="矩形: 圆角 105">
+            <a:extLst>
+              <a:ext uri="{FF2B5EF4-FFF2-40B4-BE49-F238E27FC236}">
+                <a16:creationId xmlns:a16="http://schemas.microsoft.com/office/drawing/2014/main" id="{23A35783-45F3-492D-B983-D833D276F213}"/>
+              </a:ext>
+            </a:extLst>
+          </p:cNvPr>
+          <p:cNvSpPr/>
+          <p:nvPr/>
+        </p:nvSpPr>
+        <p:spPr>
+          <a:xfrm>
+            <a:off x="3549980" y="5906355"/>
+            <a:ext cx="2016000" cy="648000"/>
+          </a:xfrm>
+          <a:prstGeom prst="roundRect">
+            <a:avLst/>
+          </a:prstGeom>
+          <a:solidFill>
+            <a:srgbClr val="00B050"/>
+          </a:solidFill>
+          <a:ln>
+            <a:solidFill>
+              <a:schemeClr val="tx1"/>
+            </a:solidFill>
+          </a:ln>
+        </p:spPr>
+        <p:style>
+          <a:lnRef idx="2">
+            <a:schemeClr val="accent1">
+              <a:shade val="50000"/>
+            </a:schemeClr>
+          </a:lnRef>
+          <a:fillRef idx="1">
+            <a:schemeClr val="accent1"/>
+          </a:fillRef>
+          <a:effectRef idx="0">
+            <a:schemeClr val="accent1"/>
+          </a:effectRef>
+          <a:fontRef idx="minor">
+            <a:schemeClr val="lt1"/>
+          </a:fontRef>
+        </p:style>
+        <p:txBody>
+          <a:bodyPr wrap="none" lIns="36000" tIns="36000" rIns="36000" bIns="36000" rtlCol="0" anchor="ctr" anchorCtr="0"/>
+          <a:lstStyle/>
+          <a:p>
+            <a:pPr algn="ctr"/>
+            <a:r>
+              <a:rPr lang="zh-CN" altLang="en-US" sz="1600" b="1">
+                <a:solidFill>
+                  <a:schemeClr val="tx1"/>
+                </a:solidFill>
+                <a:latin typeface="微软雅黑" panose="020B0503020204020204" pitchFamily="34" charset="-122"/>
+                <a:ea typeface="微软雅黑" panose="020B0503020204020204" pitchFamily="34" charset="-122"/>
+              </a:rPr>
+              <a:t>判断身份</a:t>
+            </a:r>
+            <a:endParaRPr lang="en-US" altLang="zh-CN" sz="1600" b="1">
+              <a:solidFill>
+                <a:schemeClr val="tx1"/>
+              </a:solidFill>
+              <a:latin typeface="微软雅黑" panose="020B0503020204020204" pitchFamily="34" charset="-122"/>
+              <a:ea typeface="微软雅黑" panose="020B0503020204020204" pitchFamily="34" charset="-122"/>
+            </a:endParaRPr>
+          </a:p>
+          <a:p>
+            <a:pPr algn="ctr"/>
+            <a:r>
+              <a:rPr lang="en-US" altLang="zh-CN" sz="1600" b="1">
+                <a:solidFill>
+                  <a:schemeClr val="tx1"/>
+                </a:solidFill>
+                <a:latin typeface="微软雅黑" panose="020B0503020204020204" pitchFamily="34" charset="-122"/>
+                <a:ea typeface="微软雅黑" panose="020B0503020204020204" pitchFamily="34" charset="-122"/>
+              </a:rPr>
+              <a:t>is_temple</a:t>
+            </a:r>
+            <a:endParaRPr lang="zh-CN" altLang="en-US" sz="1600" b="1">
+              <a:solidFill>
+                <a:schemeClr val="tx1"/>
+              </a:solidFill>
+              <a:latin typeface="微软雅黑" panose="020B0503020204020204" pitchFamily="34" charset="-122"/>
+              <a:ea typeface="微软雅黑" panose="020B0503020204020204" pitchFamily="34" charset="-122"/>
+            </a:endParaRPr>
+          </a:p>
+        </p:txBody>
+      </p:sp>
       <p:cxnSp>
         <p:nvCxnSpPr>
           <p:cNvPr id="239" name="直接连接符 238">
@@ -13449,38 +11076,38 @@
                 <a:latin typeface="Consolas" panose="020B0609020204030204" pitchFamily="49" charset="0"/>
                 <a:ea typeface="微软雅黑" panose="020B0503020204020204" pitchFamily="34" charset="-122"/>
               </a:rPr>
-              <a:t>用户出售商品</a:t>
+              <a:t>申请成为寺院</a:t>
             </a:r>
           </a:p>
         </p:txBody>
       </p:sp>
       <p:cxnSp>
         <p:nvCxnSpPr>
-          <p:cNvPr id="34" name="直接箭头连接符 33">
-            <a:extLst>
-              <a:ext uri="{FF2B5EF4-FFF2-40B4-BE49-F238E27FC236}">
-                <a16:creationId xmlns:a16="http://schemas.microsoft.com/office/drawing/2014/main" id="{04A35C32-DA37-4EB7-A556-6952BCC806F0}"/>
+          <p:cNvPr id="30" name="直接箭头连接符 29">
+            <a:extLst>
+              <a:ext uri="{FF2B5EF4-FFF2-40B4-BE49-F238E27FC236}">
+                <a16:creationId xmlns:a16="http://schemas.microsoft.com/office/drawing/2014/main" id="{6D35BD7F-9341-4FAD-AA79-42D947CB3E9F}"/>
               </a:ext>
             </a:extLst>
           </p:cNvPr>
           <p:cNvCxnSpPr>
             <a:cxnSpLocks/>
-            <a:stCxn id="108" idx="3"/>
-            <a:endCxn id="35" idx="1"/>
+            <a:stCxn id="48" idx="3"/>
+            <a:endCxn id="53" idx="1"/>
           </p:cNvCxnSpPr>
           <p:nvPr/>
         </p:nvCxnSpPr>
         <p:spPr>
           <a:xfrm>
-            <a:off x="3293706" y="2244875"/>
-            <a:ext cx="1889356" cy="435621"/>
+            <a:off x="1792379" y="1780344"/>
+            <a:ext cx="1757601" cy="370910"/>
           </a:xfrm>
           <a:prstGeom prst="straightConnector1">
             <a:avLst/>
           </a:prstGeom>
-          <a:ln w="57150">
+          <a:ln w="31750">
             <a:solidFill>
-              <a:srgbClr val="FFC000"/>
+              <a:schemeClr val="tx1"/>
             </a:solidFill>
             <a:tailEnd type="triangle"/>
           </a:ln>
@@ -13500,12 +11127,58 @@
           </a:fontRef>
         </p:style>
       </p:cxnSp>
-      <p:sp>
-        <p:nvSpPr>
-          <p:cNvPr id="35" name="矩形: 圆角 34">
-            <a:extLst>
-              <a:ext uri="{FF2B5EF4-FFF2-40B4-BE49-F238E27FC236}">
-                <a16:creationId xmlns:a16="http://schemas.microsoft.com/office/drawing/2014/main" id="{4F499228-7684-41C5-9D8A-AF8960D92B69}"/>
+      <p:cxnSp>
+        <p:nvCxnSpPr>
+          <p:cNvPr id="33" name="直接箭头连接符 32">
+            <a:extLst>
+              <a:ext uri="{FF2B5EF4-FFF2-40B4-BE49-F238E27FC236}">
+                <a16:creationId xmlns:a16="http://schemas.microsoft.com/office/drawing/2014/main" id="{BAE5EA08-CCCD-448F-80E7-B1522490F990}"/>
+              </a:ext>
+            </a:extLst>
+          </p:cNvPr>
+          <p:cNvCxnSpPr>
+            <a:cxnSpLocks/>
+            <a:stCxn id="51" idx="3"/>
+            <a:endCxn id="53" idx="1"/>
+          </p:cNvCxnSpPr>
+          <p:nvPr/>
+        </p:nvCxnSpPr>
+        <p:spPr>
+          <a:xfrm flipV="1">
+            <a:off x="1790743" y="2151254"/>
+            <a:ext cx="1759237" cy="328964"/>
+          </a:xfrm>
+          <a:prstGeom prst="straightConnector1">
+            <a:avLst/>
+          </a:prstGeom>
+          <a:ln w="31750">
+            <a:solidFill>
+              <a:schemeClr val="tx1"/>
+            </a:solidFill>
+            <a:tailEnd type="triangle"/>
+          </a:ln>
+        </p:spPr>
+        <p:style>
+          <a:lnRef idx="1">
+            <a:schemeClr val="accent1"/>
+          </a:lnRef>
+          <a:fillRef idx="0">
+            <a:schemeClr val="accent1"/>
+          </a:fillRef>
+          <a:effectRef idx="0">
+            <a:schemeClr val="accent1"/>
+          </a:effectRef>
+          <a:fontRef idx="minor">
+            <a:schemeClr val="tx1"/>
+          </a:fontRef>
+        </p:style>
+      </p:cxnSp>
+      <p:sp>
+        <p:nvSpPr>
+          <p:cNvPr id="36" name="矩形: 圆角 35">
+            <a:extLst>
+              <a:ext uri="{FF2B5EF4-FFF2-40B4-BE49-F238E27FC236}">
+                <a16:creationId xmlns:a16="http://schemas.microsoft.com/office/drawing/2014/main" id="{75A7AA2D-75C0-464C-8D06-4B60815D81C4}"/>
               </a:ext>
             </a:extLst>
           </p:cNvPr>
@@ -13514,8 +11187,8 @@
         </p:nvSpPr>
         <p:spPr>
           <a:xfrm>
-            <a:off x="5183062" y="2482496"/>
-            <a:ext cx="1728000" cy="396000"/>
+            <a:off x="7454210" y="1869311"/>
+            <a:ext cx="1728000" cy="576295"/>
           </a:xfrm>
           <a:prstGeom prst="roundRect">
             <a:avLst/>
@@ -13560,38 +11233,65 @@
                 <a:latin typeface="微软雅黑" panose="020B0503020204020204" pitchFamily="34" charset="-122"/>
                 <a:ea typeface="微软雅黑" panose="020B0503020204020204" pitchFamily="34" charset="-122"/>
               </a:rPr>
-              <a:t>用户资产出售表</a:t>
-            </a:r>
+              <a:t>寺院表</a:t>
+            </a:r>
+            <a:endParaRPr lang="en-US" altLang="zh-CN" sz="1600" b="1">
+              <a:solidFill>
+                <a:schemeClr val="tx1"/>
+              </a:solidFill>
+              <a:latin typeface="微软雅黑" panose="020B0503020204020204" pitchFamily="34" charset="-122"/>
+              <a:ea typeface="微软雅黑" panose="020B0503020204020204" pitchFamily="34" charset="-122"/>
+            </a:endParaRPr>
+          </a:p>
+          <a:p>
+            <a:pPr algn="ctr"/>
+            <a:r>
+              <a:rPr lang="en-US" altLang="zh-CN" sz="1600" b="1">
+                <a:solidFill>
+                  <a:schemeClr val="tx1"/>
+                </a:solidFill>
+                <a:latin typeface="微软雅黑" panose="020B0503020204020204" pitchFamily="34" charset="-122"/>
+                <a:ea typeface="微软雅黑" panose="020B0503020204020204" pitchFamily="34" charset="-122"/>
+              </a:rPr>
+              <a:t>temple</a:t>
+            </a:r>
+            <a:endParaRPr lang="zh-CN" altLang="en-US" sz="1600" b="1">
+              <a:solidFill>
+                <a:schemeClr val="tx1"/>
+              </a:solidFill>
+              <a:latin typeface="微软雅黑" panose="020B0503020204020204" pitchFamily="34" charset="-122"/>
+              <a:ea typeface="微软雅黑" panose="020B0503020204020204" pitchFamily="34" charset="-122"/>
+            </a:endParaRPr>
           </a:p>
         </p:txBody>
       </p:sp>
       <p:cxnSp>
         <p:nvCxnSpPr>
-          <p:cNvPr id="37" name="直接箭头连接符 36">
-            <a:extLst>
-              <a:ext uri="{FF2B5EF4-FFF2-40B4-BE49-F238E27FC236}">
-                <a16:creationId xmlns:a16="http://schemas.microsoft.com/office/drawing/2014/main" id="{09768FC4-939C-4617-9AC3-78B6BFF6246A}"/>
+          <p:cNvPr id="39" name="直接箭头连接符 38">
+            <a:extLst>
+              <a:ext uri="{FF2B5EF4-FFF2-40B4-BE49-F238E27FC236}">
+                <a16:creationId xmlns:a16="http://schemas.microsoft.com/office/drawing/2014/main" id="{7C11B197-AA20-4AEC-9767-6C6D6C20E3EE}"/>
               </a:ext>
             </a:extLst>
           </p:cNvPr>
           <p:cNvCxnSpPr>
             <a:cxnSpLocks/>
-            <a:stCxn id="108" idx="3"/>
-            <a:endCxn id="38" idx="1"/>
+            <a:stCxn id="61" idx="3"/>
+            <a:endCxn id="101" idx="1"/>
           </p:cNvCxnSpPr>
           <p:nvPr/>
         </p:nvCxnSpPr>
         <p:spPr>
-          <a:xfrm flipV="1">
-            <a:off x="3293706" y="2027955"/>
-            <a:ext cx="1889356" cy="216920"/>
+          <a:xfrm>
+            <a:off x="1790743" y="3682510"/>
+            <a:ext cx="1759237" cy="0"/>
           </a:xfrm>
           <a:prstGeom prst="straightConnector1">
             <a:avLst/>
           </a:prstGeom>
-          <a:ln w="57150">
+          <a:ln w="31750">
             <a:solidFill>
-              <a:srgbClr val="FFC000"/>
+              <a:schemeClr val="tx1"/>
             </a:solidFill>
             <a:tailEnd type="triangle"/>
           </a:ln>
@@ -13611,12 +11311,104 @@
           </a:fontRef>
         </p:style>
       </p:cxnSp>
-      <p:sp>
-        <p:nvSpPr>
-          <p:cNvPr id="38" name="矩形: 圆角 37">
-            <a:extLst>
-              <a:ext uri="{FF2B5EF4-FFF2-40B4-BE49-F238E27FC236}">
-                <a16:creationId xmlns:a16="http://schemas.microsoft.com/office/drawing/2014/main" id="{49CB9022-016E-4FCA-8096-9D0AE8DC4761}"/>
+      <p:cxnSp>
+        <p:nvCxnSpPr>
+          <p:cNvPr id="42" name="直接箭头连接符 41">
+            <a:extLst>
+              <a:ext uri="{FF2B5EF4-FFF2-40B4-BE49-F238E27FC236}">
+                <a16:creationId xmlns:a16="http://schemas.microsoft.com/office/drawing/2014/main" id="{50A0194E-75A8-4602-A77E-12AF60A97D8E}"/>
+              </a:ext>
+            </a:extLst>
+          </p:cNvPr>
+          <p:cNvCxnSpPr>
+            <a:cxnSpLocks/>
+            <a:stCxn id="47" idx="3"/>
+            <a:endCxn id="49" idx="1"/>
+          </p:cNvCxnSpPr>
+          <p:nvPr/>
+        </p:nvCxnSpPr>
+        <p:spPr>
+          <a:xfrm>
+            <a:off x="1790743" y="4853241"/>
+            <a:ext cx="1759237" cy="0"/>
+          </a:xfrm>
+          <a:prstGeom prst="straightConnector1">
+            <a:avLst/>
+          </a:prstGeom>
+          <a:ln w="31750">
+            <a:solidFill>
+              <a:schemeClr val="tx1"/>
+            </a:solidFill>
+            <a:tailEnd type="triangle"/>
+          </a:ln>
+        </p:spPr>
+        <p:style>
+          <a:lnRef idx="1">
+            <a:schemeClr val="accent1"/>
+          </a:lnRef>
+          <a:fillRef idx="0">
+            <a:schemeClr val="accent1"/>
+          </a:fillRef>
+          <a:effectRef idx="0">
+            <a:schemeClr val="accent1"/>
+          </a:effectRef>
+          <a:fontRef idx="minor">
+            <a:schemeClr val="tx1"/>
+          </a:fontRef>
+        </p:style>
+      </p:cxnSp>
+      <p:cxnSp>
+        <p:nvCxnSpPr>
+          <p:cNvPr id="45" name="直接箭头连接符 44">
+            <a:extLst>
+              <a:ext uri="{FF2B5EF4-FFF2-40B4-BE49-F238E27FC236}">
+                <a16:creationId xmlns:a16="http://schemas.microsoft.com/office/drawing/2014/main" id="{2BAF5D67-B7D9-452A-9220-72C5BE5702FB}"/>
+              </a:ext>
+            </a:extLst>
+          </p:cNvPr>
+          <p:cNvCxnSpPr>
+            <a:cxnSpLocks/>
+            <a:stCxn id="89" idx="3"/>
+            <a:endCxn id="106" idx="1"/>
+          </p:cNvCxnSpPr>
+          <p:nvPr/>
+        </p:nvCxnSpPr>
+        <p:spPr>
+          <a:xfrm>
+            <a:off x="1790743" y="6230355"/>
+            <a:ext cx="1759237" cy="0"/>
+          </a:xfrm>
+          <a:prstGeom prst="straightConnector1">
+            <a:avLst/>
+          </a:prstGeom>
+          <a:ln w="31750">
+            <a:solidFill>
+              <a:schemeClr val="tx1"/>
+            </a:solidFill>
+            <a:tailEnd type="triangle"/>
+          </a:ln>
+        </p:spPr>
+        <p:style>
+          <a:lnRef idx="1">
+            <a:schemeClr val="accent1"/>
+          </a:lnRef>
+          <a:fillRef idx="0">
+            <a:schemeClr val="accent1"/>
+          </a:fillRef>
+          <a:effectRef idx="0">
+            <a:schemeClr val="accent1"/>
+          </a:effectRef>
+          <a:fontRef idx="minor">
+            <a:schemeClr val="tx1"/>
+          </a:fontRef>
+        </p:style>
+      </p:cxnSp>
+      <p:sp>
+        <p:nvSpPr>
+          <p:cNvPr id="50" name="矩形: 圆角 49">
+            <a:extLst>
+              <a:ext uri="{FF2B5EF4-FFF2-40B4-BE49-F238E27FC236}">
+                <a16:creationId xmlns:a16="http://schemas.microsoft.com/office/drawing/2014/main" id="{B820FC32-532B-4C2E-BF5E-DCE5F9481DF6}"/>
               </a:ext>
             </a:extLst>
           </p:cNvPr>
@@ -13625,8 +11417,8 @@
         </p:nvSpPr>
         <p:spPr>
           <a:xfrm>
-            <a:off x="5183062" y="1829955"/>
-            <a:ext cx="1728000" cy="396000"/>
+            <a:off x="7454210" y="3390369"/>
+            <a:ext cx="1728000" cy="576295"/>
           </a:xfrm>
           <a:prstGeom prst="roundRect">
             <a:avLst/>
@@ -13671,15 +11463,318 @@
                 <a:latin typeface="微软雅黑" panose="020B0503020204020204" pitchFamily="34" charset="-122"/>
                 <a:ea typeface="微软雅黑" panose="020B0503020204020204" pitchFamily="34" charset="-122"/>
               </a:rPr>
-              <a:t>用户当前资产表</a:t>
-            </a:r>
-          </a:p>
-        </p:txBody>
-      </p:sp>
+              <a:t>寺院表</a:t>
+            </a:r>
+            <a:endParaRPr lang="en-US" altLang="zh-CN" sz="1600" b="1">
+              <a:solidFill>
+                <a:schemeClr val="tx1"/>
+              </a:solidFill>
+              <a:latin typeface="微软雅黑" panose="020B0503020204020204" pitchFamily="34" charset="-122"/>
+              <a:ea typeface="微软雅黑" panose="020B0503020204020204" pitchFamily="34" charset="-122"/>
+            </a:endParaRPr>
+          </a:p>
+          <a:p>
+            <a:pPr algn="ctr"/>
+            <a:r>
+              <a:rPr lang="en-US" altLang="zh-CN" sz="1600" b="1">
+                <a:solidFill>
+                  <a:schemeClr val="tx1"/>
+                </a:solidFill>
+                <a:latin typeface="微软雅黑" panose="020B0503020204020204" pitchFamily="34" charset="-122"/>
+                <a:ea typeface="微软雅黑" panose="020B0503020204020204" pitchFamily="34" charset="-122"/>
+              </a:rPr>
+              <a:t>temple</a:t>
+            </a:r>
+            <a:endParaRPr lang="zh-CN" altLang="en-US" sz="1600" b="1">
+              <a:solidFill>
+                <a:schemeClr val="tx1"/>
+              </a:solidFill>
+              <a:latin typeface="微软雅黑" panose="020B0503020204020204" pitchFamily="34" charset="-122"/>
+              <a:ea typeface="微软雅黑" panose="020B0503020204020204" pitchFamily="34" charset="-122"/>
+            </a:endParaRPr>
+          </a:p>
+        </p:txBody>
+      </p:sp>
+      <p:sp>
+        <p:nvSpPr>
+          <p:cNvPr id="52" name="矩形: 圆角 51">
+            <a:extLst>
+              <a:ext uri="{FF2B5EF4-FFF2-40B4-BE49-F238E27FC236}">
+                <a16:creationId xmlns:a16="http://schemas.microsoft.com/office/drawing/2014/main" id="{09B1FE03-E64E-4975-AADD-F71CB563007F}"/>
+              </a:ext>
+            </a:extLst>
+          </p:cNvPr>
+          <p:cNvSpPr/>
+          <p:nvPr/>
+        </p:nvSpPr>
+        <p:spPr>
+          <a:xfrm>
+            <a:off x="7454210" y="4568884"/>
+            <a:ext cx="1728000" cy="576295"/>
+          </a:xfrm>
+          <a:prstGeom prst="roundRect">
+            <a:avLst/>
+          </a:prstGeom>
+          <a:solidFill>
+            <a:schemeClr val="bg1">
+              <a:lumMod val="95000"/>
+            </a:schemeClr>
+          </a:solidFill>
+          <a:ln>
+            <a:solidFill>
+              <a:schemeClr val="tx1"/>
+            </a:solidFill>
+          </a:ln>
+        </p:spPr>
+        <p:style>
+          <a:lnRef idx="2">
+            <a:schemeClr val="accent1">
+              <a:shade val="50000"/>
+            </a:schemeClr>
+          </a:lnRef>
+          <a:fillRef idx="1">
+            <a:schemeClr val="accent1"/>
+          </a:fillRef>
+          <a:effectRef idx="0">
+            <a:schemeClr val="accent1"/>
+          </a:effectRef>
+          <a:fontRef idx="minor">
+            <a:schemeClr val="lt1"/>
+          </a:fontRef>
+        </p:style>
+        <p:txBody>
+          <a:bodyPr wrap="none" lIns="36000" tIns="36000" rIns="36000" bIns="36000" rtlCol="0" anchor="ctr" anchorCtr="0"/>
+          <a:lstStyle/>
+          <a:p>
+            <a:pPr algn="ctr"/>
+            <a:r>
+              <a:rPr lang="zh-CN" altLang="en-US" sz="1600" b="1">
+                <a:solidFill>
+                  <a:schemeClr val="tx1"/>
+                </a:solidFill>
+                <a:latin typeface="微软雅黑" panose="020B0503020204020204" pitchFamily="34" charset="-122"/>
+                <a:ea typeface="微软雅黑" panose="020B0503020204020204" pitchFamily="34" charset="-122"/>
+              </a:rPr>
+              <a:t>寺院表</a:t>
+            </a:r>
+            <a:endParaRPr lang="en-US" altLang="zh-CN" sz="1600" b="1">
+              <a:solidFill>
+                <a:schemeClr val="tx1"/>
+              </a:solidFill>
+              <a:latin typeface="微软雅黑" panose="020B0503020204020204" pitchFamily="34" charset="-122"/>
+              <a:ea typeface="微软雅黑" panose="020B0503020204020204" pitchFamily="34" charset="-122"/>
+            </a:endParaRPr>
+          </a:p>
+          <a:p>
+            <a:pPr algn="ctr"/>
+            <a:r>
+              <a:rPr lang="en-US" altLang="zh-CN" sz="1600" b="1">
+                <a:solidFill>
+                  <a:schemeClr val="tx1"/>
+                </a:solidFill>
+                <a:latin typeface="微软雅黑" panose="020B0503020204020204" pitchFamily="34" charset="-122"/>
+                <a:ea typeface="微软雅黑" panose="020B0503020204020204" pitchFamily="34" charset="-122"/>
+              </a:rPr>
+              <a:t>temple</a:t>
+            </a:r>
+            <a:endParaRPr lang="zh-CN" altLang="en-US" sz="1600" b="1">
+              <a:solidFill>
+                <a:schemeClr val="tx1"/>
+              </a:solidFill>
+              <a:latin typeface="微软雅黑" panose="020B0503020204020204" pitchFamily="34" charset="-122"/>
+              <a:ea typeface="微软雅黑" panose="020B0503020204020204" pitchFamily="34" charset="-122"/>
+            </a:endParaRPr>
+          </a:p>
+        </p:txBody>
+      </p:sp>
+      <p:sp>
+        <p:nvSpPr>
+          <p:cNvPr id="54" name="矩形: 圆角 53">
+            <a:extLst>
+              <a:ext uri="{FF2B5EF4-FFF2-40B4-BE49-F238E27FC236}">
+                <a16:creationId xmlns:a16="http://schemas.microsoft.com/office/drawing/2014/main" id="{C9507054-03B8-437F-8382-358441382F62}"/>
+              </a:ext>
+            </a:extLst>
+          </p:cNvPr>
+          <p:cNvSpPr/>
+          <p:nvPr/>
+        </p:nvSpPr>
+        <p:spPr>
+          <a:xfrm>
+            <a:off x="7454210" y="5937926"/>
+            <a:ext cx="1728000" cy="576295"/>
+          </a:xfrm>
+          <a:prstGeom prst="roundRect">
+            <a:avLst/>
+          </a:prstGeom>
+          <a:solidFill>
+            <a:schemeClr val="bg1">
+              <a:lumMod val="95000"/>
+            </a:schemeClr>
+          </a:solidFill>
+          <a:ln>
+            <a:solidFill>
+              <a:schemeClr val="tx1"/>
+            </a:solidFill>
+          </a:ln>
+        </p:spPr>
+        <p:style>
+          <a:lnRef idx="2">
+            <a:schemeClr val="accent1">
+              <a:shade val="50000"/>
+            </a:schemeClr>
+          </a:lnRef>
+          <a:fillRef idx="1">
+            <a:schemeClr val="accent1"/>
+          </a:fillRef>
+          <a:effectRef idx="0">
+            <a:schemeClr val="accent1"/>
+          </a:effectRef>
+          <a:fontRef idx="minor">
+            <a:schemeClr val="lt1"/>
+          </a:fontRef>
+        </p:style>
+        <p:txBody>
+          <a:bodyPr wrap="none" lIns="36000" tIns="36000" rIns="36000" bIns="36000" rtlCol="0" anchor="ctr" anchorCtr="0"/>
+          <a:lstStyle/>
+          <a:p>
+            <a:pPr algn="ctr"/>
+            <a:r>
+              <a:rPr lang="zh-CN" altLang="en-US" sz="1600" b="1">
+                <a:solidFill>
+                  <a:schemeClr val="tx1"/>
+                </a:solidFill>
+                <a:latin typeface="微软雅黑" panose="020B0503020204020204" pitchFamily="34" charset="-122"/>
+                <a:ea typeface="微软雅黑" panose="020B0503020204020204" pitchFamily="34" charset="-122"/>
+              </a:rPr>
+              <a:t>寺院表</a:t>
+            </a:r>
+            <a:endParaRPr lang="en-US" altLang="zh-CN" sz="1600" b="1">
+              <a:solidFill>
+                <a:schemeClr val="tx1"/>
+              </a:solidFill>
+              <a:latin typeface="微软雅黑" panose="020B0503020204020204" pitchFamily="34" charset="-122"/>
+              <a:ea typeface="微软雅黑" panose="020B0503020204020204" pitchFamily="34" charset="-122"/>
+            </a:endParaRPr>
+          </a:p>
+          <a:p>
+            <a:pPr algn="ctr"/>
+            <a:r>
+              <a:rPr lang="en-US" altLang="zh-CN" sz="1600" b="1">
+                <a:solidFill>
+                  <a:schemeClr val="tx1"/>
+                </a:solidFill>
+                <a:latin typeface="微软雅黑" panose="020B0503020204020204" pitchFamily="34" charset="-122"/>
+                <a:ea typeface="微软雅黑" panose="020B0503020204020204" pitchFamily="34" charset="-122"/>
+              </a:rPr>
+              <a:t>temple</a:t>
+            </a:r>
+            <a:endParaRPr lang="zh-CN" altLang="en-US" sz="1600" b="1">
+              <a:solidFill>
+                <a:schemeClr val="tx1"/>
+              </a:solidFill>
+              <a:latin typeface="微软雅黑" panose="020B0503020204020204" pitchFamily="34" charset="-122"/>
+              <a:ea typeface="微软雅黑" panose="020B0503020204020204" pitchFamily="34" charset="-122"/>
+            </a:endParaRPr>
+          </a:p>
+        </p:txBody>
+      </p:sp>
+      <p:cxnSp>
+        <p:nvCxnSpPr>
+          <p:cNvPr id="57" name="直接箭头连接符 56">
+            <a:extLst>
+              <a:ext uri="{FF2B5EF4-FFF2-40B4-BE49-F238E27FC236}">
+                <a16:creationId xmlns:a16="http://schemas.microsoft.com/office/drawing/2014/main" id="{C094293E-A705-41CB-BEA9-46C8B5CAF913}"/>
+              </a:ext>
+            </a:extLst>
+          </p:cNvPr>
+          <p:cNvCxnSpPr>
+            <a:cxnSpLocks/>
+            <a:stCxn id="50" idx="1"/>
+            <a:endCxn id="101" idx="3"/>
+          </p:cNvCxnSpPr>
+          <p:nvPr/>
+        </p:nvCxnSpPr>
+        <p:spPr>
+          <a:xfrm flipH="1">
+            <a:off x="5565980" y="3678517"/>
+            <a:ext cx="1888230" cy="3993"/>
+          </a:xfrm>
+          <a:prstGeom prst="straightConnector1">
+            <a:avLst/>
+          </a:prstGeom>
+          <a:ln w="57150">
+            <a:solidFill>
+              <a:srgbClr val="FF0000"/>
+            </a:solidFill>
+            <a:tailEnd type="triangle"/>
+          </a:ln>
+        </p:spPr>
+        <p:style>
+          <a:lnRef idx="1">
+            <a:schemeClr val="accent1"/>
+          </a:lnRef>
+          <a:fillRef idx="0">
+            <a:schemeClr val="accent1"/>
+          </a:fillRef>
+          <a:effectRef idx="0">
+            <a:schemeClr val="accent1"/>
+          </a:effectRef>
+          <a:fontRef idx="minor">
+            <a:schemeClr val="tx1"/>
+          </a:fontRef>
+        </p:style>
+      </p:cxnSp>
+      <p:cxnSp>
+        <p:nvCxnSpPr>
+          <p:cNvPr id="60" name="直接箭头连接符 59">
+            <a:extLst>
+              <a:ext uri="{FF2B5EF4-FFF2-40B4-BE49-F238E27FC236}">
+                <a16:creationId xmlns:a16="http://schemas.microsoft.com/office/drawing/2014/main" id="{7D59CCE1-D8D3-435B-93AA-72780D2CB287}"/>
+              </a:ext>
+            </a:extLst>
+          </p:cNvPr>
+          <p:cNvCxnSpPr>
+            <a:cxnSpLocks/>
+            <a:stCxn id="54" idx="1"/>
+            <a:endCxn id="106" idx="3"/>
+          </p:cNvCxnSpPr>
+          <p:nvPr/>
+        </p:nvCxnSpPr>
+        <p:spPr>
+          <a:xfrm flipH="1">
+            <a:off x="5565980" y="6226074"/>
+            <a:ext cx="1888230" cy="4281"/>
+          </a:xfrm>
+          <a:prstGeom prst="straightConnector1">
+            <a:avLst/>
+          </a:prstGeom>
+          <a:ln w="57150">
+            <a:solidFill>
+              <a:srgbClr val="FF0000"/>
+            </a:solidFill>
+            <a:tailEnd type="triangle"/>
+          </a:ln>
+        </p:spPr>
+        <p:style>
+          <a:lnRef idx="1">
+            <a:schemeClr val="accent1"/>
+          </a:lnRef>
+          <a:fillRef idx="0">
+            <a:schemeClr val="accent1"/>
+          </a:fillRef>
+          <a:effectRef idx="0">
+            <a:schemeClr val="accent1"/>
+          </a:effectRef>
+          <a:fontRef idx="minor">
+            <a:schemeClr val="tx1"/>
+          </a:fontRef>
+        </p:style>
+      </p:cxnSp>
     </p:spTree>
     <p:extLst>
       <p:ext uri="{BB962C8B-B14F-4D97-AF65-F5344CB8AC3E}">
-        <p14:creationId xmlns:p14="http://schemas.microsoft.com/office/powerpoint/2010/main" val="3030828946"/>
+        <p14:creationId xmlns:p14="http://schemas.microsoft.com/office/powerpoint/2010/main" val="299805614"/>
       </p:ext>
     </p:extLst>
   </p:cSld>

--- a/doc/03.角色.pptx
+++ b/doc/03.角色.pptx
@@ -281,7 +281,7 @@
           <a:p>
             <a:fld id="{1B7BBEA4-24BC-4F9A-BA49-26A596A24E96}" type="datetimeFigureOut">
               <a:rPr lang="zh-CN" altLang="en-US" smtClean="0"/>
-              <a:t>2021/4/13</a:t>
+              <a:t>2021/4/14</a:t>
             </a:fld>
             <a:endParaRPr lang="zh-CN" altLang="en-US"/>
           </a:p>
@@ -479,7 +479,7 @@
           <a:p>
             <a:fld id="{1B7BBEA4-24BC-4F9A-BA49-26A596A24E96}" type="datetimeFigureOut">
               <a:rPr lang="zh-CN" altLang="en-US" smtClean="0"/>
-              <a:t>2021/4/13</a:t>
+              <a:t>2021/4/14</a:t>
             </a:fld>
             <a:endParaRPr lang="zh-CN" altLang="en-US"/>
           </a:p>
@@ -687,7 +687,7 @@
           <a:p>
             <a:fld id="{1B7BBEA4-24BC-4F9A-BA49-26A596A24E96}" type="datetimeFigureOut">
               <a:rPr lang="zh-CN" altLang="en-US" smtClean="0"/>
-              <a:t>2021/4/13</a:t>
+              <a:t>2021/4/14</a:t>
             </a:fld>
             <a:endParaRPr lang="zh-CN" altLang="en-US"/>
           </a:p>
@@ -885,7 +885,7 @@
           <a:p>
             <a:fld id="{1B7BBEA4-24BC-4F9A-BA49-26A596A24E96}" type="datetimeFigureOut">
               <a:rPr lang="zh-CN" altLang="en-US" smtClean="0"/>
-              <a:t>2021/4/13</a:t>
+              <a:t>2021/4/14</a:t>
             </a:fld>
             <a:endParaRPr lang="zh-CN" altLang="en-US"/>
           </a:p>
@@ -1160,7 +1160,7 @@
           <a:p>
             <a:fld id="{1B7BBEA4-24BC-4F9A-BA49-26A596A24E96}" type="datetimeFigureOut">
               <a:rPr lang="zh-CN" altLang="en-US" smtClean="0"/>
-              <a:t>2021/4/13</a:t>
+              <a:t>2021/4/14</a:t>
             </a:fld>
             <a:endParaRPr lang="zh-CN" altLang="en-US"/>
           </a:p>
@@ -1425,7 +1425,7 @@
           <a:p>
             <a:fld id="{1B7BBEA4-24BC-4F9A-BA49-26A596A24E96}" type="datetimeFigureOut">
               <a:rPr lang="zh-CN" altLang="en-US" smtClean="0"/>
-              <a:t>2021/4/13</a:t>
+              <a:t>2021/4/14</a:t>
             </a:fld>
             <a:endParaRPr lang="zh-CN" altLang="en-US"/>
           </a:p>
@@ -1837,7 +1837,7 @@
           <a:p>
             <a:fld id="{1B7BBEA4-24BC-4F9A-BA49-26A596A24E96}" type="datetimeFigureOut">
               <a:rPr lang="zh-CN" altLang="en-US" smtClean="0"/>
-              <a:t>2021/4/13</a:t>
+              <a:t>2021/4/14</a:t>
             </a:fld>
             <a:endParaRPr lang="zh-CN" altLang="en-US"/>
           </a:p>
@@ -1978,7 +1978,7 @@
           <a:p>
             <a:fld id="{1B7BBEA4-24BC-4F9A-BA49-26A596A24E96}" type="datetimeFigureOut">
               <a:rPr lang="zh-CN" altLang="en-US" smtClean="0"/>
-              <a:t>2021/4/13</a:t>
+              <a:t>2021/4/14</a:t>
             </a:fld>
             <a:endParaRPr lang="zh-CN" altLang="en-US"/>
           </a:p>
@@ -2091,7 +2091,7 @@
           <a:p>
             <a:fld id="{1B7BBEA4-24BC-4F9A-BA49-26A596A24E96}" type="datetimeFigureOut">
               <a:rPr lang="zh-CN" altLang="en-US" smtClean="0"/>
-              <a:t>2021/4/13</a:t>
+              <a:t>2021/4/14</a:t>
             </a:fld>
             <a:endParaRPr lang="zh-CN" altLang="en-US"/>
           </a:p>
@@ -2402,7 +2402,7 @@
           <a:p>
             <a:fld id="{1B7BBEA4-24BC-4F9A-BA49-26A596A24E96}" type="datetimeFigureOut">
               <a:rPr lang="zh-CN" altLang="en-US" smtClean="0"/>
-              <a:t>2021/4/13</a:t>
+              <a:t>2021/4/14</a:t>
             </a:fld>
             <a:endParaRPr lang="zh-CN" altLang="en-US"/>
           </a:p>
@@ -2690,7 +2690,7 @@
           <a:p>
             <a:fld id="{1B7BBEA4-24BC-4F9A-BA49-26A596A24E96}" type="datetimeFigureOut">
               <a:rPr lang="zh-CN" altLang="en-US" smtClean="0"/>
-              <a:t>2021/4/13</a:t>
+              <a:t>2021/4/14</a:t>
             </a:fld>
             <a:endParaRPr lang="zh-CN" altLang="en-US"/>
           </a:p>
@@ -2931,7 +2931,7 @@
           <a:p>
             <a:fld id="{1B7BBEA4-24BC-4F9A-BA49-26A596A24E96}" type="datetimeFigureOut">
               <a:rPr lang="zh-CN" altLang="en-US" smtClean="0"/>
-              <a:t>2021/4/13</a:t>
+              <a:t>2021/4/14</a:t>
             </a:fld>
             <a:endParaRPr lang="zh-CN" altLang="en-US"/>
           </a:p>
@@ -3489,10 +3489,10 @@
       </p:sp>
       <p:grpSp>
         <p:nvGrpSpPr>
-          <p:cNvPr id="38" name="组合 37">
-            <a:extLst>
-              <a:ext uri="{FF2B5EF4-FFF2-40B4-BE49-F238E27FC236}">
-                <a16:creationId xmlns:a16="http://schemas.microsoft.com/office/drawing/2014/main" id="{BC521525-960C-48FD-9CC4-86982E1A08D1}"/>
+          <p:cNvPr id="10" name="组合 9">
+            <a:extLst>
+              <a:ext uri="{FF2B5EF4-FFF2-40B4-BE49-F238E27FC236}">
+                <a16:creationId xmlns:a16="http://schemas.microsoft.com/office/drawing/2014/main" id="{21C8E9AE-EDCD-45C2-8521-E7E391C3F710}"/>
               </a:ext>
             </a:extLst>
           </p:cNvPr>
@@ -3501,18 +3501,18 @@
         </p:nvGrpSpPr>
         <p:grpSpPr>
           <a:xfrm>
-            <a:off x="1199043" y="4571743"/>
+            <a:off x="1199043" y="1043775"/>
             <a:ext cx="6634783" cy="369332"/>
-            <a:chOff x="2259623" y="2182542"/>
+            <a:chOff x="1199043" y="1043775"/>
             <a:chExt cx="6634783" cy="369332"/>
           </a:xfrm>
         </p:grpSpPr>
         <p:sp>
           <p:nvSpPr>
-            <p:cNvPr id="39" name="箭头: V 形 38">
+            <p:cNvPr id="36" name="箭头: V 形 35">
               <a:extLst>
                 <a:ext uri="{FF2B5EF4-FFF2-40B4-BE49-F238E27FC236}">
-                  <a16:creationId xmlns:a16="http://schemas.microsoft.com/office/drawing/2014/main" id="{4A68BB4A-7C53-4396-9A18-70EB469EDEE9}"/>
+                  <a16:creationId xmlns:a16="http://schemas.microsoft.com/office/drawing/2014/main" id="{79C143AB-EE78-4100-92B9-EC49199FD5AA}"/>
                 </a:ext>
               </a:extLst>
             </p:cNvPr>
@@ -3521,7 +3521,7 @@
           </p:nvSpPr>
           <p:spPr>
             <a:xfrm>
-              <a:off x="2259623" y="2277208"/>
+              <a:off x="1199043" y="1138441"/>
               <a:ext cx="324000" cy="180000"/>
             </a:xfrm>
             <a:prstGeom prst="chevron">
@@ -3559,10 +3559,10 @@
         </p:sp>
         <p:sp>
           <p:nvSpPr>
-            <p:cNvPr id="40" name="文本框 39">
+            <p:cNvPr id="37" name="文本框 36">
               <a:extLst>
                 <a:ext uri="{FF2B5EF4-FFF2-40B4-BE49-F238E27FC236}">
-                  <a16:creationId xmlns:a16="http://schemas.microsoft.com/office/drawing/2014/main" id="{E9F6A35D-F1C7-493E-B064-A2FADF049FBD}"/>
+                  <a16:creationId xmlns:a16="http://schemas.microsoft.com/office/drawing/2014/main" id="{7A396B97-2CC0-492E-A451-CDEA62822C14}"/>
                 </a:ext>
               </a:extLst>
             </p:cNvPr>
@@ -3571,7 +3571,7 @@
           </p:nvSpPr>
           <p:spPr>
             <a:xfrm>
-              <a:off x="2796852" y="2182542"/>
+              <a:off x="1736272" y="1043775"/>
               <a:ext cx="6097554" cy="369332"/>
             </a:xfrm>
             <a:prstGeom prst="rect">
@@ -3586,11 +3586,11 @@
             <a:lstStyle/>
             <a:p>
               <a:r>
-                <a:rPr lang="zh-CN" altLang="en-US" sz="1800" b="1">
+                <a:rPr lang="zh-CN" altLang="en-US" b="1">
                   <a:latin typeface="Consolas" panose="020B0609020204030204" pitchFamily="49" charset="0"/>
                   <a:ea typeface="微软雅黑" panose="020B0503020204020204" pitchFamily="34" charset="-122"/>
                 </a:rPr>
-                <a:t>用户购买平台商品</a:t>
+                <a:t>表结构</a:t>
               </a:r>
               <a:endParaRPr lang="zh-CN" altLang="en-US"/>
             </a:p>
@@ -3599,10 +3599,10 @@
       </p:grpSp>
       <p:grpSp>
         <p:nvGrpSpPr>
-          <p:cNvPr id="41" name="组合 40">
-            <a:extLst>
-              <a:ext uri="{FF2B5EF4-FFF2-40B4-BE49-F238E27FC236}">
-                <a16:creationId xmlns:a16="http://schemas.microsoft.com/office/drawing/2014/main" id="{EB51D245-B715-4332-A0DB-60096F4B151D}"/>
+          <p:cNvPr id="11" name="组合 10">
+            <a:extLst>
+              <a:ext uri="{FF2B5EF4-FFF2-40B4-BE49-F238E27FC236}">
+                <a16:creationId xmlns:a16="http://schemas.microsoft.com/office/drawing/2014/main" id="{A1D4BC4E-8A24-4FEA-B3FB-7A9DA004FB60}"/>
               </a:ext>
             </a:extLst>
           </p:cNvPr>
@@ -3611,18 +3611,18 @@
         </p:nvGrpSpPr>
         <p:grpSpPr>
           <a:xfrm>
-            <a:off x="1199043" y="5040110"/>
+            <a:off x="1199043" y="4720702"/>
             <a:ext cx="6634783" cy="369332"/>
-            <a:chOff x="2259623" y="2182542"/>
+            <a:chOff x="1199043" y="4720702"/>
             <a:chExt cx="6634783" cy="369332"/>
           </a:xfrm>
         </p:grpSpPr>
         <p:sp>
           <p:nvSpPr>
-            <p:cNvPr id="42" name="箭头: V 形 41">
+            <p:cNvPr id="47" name="箭头: V 形 46">
               <a:extLst>
                 <a:ext uri="{FF2B5EF4-FFF2-40B4-BE49-F238E27FC236}">
-                  <a16:creationId xmlns:a16="http://schemas.microsoft.com/office/drawing/2014/main" id="{3BC4E077-AC6F-4955-9786-E646B8FE9CAC}"/>
+                  <a16:creationId xmlns:a16="http://schemas.microsoft.com/office/drawing/2014/main" id="{159881B0-C82D-4A06-8125-DAFB68B32471}"/>
                 </a:ext>
               </a:extLst>
             </p:cNvPr>
@@ -3631,7 +3631,7 @@
           </p:nvSpPr>
           <p:spPr>
             <a:xfrm>
-              <a:off x="2259623" y="2277208"/>
+              <a:off x="1199043" y="4815368"/>
               <a:ext cx="324000" cy="180000"/>
             </a:xfrm>
             <a:prstGeom prst="chevron">
@@ -3669,10 +3669,10 @@
         </p:sp>
         <p:sp>
           <p:nvSpPr>
-            <p:cNvPr id="43" name="文本框 42">
+            <p:cNvPr id="48" name="文本框 47">
               <a:extLst>
                 <a:ext uri="{FF2B5EF4-FFF2-40B4-BE49-F238E27FC236}">
-                  <a16:creationId xmlns:a16="http://schemas.microsoft.com/office/drawing/2014/main" id="{5D269F70-BA56-4E86-991F-3E2FE3DFF7B6}"/>
+                  <a16:creationId xmlns:a16="http://schemas.microsoft.com/office/drawing/2014/main" id="{07FB93D6-DBA5-4E87-AE16-0C44C9CAB455}"/>
                 </a:ext>
               </a:extLst>
             </p:cNvPr>
@@ -3681,7 +3681,7 @@
           </p:nvSpPr>
           <p:spPr>
             <a:xfrm>
-              <a:off x="2796852" y="2182542"/>
+              <a:off x="1736272" y="4720702"/>
               <a:ext cx="6097554" cy="369332"/>
             </a:xfrm>
             <a:prstGeom prst="rect">
@@ -3696,23 +3696,26 @@
             <a:lstStyle/>
             <a:p>
               <a:r>
-                <a:rPr lang="zh-CN" altLang="en-US" sz="1800" b="1">
+                <a:rPr lang="zh-CN" altLang="en-US" b="1">
                   <a:latin typeface="Consolas" panose="020B0609020204030204" pitchFamily="49" charset="0"/>
                   <a:ea typeface="微软雅黑" panose="020B0503020204020204" pitchFamily="34" charset="-122"/>
                 </a:rPr>
-                <a:t>用户发布商品</a:t>
+                <a:t>流程及接口</a:t>
               </a:r>
-              <a:endParaRPr lang="zh-CN" altLang="en-US"/>
+              <a:endParaRPr lang="zh-CN" altLang="en-US" sz="1800" b="1">
+                <a:latin typeface="Consolas" panose="020B0609020204030204" pitchFamily="49" charset="0"/>
+                <a:ea typeface="微软雅黑" panose="020B0503020204020204" pitchFamily="34" charset="-122"/>
+              </a:endParaRPr>
             </a:p>
           </p:txBody>
         </p:sp>
       </p:grpSp>
       <p:grpSp>
         <p:nvGrpSpPr>
-          <p:cNvPr id="44" name="组合 43">
-            <a:extLst>
-              <a:ext uri="{FF2B5EF4-FFF2-40B4-BE49-F238E27FC236}">
-                <a16:creationId xmlns:a16="http://schemas.microsoft.com/office/drawing/2014/main" id="{9B711DA0-10CD-461C-B9CE-F3E272C1D39C}"/>
+          <p:cNvPr id="3" name="组合 2">
+            <a:extLst>
+              <a:ext uri="{FF2B5EF4-FFF2-40B4-BE49-F238E27FC236}">
+                <a16:creationId xmlns:a16="http://schemas.microsoft.com/office/drawing/2014/main" id="{53FA45B6-0A37-4928-9021-E8CC8FDEF9CC}"/>
               </a:ext>
             </a:extLst>
           </p:cNvPr>
@@ -3721,18 +3724,58 @@
         </p:nvGrpSpPr>
         <p:grpSpPr>
           <a:xfrm>
-            <a:off x="1199043" y="5508477"/>
-            <a:ext cx="6634783" cy="369332"/>
-            <a:chOff x="2259623" y="2182542"/>
-            <a:chExt cx="6634783" cy="369332"/>
+            <a:off x="1628272" y="1548091"/>
+            <a:ext cx="6485472" cy="369332"/>
+            <a:chOff x="1628272" y="1548091"/>
+            <a:chExt cx="6485472" cy="369332"/>
           </a:xfrm>
         </p:grpSpPr>
         <p:sp>
           <p:nvSpPr>
-            <p:cNvPr id="45" name="箭头: V 形 44">
+            <p:cNvPr id="58" name="文本框 57">
               <a:extLst>
                 <a:ext uri="{FF2B5EF4-FFF2-40B4-BE49-F238E27FC236}">
-                  <a16:creationId xmlns:a16="http://schemas.microsoft.com/office/drawing/2014/main" id="{24CFCFE2-EA6A-4F81-A4B0-ECC7577EC338}"/>
+                  <a16:creationId xmlns:a16="http://schemas.microsoft.com/office/drawing/2014/main" id="{7DB18B8A-4E84-438F-98A9-6CD82AF26E8F}"/>
+                </a:ext>
+              </a:extLst>
+            </p:cNvPr>
+            <p:cNvSpPr txBox="1"/>
+            <p:nvPr/>
+          </p:nvSpPr>
+          <p:spPr>
+            <a:xfrm>
+              <a:off x="2016190" y="1548091"/>
+              <a:ext cx="6097554" cy="369332"/>
+            </a:xfrm>
+            <a:prstGeom prst="rect">
+              <a:avLst/>
+            </a:prstGeom>
+            <a:noFill/>
+          </p:spPr>
+          <p:txBody>
+            <a:bodyPr wrap="square">
+              <a:spAutoFit/>
+            </a:bodyPr>
+            <a:lstStyle/>
+            <a:p>
+              <a:r>
+                <a:rPr lang="zh-CN" altLang="en-US" b="1">
+                  <a:latin typeface="Consolas" panose="020B0609020204030204" pitchFamily="49" charset="0"/>
+                  <a:ea typeface="微软雅黑" panose="020B0503020204020204" pitchFamily="34" charset="-122"/>
+                  <a:hlinkClick r:id="rId2" action="ppaction://hlinksldjump"/>
+                </a:rPr>
+                <a:t>角色</a:t>
+              </a:r>
+              <a:endParaRPr lang="zh-CN" altLang="en-US"/>
+            </a:p>
+          </p:txBody>
+        </p:sp>
+        <p:sp>
+          <p:nvSpPr>
+            <p:cNvPr id="49" name="菱形 48">
+              <a:extLst>
+                <a:ext uri="{FF2B5EF4-FFF2-40B4-BE49-F238E27FC236}">
+                  <a16:creationId xmlns:a16="http://schemas.microsoft.com/office/drawing/2014/main" id="{8D3A5A8D-76EF-4594-B57E-FD826F84F1F3}"/>
                 </a:ext>
               </a:extLst>
             </p:cNvPr>
@@ -3741,10 +3784,10 @@
           </p:nvSpPr>
           <p:spPr>
             <a:xfrm>
-              <a:off x="2259623" y="2277208"/>
-              <a:ext cx="324000" cy="180000"/>
+              <a:off x="1628272" y="1624757"/>
+              <a:ext cx="216000" cy="216000"/>
             </a:xfrm>
-            <a:prstGeom prst="chevron">
+            <a:prstGeom prst="diamond">
               <a:avLst/>
             </a:prstGeom>
           </p:spPr>
@@ -3769,20 +3812,37 @@
             <a:lstStyle/>
             <a:p>
               <a:pPr algn="ctr"/>
-              <a:endParaRPr lang="zh-CN" altLang="en-US">
-                <a:solidFill>
-                  <a:schemeClr val="tx1"/>
-                </a:solidFill>
-              </a:endParaRPr>
+              <a:endParaRPr lang="zh-CN" altLang="en-US"/>
             </a:p>
           </p:txBody>
         </p:sp>
+      </p:grpSp>
+      <p:grpSp>
+        <p:nvGrpSpPr>
+          <p:cNvPr id="4" name="组合 3">
+            <a:extLst>
+              <a:ext uri="{FF2B5EF4-FFF2-40B4-BE49-F238E27FC236}">
+                <a16:creationId xmlns:a16="http://schemas.microsoft.com/office/drawing/2014/main" id="{2F9A4C49-0489-41AC-A76E-7E5A29D9D00F}"/>
+              </a:ext>
+            </a:extLst>
+          </p:cNvPr>
+          <p:cNvGrpSpPr/>
+          <p:nvPr/>
+        </p:nvGrpSpPr>
+        <p:grpSpPr>
+          <a:xfrm>
+            <a:off x="1628272" y="1972597"/>
+            <a:ext cx="6485472" cy="369332"/>
+            <a:chOff x="1628272" y="1988082"/>
+            <a:chExt cx="6485472" cy="369332"/>
+          </a:xfrm>
+        </p:grpSpPr>
         <p:sp>
           <p:nvSpPr>
-            <p:cNvPr id="46" name="文本框 45">
+            <p:cNvPr id="68" name="文本框 67">
               <a:extLst>
                 <a:ext uri="{FF2B5EF4-FFF2-40B4-BE49-F238E27FC236}">
-                  <a16:creationId xmlns:a16="http://schemas.microsoft.com/office/drawing/2014/main" id="{4B7A6BFD-5584-4F59-AC3B-3373DE532DC9}"/>
+                  <a16:creationId xmlns:a16="http://schemas.microsoft.com/office/drawing/2014/main" id="{9D8DB7C7-F8A6-49B7-996B-4513FDDD26B5}"/>
                 </a:ext>
               </a:extLst>
             </p:cNvPr>
@@ -3791,7 +3851,7 @@
           </p:nvSpPr>
           <p:spPr>
             <a:xfrm>
-              <a:off x="2796852" y="2182542"/>
+              <a:off x="2016190" y="1988082"/>
               <a:ext cx="6097554" cy="369332"/>
             </a:xfrm>
             <a:prstGeom prst="rect">
@@ -3806,43 +3866,23 @@
             <a:lstStyle/>
             <a:p>
               <a:r>
-                <a:rPr lang="zh-CN" altLang="en-US" sz="1800" b="1">
+                <a:rPr lang="zh-CN" altLang="en-US" b="1">
                   <a:latin typeface="Consolas" panose="020B0609020204030204" pitchFamily="49" charset="0"/>
                   <a:ea typeface="微软雅黑" panose="020B0503020204020204" pitchFamily="34" charset="-122"/>
+                  <a:hlinkClick r:id="rId3" action="ppaction://hlinksldjump"/>
                 </a:rPr>
-                <a:t>购买用户商品</a:t>
+                <a:t>游客</a:t>
               </a:r>
               <a:endParaRPr lang="zh-CN" altLang="en-US"/>
             </a:p>
           </p:txBody>
         </p:sp>
-      </p:grpSp>
-      <p:grpSp>
-        <p:nvGrpSpPr>
-          <p:cNvPr id="56" name="组合 55">
-            <a:extLst>
-              <a:ext uri="{FF2B5EF4-FFF2-40B4-BE49-F238E27FC236}">
-                <a16:creationId xmlns:a16="http://schemas.microsoft.com/office/drawing/2014/main" id="{C2FC795F-5A4D-46B5-BE93-147D6B853AE8}"/>
-              </a:ext>
-            </a:extLst>
-          </p:cNvPr>
-          <p:cNvGrpSpPr/>
-          <p:nvPr/>
-        </p:nvGrpSpPr>
-        <p:grpSpPr>
-          <a:xfrm>
-            <a:off x="1199043" y="1548091"/>
-            <a:ext cx="6634783" cy="369332"/>
-            <a:chOff x="2259623" y="2182542"/>
-            <a:chExt cx="6634783" cy="369332"/>
-          </a:xfrm>
-        </p:grpSpPr>
         <p:sp>
           <p:nvSpPr>
-            <p:cNvPr id="57" name="箭头: V 形 56">
+            <p:cNvPr id="50" name="菱形 49">
               <a:extLst>
                 <a:ext uri="{FF2B5EF4-FFF2-40B4-BE49-F238E27FC236}">
-                  <a16:creationId xmlns:a16="http://schemas.microsoft.com/office/drawing/2014/main" id="{4587E532-9F76-416E-8C53-6DCB35B93B3C}"/>
+                  <a16:creationId xmlns:a16="http://schemas.microsoft.com/office/drawing/2014/main" id="{54458224-26DE-4AAE-9EE0-FDF77CA9D5D2}"/>
                 </a:ext>
               </a:extLst>
             </p:cNvPr>
@@ -3851,10 +3891,10 @@
           </p:nvSpPr>
           <p:spPr>
             <a:xfrm>
-              <a:off x="2259623" y="2277208"/>
-              <a:ext cx="324000" cy="180000"/>
+              <a:off x="1628272" y="2064748"/>
+              <a:ext cx="216000" cy="216000"/>
             </a:xfrm>
-            <a:prstGeom prst="chevron">
+            <a:prstGeom prst="diamond">
               <a:avLst/>
             </a:prstGeom>
           </p:spPr>
@@ -3879,20 +3919,37 @@
             <a:lstStyle/>
             <a:p>
               <a:pPr algn="ctr"/>
-              <a:endParaRPr lang="zh-CN" altLang="en-US">
-                <a:solidFill>
-                  <a:schemeClr val="tx1"/>
-                </a:solidFill>
-              </a:endParaRPr>
+              <a:endParaRPr lang="zh-CN" altLang="en-US"/>
             </a:p>
           </p:txBody>
         </p:sp>
+      </p:grpSp>
+      <p:grpSp>
+        <p:nvGrpSpPr>
+          <p:cNvPr id="5" name="组合 4">
+            <a:extLst>
+              <a:ext uri="{FF2B5EF4-FFF2-40B4-BE49-F238E27FC236}">
+                <a16:creationId xmlns:a16="http://schemas.microsoft.com/office/drawing/2014/main" id="{A0563880-E143-4B77-8B97-A3A5C322F39B}"/>
+              </a:ext>
+            </a:extLst>
+          </p:cNvPr>
+          <p:cNvGrpSpPr/>
+          <p:nvPr/>
+        </p:nvGrpSpPr>
+        <p:grpSpPr>
+          <a:xfrm>
+            <a:off x="1628272" y="2397103"/>
+            <a:ext cx="6485472" cy="369332"/>
+            <a:chOff x="1628272" y="2488205"/>
+            <a:chExt cx="6485472" cy="369332"/>
+          </a:xfrm>
+        </p:grpSpPr>
         <p:sp>
           <p:nvSpPr>
-            <p:cNvPr id="58" name="文本框 57">
+            <p:cNvPr id="25" name="文本框 24">
               <a:extLst>
                 <a:ext uri="{FF2B5EF4-FFF2-40B4-BE49-F238E27FC236}">
-                  <a16:creationId xmlns:a16="http://schemas.microsoft.com/office/drawing/2014/main" id="{7DB18B8A-4E84-438F-98A9-6CD82AF26E8F}"/>
+                  <a16:creationId xmlns:a16="http://schemas.microsoft.com/office/drawing/2014/main" id="{B5A62562-6491-418C-9FF5-AEFFBC789674}"/>
                 </a:ext>
               </a:extLst>
             </p:cNvPr>
@@ -3901,7 +3958,7 @@
           </p:nvSpPr>
           <p:spPr>
             <a:xfrm>
-              <a:off x="2796852" y="2182542"/>
+              <a:off x="2016190" y="2488205"/>
               <a:ext cx="6097554" cy="369332"/>
             </a:xfrm>
             <a:prstGeom prst="rect">
@@ -3919,40 +3976,20 @@
                 <a:rPr lang="zh-CN" altLang="en-US" b="1">
                   <a:latin typeface="Consolas" panose="020B0609020204030204" pitchFamily="49" charset="0"/>
                   <a:ea typeface="微软雅黑" panose="020B0503020204020204" pitchFamily="34" charset="-122"/>
+                  <a:hlinkClick r:id="rId4" action="ppaction://hlinksldjump"/>
                 </a:rPr>
-                <a:t>关系信息表结构</a:t>
+                <a:t>用户</a:t>
               </a:r>
               <a:endParaRPr lang="zh-CN" altLang="en-US"/>
             </a:p>
           </p:txBody>
         </p:sp>
-      </p:grpSp>
-      <p:grpSp>
-        <p:nvGrpSpPr>
-          <p:cNvPr id="66" name="组合 65">
-            <a:extLst>
-              <a:ext uri="{FF2B5EF4-FFF2-40B4-BE49-F238E27FC236}">
-                <a16:creationId xmlns:a16="http://schemas.microsoft.com/office/drawing/2014/main" id="{B5049300-E4FE-47E7-BF55-6FDDCA2DA854}"/>
-              </a:ext>
-            </a:extLst>
-          </p:cNvPr>
-          <p:cNvGrpSpPr/>
-          <p:nvPr/>
-        </p:nvGrpSpPr>
-        <p:grpSpPr>
-          <a:xfrm>
-            <a:off x="1199043" y="1988082"/>
-            <a:ext cx="6634783" cy="369332"/>
-            <a:chOff x="2259623" y="2182542"/>
-            <a:chExt cx="6634783" cy="369332"/>
-          </a:xfrm>
-        </p:grpSpPr>
         <p:sp>
           <p:nvSpPr>
-            <p:cNvPr id="67" name="箭头: V 形 66">
+            <p:cNvPr id="51" name="菱形 50">
               <a:extLst>
                 <a:ext uri="{FF2B5EF4-FFF2-40B4-BE49-F238E27FC236}">
-                  <a16:creationId xmlns:a16="http://schemas.microsoft.com/office/drawing/2014/main" id="{53E611AC-53D4-4567-83B4-7DC54F6FCCBF}"/>
+                  <a16:creationId xmlns:a16="http://schemas.microsoft.com/office/drawing/2014/main" id="{EC93623E-2A24-4E8D-B7F6-C488D066043B}"/>
                 </a:ext>
               </a:extLst>
             </p:cNvPr>
@@ -3961,10 +3998,10 @@
           </p:nvSpPr>
           <p:spPr>
             <a:xfrm>
-              <a:off x="2259623" y="2277208"/>
-              <a:ext cx="324000" cy="180000"/>
+              <a:off x="1628272" y="2564871"/>
+              <a:ext cx="216000" cy="216000"/>
             </a:xfrm>
-            <a:prstGeom prst="chevron">
+            <a:prstGeom prst="diamond">
               <a:avLst/>
             </a:prstGeom>
           </p:spPr>
@@ -3989,20 +4026,37 @@
             <a:lstStyle/>
             <a:p>
               <a:pPr algn="ctr"/>
-              <a:endParaRPr lang="zh-CN" altLang="en-US">
-                <a:solidFill>
-                  <a:schemeClr val="tx1"/>
-                </a:solidFill>
-              </a:endParaRPr>
+              <a:endParaRPr lang="zh-CN" altLang="en-US"/>
             </a:p>
           </p:txBody>
         </p:sp>
+      </p:grpSp>
+      <p:grpSp>
+        <p:nvGrpSpPr>
+          <p:cNvPr id="6" name="组合 5">
+            <a:extLst>
+              <a:ext uri="{FF2B5EF4-FFF2-40B4-BE49-F238E27FC236}">
+                <a16:creationId xmlns:a16="http://schemas.microsoft.com/office/drawing/2014/main" id="{BEFB9BBB-89CB-48BE-845C-0CE84F9FBBF1}"/>
+              </a:ext>
+            </a:extLst>
+          </p:cNvPr>
+          <p:cNvGrpSpPr/>
+          <p:nvPr/>
+        </p:nvGrpSpPr>
+        <p:grpSpPr>
+          <a:xfrm>
+            <a:off x="1628272" y="2821609"/>
+            <a:ext cx="6485472" cy="369332"/>
+            <a:chOff x="1628272" y="2916973"/>
+            <a:chExt cx="6485472" cy="369332"/>
+          </a:xfrm>
+        </p:grpSpPr>
         <p:sp>
           <p:nvSpPr>
-            <p:cNvPr id="68" name="文本框 67">
+            <p:cNvPr id="22" name="文本框 21">
               <a:extLst>
                 <a:ext uri="{FF2B5EF4-FFF2-40B4-BE49-F238E27FC236}">
-                  <a16:creationId xmlns:a16="http://schemas.microsoft.com/office/drawing/2014/main" id="{9D8DB7C7-F8A6-49B7-996B-4513FDDD26B5}"/>
+                  <a16:creationId xmlns:a16="http://schemas.microsoft.com/office/drawing/2014/main" id="{55FB2CA3-48EE-4674-A9AB-765F16AD8EFF}"/>
                 </a:ext>
               </a:extLst>
             </p:cNvPr>
@@ -4011,7 +4065,7 @@
           </p:nvSpPr>
           <p:spPr>
             <a:xfrm>
-              <a:off x="2796852" y="2182542"/>
+              <a:off x="2016190" y="2916973"/>
               <a:ext cx="6097554" cy="369332"/>
             </a:xfrm>
             <a:prstGeom prst="rect">
@@ -4029,9 +4083,707 @@
                 <a:rPr lang="zh-CN" altLang="en-US" b="1">
                   <a:latin typeface="Consolas" panose="020B0609020204030204" pitchFamily="49" charset="0"/>
                   <a:ea typeface="微软雅黑" panose="020B0503020204020204" pitchFamily="34" charset="-122"/>
+                  <a:hlinkClick r:id="rId5" action="ppaction://hlinksldjump"/>
                 </a:rPr>
-                <a:t>用户信息表结构</a:t>
+                <a:t>逝者</a:t>
               </a:r>
+              <a:endParaRPr lang="zh-CN" altLang="en-US"/>
+            </a:p>
+          </p:txBody>
+        </p:sp>
+        <p:sp>
+          <p:nvSpPr>
+            <p:cNvPr id="52" name="菱形 51">
+              <a:extLst>
+                <a:ext uri="{FF2B5EF4-FFF2-40B4-BE49-F238E27FC236}">
+                  <a16:creationId xmlns:a16="http://schemas.microsoft.com/office/drawing/2014/main" id="{43990663-7E61-408F-BA40-CE5422B80166}"/>
+                </a:ext>
+              </a:extLst>
+            </p:cNvPr>
+            <p:cNvSpPr/>
+            <p:nvPr/>
+          </p:nvSpPr>
+          <p:spPr>
+            <a:xfrm>
+              <a:off x="1628272" y="2993639"/>
+              <a:ext cx="216000" cy="216000"/>
+            </a:xfrm>
+            <a:prstGeom prst="diamond">
+              <a:avLst/>
+            </a:prstGeom>
+          </p:spPr>
+          <p:style>
+            <a:lnRef idx="2">
+              <a:schemeClr val="accent1">
+                <a:shade val="50000"/>
+              </a:schemeClr>
+            </a:lnRef>
+            <a:fillRef idx="1">
+              <a:schemeClr val="accent1"/>
+            </a:fillRef>
+            <a:effectRef idx="0">
+              <a:schemeClr val="accent1"/>
+            </a:effectRef>
+            <a:fontRef idx="minor">
+              <a:schemeClr val="lt1"/>
+            </a:fontRef>
+          </p:style>
+          <p:txBody>
+            <a:bodyPr rtlCol="0" anchor="ctr"/>
+            <a:lstStyle/>
+            <a:p>
+              <a:pPr algn="ctr"/>
+              <a:endParaRPr lang="zh-CN" altLang="en-US"/>
+            </a:p>
+          </p:txBody>
+        </p:sp>
+      </p:grpSp>
+      <p:grpSp>
+        <p:nvGrpSpPr>
+          <p:cNvPr id="7" name="组合 6">
+            <a:extLst>
+              <a:ext uri="{FF2B5EF4-FFF2-40B4-BE49-F238E27FC236}">
+                <a16:creationId xmlns:a16="http://schemas.microsoft.com/office/drawing/2014/main" id="{98725BAA-2BDB-4AAA-8481-BB2F3B2E88BC}"/>
+              </a:ext>
+            </a:extLst>
+          </p:cNvPr>
+          <p:cNvGrpSpPr/>
+          <p:nvPr/>
+        </p:nvGrpSpPr>
+        <p:grpSpPr>
+          <a:xfrm>
+            <a:off x="1628272" y="3246115"/>
+            <a:ext cx="6485472" cy="369332"/>
+            <a:chOff x="1628272" y="3360729"/>
+            <a:chExt cx="6485472" cy="369332"/>
+          </a:xfrm>
+        </p:grpSpPr>
+        <p:sp>
+          <p:nvSpPr>
+            <p:cNvPr id="28" name="文本框 27">
+              <a:extLst>
+                <a:ext uri="{FF2B5EF4-FFF2-40B4-BE49-F238E27FC236}">
+                  <a16:creationId xmlns:a16="http://schemas.microsoft.com/office/drawing/2014/main" id="{430C4531-1E73-4AFA-9E49-DC75B7E89069}"/>
+                </a:ext>
+              </a:extLst>
+            </p:cNvPr>
+            <p:cNvSpPr txBox="1"/>
+            <p:nvPr/>
+          </p:nvSpPr>
+          <p:spPr>
+            <a:xfrm>
+              <a:off x="2016190" y="3360729"/>
+              <a:ext cx="6097554" cy="369332"/>
+            </a:xfrm>
+            <a:prstGeom prst="rect">
+              <a:avLst/>
+            </a:prstGeom>
+            <a:noFill/>
+          </p:spPr>
+          <p:txBody>
+            <a:bodyPr wrap="square">
+              <a:spAutoFit/>
+            </a:bodyPr>
+            <a:lstStyle/>
+            <a:p>
+              <a:r>
+                <a:rPr lang="zh-CN" altLang="en-US" b="1">
+                  <a:latin typeface="Consolas" panose="020B0609020204030204" pitchFamily="49" charset="0"/>
+                  <a:ea typeface="微软雅黑" panose="020B0503020204020204" pitchFamily="34" charset="-122"/>
+                  <a:hlinkClick r:id="rId6" action="ppaction://hlinksldjump"/>
+                </a:rPr>
+                <a:t>寺院</a:t>
+              </a:r>
+              <a:endParaRPr lang="zh-CN" altLang="en-US"/>
+            </a:p>
+          </p:txBody>
+        </p:sp>
+        <p:sp>
+          <p:nvSpPr>
+            <p:cNvPr id="53" name="菱形 52">
+              <a:extLst>
+                <a:ext uri="{FF2B5EF4-FFF2-40B4-BE49-F238E27FC236}">
+                  <a16:creationId xmlns:a16="http://schemas.microsoft.com/office/drawing/2014/main" id="{1E1A58A1-2438-41EE-95D6-3D72CCBAB70B}"/>
+                </a:ext>
+              </a:extLst>
+            </p:cNvPr>
+            <p:cNvSpPr/>
+            <p:nvPr/>
+          </p:nvSpPr>
+          <p:spPr>
+            <a:xfrm>
+              <a:off x="1628272" y="3437395"/>
+              <a:ext cx="216000" cy="216000"/>
+            </a:xfrm>
+            <a:prstGeom prst="diamond">
+              <a:avLst/>
+            </a:prstGeom>
+          </p:spPr>
+          <p:style>
+            <a:lnRef idx="2">
+              <a:schemeClr val="accent1">
+                <a:shade val="50000"/>
+              </a:schemeClr>
+            </a:lnRef>
+            <a:fillRef idx="1">
+              <a:schemeClr val="accent1"/>
+            </a:fillRef>
+            <a:effectRef idx="0">
+              <a:schemeClr val="accent1"/>
+            </a:effectRef>
+            <a:fontRef idx="minor">
+              <a:schemeClr val="lt1"/>
+            </a:fontRef>
+          </p:style>
+          <p:txBody>
+            <a:bodyPr rtlCol="0" anchor="ctr"/>
+            <a:lstStyle/>
+            <a:p>
+              <a:pPr algn="ctr"/>
+              <a:endParaRPr lang="zh-CN" altLang="en-US"/>
+            </a:p>
+          </p:txBody>
+        </p:sp>
+      </p:grpSp>
+      <p:grpSp>
+        <p:nvGrpSpPr>
+          <p:cNvPr id="8" name="组合 7">
+            <a:extLst>
+              <a:ext uri="{FF2B5EF4-FFF2-40B4-BE49-F238E27FC236}">
+                <a16:creationId xmlns:a16="http://schemas.microsoft.com/office/drawing/2014/main" id="{3A543B10-C786-4D5A-9C5E-440F3457DBD6}"/>
+              </a:ext>
+            </a:extLst>
+          </p:cNvPr>
+          <p:cNvGrpSpPr/>
+          <p:nvPr/>
+        </p:nvGrpSpPr>
+        <p:grpSpPr>
+          <a:xfrm>
+            <a:off x="1628272" y="3670621"/>
+            <a:ext cx="6485472" cy="369332"/>
+            <a:chOff x="1628272" y="3689578"/>
+            <a:chExt cx="6485472" cy="369332"/>
+          </a:xfrm>
+        </p:grpSpPr>
+        <p:sp>
+          <p:nvSpPr>
+            <p:cNvPr id="31" name="文本框 30">
+              <a:extLst>
+                <a:ext uri="{FF2B5EF4-FFF2-40B4-BE49-F238E27FC236}">
+                  <a16:creationId xmlns:a16="http://schemas.microsoft.com/office/drawing/2014/main" id="{AA9657D4-E02B-469F-81A1-71DD4A00E9FD}"/>
+                </a:ext>
+              </a:extLst>
+            </p:cNvPr>
+            <p:cNvSpPr txBox="1"/>
+            <p:nvPr/>
+          </p:nvSpPr>
+          <p:spPr>
+            <a:xfrm>
+              <a:off x="2016190" y="3689578"/>
+              <a:ext cx="6097554" cy="369332"/>
+            </a:xfrm>
+            <a:prstGeom prst="rect">
+              <a:avLst/>
+            </a:prstGeom>
+            <a:noFill/>
+          </p:spPr>
+          <p:txBody>
+            <a:bodyPr wrap="square">
+              <a:spAutoFit/>
+            </a:bodyPr>
+            <a:lstStyle/>
+            <a:p>
+              <a:r>
+                <a:rPr lang="zh-CN" altLang="en-US" b="1">
+                  <a:latin typeface="Consolas" panose="020B0609020204030204" pitchFamily="49" charset="0"/>
+                  <a:ea typeface="微软雅黑" panose="020B0503020204020204" pitchFamily="34" charset="-122"/>
+                  <a:hlinkClick r:id="rId7" action="ppaction://hlinksldjump"/>
+                </a:rPr>
+                <a:t>法师</a:t>
+              </a:r>
+              <a:endParaRPr lang="zh-CN" altLang="en-US"/>
+            </a:p>
+          </p:txBody>
+        </p:sp>
+        <p:sp>
+          <p:nvSpPr>
+            <p:cNvPr id="54" name="菱形 53">
+              <a:extLst>
+                <a:ext uri="{FF2B5EF4-FFF2-40B4-BE49-F238E27FC236}">
+                  <a16:creationId xmlns:a16="http://schemas.microsoft.com/office/drawing/2014/main" id="{B35E2368-4EEF-4B1F-9809-6FF51EB912FD}"/>
+                </a:ext>
+              </a:extLst>
+            </p:cNvPr>
+            <p:cNvSpPr/>
+            <p:nvPr/>
+          </p:nvSpPr>
+          <p:spPr>
+            <a:xfrm>
+              <a:off x="1628272" y="3766244"/>
+              <a:ext cx="216000" cy="216000"/>
+            </a:xfrm>
+            <a:prstGeom prst="diamond">
+              <a:avLst/>
+            </a:prstGeom>
+          </p:spPr>
+          <p:style>
+            <a:lnRef idx="2">
+              <a:schemeClr val="accent1">
+                <a:shade val="50000"/>
+              </a:schemeClr>
+            </a:lnRef>
+            <a:fillRef idx="1">
+              <a:schemeClr val="accent1"/>
+            </a:fillRef>
+            <a:effectRef idx="0">
+              <a:schemeClr val="accent1"/>
+            </a:effectRef>
+            <a:fontRef idx="minor">
+              <a:schemeClr val="lt1"/>
+            </a:fontRef>
+          </p:style>
+          <p:txBody>
+            <a:bodyPr rtlCol="0" anchor="ctr"/>
+            <a:lstStyle/>
+            <a:p>
+              <a:pPr algn="ctr"/>
+              <a:endParaRPr lang="zh-CN" altLang="en-US"/>
+            </a:p>
+          </p:txBody>
+        </p:sp>
+      </p:grpSp>
+      <p:grpSp>
+        <p:nvGrpSpPr>
+          <p:cNvPr id="9" name="组合 8">
+            <a:extLst>
+              <a:ext uri="{FF2B5EF4-FFF2-40B4-BE49-F238E27FC236}">
+                <a16:creationId xmlns:a16="http://schemas.microsoft.com/office/drawing/2014/main" id="{F86B2AB8-069A-4A30-A9B4-133A59118F62}"/>
+              </a:ext>
+            </a:extLst>
+          </p:cNvPr>
+          <p:cNvGrpSpPr/>
+          <p:nvPr/>
+        </p:nvGrpSpPr>
+        <p:grpSpPr>
+          <a:xfrm>
+            <a:off x="1628272" y="4095130"/>
+            <a:ext cx="6485472" cy="369332"/>
+            <a:chOff x="1628272" y="4095130"/>
+            <a:chExt cx="6485472" cy="369332"/>
+          </a:xfrm>
+        </p:grpSpPr>
+        <p:sp>
+          <p:nvSpPr>
+            <p:cNvPr id="34" name="文本框 33">
+              <a:extLst>
+                <a:ext uri="{FF2B5EF4-FFF2-40B4-BE49-F238E27FC236}">
+                  <a16:creationId xmlns:a16="http://schemas.microsoft.com/office/drawing/2014/main" id="{43A75A4D-CA95-4402-B4F1-61EA377AB8C4}"/>
+                </a:ext>
+              </a:extLst>
+            </p:cNvPr>
+            <p:cNvSpPr txBox="1"/>
+            <p:nvPr/>
+          </p:nvSpPr>
+          <p:spPr>
+            <a:xfrm>
+              <a:off x="2016190" y="4095130"/>
+              <a:ext cx="6097554" cy="369332"/>
+            </a:xfrm>
+            <a:prstGeom prst="rect">
+              <a:avLst/>
+            </a:prstGeom>
+            <a:noFill/>
+          </p:spPr>
+          <p:txBody>
+            <a:bodyPr wrap="square">
+              <a:spAutoFit/>
+            </a:bodyPr>
+            <a:lstStyle/>
+            <a:p>
+              <a:r>
+                <a:rPr lang="zh-CN" altLang="en-US" b="1">
+                  <a:latin typeface="Consolas" panose="020B0609020204030204" pitchFamily="49" charset="0"/>
+                  <a:ea typeface="微软雅黑" panose="020B0503020204020204" pitchFamily="34" charset="-122"/>
+                  <a:hlinkClick r:id="rId8" action="ppaction://hlinksldjump"/>
+                </a:rPr>
+                <a:t>寺院法师</a:t>
+              </a:r>
+              <a:endParaRPr lang="zh-CN" altLang="en-US"/>
+            </a:p>
+          </p:txBody>
+        </p:sp>
+        <p:sp>
+          <p:nvSpPr>
+            <p:cNvPr id="55" name="菱形 54">
+              <a:extLst>
+                <a:ext uri="{FF2B5EF4-FFF2-40B4-BE49-F238E27FC236}">
+                  <a16:creationId xmlns:a16="http://schemas.microsoft.com/office/drawing/2014/main" id="{332BF244-D889-4AA7-8AD4-2B4FA73C5056}"/>
+                </a:ext>
+              </a:extLst>
+            </p:cNvPr>
+            <p:cNvSpPr/>
+            <p:nvPr/>
+          </p:nvSpPr>
+          <p:spPr>
+            <a:xfrm>
+              <a:off x="1628272" y="4171796"/>
+              <a:ext cx="216000" cy="216000"/>
+            </a:xfrm>
+            <a:prstGeom prst="diamond">
+              <a:avLst/>
+            </a:prstGeom>
+          </p:spPr>
+          <p:style>
+            <a:lnRef idx="2">
+              <a:schemeClr val="accent1">
+                <a:shade val="50000"/>
+              </a:schemeClr>
+            </a:lnRef>
+            <a:fillRef idx="1">
+              <a:schemeClr val="accent1"/>
+            </a:fillRef>
+            <a:effectRef idx="0">
+              <a:schemeClr val="accent1"/>
+            </a:effectRef>
+            <a:fontRef idx="minor">
+              <a:schemeClr val="lt1"/>
+            </a:fontRef>
+          </p:style>
+          <p:txBody>
+            <a:bodyPr rtlCol="0" anchor="ctr"/>
+            <a:lstStyle/>
+            <a:p>
+              <a:pPr algn="ctr"/>
+              <a:endParaRPr lang="zh-CN" altLang="en-US"/>
+            </a:p>
+          </p:txBody>
+        </p:sp>
+      </p:grpSp>
+      <p:grpSp>
+        <p:nvGrpSpPr>
+          <p:cNvPr id="60" name="组合 59">
+            <a:extLst>
+              <a:ext uri="{FF2B5EF4-FFF2-40B4-BE49-F238E27FC236}">
+                <a16:creationId xmlns:a16="http://schemas.microsoft.com/office/drawing/2014/main" id="{08EDEE2D-F364-44A7-B4F0-5625492E43B5}"/>
+              </a:ext>
+            </a:extLst>
+          </p:cNvPr>
+          <p:cNvGrpSpPr/>
+          <p:nvPr/>
+        </p:nvGrpSpPr>
+        <p:grpSpPr>
+          <a:xfrm>
+            <a:off x="1628272" y="5238274"/>
+            <a:ext cx="6485472" cy="369332"/>
+            <a:chOff x="1628272" y="3360729"/>
+            <a:chExt cx="6485472" cy="369332"/>
+          </a:xfrm>
+        </p:grpSpPr>
+        <p:sp>
+          <p:nvSpPr>
+            <p:cNvPr id="61" name="文本框 60">
+              <a:extLst>
+                <a:ext uri="{FF2B5EF4-FFF2-40B4-BE49-F238E27FC236}">
+                  <a16:creationId xmlns:a16="http://schemas.microsoft.com/office/drawing/2014/main" id="{3F34B9B1-30B8-4DDD-A40D-C95E736AD9B2}"/>
+                </a:ext>
+              </a:extLst>
+            </p:cNvPr>
+            <p:cNvSpPr txBox="1"/>
+            <p:nvPr/>
+          </p:nvSpPr>
+          <p:spPr>
+            <a:xfrm>
+              <a:off x="2016190" y="3360729"/>
+              <a:ext cx="6097554" cy="369332"/>
+            </a:xfrm>
+            <a:prstGeom prst="rect">
+              <a:avLst/>
+            </a:prstGeom>
+            <a:noFill/>
+          </p:spPr>
+          <p:txBody>
+            <a:bodyPr wrap="square">
+              <a:spAutoFit/>
+            </a:bodyPr>
+            <a:lstStyle/>
+            <a:p>
+              <a:r>
+                <a:rPr lang="zh-CN" altLang="en-US" sz="1800" b="1">
+                  <a:latin typeface="Consolas" panose="020B0609020204030204" pitchFamily="49" charset="0"/>
+                  <a:ea typeface="微软雅黑" panose="020B0503020204020204" pitchFamily="34" charset="-122"/>
+                  <a:hlinkClick r:id="rId9" action="ppaction://hlinksldjump"/>
+                </a:rPr>
+                <a:t>申请成为寺院</a:t>
+              </a:r>
+              <a:endParaRPr lang="zh-CN" altLang="en-US" sz="1800" b="1">
+                <a:latin typeface="Consolas" panose="020B0609020204030204" pitchFamily="49" charset="0"/>
+                <a:ea typeface="微软雅黑" panose="020B0503020204020204" pitchFamily="34" charset="-122"/>
+              </a:endParaRPr>
+            </a:p>
+          </p:txBody>
+        </p:sp>
+        <p:sp>
+          <p:nvSpPr>
+            <p:cNvPr id="62" name="菱形 61">
+              <a:extLst>
+                <a:ext uri="{FF2B5EF4-FFF2-40B4-BE49-F238E27FC236}">
+                  <a16:creationId xmlns:a16="http://schemas.microsoft.com/office/drawing/2014/main" id="{18148F75-43CF-44B5-A7D9-B8CC3F4DFF65}"/>
+                </a:ext>
+              </a:extLst>
+            </p:cNvPr>
+            <p:cNvSpPr/>
+            <p:nvPr/>
+          </p:nvSpPr>
+          <p:spPr>
+            <a:xfrm>
+              <a:off x="1628272" y="3437395"/>
+              <a:ext cx="216000" cy="216000"/>
+            </a:xfrm>
+            <a:prstGeom prst="diamond">
+              <a:avLst/>
+            </a:prstGeom>
+          </p:spPr>
+          <p:style>
+            <a:lnRef idx="2">
+              <a:schemeClr val="accent1">
+                <a:shade val="50000"/>
+              </a:schemeClr>
+            </a:lnRef>
+            <a:fillRef idx="1">
+              <a:schemeClr val="accent1"/>
+            </a:fillRef>
+            <a:effectRef idx="0">
+              <a:schemeClr val="accent1"/>
+            </a:effectRef>
+            <a:fontRef idx="minor">
+              <a:schemeClr val="lt1"/>
+            </a:fontRef>
+          </p:style>
+          <p:txBody>
+            <a:bodyPr rtlCol="0" anchor="ctr"/>
+            <a:lstStyle/>
+            <a:p>
+              <a:pPr algn="ctr"/>
+              <a:endParaRPr lang="zh-CN" altLang="en-US"/>
+            </a:p>
+          </p:txBody>
+        </p:sp>
+      </p:grpSp>
+      <p:grpSp>
+        <p:nvGrpSpPr>
+          <p:cNvPr id="63" name="组合 62">
+            <a:extLst>
+              <a:ext uri="{FF2B5EF4-FFF2-40B4-BE49-F238E27FC236}">
+                <a16:creationId xmlns:a16="http://schemas.microsoft.com/office/drawing/2014/main" id="{7441400D-D5B7-4460-9A72-1FE92EBE8D52}"/>
+              </a:ext>
+            </a:extLst>
+          </p:cNvPr>
+          <p:cNvGrpSpPr/>
+          <p:nvPr/>
+        </p:nvGrpSpPr>
+        <p:grpSpPr>
+          <a:xfrm>
+            <a:off x="1628272" y="5662780"/>
+            <a:ext cx="6485472" cy="369332"/>
+            <a:chOff x="1628272" y="3689578"/>
+            <a:chExt cx="6485472" cy="369332"/>
+          </a:xfrm>
+        </p:grpSpPr>
+        <p:sp>
+          <p:nvSpPr>
+            <p:cNvPr id="64" name="文本框 63">
+              <a:extLst>
+                <a:ext uri="{FF2B5EF4-FFF2-40B4-BE49-F238E27FC236}">
+                  <a16:creationId xmlns:a16="http://schemas.microsoft.com/office/drawing/2014/main" id="{A44A23EF-72E0-4DC1-87C6-1E3357092423}"/>
+                </a:ext>
+              </a:extLst>
+            </p:cNvPr>
+            <p:cNvSpPr txBox="1"/>
+            <p:nvPr/>
+          </p:nvSpPr>
+          <p:spPr>
+            <a:xfrm>
+              <a:off x="2016190" y="3689578"/>
+              <a:ext cx="6097554" cy="369332"/>
+            </a:xfrm>
+            <a:prstGeom prst="rect">
+              <a:avLst/>
+            </a:prstGeom>
+            <a:noFill/>
+          </p:spPr>
+          <p:txBody>
+            <a:bodyPr wrap="square">
+              <a:spAutoFit/>
+            </a:bodyPr>
+            <a:lstStyle/>
+            <a:p>
+              <a:r>
+                <a:rPr lang="zh-CN" altLang="en-US" sz="1800" b="1">
+                  <a:latin typeface="Consolas" panose="020B0609020204030204" pitchFamily="49" charset="0"/>
+                  <a:ea typeface="微软雅黑" panose="020B0503020204020204" pitchFamily="34" charset="-122"/>
+                  <a:hlinkClick r:id="rId10" action="ppaction://hlinksldjump"/>
+                </a:rPr>
+                <a:t>申请成为法师</a:t>
+              </a:r>
+              <a:endParaRPr lang="zh-CN" altLang="en-US" sz="1800" b="1">
+                <a:latin typeface="Consolas" panose="020B0609020204030204" pitchFamily="49" charset="0"/>
+                <a:ea typeface="微软雅黑" panose="020B0503020204020204" pitchFamily="34" charset="-122"/>
+              </a:endParaRPr>
+            </a:p>
+          </p:txBody>
+        </p:sp>
+        <p:sp>
+          <p:nvSpPr>
+            <p:cNvPr id="65" name="菱形 64">
+              <a:extLst>
+                <a:ext uri="{FF2B5EF4-FFF2-40B4-BE49-F238E27FC236}">
+                  <a16:creationId xmlns:a16="http://schemas.microsoft.com/office/drawing/2014/main" id="{40CCABEF-D50A-44D3-99AE-9DFA67F61781}"/>
+                </a:ext>
+              </a:extLst>
+            </p:cNvPr>
+            <p:cNvSpPr/>
+            <p:nvPr/>
+          </p:nvSpPr>
+          <p:spPr>
+            <a:xfrm>
+              <a:off x="1628272" y="3766244"/>
+              <a:ext cx="216000" cy="216000"/>
+            </a:xfrm>
+            <a:prstGeom prst="diamond">
+              <a:avLst/>
+            </a:prstGeom>
+          </p:spPr>
+          <p:style>
+            <a:lnRef idx="2">
+              <a:schemeClr val="accent1">
+                <a:shade val="50000"/>
+              </a:schemeClr>
+            </a:lnRef>
+            <a:fillRef idx="1">
+              <a:schemeClr val="accent1"/>
+            </a:fillRef>
+            <a:effectRef idx="0">
+              <a:schemeClr val="accent1"/>
+            </a:effectRef>
+            <a:fontRef idx="minor">
+              <a:schemeClr val="lt1"/>
+            </a:fontRef>
+          </p:style>
+          <p:txBody>
+            <a:bodyPr rtlCol="0" anchor="ctr"/>
+            <a:lstStyle/>
+            <a:p>
+              <a:pPr algn="ctr"/>
+              <a:endParaRPr lang="zh-CN" altLang="en-US"/>
+            </a:p>
+          </p:txBody>
+        </p:sp>
+      </p:grpSp>
+      <p:grpSp>
+        <p:nvGrpSpPr>
+          <p:cNvPr id="69" name="组合 68">
+            <a:extLst>
+              <a:ext uri="{FF2B5EF4-FFF2-40B4-BE49-F238E27FC236}">
+                <a16:creationId xmlns:a16="http://schemas.microsoft.com/office/drawing/2014/main" id="{E1CC994A-F9A3-4D5D-BD41-7169A82A67EA}"/>
+              </a:ext>
+            </a:extLst>
+          </p:cNvPr>
+          <p:cNvGrpSpPr/>
+          <p:nvPr/>
+        </p:nvGrpSpPr>
+        <p:grpSpPr>
+          <a:xfrm>
+            <a:off x="1628272" y="6087289"/>
+            <a:ext cx="6485472" cy="369332"/>
+            <a:chOff x="1628272" y="4095130"/>
+            <a:chExt cx="6485472" cy="369332"/>
+          </a:xfrm>
+        </p:grpSpPr>
+        <p:sp>
+          <p:nvSpPr>
+            <p:cNvPr id="70" name="文本框 69">
+              <a:extLst>
+                <a:ext uri="{FF2B5EF4-FFF2-40B4-BE49-F238E27FC236}">
+                  <a16:creationId xmlns:a16="http://schemas.microsoft.com/office/drawing/2014/main" id="{2D587673-9B2E-4DF6-B2A2-19A745DF0132}"/>
+                </a:ext>
+              </a:extLst>
+            </p:cNvPr>
+            <p:cNvSpPr txBox="1"/>
+            <p:nvPr/>
+          </p:nvSpPr>
+          <p:spPr>
+            <a:xfrm>
+              <a:off x="2016190" y="4095130"/>
+              <a:ext cx="6097554" cy="369332"/>
+            </a:xfrm>
+            <a:prstGeom prst="rect">
+              <a:avLst/>
+            </a:prstGeom>
+            <a:noFill/>
+          </p:spPr>
+          <p:txBody>
+            <a:bodyPr wrap="square">
+              <a:spAutoFit/>
+            </a:bodyPr>
+            <a:lstStyle/>
+            <a:p>
+              <a:r>
+                <a:rPr lang="zh-CN" altLang="en-US" sz="1800" b="1">
+                  <a:latin typeface="Consolas" panose="020B0609020204030204" pitchFamily="49" charset="0"/>
+                  <a:ea typeface="微软雅黑" panose="020B0503020204020204" pitchFamily="34" charset="-122"/>
+                  <a:hlinkClick r:id="rId11" action="ppaction://hlinksldjump"/>
+                </a:rPr>
+                <a:t>法师申请加入寺院</a:t>
+              </a:r>
+              <a:endParaRPr lang="zh-CN" altLang="en-US" sz="1800" b="1">
+                <a:latin typeface="Consolas" panose="020B0609020204030204" pitchFamily="49" charset="0"/>
+                <a:ea typeface="微软雅黑" panose="020B0503020204020204" pitchFamily="34" charset="-122"/>
+              </a:endParaRPr>
+            </a:p>
+          </p:txBody>
+        </p:sp>
+        <p:sp>
+          <p:nvSpPr>
+            <p:cNvPr id="71" name="菱形 70">
+              <a:extLst>
+                <a:ext uri="{FF2B5EF4-FFF2-40B4-BE49-F238E27FC236}">
+                  <a16:creationId xmlns:a16="http://schemas.microsoft.com/office/drawing/2014/main" id="{BE3EBE02-D5F1-4537-89CD-D70BE73ED23D}"/>
+                </a:ext>
+              </a:extLst>
+            </p:cNvPr>
+            <p:cNvSpPr/>
+            <p:nvPr/>
+          </p:nvSpPr>
+          <p:spPr>
+            <a:xfrm>
+              <a:off x="1628272" y="4171796"/>
+              <a:ext cx="216000" cy="216000"/>
+            </a:xfrm>
+            <a:prstGeom prst="diamond">
+              <a:avLst/>
+            </a:prstGeom>
+          </p:spPr>
+          <p:style>
+            <a:lnRef idx="2">
+              <a:schemeClr val="accent1">
+                <a:shade val="50000"/>
+              </a:schemeClr>
+            </a:lnRef>
+            <a:fillRef idx="1">
+              <a:schemeClr val="accent1"/>
+            </a:fillRef>
+            <a:effectRef idx="0">
+              <a:schemeClr val="accent1"/>
+            </a:effectRef>
+            <a:fontRef idx="minor">
+              <a:schemeClr val="lt1"/>
+            </a:fontRef>
+          </p:style>
+          <p:txBody>
+            <a:bodyPr rtlCol="0" anchor="ctr"/>
+            <a:lstStyle/>
+            <a:p>
+              <a:pPr algn="ctr"/>
               <a:endParaRPr lang="zh-CN" altLang="en-US"/>
             </a:p>
           </p:txBody>
@@ -6806,13 +7558,15 @@
           </p:cNvPr>
           <p:cNvCxnSpPr>
             <a:cxnSpLocks/>
+            <a:stCxn id="48" idx="3"/>
+            <a:endCxn id="53" idx="1"/>
           </p:cNvCxnSpPr>
           <p:nvPr/>
         </p:nvCxnSpPr>
         <p:spPr>
           <a:xfrm>
-            <a:off x="1792379" y="1573639"/>
-            <a:ext cx="1435564" cy="4666"/>
+            <a:off x="1792222" y="1747176"/>
+            <a:ext cx="1396602" cy="4164"/>
           </a:xfrm>
           <a:prstGeom prst="straightConnector1">
             <a:avLst/>
@@ -8061,7 +8815,7 @@
         <p:spPr>
           <a:xfrm>
             <a:off x="712379" y="173975"/>
-            <a:ext cx="3057247" cy="584775"/>
+            <a:ext cx="1005403" cy="584775"/>
           </a:xfrm>
           <a:prstGeom prst="rect">
             <a:avLst/>
@@ -8079,7 +8833,7 @@
                 <a:latin typeface="Consolas" panose="020B0609020204030204" pitchFamily="49" charset="0"/>
                 <a:ea typeface="微软雅黑" panose="020B0503020204020204" pitchFamily="34" charset="-122"/>
               </a:rPr>
-              <a:t>用户信息表结构</a:t>
+              <a:t>用户</a:t>
             </a:r>
           </a:p>
         </p:txBody>
@@ -8585,7 +9339,7 @@
         <p:spPr>
           <a:xfrm>
             <a:off x="712379" y="173975"/>
-            <a:ext cx="3057247" cy="584775"/>
+            <a:ext cx="1005403" cy="584775"/>
           </a:xfrm>
           <a:prstGeom prst="rect">
             <a:avLst/>
@@ -8603,7 +9357,7 @@
                 <a:latin typeface="Consolas" panose="020B0609020204030204" pitchFamily="49" charset="0"/>
                 <a:ea typeface="微软雅黑" panose="020B0503020204020204" pitchFamily="34" charset="-122"/>
               </a:rPr>
-              <a:t>逝者信息表结构</a:t>
+              <a:t>逝者</a:t>
             </a:r>
           </a:p>
         </p:txBody>
@@ -9090,7 +9844,7 @@
         <p:spPr>
           <a:xfrm>
             <a:off x="712379" y="173975"/>
-            <a:ext cx="2236510" cy="584775"/>
+            <a:ext cx="1005403" cy="584775"/>
           </a:xfrm>
           <a:prstGeom prst="rect">
             <a:avLst/>
@@ -9108,7 +9862,7 @@
                 <a:latin typeface="Consolas" panose="020B0609020204030204" pitchFamily="49" charset="0"/>
                 <a:ea typeface="微软雅黑" panose="020B0503020204020204" pitchFamily="34" charset="-122"/>
               </a:rPr>
-              <a:t>寺院表结构</a:t>
+              <a:t>寺院</a:t>
             </a:r>
           </a:p>
         </p:txBody>
@@ -9522,7 +10276,7 @@
         <p:spPr>
           <a:xfrm>
             <a:off x="712379" y="173975"/>
-            <a:ext cx="2236510" cy="584775"/>
+            <a:ext cx="1005403" cy="584775"/>
           </a:xfrm>
           <a:prstGeom prst="rect">
             <a:avLst/>
@@ -9540,7 +10294,7 @@
                 <a:latin typeface="Consolas" panose="020B0609020204030204" pitchFamily="49" charset="0"/>
                 <a:ea typeface="微软雅黑" panose="020B0503020204020204" pitchFamily="34" charset="-122"/>
               </a:rPr>
-              <a:t>法师表结构</a:t>
+              <a:t>法师</a:t>
             </a:r>
           </a:p>
         </p:txBody>
@@ -10512,7 +11266,7 @@
                 <a:latin typeface="微软雅黑" panose="020B0503020204020204" pitchFamily="34" charset="-122"/>
                 <a:ea typeface="微软雅黑" panose="020B0503020204020204" pitchFamily="34" charset="-122"/>
               </a:rPr>
-              <a:t>查找申请者</a:t>
+              <a:t>查看申请者</a:t>
             </a:r>
             <a:endParaRPr lang="en-US" altLang="zh-CN" sz="1600" b="1">
               <a:solidFill>

--- a/doc/03.角色.pptx
+++ b/doc/03.角色.pptx
@@ -5144,7 +5144,7 @@
         <p:spPr>
           <a:xfrm>
             <a:off x="5243943" y="3913712"/>
-            <a:ext cx="1454459" cy="73"/>
+            <a:ext cx="1454459" cy="515"/>
           </a:xfrm>
           <a:prstGeom prst="straightConnector1">
             <a:avLst/>
@@ -5189,8 +5189,8 @@
         </p:nvCxnSpPr>
         <p:spPr>
           <a:xfrm flipV="1">
-            <a:off x="5243943" y="1573197"/>
-            <a:ext cx="1435564" cy="5108"/>
+            <a:off x="5243943" y="1573639"/>
+            <a:ext cx="1435564" cy="4666"/>
           </a:xfrm>
           <a:prstGeom prst="straightConnector1">
             <a:avLst/>
@@ -5676,8 +5676,8 @@
         </p:nvSpPr>
         <p:spPr>
           <a:xfrm>
-            <a:off x="6679507" y="1285049"/>
-            <a:ext cx="1728000" cy="576295"/>
+            <a:off x="6679507" y="1357639"/>
+            <a:ext cx="1728000" cy="432000"/>
           </a:xfrm>
           <a:prstGeom prst="roundRect">
             <a:avLst/>
@@ -5732,26 +5732,6 @@
               <a:ea typeface="微软雅黑" panose="020B0503020204020204" pitchFamily="34" charset="-122"/>
             </a:endParaRPr>
           </a:p>
-          <a:p>
-            <a:pPr algn="ctr"/>
-            <a:r>
-              <a:rPr lang="en-US" altLang="zh-CN" sz="1600" b="1">
-                <a:solidFill>
-                  <a:schemeClr val="tx1"/>
-                </a:solidFill>
-                <a:latin typeface="微软雅黑" panose="020B0503020204020204" pitchFamily="34" charset="-122"/>
-                <a:ea typeface="微软雅黑" panose="020B0503020204020204" pitchFamily="34" charset="-122"/>
-              </a:rPr>
-              <a:t>master</a:t>
-            </a:r>
-            <a:endParaRPr lang="zh-CN" altLang="en-US" sz="1600" b="1">
-              <a:solidFill>
-                <a:schemeClr val="tx1"/>
-              </a:solidFill>
-              <a:latin typeface="微软雅黑" panose="020B0503020204020204" pitchFamily="34" charset="-122"/>
-              <a:ea typeface="微软雅黑" panose="020B0503020204020204" pitchFamily="34" charset="-122"/>
-            </a:endParaRPr>
-          </a:p>
         </p:txBody>
       </p:sp>
       <p:sp>
@@ -5768,8 +5748,8 @@
         </p:nvSpPr>
         <p:spPr>
           <a:xfrm>
-            <a:off x="6698402" y="2455343"/>
-            <a:ext cx="1728000" cy="576295"/>
+            <a:off x="6698402" y="2527933"/>
+            <a:ext cx="1728000" cy="432000"/>
           </a:xfrm>
           <a:prstGeom prst="roundRect">
             <a:avLst/>
@@ -5824,26 +5804,6 @@
               <a:ea typeface="微软雅黑" panose="020B0503020204020204" pitchFamily="34" charset="-122"/>
             </a:endParaRPr>
           </a:p>
-          <a:p>
-            <a:pPr algn="ctr"/>
-            <a:r>
-              <a:rPr lang="en-US" altLang="zh-CN" sz="1600" b="1">
-                <a:solidFill>
-                  <a:schemeClr val="tx1"/>
-                </a:solidFill>
-                <a:latin typeface="微软雅黑" panose="020B0503020204020204" pitchFamily="34" charset="-122"/>
-                <a:ea typeface="微软雅黑" panose="020B0503020204020204" pitchFamily="34" charset="-122"/>
-              </a:rPr>
-              <a:t>master</a:t>
-            </a:r>
-            <a:endParaRPr lang="zh-CN" altLang="en-US" sz="1600" b="1">
-              <a:solidFill>
-                <a:schemeClr val="tx1"/>
-              </a:solidFill>
-              <a:latin typeface="微软雅黑" panose="020B0503020204020204" pitchFamily="34" charset="-122"/>
-              <a:ea typeface="微软雅黑" panose="020B0503020204020204" pitchFamily="34" charset="-122"/>
-            </a:endParaRPr>
-          </a:p>
         </p:txBody>
       </p:sp>
       <p:sp>
@@ -5860,8 +5820,8 @@
         </p:nvSpPr>
         <p:spPr>
           <a:xfrm>
-            <a:off x="6698402" y="3625637"/>
-            <a:ext cx="1728000" cy="576295"/>
+            <a:off x="6698402" y="3698227"/>
+            <a:ext cx="1728000" cy="432000"/>
           </a:xfrm>
           <a:prstGeom prst="roundRect">
             <a:avLst/>
@@ -5916,26 +5876,6 @@
               <a:ea typeface="微软雅黑" panose="020B0503020204020204" pitchFamily="34" charset="-122"/>
             </a:endParaRPr>
           </a:p>
-          <a:p>
-            <a:pPr algn="ctr"/>
-            <a:r>
-              <a:rPr lang="en-US" altLang="zh-CN" sz="1600" b="1">
-                <a:solidFill>
-                  <a:schemeClr val="tx1"/>
-                </a:solidFill>
-                <a:latin typeface="微软雅黑" panose="020B0503020204020204" pitchFamily="34" charset="-122"/>
-                <a:ea typeface="微软雅黑" panose="020B0503020204020204" pitchFamily="34" charset="-122"/>
-              </a:rPr>
-              <a:t>master</a:t>
-            </a:r>
-            <a:endParaRPr lang="zh-CN" altLang="en-US" sz="1600" b="1">
-              <a:solidFill>
-                <a:schemeClr val="tx1"/>
-              </a:solidFill>
-              <a:latin typeface="微软雅黑" panose="020B0503020204020204" pitchFamily="34" charset="-122"/>
-              <a:ea typeface="微软雅黑" panose="020B0503020204020204" pitchFamily="34" charset="-122"/>
-            </a:endParaRPr>
-          </a:p>
         </p:txBody>
       </p:sp>
       <p:sp>
@@ -5952,8 +5892,8 @@
         </p:nvSpPr>
         <p:spPr>
           <a:xfrm>
-            <a:off x="6698402" y="4795636"/>
-            <a:ext cx="1728000" cy="576295"/>
+            <a:off x="6698402" y="4868226"/>
+            <a:ext cx="1728000" cy="432000"/>
           </a:xfrm>
           <a:prstGeom prst="roundRect">
             <a:avLst/>
@@ -6008,26 +5948,6 @@
               <a:ea typeface="微软雅黑" panose="020B0503020204020204" pitchFamily="34" charset="-122"/>
             </a:endParaRPr>
           </a:p>
-          <a:p>
-            <a:pPr algn="ctr"/>
-            <a:r>
-              <a:rPr lang="en-US" altLang="zh-CN" sz="1600" b="1">
-                <a:solidFill>
-                  <a:schemeClr val="tx1"/>
-                </a:solidFill>
-                <a:latin typeface="微软雅黑" panose="020B0503020204020204" pitchFamily="34" charset="-122"/>
-                <a:ea typeface="微软雅黑" panose="020B0503020204020204" pitchFamily="34" charset="-122"/>
-              </a:rPr>
-              <a:t>master</a:t>
-            </a:r>
-            <a:endParaRPr lang="zh-CN" altLang="en-US" sz="1600" b="1">
-              <a:solidFill>
-                <a:schemeClr val="tx1"/>
-              </a:solidFill>
-              <a:latin typeface="微软雅黑" panose="020B0503020204020204" pitchFamily="34" charset="-122"/>
-              <a:ea typeface="微软雅黑" panose="020B0503020204020204" pitchFamily="34" charset="-122"/>
-            </a:endParaRPr>
-          </a:p>
         </p:txBody>
       </p:sp>
       <p:cxnSp>
@@ -6231,9 +6151,9 @@
           <p:nvPr/>
         </p:nvCxnSpPr>
         <p:spPr>
-          <a:xfrm flipH="1">
-            <a:off x="5243943" y="2743491"/>
-            <a:ext cx="1454459" cy="147"/>
+          <a:xfrm flipH="1" flipV="1">
+            <a:off x="5243943" y="2743638"/>
+            <a:ext cx="1454459" cy="295"/>
           </a:xfrm>
           <a:prstGeom prst="straightConnector1">
             <a:avLst/>
@@ -6277,9 +6197,9 @@
           <p:nvPr/>
         </p:nvCxnSpPr>
         <p:spPr>
-          <a:xfrm flipH="1">
-            <a:off x="5243943" y="5083784"/>
-            <a:ext cx="1454459" cy="2"/>
+          <a:xfrm flipH="1" flipV="1">
+            <a:off x="5243943" y="5083786"/>
+            <a:ext cx="1454459" cy="440"/>
           </a:xfrm>
           <a:prstGeom prst="straightConnector1">
             <a:avLst/>
@@ -6661,7 +6581,7 @@
         <p:spPr>
           <a:xfrm>
             <a:off x="5420824" y="4011584"/>
-            <a:ext cx="1392790" cy="148"/>
+            <a:ext cx="1396602" cy="295"/>
           </a:xfrm>
           <a:prstGeom prst="straightConnector1">
             <a:avLst/>
@@ -6706,8 +6626,8 @@
         </p:nvCxnSpPr>
         <p:spPr>
           <a:xfrm flipV="1">
-            <a:off x="5420824" y="1747029"/>
-            <a:ext cx="1396602" cy="4311"/>
+            <a:off x="5420824" y="1747176"/>
+            <a:ext cx="1400414" cy="4164"/>
           </a:xfrm>
           <a:prstGeom prst="straightConnector1">
             <a:avLst/>
@@ -7193,8 +7113,8 @@
         </p:nvSpPr>
         <p:spPr>
           <a:xfrm>
-            <a:off x="6817426" y="1458881"/>
-            <a:ext cx="1728000" cy="576295"/>
+            <a:off x="6821238" y="1531176"/>
+            <a:ext cx="1728000" cy="432000"/>
           </a:xfrm>
           <a:prstGeom prst="roundRect">
             <a:avLst/>
@@ -7249,26 +7169,6 @@
               <a:ea typeface="微软雅黑" panose="020B0503020204020204" pitchFamily="34" charset="-122"/>
             </a:endParaRPr>
           </a:p>
-          <a:p>
-            <a:pPr algn="ctr"/>
-            <a:r>
-              <a:rPr lang="en-US" altLang="zh-CN" sz="1600" b="1">
-                <a:solidFill>
-                  <a:schemeClr val="tx1"/>
-                </a:solidFill>
-                <a:latin typeface="微软雅黑" panose="020B0503020204020204" pitchFamily="34" charset="-122"/>
-                <a:ea typeface="微软雅黑" panose="020B0503020204020204" pitchFamily="34" charset="-122"/>
-              </a:rPr>
-              <a:t>temple_master</a:t>
-            </a:r>
-            <a:endParaRPr lang="zh-CN" altLang="en-US" sz="1600" b="1">
-              <a:solidFill>
-                <a:schemeClr val="tx1"/>
-              </a:solidFill>
-              <a:latin typeface="微软雅黑" panose="020B0503020204020204" pitchFamily="34" charset="-122"/>
-              <a:ea typeface="微软雅黑" panose="020B0503020204020204" pitchFamily="34" charset="-122"/>
-            </a:endParaRPr>
-          </a:p>
         </p:txBody>
       </p:sp>
       <p:sp>
@@ -7285,8 +7185,8 @@
         </p:nvSpPr>
         <p:spPr>
           <a:xfrm>
-            <a:off x="6813614" y="2597648"/>
-            <a:ext cx="1728000" cy="576295"/>
+            <a:off x="6817426" y="2669943"/>
+            <a:ext cx="1728000" cy="432000"/>
           </a:xfrm>
           <a:prstGeom prst="roundRect">
             <a:avLst/>
@@ -7341,26 +7241,6 @@
               <a:ea typeface="微软雅黑" panose="020B0503020204020204" pitchFamily="34" charset="-122"/>
             </a:endParaRPr>
           </a:p>
-          <a:p>
-            <a:pPr algn="ctr"/>
-            <a:r>
-              <a:rPr lang="en-US" altLang="zh-CN" sz="1600" b="1">
-                <a:solidFill>
-                  <a:schemeClr val="tx1"/>
-                </a:solidFill>
-                <a:latin typeface="微软雅黑" panose="020B0503020204020204" pitchFamily="34" charset="-122"/>
-                <a:ea typeface="微软雅黑" panose="020B0503020204020204" pitchFamily="34" charset="-122"/>
-              </a:rPr>
-              <a:t>temple_master</a:t>
-            </a:r>
-            <a:endParaRPr lang="zh-CN" altLang="en-US" sz="1600" b="1">
-              <a:solidFill>
-                <a:schemeClr val="tx1"/>
-              </a:solidFill>
-              <a:latin typeface="微软雅黑" panose="020B0503020204020204" pitchFamily="34" charset="-122"/>
-              <a:ea typeface="微软雅黑" panose="020B0503020204020204" pitchFamily="34" charset="-122"/>
-            </a:endParaRPr>
-          </a:p>
         </p:txBody>
       </p:sp>
       <p:sp>
@@ -7377,8 +7257,8 @@
         </p:nvSpPr>
         <p:spPr>
           <a:xfrm>
-            <a:off x="6813614" y="3723584"/>
-            <a:ext cx="1728000" cy="576295"/>
+            <a:off x="6817426" y="3795879"/>
+            <a:ext cx="1728000" cy="432000"/>
           </a:xfrm>
           <a:prstGeom prst="roundRect">
             <a:avLst/>
@@ -7433,26 +7313,6 @@
               <a:ea typeface="微软雅黑" panose="020B0503020204020204" pitchFamily="34" charset="-122"/>
             </a:endParaRPr>
           </a:p>
-          <a:p>
-            <a:pPr algn="ctr"/>
-            <a:r>
-              <a:rPr lang="en-US" altLang="zh-CN" sz="1600" b="1">
-                <a:solidFill>
-                  <a:schemeClr val="tx1"/>
-                </a:solidFill>
-                <a:latin typeface="微软雅黑" panose="020B0503020204020204" pitchFamily="34" charset="-122"/>
-                <a:ea typeface="微软雅黑" panose="020B0503020204020204" pitchFamily="34" charset="-122"/>
-              </a:rPr>
-              <a:t>temple_master</a:t>
-            </a:r>
-            <a:endParaRPr lang="zh-CN" altLang="en-US" sz="1600" b="1">
-              <a:solidFill>
-                <a:schemeClr val="tx1"/>
-              </a:solidFill>
-              <a:latin typeface="微软雅黑" panose="020B0503020204020204" pitchFamily="34" charset="-122"/>
-              <a:ea typeface="微软雅黑" panose="020B0503020204020204" pitchFamily="34" charset="-122"/>
-            </a:endParaRPr>
-          </a:p>
         </p:txBody>
       </p:sp>
       <p:sp>
@@ -7469,8 +7329,8 @@
         </p:nvSpPr>
         <p:spPr>
           <a:xfrm>
-            <a:off x="6817426" y="4859417"/>
-            <a:ext cx="1728000" cy="576295"/>
+            <a:off x="6821238" y="4931712"/>
+            <a:ext cx="1728000" cy="432000"/>
           </a:xfrm>
           <a:prstGeom prst="roundRect">
             <a:avLst/>
@@ -7525,26 +7385,6 @@
               <a:ea typeface="微软雅黑" panose="020B0503020204020204" pitchFamily="34" charset="-122"/>
             </a:endParaRPr>
           </a:p>
-          <a:p>
-            <a:pPr algn="ctr"/>
-            <a:r>
-              <a:rPr lang="en-US" altLang="zh-CN" sz="1600" b="1">
-                <a:solidFill>
-                  <a:schemeClr val="tx1"/>
-                </a:solidFill>
-                <a:latin typeface="微软雅黑" panose="020B0503020204020204" pitchFamily="34" charset="-122"/>
-                <a:ea typeface="微软雅黑" panose="020B0503020204020204" pitchFamily="34" charset="-122"/>
-              </a:rPr>
-              <a:t>temple_master</a:t>
-            </a:r>
-            <a:endParaRPr lang="zh-CN" altLang="en-US" sz="1600" b="1">
-              <a:solidFill>
-                <a:schemeClr val="tx1"/>
-              </a:solidFill>
-              <a:latin typeface="微软雅黑" panose="020B0503020204020204" pitchFamily="34" charset="-122"/>
-              <a:ea typeface="微软雅黑" panose="020B0503020204020204" pitchFamily="34" charset="-122"/>
-            </a:endParaRPr>
-          </a:p>
         </p:txBody>
       </p:sp>
       <p:cxnSp>
@@ -7750,7 +7590,7 @@
         <p:spPr>
           <a:xfrm flipH="1" flipV="1">
             <a:off x="5420824" y="2879380"/>
-            <a:ext cx="1392790" cy="6416"/>
+            <a:ext cx="1396602" cy="6563"/>
           </a:xfrm>
           <a:prstGeom prst="straightConnector1">
             <a:avLst/>
@@ -7796,7 +7636,7 @@
         <p:spPr>
           <a:xfrm flipH="1" flipV="1">
             <a:off x="5420824" y="5147417"/>
-            <a:ext cx="1396602" cy="148"/>
+            <a:ext cx="1400414" cy="295"/>
           </a:xfrm>
           <a:prstGeom prst="straightConnector1">
             <a:avLst/>
@@ -7969,7 +7809,7 @@
         <p:spPr>
           <a:xfrm>
             <a:off x="712379" y="173975"/>
-            <a:ext cx="2236510" cy="584775"/>
+            <a:ext cx="1005403" cy="584775"/>
           </a:xfrm>
           <a:prstGeom prst="rect">
             <a:avLst/>
@@ -7987,7 +7827,7 @@
                 <a:latin typeface="Consolas" panose="020B0609020204030204" pitchFamily="49" charset="0"/>
                 <a:ea typeface="微软雅黑" panose="020B0503020204020204" pitchFamily="34" charset="-122"/>
               </a:rPr>
-              <a:t>角色表结构</a:t>
+              <a:t>角色</a:t>
             </a:r>
           </a:p>
         </p:txBody>
@@ -8007,7 +7847,7 @@
         <p:spPr>
           <a:xfrm>
             <a:off x="712380" y="1540136"/>
-            <a:ext cx="1728000" cy="576000"/>
+            <a:ext cx="1728000" cy="648000"/>
           </a:xfrm>
           <a:prstGeom prst="roundRect">
             <a:avLst/>
@@ -8045,7 +7885,7 @@
           <a:p>
             <a:pPr algn="ctr"/>
             <a:r>
-              <a:rPr lang="zh-CN" altLang="en-US" sz="1600" b="1">
+              <a:rPr lang="zh-CN" altLang="en-US" b="1">
                 <a:solidFill>
                   <a:schemeClr val="tx1"/>
                 </a:solidFill>
@@ -8054,7 +7894,7 @@
               </a:rPr>
               <a:t>角色表</a:t>
             </a:r>
-            <a:endParaRPr lang="en-US" altLang="zh-CN" sz="1600" b="1">
+            <a:endParaRPr lang="en-US" altLang="zh-CN" b="1">
               <a:solidFill>
                 <a:schemeClr val="tx1"/>
               </a:solidFill>
@@ -8065,7 +7905,7 @@
           <a:p>
             <a:pPr algn="ctr"/>
             <a:r>
-              <a:rPr lang="en-US" altLang="zh-CN" sz="1600" b="1">
+              <a:rPr lang="en-US" altLang="zh-CN" b="1">
                 <a:solidFill>
                   <a:schemeClr val="tx1"/>
                 </a:solidFill>
@@ -8074,7 +7914,7 @@
               </a:rPr>
               <a:t>role</a:t>
             </a:r>
-            <a:endParaRPr lang="zh-CN" altLang="en-US" sz="1600" b="1">
+            <a:endParaRPr lang="zh-CN" altLang="en-US" b="1">
               <a:solidFill>
                 <a:schemeClr val="tx1"/>
               </a:solidFill>
@@ -8098,8 +7938,8 @@
         </p:nvSpPr>
         <p:spPr>
           <a:xfrm>
-            <a:off x="712379" y="2110342"/>
-            <a:ext cx="5052733" cy="501222"/>
+            <a:off x="712379" y="2188136"/>
+            <a:ext cx="5968339" cy="648001"/>
           </a:xfrm>
           <a:prstGeom prst="roundRect">
             <a:avLst>
@@ -8135,7 +7975,7 @@
           <a:lstStyle/>
           <a:p>
             <a:r>
-              <a:rPr lang="zh-CN" altLang="en-US" sz="1200" b="1">
+              <a:rPr lang="zh-CN" altLang="en-US" sz="1400" b="1">
                 <a:solidFill>
                   <a:schemeClr val="tx1"/>
                 </a:solidFill>
@@ -8145,7 +7985,7 @@
               <a:t>用户</a:t>
             </a:r>
             <a:r>
-              <a:rPr lang="en-US" altLang="zh-CN" sz="1200" b="1">
+              <a:rPr lang="en-US" altLang="zh-CN" sz="1400" b="1">
                 <a:solidFill>
                   <a:schemeClr val="tx1"/>
                 </a:solidFill>
@@ -8155,7 +7995,7 @@
               <a:t>id</a:t>
             </a:r>
             <a:br>
-              <a:rPr lang="en-US" altLang="zh-CN" sz="1200" b="1">
+              <a:rPr lang="en-US" altLang="zh-CN" sz="1400" b="1">
                 <a:solidFill>
                   <a:schemeClr val="tx1"/>
                 </a:solidFill>
@@ -8164,7 +8004,7 @@
               </a:rPr>
             </a:br>
             <a:r>
-              <a:rPr lang="zh-CN" altLang="en-US" sz="1200" b="1">
+              <a:rPr lang="zh-CN" altLang="en-US" sz="1400" b="1">
                 <a:solidFill>
                   <a:schemeClr val="tx1"/>
                 </a:solidFill>
@@ -8174,7 +8014,7 @@
               <a:t>角色类型 </a:t>
             </a:r>
             <a:r>
-              <a:rPr lang="en-US" altLang="zh-CN" sz="1200" b="1">
+              <a:rPr lang="en-US" altLang="zh-CN" sz="1400" b="1">
                 <a:solidFill>
                   <a:schemeClr val="tx1"/>
                 </a:solidFill>
@@ -8184,7 +8024,7 @@
               <a:t>[1~5] [</a:t>
             </a:r>
             <a:r>
-              <a:rPr lang="zh-CN" altLang="en-US" sz="1200" b="1">
+              <a:rPr lang="zh-CN" altLang="en-US" sz="1400" b="1">
                 <a:solidFill>
                   <a:schemeClr val="tx1"/>
                 </a:solidFill>
@@ -8194,7 +8034,7 @@
               <a:t>游客</a:t>
             </a:r>
             <a:r>
-              <a:rPr lang="en-US" altLang="zh-CN" sz="1200" b="1">
+              <a:rPr lang="en-US" altLang="zh-CN" sz="1400" b="1">
                 <a:solidFill>
                   <a:schemeClr val="tx1"/>
                 </a:solidFill>
@@ -8204,7 +8044,7 @@
               <a:t>,</a:t>
             </a:r>
             <a:r>
-              <a:rPr lang="zh-CN" altLang="en-US" sz="1200" b="1">
+              <a:rPr lang="zh-CN" altLang="en-US" sz="1400" b="1">
                 <a:solidFill>
                   <a:schemeClr val="tx1"/>
                 </a:solidFill>
@@ -8214,7 +8054,7 @@
               <a:t>用户</a:t>
             </a:r>
             <a:r>
-              <a:rPr lang="en-US" altLang="zh-CN" sz="1200" b="1">
+              <a:rPr lang="en-US" altLang="zh-CN" sz="1400" b="1">
                 <a:solidFill>
                   <a:schemeClr val="tx1"/>
                 </a:solidFill>
@@ -8224,7 +8064,7 @@
               <a:t>,</a:t>
             </a:r>
             <a:r>
-              <a:rPr lang="zh-CN" altLang="en-US" sz="1200" b="1">
+              <a:rPr lang="zh-CN" altLang="en-US" sz="1400" b="1">
                 <a:solidFill>
                   <a:schemeClr val="tx1"/>
                 </a:solidFill>
@@ -8234,7 +8074,7 @@
               <a:t>逝者</a:t>
             </a:r>
             <a:r>
-              <a:rPr lang="en-US" altLang="zh-CN" sz="1200" b="1">
+              <a:rPr lang="en-US" altLang="zh-CN" sz="1400" b="1">
                 <a:solidFill>
                   <a:schemeClr val="tx1"/>
                 </a:solidFill>
@@ -8244,7 +8084,7 @@
               <a:t>,</a:t>
             </a:r>
             <a:r>
-              <a:rPr lang="zh-CN" altLang="en-US" sz="1200" b="1">
+              <a:rPr lang="zh-CN" altLang="en-US" sz="1400" b="1">
                 <a:solidFill>
                   <a:schemeClr val="tx1"/>
                 </a:solidFill>
@@ -8254,7 +8094,7 @@
               <a:t>寺院</a:t>
             </a:r>
             <a:r>
-              <a:rPr lang="en-US" altLang="zh-CN" sz="1200" b="1">
+              <a:rPr lang="en-US" altLang="zh-CN" sz="1400" b="1">
                 <a:solidFill>
                   <a:schemeClr val="tx1"/>
                 </a:solidFill>
@@ -8264,7 +8104,7 @@
               <a:t>,</a:t>
             </a:r>
             <a:r>
-              <a:rPr lang="zh-CN" altLang="en-US" sz="1200" b="1">
+              <a:rPr lang="zh-CN" altLang="en-US" sz="1400" b="1">
                 <a:solidFill>
                   <a:schemeClr val="tx1"/>
                 </a:solidFill>
@@ -8274,7 +8114,7 @@
               <a:t>法师</a:t>
             </a:r>
             <a:r>
-              <a:rPr lang="en-US" altLang="zh-CN" sz="1200" b="1">
+              <a:rPr lang="en-US" altLang="zh-CN" sz="1400" b="1">
                 <a:solidFill>
                   <a:schemeClr val="tx1"/>
                 </a:solidFill>
@@ -8284,7 +8124,7 @@
               <a:t>] </a:t>
             </a:r>
             <a:r>
-              <a:rPr lang="zh-CN" altLang="en-US" sz="1200" b="1">
+              <a:rPr lang="zh-CN" altLang="en-US" sz="1400" b="1">
                 <a:solidFill>
                   <a:schemeClr val="tx1"/>
                 </a:solidFill>
@@ -8293,7 +8133,7 @@
               </a:rPr>
               <a:t>根据此类型去查找对应的表</a:t>
             </a:r>
-            <a:endParaRPr lang="zh-CN" altLang="en-US" sz="1200">
+            <a:endParaRPr lang="zh-CN" altLang="en-US" sz="1400">
               <a:latin typeface="微软雅黑" panose="020B0503020204020204" pitchFamily="34" charset="-122"/>
               <a:ea typeface="微软雅黑" panose="020B0503020204020204" pitchFamily="34" charset="-122"/>
             </a:endParaRPr>
@@ -8483,8 +8323,8 @@
         </p:nvSpPr>
         <p:spPr>
           <a:xfrm>
-            <a:off x="712379" y="1603221"/>
-            <a:ext cx="1728000" cy="576295"/>
+            <a:off x="712379" y="1603220"/>
+            <a:ext cx="1728000" cy="648000"/>
           </a:xfrm>
           <a:prstGeom prst="roundRect">
             <a:avLst/>
@@ -8522,7 +8362,7 @@
           <a:p>
             <a:pPr algn="ctr"/>
             <a:r>
-              <a:rPr lang="zh-CN" altLang="en-US" sz="1600" b="1">
+              <a:rPr lang="zh-CN" altLang="en-US" b="1">
                 <a:solidFill>
                   <a:schemeClr val="tx1"/>
                 </a:solidFill>
@@ -8531,7 +8371,7 @@
               </a:rPr>
               <a:t>游客信息表</a:t>
             </a:r>
-            <a:endParaRPr lang="en-US" altLang="zh-CN" sz="1600" b="1">
+            <a:endParaRPr lang="en-US" altLang="zh-CN" b="1">
               <a:solidFill>
                 <a:schemeClr val="tx1"/>
               </a:solidFill>
@@ -8542,7 +8382,7 @@
           <a:p>
             <a:pPr algn="ctr"/>
             <a:r>
-              <a:rPr lang="en-US" altLang="zh-CN" sz="1600" b="1">
+              <a:rPr lang="en-US" altLang="zh-CN" b="1">
                 <a:solidFill>
                   <a:schemeClr val="tx1"/>
                 </a:solidFill>
@@ -8551,7 +8391,7 @@
               </a:rPr>
               <a:t>visitor</a:t>
             </a:r>
-            <a:endParaRPr lang="zh-CN" altLang="en-US" sz="1600" b="1">
+            <a:endParaRPr lang="zh-CN" altLang="en-US" b="1">
               <a:solidFill>
                 <a:schemeClr val="tx1"/>
               </a:solidFill>
@@ -8575,8 +8415,8 @@
         </p:nvSpPr>
         <p:spPr>
           <a:xfrm>
-            <a:off x="712379" y="2179517"/>
-            <a:ext cx="1728000" cy="646210"/>
+            <a:off x="712379" y="2251220"/>
+            <a:ext cx="1728000" cy="771898"/>
           </a:xfrm>
           <a:prstGeom prst="roundRect">
             <a:avLst>
@@ -8612,7 +8452,7 @@
           <a:lstStyle/>
           <a:p>
             <a:r>
-              <a:rPr lang="zh-CN" altLang="en-US" sz="1200" b="1">
+              <a:rPr lang="zh-CN" altLang="en-US" sz="1400" b="1">
                 <a:solidFill>
                   <a:schemeClr val="tx1"/>
                 </a:solidFill>
@@ -8622,7 +8462,7 @@
               <a:t>用户</a:t>
             </a:r>
             <a:r>
-              <a:rPr lang="en-US" altLang="zh-CN" sz="1200" b="1">
+              <a:rPr lang="en-US" altLang="zh-CN" sz="1400" b="1">
                 <a:solidFill>
                   <a:schemeClr val="tx1"/>
                 </a:solidFill>
@@ -8634,7 +8474,7 @@
           </a:p>
           <a:p>
             <a:r>
-              <a:rPr lang="zh-CN" altLang="en-US" sz="1200" b="1">
+              <a:rPr lang="zh-CN" altLang="en-US" sz="1400" b="1">
                 <a:solidFill>
                   <a:schemeClr val="tx1"/>
                 </a:solidFill>
@@ -8643,7 +8483,7 @@
               </a:rPr>
               <a:t>昵称</a:t>
             </a:r>
-            <a:endParaRPr lang="en-US" altLang="zh-CN" sz="1200" b="1">
+            <a:endParaRPr lang="en-US" altLang="zh-CN" sz="1400" b="1">
               <a:solidFill>
                 <a:schemeClr val="tx1"/>
               </a:solidFill>
@@ -8653,7 +8493,7 @@
           </a:p>
           <a:p>
             <a:r>
-              <a:rPr lang="zh-CN" altLang="en-US" sz="1200" b="1">
+              <a:rPr lang="zh-CN" altLang="en-US" sz="1400" b="1">
                 <a:solidFill>
                   <a:schemeClr val="tx1"/>
                 </a:solidFill>
@@ -8662,7 +8502,7 @@
               </a:rPr>
               <a:t>微信号</a:t>
             </a:r>
-            <a:endParaRPr lang="zh-CN" altLang="en-US" sz="1200">
+            <a:endParaRPr lang="zh-CN" altLang="en-US" sz="1400">
               <a:latin typeface="微软雅黑" panose="020B0503020204020204" pitchFamily="34" charset="-122"/>
               <a:ea typeface="微软雅黑" panose="020B0503020204020204" pitchFamily="34" charset="-122"/>
             </a:endParaRPr>
@@ -8852,8 +8692,8 @@
         </p:nvSpPr>
         <p:spPr>
           <a:xfrm>
-            <a:off x="557652" y="1425218"/>
-            <a:ext cx="1728000" cy="576295"/>
+            <a:off x="712379" y="1415886"/>
+            <a:ext cx="1728000" cy="648000"/>
           </a:xfrm>
           <a:prstGeom prst="roundRect">
             <a:avLst/>
@@ -8891,7 +8731,7 @@
           <a:p>
             <a:pPr algn="ctr"/>
             <a:r>
-              <a:rPr lang="zh-CN" altLang="en-US" sz="1600" b="1">
+              <a:rPr lang="zh-CN" altLang="en-US" b="1">
                 <a:solidFill>
                   <a:schemeClr val="tx1"/>
                 </a:solidFill>
@@ -8900,7 +8740,7 @@
               </a:rPr>
               <a:t>用户信息表</a:t>
             </a:r>
-            <a:endParaRPr lang="en-US" altLang="zh-CN" sz="1600" b="1">
+            <a:endParaRPr lang="en-US" altLang="zh-CN" b="1">
               <a:solidFill>
                 <a:schemeClr val="tx1"/>
               </a:solidFill>
@@ -8911,7 +8751,7 @@
           <a:p>
             <a:pPr algn="ctr"/>
             <a:r>
-              <a:rPr lang="en-US" altLang="zh-CN" sz="1600" b="1">
+              <a:rPr lang="en-US" altLang="zh-CN" b="1">
                 <a:solidFill>
                   <a:schemeClr val="tx1"/>
                 </a:solidFill>
@@ -8920,7 +8760,7 @@
               </a:rPr>
               <a:t>user</a:t>
             </a:r>
-            <a:endParaRPr lang="zh-CN" altLang="en-US" sz="1600" b="1">
+            <a:endParaRPr lang="zh-CN" altLang="en-US" b="1">
               <a:solidFill>
                 <a:schemeClr val="tx1"/>
               </a:solidFill>
@@ -8944,8 +8784,8 @@
         </p:nvSpPr>
         <p:spPr>
           <a:xfrm>
-            <a:off x="557652" y="2001512"/>
-            <a:ext cx="1728000" cy="2144360"/>
+            <a:off x="712379" y="2057635"/>
+            <a:ext cx="1728000" cy="2533026"/>
           </a:xfrm>
           <a:prstGeom prst="roundRect">
             <a:avLst>
@@ -8981,7 +8821,7 @@
           <a:lstStyle/>
           <a:p>
             <a:r>
-              <a:rPr lang="zh-CN" altLang="en-US" sz="1200" b="1">
+              <a:rPr lang="zh-CN" altLang="en-US" sz="1400" b="1">
                 <a:solidFill>
                   <a:schemeClr val="tx1"/>
                 </a:solidFill>
@@ -8991,7 +8831,7 @@
               <a:t>用户</a:t>
             </a:r>
             <a:r>
-              <a:rPr lang="en-US" altLang="zh-CN" sz="1200" b="1">
+              <a:rPr lang="en-US" altLang="zh-CN" sz="1400" b="1">
                 <a:solidFill>
                   <a:schemeClr val="tx1"/>
                 </a:solidFill>
@@ -9003,7 +8843,7 @@
           </a:p>
           <a:p>
             <a:r>
-              <a:rPr lang="zh-CN" altLang="en-US" sz="1200" b="1">
+              <a:rPr lang="zh-CN" altLang="en-US" sz="1400" b="1">
                 <a:solidFill>
                   <a:schemeClr val="tx1"/>
                 </a:solidFill>
@@ -9012,7 +8852,7 @@
               </a:rPr>
               <a:t>昵称</a:t>
             </a:r>
-            <a:endParaRPr lang="en-US" altLang="zh-CN" sz="1200" b="1">
+            <a:endParaRPr lang="en-US" altLang="zh-CN" sz="1400" b="1">
               <a:solidFill>
                 <a:schemeClr val="tx1"/>
               </a:solidFill>
@@ -9022,7 +8862,7 @@
           </a:p>
           <a:p>
             <a:r>
-              <a:rPr lang="zh-CN" altLang="en-US" sz="1200" b="1">
+              <a:rPr lang="zh-CN" altLang="en-US" sz="1400" b="1">
                 <a:solidFill>
                   <a:schemeClr val="tx1"/>
                 </a:solidFill>
@@ -9031,7 +8871,7 @@
               </a:rPr>
               <a:t>姓名</a:t>
             </a:r>
-            <a:endParaRPr lang="en-US" altLang="zh-CN" sz="1200" b="1">
+            <a:endParaRPr lang="en-US" altLang="zh-CN" sz="1400" b="1">
               <a:solidFill>
                 <a:schemeClr val="tx1"/>
               </a:solidFill>
@@ -9041,7 +8881,7 @@
           </a:p>
           <a:p>
             <a:r>
-              <a:rPr lang="zh-CN" altLang="en-US" sz="1200" b="1">
+              <a:rPr lang="zh-CN" altLang="en-US" sz="1400" b="1">
                 <a:solidFill>
                   <a:schemeClr val="tx1"/>
                 </a:solidFill>
@@ -9050,7 +8890,7 @@
               </a:rPr>
               <a:t>性别</a:t>
             </a:r>
-            <a:endParaRPr lang="en-US" altLang="zh-CN" sz="1200" b="1">
+            <a:endParaRPr lang="en-US" altLang="zh-CN" sz="1400" b="1">
               <a:solidFill>
                 <a:schemeClr val="tx1"/>
               </a:solidFill>
@@ -9060,7 +8900,7 @@
           </a:p>
           <a:p>
             <a:r>
-              <a:rPr lang="zh-CN" altLang="en-US" sz="1200" b="1">
+              <a:rPr lang="zh-CN" altLang="en-US" sz="1400" b="1">
                 <a:solidFill>
                   <a:schemeClr val="tx1"/>
                 </a:solidFill>
@@ -9069,7 +8909,7 @@
               </a:rPr>
               <a:t>手机号</a:t>
             </a:r>
-            <a:endParaRPr lang="en-US" altLang="zh-CN" sz="1200" b="1">
+            <a:endParaRPr lang="en-US" altLang="zh-CN" sz="1400" b="1">
               <a:solidFill>
                 <a:schemeClr val="tx1"/>
               </a:solidFill>
@@ -9079,7 +8919,7 @@
           </a:p>
           <a:p>
             <a:r>
-              <a:rPr lang="zh-CN" altLang="en-US" sz="1200" b="1">
+              <a:rPr lang="zh-CN" altLang="en-US" sz="1400" b="1">
                 <a:solidFill>
                   <a:schemeClr val="tx1"/>
                 </a:solidFill>
@@ -9089,7 +8929,7 @@
               <a:t>微信号</a:t>
             </a:r>
             <a:br>
-              <a:rPr lang="en-US" altLang="zh-CN" sz="1200" b="1">
+              <a:rPr lang="en-US" altLang="zh-CN" sz="1400" b="1">
                 <a:solidFill>
                   <a:schemeClr val="tx1"/>
                 </a:solidFill>
@@ -9098,7 +8938,7 @@
               </a:rPr>
             </a:br>
             <a:r>
-              <a:rPr lang="zh-CN" altLang="en-US" sz="1200" b="1">
+              <a:rPr lang="zh-CN" altLang="en-US" sz="1400" b="1">
                 <a:solidFill>
                   <a:schemeClr val="tx1"/>
                 </a:solidFill>
@@ -9108,7 +8948,7 @@
               <a:t>邮箱</a:t>
             </a:r>
             <a:br>
-              <a:rPr lang="en-US" altLang="zh-CN" sz="1200" b="1">
+              <a:rPr lang="en-US" altLang="zh-CN" sz="1400" b="1">
                 <a:solidFill>
                   <a:schemeClr val="tx1"/>
                 </a:solidFill>
@@ -9117,7 +8957,7 @@
               </a:rPr>
             </a:br>
             <a:r>
-              <a:rPr lang="zh-CN" altLang="en-US" sz="1200" b="1">
+              <a:rPr lang="zh-CN" altLang="en-US" sz="1400" b="1">
                 <a:solidFill>
                   <a:schemeClr val="tx1"/>
                 </a:solidFill>
@@ -9127,7 +8967,7 @@
               <a:t>家庭地址</a:t>
             </a:r>
             <a:br>
-              <a:rPr lang="en-US" altLang="zh-CN" sz="1200" b="1">
+              <a:rPr lang="en-US" altLang="zh-CN" sz="1400" b="1">
                 <a:solidFill>
                   <a:schemeClr val="tx1"/>
                 </a:solidFill>
@@ -9136,7 +8976,7 @@
               </a:rPr>
             </a:br>
             <a:r>
-              <a:rPr lang="zh-CN" altLang="en-US" sz="1200" b="1">
+              <a:rPr lang="zh-CN" altLang="en-US" sz="1400" b="1">
                 <a:solidFill>
                   <a:schemeClr val="tx1"/>
                 </a:solidFill>
@@ -9145,7 +8985,7 @@
               </a:rPr>
               <a:t>出生年月日</a:t>
             </a:r>
-            <a:endParaRPr lang="en-US" altLang="zh-CN" sz="1200" b="1">
+            <a:endParaRPr lang="en-US" altLang="zh-CN" sz="1400" b="1">
               <a:solidFill>
                 <a:schemeClr val="tx1"/>
               </a:solidFill>
@@ -9155,7 +8995,7 @@
           </a:p>
           <a:p>
             <a:r>
-              <a:rPr lang="zh-CN" altLang="en-US" sz="1200" b="1">
+              <a:rPr lang="zh-CN" altLang="en-US" sz="1400" b="1">
                 <a:solidFill>
                   <a:schemeClr val="tx1"/>
                 </a:solidFill>
@@ -9164,7 +9004,7 @@
               </a:rPr>
               <a:t>身份证</a:t>
             </a:r>
-            <a:endParaRPr lang="en-US" altLang="zh-CN" sz="1200" b="1">
+            <a:endParaRPr lang="en-US" altLang="zh-CN" sz="1400" b="1">
               <a:solidFill>
                 <a:schemeClr val="tx1"/>
               </a:solidFill>
@@ -9174,7 +9014,7 @@
           </a:p>
           <a:p>
             <a:r>
-              <a:rPr lang="zh-CN" altLang="en-US" sz="1200" b="1">
+              <a:rPr lang="zh-CN" altLang="en-US" sz="1400" b="1">
                 <a:solidFill>
                   <a:schemeClr val="tx1"/>
                 </a:solidFill>
@@ -9183,7 +9023,7 @@
               </a:rPr>
               <a:t>其他证件</a:t>
             </a:r>
-            <a:endParaRPr lang="en-US" altLang="zh-CN" sz="1200" b="1">
+            <a:endParaRPr lang="en-US" altLang="zh-CN" sz="1400" b="1">
               <a:solidFill>
                 <a:schemeClr val="tx1"/>
               </a:solidFill>
@@ -9376,8 +9216,8 @@
         </p:nvSpPr>
         <p:spPr>
           <a:xfrm>
-            <a:off x="471489" y="1254707"/>
-            <a:ext cx="1728000" cy="576000"/>
+            <a:off x="712379" y="1450650"/>
+            <a:ext cx="1728000" cy="648000"/>
           </a:xfrm>
           <a:prstGeom prst="roundRect">
             <a:avLst/>
@@ -9415,7 +9255,7 @@
           <a:p>
             <a:pPr algn="ctr"/>
             <a:r>
-              <a:rPr lang="zh-CN" altLang="en-US" sz="1600" b="1">
+              <a:rPr lang="zh-CN" altLang="en-US" b="1">
                 <a:solidFill>
                   <a:schemeClr val="tx1"/>
                 </a:solidFill>
@@ -9424,7 +9264,7 @@
               </a:rPr>
               <a:t>逝者表</a:t>
             </a:r>
-            <a:endParaRPr lang="en-US" altLang="zh-CN" sz="1600" b="1">
+            <a:endParaRPr lang="en-US" altLang="zh-CN" b="1">
               <a:solidFill>
                 <a:schemeClr val="tx1"/>
               </a:solidFill>
@@ -9435,7 +9275,7 @@
           <a:p>
             <a:pPr algn="ctr"/>
             <a:r>
-              <a:rPr lang="en-US" altLang="zh-CN" sz="1600" b="1">
+              <a:rPr lang="en-US" altLang="zh-CN" b="1">
                 <a:solidFill>
                   <a:schemeClr val="tx1"/>
                 </a:solidFill>
@@ -9444,7 +9284,7 @@
               </a:rPr>
               <a:t>the_dead</a:t>
             </a:r>
-            <a:endParaRPr lang="zh-CN" altLang="en-US" sz="1600" b="1">
+            <a:endParaRPr lang="zh-CN" altLang="en-US" b="1">
               <a:solidFill>
                 <a:schemeClr val="tx1"/>
               </a:solidFill>
@@ -9468,8 +9308,8 @@
         </p:nvSpPr>
         <p:spPr>
           <a:xfrm>
-            <a:off x="471489" y="1829461"/>
-            <a:ext cx="1728000" cy="2033412"/>
+            <a:off x="712379" y="2098650"/>
+            <a:ext cx="1728000" cy="2352052"/>
           </a:xfrm>
           <a:prstGeom prst="roundRect">
             <a:avLst>
@@ -9505,7 +9345,7 @@
           <a:lstStyle/>
           <a:p>
             <a:r>
-              <a:rPr lang="zh-CN" altLang="en-US" sz="1200" b="1">
+              <a:rPr lang="zh-CN" altLang="en-US" sz="1400" b="1">
                 <a:solidFill>
                   <a:schemeClr val="tx1"/>
                 </a:solidFill>
@@ -9515,7 +9355,7 @@
               <a:t>用户</a:t>
             </a:r>
             <a:r>
-              <a:rPr lang="en-US" altLang="zh-CN" sz="1200" b="1">
+              <a:rPr lang="en-US" altLang="zh-CN" sz="1400" b="1">
                 <a:solidFill>
                   <a:schemeClr val="tx1"/>
                 </a:solidFill>
@@ -9527,7 +9367,7 @@
           </a:p>
           <a:p>
             <a:r>
-              <a:rPr lang="zh-CN" altLang="en-US" sz="1200" b="1">
+              <a:rPr lang="zh-CN" altLang="en-US" sz="1400" b="1">
                 <a:solidFill>
                   <a:schemeClr val="tx1"/>
                 </a:solidFill>
@@ -9536,7 +9376,7 @@
               </a:rPr>
               <a:t>姓名</a:t>
             </a:r>
-            <a:endParaRPr lang="en-US" altLang="zh-CN" sz="1200" b="1">
+            <a:endParaRPr lang="en-US" altLang="zh-CN" sz="1400" b="1">
               <a:solidFill>
                 <a:schemeClr val="tx1"/>
               </a:solidFill>
@@ -9546,7 +9386,7 @@
           </a:p>
           <a:p>
             <a:r>
-              <a:rPr lang="zh-CN" altLang="en-US" sz="1200" b="1">
+              <a:rPr lang="zh-CN" altLang="en-US" sz="1400" b="1">
                 <a:solidFill>
                   <a:schemeClr val="tx1"/>
                 </a:solidFill>
@@ -9555,7 +9395,7 @@
               </a:rPr>
               <a:t>性别</a:t>
             </a:r>
-            <a:endParaRPr lang="en-US" altLang="zh-CN" sz="1200" b="1">
+            <a:endParaRPr lang="en-US" altLang="zh-CN" sz="1400" b="1">
               <a:solidFill>
                 <a:schemeClr val="tx1"/>
               </a:solidFill>
@@ -9565,7 +9405,7 @@
           </a:p>
           <a:p>
             <a:r>
-              <a:rPr lang="zh-CN" altLang="en-US" sz="1200" b="1">
+              <a:rPr lang="zh-CN" altLang="en-US" sz="1400" b="1">
                 <a:solidFill>
                   <a:schemeClr val="tx1"/>
                 </a:solidFill>
@@ -9574,7 +9414,7 @@
               </a:rPr>
               <a:t>出生地址</a:t>
             </a:r>
-            <a:endParaRPr lang="en-US" altLang="zh-CN" sz="1200" b="1">
+            <a:endParaRPr lang="en-US" altLang="zh-CN" sz="1400" b="1">
               <a:solidFill>
                 <a:schemeClr val="tx1"/>
               </a:solidFill>
@@ -9584,7 +9424,7 @@
           </a:p>
           <a:p>
             <a:r>
-              <a:rPr lang="zh-CN" altLang="en-US" sz="1200" b="1">
+              <a:rPr lang="zh-CN" altLang="en-US" sz="1400" b="1">
                 <a:solidFill>
                   <a:schemeClr val="tx1"/>
                 </a:solidFill>
@@ -9594,7 +9434,7 @@
               <a:t>逝世地址</a:t>
             </a:r>
             <a:br>
-              <a:rPr lang="en-US" altLang="zh-CN" sz="1200" b="1">
+              <a:rPr lang="en-US" altLang="zh-CN" sz="1400" b="1">
                 <a:solidFill>
                   <a:schemeClr val="tx1"/>
                 </a:solidFill>
@@ -9603,7 +9443,7 @@
               </a:rPr>
             </a:br>
             <a:r>
-              <a:rPr lang="zh-CN" altLang="en-US" sz="1200" b="1">
+              <a:rPr lang="zh-CN" altLang="en-US" sz="1400" b="1">
                 <a:solidFill>
                   <a:schemeClr val="tx1"/>
                 </a:solidFill>
@@ -9612,7 +9452,7 @@
               </a:rPr>
               <a:t>出生年月日</a:t>
             </a:r>
-            <a:endParaRPr lang="en-US" altLang="zh-CN" sz="1200" b="1">
+            <a:endParaRPr lang="en-US" altLang="zh-CN" sz="1400" b="1">
               <a:solidFill>
                 <a:schemeClr val="tx1"/>
               </a:solidFill>
@@ -9622,7 +9462,7 @@
           </a:p>
           <a:p>
             <a:r>
-              <a:rPr lang="zh-CN" altLang="en-US" sz="1200" b="1">
+              <a:rPr lang="zh-CN" altLang="en-US" sz="1400" b="1">
                 <a:solidFill>
                   <a:schemeClr val="tx1"/>
                 </a:solidFill>
@@ -9631,7 +9471,7 @@
               </a:rPr>
               <a:t>逝世年月日</a:t>
             </a:r>
-            <a:endParaRPr lang="en-US" altLang="zh-CN" sz="1200" b="1">
+            <a:endParaRPr lang="en-US" altLang="zh-CN" sz="1400" b="1">
               <a:solidFill>
                 <a:schemeClr val="tx1"/>
               </a:solidFill>
@@ -9641,7 +9481,7 @@
           </a:p>
           <a:p>
             <a:r>
-              <a:rPr lang="zh-CN" altLang="en-US" sz="1200" b="1">
+              <a:rPr lang="zh-CN" altLang="en-US" sz="1400" b="1">
                 <a:solidFill>
                   <a:schemeClr val="tx1"/>
                 </a:solidFill>
@@ -9650,7 +9490,7 @@
               </a:rPr>
               <a:t>身份证</a:t>
             </a:r>
-            <a:endParaRPr lang="en-US" altLang="zh-CN" sz="1200" b="1">
+            <a:endParaRPr lang="en-US" altLang="zh-CN" sz="1400" b="1">
               <a:solidFill>
                 <a:schemeClr val="tx1"/>
               </a:solidFill>
@@ -9660,7 +9500,7 @@
           </a:p>
           <a:p>
             <a:r>
-              <a:rPr lang="zh-CN" altLang="en-US" sz="1200" b="1">
+              <a:rPr lang="zh-CN" altLang="en-US" sz="1400" b="1">
                 <a:solidFill>
                   <a:schemeClr val="tx1"/>
                 </a:solidFill>
@@ -9669,7 +9509,7 @@
               </a:rPr>
               <a:t>其他证件</a:t>
             </a:r>
-            <a:endParaRPr lang="en-US" altLang="zh-CN" sz="1200" b="1">
+            <a:endParaRPr lang="en-US" altLang="zh-CN" sz="1400" b="1">
               <a:solidFill>
                 <a:schemeClr val="tx1"/>
               </a:solidFill>
@@ -9679,7 +9519,7 @@
           </a:p>
           <a:p>
             <a:r>
-              <a:rPr lang="zh-CN" altLang="en-US" sz="1200" b="1">
+              <a:rPr lang="zh-CN" altLang="en-US" sz="1400" b="1">
                 <a:solidFill>
                   <a:schemeClr val="tx1"/>
                 </a:solidFill>
@@ -9688,7 +9528,7 @@
               </a:rPr>
               <a:t>简介</a:t>
             </a:r>
-            <a:endParaRPr lang="en-US" altLang="zh-CN" sz="1200" b="1">
+            <a:endParaRPr lang="en-US" altLang="zh-CN" sz="1400" b="1">
               <a:solidFill>
                 <a:schemeClr val="tx1"/>
               </a:solidFill>
@@ -9881,8 +9721,8 @@
         </p:nvSpPr>
         <p:spPr>
           <a:xfrm>
-            <a:off x="712379" y="1425218"/>
-            <a:ext cx="1728000" cy="576295"/>
+            <a:off x="712379" y="1425217"/>
+            <a:ext cx="1728000" cy="648000"/>
           </a:xfrm>
           <a:prstGeom prst="roundRect">
             <a:avLst/>
@@ -9920,7 +9760,7 @@
           <a:p>
             <a:pPr algn="ctr"/>
             <a:r>
-              <a:rPr lang="zh-CN" altLang="en-US" sz="1600" b="1">
+              <a:rPr lang="zh-CN" altLang="en-US" b="1">
                 <a:solidFill>
                   <a:schemeClr val="tx1"/>
                 </a:solidFill>
@@ -9929,7 +9769,7 @@
               </a:rPr>
               <a:t>寺院表</a:t>
             </a:r>
-            <a:endParaRPr lang="en-US" altLang="zh-CN" sz="1600" b="1">
+            <a:endParaRPr lang="en-US" altLang="zh-CN" b="1">
               <a:solidFill>
                 <a:schemeClr val="tx1"/>
               </a:solidFill>
@@ -9940,7 +9780,7 @@
           <a:p>
             <a:pPr algn="ctr"/>
             <a:r>
-              <a:rPr lang="en-US" altLang="zh-CN" sz="1600" b="1">
+              <a:rPr lang="en-US" altLang="zh-CN" b="1">
                 <a:solidFill>
                   <a:schemeClr val="tx1"/>
                 </a:solidFill>
@@ -9949,7 +9789,7 @@
               </a:rPr>
               <a:t>temple</a:t>
             </a:r>
-            <a:endParaRPr lang="zh-CN" altLang="en-US" sz="1600" b="1">
+            <a:endParaRPr lang="zh-CN" altLang="en-US" b="1">
               <a:solidFill>
                 <a:schemeClr val="tx1"/>
               </a:solidFill>
@@ -9973,8 +9813,8 @@
         </p:nvSpPr>
         <p:spPr>
           <a:xfrm>
-            <a:off x="712379" y="2001511"/>
-            <a:ext cx="1728000" cy="1338847"/>
+            <a:off x="712379" y="2073217"/>
+            <a:ext cx="1728000" cy="1500407"/>
           </a:xfrm>
           <a:prstGeom prst="roundRect">
             <a:avLst>
@@ -10010,7 +9850,7 @@
           <a:lstStyle/>
           <a:p>
             <a:r>
-              <a:rPr lang="zh-CN" altLang="en-US" sz="1200" b="1">
+              <a:rPr lang="zh-CN" altLang="en-US" sz="1400" b="1">
                 <a:solidFill>
                   <a:schemeClr val="tx1"/>
                 </a:solidFill>
@@ -10020,7 +9860,7 @@
               <a:t>寺院</a:t>
             </a:r>
             <a:r>
-              <a:rPr lang="en-US" altLang="zh-CN" sz="1200" b="1">
+              <a:rPr lang="en-US" altLang="zh-CN" sz="1400" b="1">
                 <a:solidFill>
                   <a:schemeClr val="tx1"/>
                 </a:solidFill>
@@ -10032,7 +9872,7 @@
           </a:p>
           <a:p>
             <a:r>
-              <a:rPr lang="zh-CN" altLang="en-US" sz="1200" b="1">
+              <a:rPr lang="zh-CN" altLang="en-US" sz="1400" b="1">
                 <a:solidFill>
                   <a:schemeClr val="tx1"/>
                 </a:solidFill>
@@ -10041,7 +9881,7 @@
               </a:rPr>
               <a:t>名称</a:t>
             </a:r>
-            <a:endParaRPr lang="en-US" altLang="zh-CN" sz="1200" b="1">
+            <a:endParaRPr lang="en-US" altLang="zh-CN" sz="1400" b="1">
               <a:solidFill>
                 <a:schemeClr val="tx1"/>
               </a:solidFill>
@@ -10051,7 +9891,7 @@
           </a:p>
           <a:p>
             <a:r>
-              <a:rPr lang="zh-CN" altLang="en-US" sz="1200" b="1">
+              <a:rPr lang="zh-CN" altLang="en-US" sz="1400" b="1">
                 <a:solidFill>
                   <a:schemeClr val="tx1"/>
                 </a:solidFill>
@@ -10060,7 +9900,7 @@
               </a:rPr>
               <a:t>社会信用代码</a:t>
             </a:r>
-            <a:endParaRPr lang="en-US" altLang="zh-CN" sz="1200" b="1">
+            <a:endParaRPr lang="en-US" altLang="zh-CN" sz="1400" b="1">
               <a:solidFill>
                 <a:schemeClr val="tx1"/>
               </a:solidFill>
@@ -10070,7 +9910,7 @@
           </a:p>
           <a:p>
             <a:r>
-              <a:rPr lang="zh-CN" altLang="en-US" sz="1200" b="1">
+              <a:rPr lang="zh-CN" altLang="en-US" sz="1400" b="1">
                 <a:solidFill>
                   <a:schemeClr val="tx1"/>
                 </a:solidFill>
@@ -10080,7 +9920,7 @@
               <a:t>地址</a:t>
             </a:r>
             <a:br>
-              <a:rPr lang="en-US" altLang="zh-CN" sz="1200" b="1">
+              <a:rPr lang="en-US" altLang="zh-CN" sz="1400" b="1">
                 <a:solidFill>
                   <a:schemeClr val="tx1"/>
                 </a:solidFill>
@@ -10089,7 +9929,7 @@
               </a:rPr>
             </a:br>
             <a:r>
-              <a:rPr lang="zh-CN" altLang="en-US" sz="1200" b="1">
+              <a:rPr lang="zh-CN" altLang="en-US" sz="1400" b="1">
                 <a:solidFill>
                   <a:schemeClr val="tx1"/>
                 </a:solidFill>
@@ -10099,7 +9939,7 @@
               <a:t>登记证</a:t>
             </a:r>
             <a:r>
-              <a:rPr lang="en-US" altLang="zh-CN" sz="1200" b="1">
+              <a:rPr lang="en-US" altLang="zh-CN" sz="1400" b="1">
                 <a:solidFill>
                   <a:schemeClr val="tx1"/>
                 </a:solidFill>
@@ -10111,7 +9951,7 @@
           </a:p>
           <a:p>
             <a:r>
-              <a:rPr lang="zh-CN" altLang="en-US" sz="1200" b="1">
+              <a:rPr lang="zh-CN" altLang="en-US" sz="1400" b="1">
                 <a:solidFill>
                   <a:schemeClr val="tx1"/>
                 </a:solidFill>
@@ -10120,7 +9960,7 @@
               </a:rPr>
               <a:t>批准标记</a:t>
             </a:r>
-            <a:endParaRPr lang="en-US" altLang="zh-CN" sz="1200" b="1">
+            <a:endParaRPr lang="en-US" altLang="zh-CN" sz="1400" b="1">
               <a:solidFill>
                 <a:schemeClr val="tx1"/>
               </a:solidFill>
@@ -10313,8 +10153,8 @@
         </p:nvSpPr>
         <p:spPr>
           <a:xfrm>
-            <a:off x="712379" y="1565177"/>
-            <a:ext cx="1728000" cy="576295"/>
+            <a:off x="712379" y="1565176"/>
+            <a:ext cx="1728000" cy="648000"/>
           </a:xfrm>
           <a:prstGeom prst="roundRect">
             <a:avLst/>
@@ -10352,7 +10192,7 @@
           <a:p>
             <a:pPr algn="ctr"/>
             <a:r>
-              <a:rPr lang="zh-CN" altLang="en-US" sz="1600" b="1">
+              <a:rPr lang="zh-CN" altLang="en-US" b="1">
                 <a:solidFill>
                   <a:schemeClr val="tx1"/>
                 </a:solidFill>
@@ -10361,7 +10201,7 @@
               </a:rPr>
               <a:t>法师表</a:t>
             </a:r>
-            <a:endParaRPr lang="en-US" altLang="zh-CN" sz="1600" b="1">
+            <a:endParaRPr lang="en-US" altLang="zh-CN" b="1">
               <a:solidFill>
                 <a:schemeClr val="tx1"/>
               </a:solidFill>
@@ -10372,7 +10212,7 @@
           <a:p>
             <a:pPr algn="ctr"/>
             <a:r>
-              <a:rPr lang="en-US" altLang="zh-CN" sz="1600" b="1">
+              <a:rPr lang="en-US" altLang="zh-CN" b="1">
                 <a:solidFill>
                   <a:schemeClr val="tx1"/>
                 </a:solidFill>
@@ -10381,7 +10221,7 @@
               </a:rPr>
               <a:t>master</a:t>
             </a:r>
-            <a:endParaRPr lang="zh-CN" altLang="en-US" sz="1600" b="1">
+            <a:endParaRPr lang="zh-CN" altLang="en-US" b="1">
               <a:solidFill>
                 <a:schemeClr val="tx1"/>
               </a:solidFill>
@@ -10405,8 +10245,8 @@
         </p:nvSpPr>
         <p:spPr>
           <a:xfrm>
-            <a:off x="712379" y="2141471"/>
-            <a:ext cx="1728000" cy="840748"/>
+            <a:off x="712379" y="2213176"/>
+            <a:ext cx="1728000" cy="1021607"/>
           </a:xfrm>
           <a:prstGeom prst="roundRect">
             <a:avLst>
@@ -10442,7 +10282,7 @@
           <a:lstStyle/>
           <a:p>
             <a:r>
-              <a:rPr lang="zh-CN" altLang="en-US" sz="1200" b="1">
+              <a:rPr lang="zh-CN" altLang="en-US" sz="1400" b="1">
                 <a:solidFill>
                   <a:schemeClr val="tx1"/>
                 </a:solidFill>
@@ -10452,7 +10292,7 @@
               <a:t>法师</a:t>
             </a:r>
             <a:r>
-              <a:rPr lang="en-US" altLang="zh-CN" sz="1200" b="1">
+              <a:rPr lang="en-US" altLang="zh-CN" sz="1400" b="1">
                 <a:solidFill>
                   <a:schemeClr val="tx1"/>
                 </a:solidFill>
@@ -10464,7 +10304,7 @@
           </a:p>
           <a:p>
             <a:r>
-              <a:rPr lang="zh-CN" altLang="en-US" sz="1200" b="1">
+              <a:rPr lang="zh-CN" altLang="en-US" sz="1400" b="1">
                 <a:solidFill>
                   <a:schemeClr val="tx1"/>
                 </a:solidFill>
@@ -10473,7 +10313,7 @@
               </a:rPr>
               <a:t>法号</a:t>
             </a:r>
-            <a:endParaRPr lang="en-US" altLang="zh-CN" sz="1200" b="1">
+            <a:endParaRPr lang="en-US" altLang="zh-CN" sz="1400" b="1">
               <a:solidFill>
                 <a:schemeClr val="tx1"/>
               </a:solidFill>
@@ -10483,7 +10323,7 @@
           </a:p>
           <a:p>
             <a:r>
-              <a:rPr lang="zh-CN" altLang="en-US" sz="1200" b="1">
+              <a:rPr lang="zh-CN" altLang="en-US" sz="1400" b="1">
                 <a:solidFill>
                   <a:schemeClr val="tx1"/>
                 </a:solidFill>
@@ -10493,7 +10333,7 @@
               <a:t>登记证</a:t>
             </a:r>
             <a:r>
-              <a:rPr lang="en-US" altLang="zh-CN" sz="1200" b="1">
+              <a:rPr lang="en-US" altLang="zh-CN" sz="1400" b="1">
                 <a:solidFill>
                   <a:schemeClr val="tx1"/>
                 </a:solidFill>
@@ -10505,7 +10345,7 @@
           </a:p>
           <a:p>
             <a:r>
-              <a:rPr lang="zh-CN" altLang="en-US" sz="1200" b="1">
+              <a:rPr lang="zh-CN" altLang="en-US" sz="1400" b="1">
                 <a:solidFill>
                   <a:schemeClr val="tx1"/>
                 </a:solidFill>
@@ -10514,7 +10354,7 @@
               </a:rPr>
               <a:t>批准标记</a:t>
             </a:r>
-            <a:endParaRPr lang="en-US" altLang="zh-CN" sz="1200" b="1">
+            <a:endParaRPr lang="en-US" altLang="zh-CN" sz="1400" b="1">
               <a:solidFill>
                 <a:schemeClr val="tx1"/>
               </a:solidFill>
@@ -10707,8 +10547,8 @@
         </p:nvSpPr>
         <p:spPr>
           <a:xfrm>
-            <a:off x="712379" y="1565177"/>
-            <a:ext cx="1728000" cy="576295"/>
+            <a:off x="712379" y="1565176"/>
+            <a:ext cx="1944000" cy="648000"/>
           </a:xfrm>
           <a:prstGeom prst="roundRect">
             <a:avLst/>
@@ -10746,7 +10586,7 @@
           <a:p>
             <a:pPr algn="ctr"/>
             <a:r>
-              <a:rPr lang="zh-CN" altLang="en-US" sz="1600" b="1">
+              <a:rPr lang="zh-CN" altLang="en-US" b="1">
                 <a:solidFill>
                   <a:schemeClr val="tx1"/>
                 </a:solidFill>
@@ -10755,7 +10595,7 @@
               </a:rPr>
               <a:t>寺院法师表</a:t>
             </a:r>
-            <a:endParaRPr lang="en-US" altLang="zh-CN" sz="1600" b="1">
+            <a:endParaRPr lang="en-US" altLang="zh-CN" b="1">
               <a:solidFill>
                 <a:schemeClr val="tx1"/>
               </a:solidFill>
@@ -10766,7 +10606,7 @@
           <a:p>
             <a:pPr algn="ctr"/>
             <a:r>
-              <a:rPr lang="en-US" altLang="zh-CN" sz="1600" b="1">
+              <a:rPr lang="en-US" altLang="zh-CN" b="1">
                 <a:solidFill>
                   <a:schemeClr val="tx1"/>
                 </a:solidFill>
@@ -10775,7 +10615,7 @@
               </a:rPr>
               <a:t>temple_master</a:t>
             </a:r>
-            <a:endParaRPr lang="zh-CN" altLang="en-US" sz="1600" b="1">
+            <a:endParaRPr lang="zh-CN" altLang="en-US" b="1">
               <a:solidFill>
                 <a:schemeClr val="tx1"/>
               </a:solidFill>
@@ -10799,8 +10639,8 @@
         </p:nvSpPr>
         <p:spPr>
           <a:xfrm>
-            <a:off x="712379" y="2141471"/>
-            <a:ext cx="1728000" cy="685705"/>
+            <a:off x="712378" y="2213176"/>
+            <a:ext cx="1943999" cy="828604"/>
           </a:xfrm>
           <a:prstGeom prst="roundRect">
             <a:avLst>
@@ -10836,7 +10676,7 @@
           <a:lstStyle/>
           <a:p>
             <a:r>
-              <a:rPr lang="zh-CN" altLang="en-US" sz="1200" b="1">
+              <a:rPr lang="zh-CN" altLang="en-US" sz="1400" b="1">
                 <a:solidFill>
                   <a:schemeClr val="tx1"/>
                 </a:solidFill>
@@ -10846,7 +10686,7 @@
               <a:t>寺院</a:t>
             </a:r>
             <a:r>
-              <a:rPr lang="en-US" altLang="zh-CN" sz="1200" b="1">
+              <a:rPr lang="en-US" altLang="zh-CN" sz="1400" b="1">
                 <a:solidFill>
                   <a:schemeClr val="tx1"/>
                 </a:solidFill>
@@ -10858,7 +10698,7 @@
           </a:p>
           <a:p>
             <a:r>
-              <a:rPr lang="zh-CN" altLang="en-US" sz="1200" b="1">
+              <a:rPr lang="zh-CN" altLang="en-US" sz="1400" b="1">
                 <a:solidFill>
                   <a:schemeClr val="tx1"/>
                 </a:solidFill>
@@ -10868,7 +10708,7 @@
               <a:t>法师</a:t>
             </a:r>
             <a:r>
-              <a:rPr lang="en-US" altLang="zh-CN" sz="1200" b="1">
+              <a:rPr lang="en-US" altLang="zh-CN" sz="1400" b="1">
                 <a:solidFill>
                   <a:schemeClr val="tx1"/>
                 </a:solidFill>
@@ -10880,7 +10720,7 @@
           </a:p>
           <a:p>
             <a:r>
-              <a:rPr lang="zh-CN" altLang="en-US" sz="1200" b="1">
+              <a:rPr lang="zh-CN" altLang="en-US" sz="1400" b="1">
                 <a:solidFill>
                   <a:schemeClr val="tx1"/>
                 </a:solidFill>
@@ -10889,7 +10729,7 @@
               </a:rPr>
               <a:t>批准标记</a:t>
             </a:r>
-            <a:endParaRPr lang="en-US" altLang="zh-CN" sz="1200" b="1">
+            <a:endParaRPr lang="en-US" altLang="zh-CN" sz="1400" b="1">
               <a:solidFill>
                 <a:schemeClr val="tx1"/>
               </a:solidFill>
@@ -11317,7 +11157,7 @@
         <p:spPr>
           <a:xfrm>
             <a:off x="5565980" y="2151254"/>
-            <a:ext cx="1888230" cy="6205"/>
+            <a:ext cx="1888230" cy="0"/>
           </a:xfrm>
           <a:prstGeom prst="straightConnector1">
             <a:avLst/>
@@ -11361,9 +11201,9 @@
           <p:nvPr/>
         </p:nvCxnSpPr>
         <p:spPr>
-          <a:xfrm>
-            <a:off x="5565980" y="4853241"/>
-            <a:ext cx="1888230" cy="3791"/>
+          <a:xfrm flipV="1">
+            <a:off x="5565980" y="4850827"/>
+            <a:ext cx="1888230" cy="2414"/>
           </a:xfrm>
           <a:prstGeom prst="straightConnector1">
             <a:avLst/>
@@ -11941,8 +11781,8 @@
         </p:nvSpPr>
         <p:spPr>
           <a:xfrm>
-            <a:off x="7454210" y="1869311"/>
-            <a:ext cx="1728000" cy="576295"/>
+            <a:off x="7454210" y="1935254"/>
+            <a:ext cx="1728000" cy="432000"/>
           </a:xfrm>
           <a:prstGeom prst="roundRect">
             <a:avLst/>
@@ -11997,26 +11837,6 @@
               <a:ea typeface="微软雅黑" panose="020B0503020204020204" pitchFamily="34" charset="-122"/>
             </a:endParaRPr>
           </a:p>
-          <a:p>
-            <a:pPr algn="ctr"/>
-            <a:r>
-              <a:rPr lang="en-US" altLang="zh-CN" sz="1600" b="1">
-                <a:solidFill>
-                  <a:schemeClr val="tx1"/>
-                </a:solidFill>
-                <a:latin typeface="微软雅黑" panose="020B0503020204020204" pitchFamily="34" charset="-122"/>
-                <a:ea typeface="微软雅黑" panose="020B0503020204020204" pitchFamily="34" charset="-122"/>
-              </a:rPr>
-              <a:t>temple</a:t>
-            </a:r>
-            <a:endParaRPr lang="zh-CN" altLang="en-US" sz="1600" b="1">
-              <a:solidFill>
-                <a:schemeClr val="tx1"/>
-              </a:solidFill>
-              <a:latin typeface="微软雅黑" panose="020B0503020204020204" pitchFamily="34" charset="-122"/>
-              <a:ea typeface="微软雅黑" panose="020B0503020204020204" pitchFamily="34" charset="-122"/>
-            </a:endParaRPr>
-          </a:p>
         </p:txBody>
       </p:sp>
       <p:cxnSp>
@@ -12171,8 +11991,8 @@
         </p:nvSpPr>
         <p:spPr>
           <a:xfrm>
-            <a:off x="7454210" y="3390369"/>
-            <a:ext cx="1728000" cy="576295"/>
+            <a:off x="7454210" y="3456312"/>
+            <a:ext cx="1728000" cy="432000"/>
           </a:xfrm>
           <a:prstGeom prst="roundRect">
             <a:avLst/>
@@ -12227,26 +12047,6 @@
               <a:ea typeface="微软雅黑" panose="020B0503020204020204" pitchFamily="34" charset="-122"/>
             </a:endParaRPr>
           </a:p>
-          <a:p>
-            <a:pPr algn="ctr"/>
-            <a:r>
-              <a:rPr lang="en-US" altLang="zh-CN" sz="1600" b="1">
-                <a:solidFill>
-                  <a:schemeClr val="tx1"/>
-                </a:solidFill>
-                <a:latin typeface="微软雅黑" panose="020B0503020204020204" pitchFamily="34" charset="-122"/>
-                <a:ea typeface="微软雅黑" panose="020B0503020204020204" pitchFamily="34" charset="-122"/>
-              </a:rPr>
-              <a:t>temple</a:t>
-            </a:r>
-            <a:endParaRPr lang="zh-CN" altLang="en-US" sz="1600" b="1">
-              <a:solidFill>
-                <a:schemeClr val="tx1"/>
-              </a:solidFill>
-              <a:latin typeface="微软雅黑" panose="020B0503020204020204" pitchFamily="34" charset="-122"/>
-              <a:ea typeface="微软雅黑" panose="020B0503020204020204" pitchFamily="34" charset="-122"/>
-            </a:endParaRPr>
-          </a:p>
         </p:txBody>
       </p:sp>
       <p:sp>
@@ -12263,8 +12063,8 @@
         </p:nvSpPr>
         <p:spPr>
           <a:xfrm>
-            <a:off x="7454210" y="4568884"/>
-            <a:ext cx="1728000" cy="576295"/>
+            <a:off x="7454210" y="4634827"/>
+            <a:ext cx="1728000" cy="432000"/>
           </a:xfrm>
           <a:prstGeom prst="roundRect">
             <a:avLst/>
@@ -12319,26 +12119,6 @@
               <a:ea typeface="微软雅黑" panose="020B0503020204020204" pitchFamily="34" charset="-122"/>
             </a:endParaRPr>
           </a:p>
-          <a:p>
-            <a:pPr algn="ctr"/>
-            <a:r>
-              <a:rPr lang="en-US" altLang="zh-CN" sz="1600" b="1">
-                <a:solidFill>
-                  <a:schemeClr val="tx1"/>
-                </a:solidFill>
-                <a:latin typeface="微软雅黑" panose="020B0503020204020204" pitchFamily="34" charset="-122"/>
-                <a:ea typeface="微软雅黑" panose="020B0503020204020204" pitchFamily="34" charset="-122"/>
-              </a:rPr>
-              <a:t>temple</a:t>
-            </a:r>
-            <a:endParaRPr lang="zh-CN" altLang="en-US" sz="1600" b="1">
-              <a:solidFill>
-                <a:schemeClr val="tx1"/>
-              </a:solidFill>
-              <a:latin typeface="微软雅黑" panose="020B0503020204020204" pitchFamily="34" charset="-122"/>
-              <a:ea typeface="微软雅黑" panose="020B0503020204020204" pitchFamily="34" charset="-122"/>
-            </a:endParaRPr>
-          </a:p>
         </p:txBody>
       </p:sp>
       <p:sp>
@@ -12355,8 +12135,8 @@
         </p:nvSpPr>
         <p:spPr>
           <a:xfrm>
-            <a:off x="7454210" y="5937926"/>
-            <a:ext cx="1728000" cy="576295"/>
+            <a:off x="7454210" y="6003869"/>
+            <a:ext cx="1728000" cy="432000"/>
           </a:xfrm>
           <a:prstGeom prst="roundRect">
             <a:avLst/>
@@ -12411,26 +12191,6 @@
               <a:ea typeface="微软雅黑" panose="020B0503020204020204" pitchFamily="34" charset="-122"/>
             </a:endParaRPr>
           </a:p>
-          <a:p>
-            <a:pPr algn="ctr"/>
-            <a:r>
-              <a:rPr lang="en-US" altLang="zh-CN" sz="1600" b="1">
-                <a:solidFill>
-                  <a:schemeClr val="tx1"/>
-                </a:solidFill>
-                <a:latin typeface="微软雅黑" panose="020B0503020204020204" pitchFamily="34" charset="-122"/>
-                <a:ea typeface="微软雅黑" panose="020B0503020204020204" pitchFamily="34" charset="-122"/>
-              </a:rPr>
-              <a:t>temple</a:t>
-            </a:r>
-            <a:endParaRPr lang="zh-CN" altLang="en-US" sz="1600" b="1">
-              <a:solidFill>
-                <a:schemeClr val="tx1"/>
-              </a:solidFill>
-              <a:latin typeface="微软雅黑" panose="020B0503020204020204" pitchFamily="34" charset="-122"/>
-              <a:ea typeface="微软雅黑" panose="020B0503020204020204" pitchFamily="34" charset="-122"/>
-            </a:endParaRPr>
-          </a:p>
         </p:txBody>
       </p:sp>
       <p:cxnSp>
@@ -12451,8 +12211,8 @@
         </p:nvCxnSpPr>
         <p:spPr>
           <a:xfrm flipH="1">
-            <a:off x="5565980" y="3678517"/>
-            <a:ext cx="1888230" cy="3993"/>
+            <a:off x="5565980" y="3672312"/>
+            <a:ext cx="1888230" cy="10198"/>
           </a:xfrm>
           <a:prstGeom prst="straightConnector1">
             <a:avLst/>
@@ -12497,8 +12257,8 @@
         </p:nvCxnSpPr>
         <p:spPr>
           <a:xfrm flipH="1">
-            <a:off x="5565980" y="6226074"/>
-            <a:ext cx="1888230" cy="4281"/>
+            <a:off x="5565980" y="6219869"/>
+            <a:ext cx="1888230" cy="10486"/>
           </a:xfrm>
           <a:prstGeom prst="straightConnector1">
             <a:avLst/>
